--- a/slides/FpViaCSharp.pptx
+++ b/slides/FpViaCSharp.pptx
@@ -12,6 +12,13 @@
     <p:sldId id="260" r:id="rId6"/>
     <p:sldId id="261" r:id="rId7"/>
     <p:sldId id="262" r:id="rId8"/>
+    <p:sldId id="263" r:id="rId9"/>
+    <p:sldId id="264" r:id="rId10"/>
+    <p:sldId id="265" r:id="rId11"/>
+    <p:sldId id="266" r:id="rId12"/>
+    <p:sldId id="267" r:id="rId13"/>
+    <p:sldId id="268" r:id="rId14"/>
+    <p:sldId id="269" r:id="rId15"/>
   </p:sldIdLst>
   <p:sldSz cx="12192000" cy="6858000"/>
   <p:notesSz cx="6858000" cy="9144000"/>
@@ -3057,6 +3064,437 @@
 </p:sld>
 </file>
 
+<file path=ppt/slides/slide10.xml><?xml version="1.0" encoding="utf-8"?>
+<p:sld xmlns:a="http://schemas.openxmlformats.org/drawingml/2006/main" xmlns:r="http://schemas.openxmlformats.org/officeDocument/2006/relationships" xmlns:p="http://schemas.openxmlformats.org/presentationml/2006/main">
+  <p:cSld>
+    <p:spTree>
+      <p:nvGrpSpPr>
+        <p:cNvPr id="1" name=""/>
+        <p:cNvGrpSpPr/>
+        <p:nvPr/>
+      </p:nvGrpSpPr>
+      <p:grpSpPr>
+        <a:xfrm>
+          <a:off x="0" y="0"/>
+          <a:ext cx="0" cy="0"/>
+          <a:chOff x="0" y="0"/>
+          <a:chExt cx="0" cy="0"/>
+        </a:xfrm>
+      </p:grpSpPr>
+      <p:sp>
+        <p:nvSpPr>
+          <p:cNvPr id="2" name="Title 1"/>
+          <p:cNvSpPr>
+            <a:spLocks noGrp="1"/>
+          </p:cNvSpPr>
+          <p:nvPr>
+            <p:ph type="title"/>
+          </p:nvPr>
+        </p:nvSpPr>
+        <p:spPr/>
+        <p:txBody>
+          <a:bodyPr/>
+          <a:lstStyle/>
+          <a:p>
+            <a:r>
+              <a:rPr lang="en-US" dirty="0" smtClean="0"/>
+              <a:t>List Comprehensions</a:t>
+            </a:r>
+            <a:endParaRPr lang="en-US" dirty="0"/>
+          </a:p>
+        </p:txBody>
+      </p:sp>
+      <p:sp>
+        <p:nvSpPr>
+          <p:cNvPr id="3" name="Content Placeholder 2"/>
+          <p:cNvSpPr>
+            <a:spLocks noGrp="1"/>
+          </p:cNvSpPr>
+          <p:nvPr>
+            <p:ph idx="1"/>
+          </p:nvPr>
+        </p:nvSpPr>
+        <p:spPr/>
+        <p:txBody>
+          <a:bodyPr/>
+          <a:lstStyle/>
+          <a:p>
+            <a:endParaRPr lang="en-US"/>
+          </a:p>
+        </p:txBody>
+      </p:sp>
+    </p:spTree>
+    <p:extLst>
+      <p:ext uri="{BB962C8B-B14F-4D97-AF65-F5344CB8AC3E}">
+        <p14:creationId xmlns:p14="http://schemas.microsoft.com/office/powerpoint/2010/main" val="3114987942"/>
+      </p:ext>
+    </p:extLst>
+  </p:cSld>
+  <p:clrMapOvr>
+    <a:masterClrMapping/>
+  </p:clrMapOvr>
+  <p:timing>
+    <p:tnLst>
+      <p:par>
+        <p:cTn id="1" dur="indefinite" restart="never" nodeType="tmRoot"/>
+      </p:par>
+    </p:tnLst>
+  </p:timing>
+</p:sld>
+</file>
+
+<file path=ppt/slides/slide11.xml><?xml version="1.0" encoding="utf-8"?>
+<p:sld xmlns:a="http://schemas.openxmlformats.org/drawingml/2006/main" xmlns:r="http://schemas.openxmlformats.org/officeDocument/2006/relationships" xmlns:p="http://schemas.openxmlformats.org/presentationml/2006/main">
+  <p:cSld>
+    <p:spTree>
+      <p:nvGrpSpPr>
+        <p:cNvPr id="1" name=""/>
+        <p:cNvGrpSpPr/>
+        <p:nvPr/>
+      </p:nvGrpSpPr>
+      <p:grpSpPr>
+        <a:xfrm>
+          <a:off x="0" y="0"/>
+          <a:ext cx="0" cy="0"/>
+          <a:chOff x="0" y="0"/>
+          <a:chExt cx="0" cy="0"/>
+        </a:xfrm>
+      </p:grpSpPr>
+      <p:sp>
+        <p:nvSpPr>
+          <p:cNvPr id="2" name="Title 1"/>
+          <p:cNvSpPr>
+            <a:spLocks noGrp="1"/>
+          </p:cNvSpPr>
+          <p:nvPr>
+            <p:ph type="title"/>
+          </p:nvPr>
+        </p:nvSpPr>
+        <p:spPr/>
+        <p:txBody>
+          <a:bodyPr/>
+          <a:lstStyle/>
+          <a:p>
+            <a:r>
+              <a:rPr lang="en-US" dirty="0" smtClean="0"/>
+              <a:t>Recursion</a:t>
+            </a:r>
+            <a:endParaRPr lang="en-US" dirty="0"/>
+          </a:p>
+        </p:txBody>
+      </p:sp>
+      <p:sp>
+        <p:nvSpPr>
+          <p:cNvPr id="3" name="Content Placeholder 2"/>
+          <p:cNvSpPr>
+            <a:spLocks noGrp="1"/>
+          </p:cNvSpPr>
+          <p:nvPr>
+            <p:ph idx="1"/>
+          </p:nvPr>
+        </p:nvSpPr>
+        <p:spPr/>
+        <p:txBody>
+          <a:bodyPr/>
+          <a:lstStyle/>
+          <a:p>
+            <a:r>
+              <a:rPr lang="en-US" dirty="0" smtClean="0"/>
+              <a:t>Tail Call recursion</a:t>
+            </a:r>
+          </a:p>
+          <a:p>
+            <a:r>
+              <a:rPr lang="en-US" dirty="0" err="1" smtClean="0"/>
+              <a:t>Jit</a:t>
+            </a:r>
+            <a:r>
+              <a:rPr lang="en-US" dirty="0" smtClean="0"/>
+              <a:t> optimizer</a:t>
+            </a:r>
+          </a:p>
+          <a:p>
+            <a:r>
+              <a:rPr lang="en-US" dirty="0" smtClean="0"/>
+              <a:t>For fun not for production!</a:t>
+            </a:r>
+            <a:endParaRPr lang="en-US" dirty="0"/>
+          </a:p>
+        </p:txBody>
+      </p:sp>
+    </p:spTree>
+    <p:extLst>
+      <p:ext uri="{BB962C8B-B14F-4D97-AF65-F5344CB8AC3E}">
+        <p14:creationId xmlns:p14="http://schemas.microsoft.com/office/powerpoint/2010/main" val="673032841"/>
+      </p:ext>
+    </p:extLst>
+  </p:cSld>
+  <p:clrMapOvr>
+    <a:masterClrMapping/>
+  </p:clrMapOvr>
+  <p:timing>
+    <p:tnLst>
+      <p:par>
+        <p:cTn id="1" dur="indefinite" restart="never" nodeType="tmRoot"/>
+      </p:par>
+    </p:tnLst>
+  </p:timing>
+</p:sld>
+</file>
+
+<file path=ppt/slides/slide12.xml><?xml version="1.0" encoding="utf-8"?>
+<p:sld xmlns:a="http://schemas.openxmlformats.org/drawingml/2006/main" xmlns:r="http://schemas.openxmlformats.org/officeDocument/2006/relationships" xmlns:p="http://schemas.openxmlformats.org/presentationml/2006/main">
+  <p:cSld>
+    <p:spTree>
+      <p:nvGrpSpPr>
+        <p:cNvPr id="1" name=""/>
+        <p:cNvGrpSpPr/>
+        <p:nvPr/>
+      </p:nvGrpSpPr>
+      <p:grpSpPr>
+        <a:xfrm>
+          <a:off x="0" y="0"/>
+          <a:ext cx="0" cy="0"/>
+          <a:chOff x="0" y="0"/>
+          <a:chExt cx="0" cy="0"/>
+        </a:xfrm>
+      </p:grpSpPr>
+      <p:sp>
+        <p:nvSpPr>
+          <p:cNvPr id="2" name="Title 1"/>
+          <p:cNvSpPr>
+            <a:spLocks noGrp="1"/>
+          </p:cNvSpPr>
+          <p:nvPr>
+            <p:ph type="title"/>
+          </p:nvPr>
+        </p:nvSpPr>
+        <p:spPr/>
+        <p:txBody>
+          <a:bodyPr/>
+          <a:lstStyle/>
+          <a:p>
+            <a:r>
+              <a:rPr lang="en-US" dirty="0" smtClean="0"/>
+              <a:t>Relax! Let the Machines Handle it!</a:t>
+            </a:r>
+            <a:endParaRPr lang="en-US" dirty="0"/>
+          </a:p>
+        </p:txBody>
+      </p:sp>
+      <p:sp>
+        <p:nvSpPr>
+          <p:cNvPr id="3" name="Content Placeholder 2"/>
+          <p:cNvSpPr>
+            <a:spLocks noGrp="1"/>
+          </p:cNvSpPr>
+          <p:nvPr>
+            <p:ph idx="1"/>
+          </p:nvPr>
+        </p:nvSpPr>
+        <p:spPr/>
+        <p:txBody>
+          <a:bodyPr/>
+          <a:lstStyle/>
+          <a:p>
+            <a:r>
+              <a:rPr lang="en-US" dirty="0" smtClean="0"/>
+              <a:t>What could go wrong?</a:t>
+            </a:r>
+            <a:endParaRPr lang="en-US" dirty="0"/>
+          </a:p>
+        </p:txBody>
+      </p:sp>
+    </p:spTree>
+    <p:extLst>
+      <p:ext uri="{BB962C8B-B14F-4D97-AF65-F5344CB8AC3E}">
+        <p14:creationId xmlns:p14="http://schemas.microsoft.com/office/powerpoint/2010/main" val="1356244215"/>
+      </p:ext>
+    </p:extLst>
+  </p:cSld>
+  <p:clrMapOvr>
+    <a:masterClrMapping/>
+  </p:clrMapOvr>
+  <p:timing>
+    <p:tnLst>
+      <p:par>
+        <p:cTn id="1" dur="indefinite" restart="never" nodeType="tmRoot"/>
+      </p:par>
+    </p:tnLst>
+  </p:timing>
+</p:sld>
+</file>
+
+<file path=ppt/slides/slide13.xml><?xml version="1.0" encoding="utf-8"?>
+<p:sld xmlns:a="http://schemas.openxmlformats.org/drawingml/2006/main" xmlns:r="http://schemas.openxmlformats.org/officeDocument/2006/relationships" xmlns:p="http://schemas.openxmlformats.org/presentationml/2006/main">
+  <p:cSld>
+    <p:spTree>
+      <p:nvGrpSpPr>
+        <p:cNvPr id="1" name=""/>
+        <p:cNvGrpSpPr/>
+        <p:nvPr/>
+      </p:nvGrpSpPr>
+      <p:grpSpPr>
+        <a:xfrm>
+          <a:off x="0" y="0"/>
+          <a:ext cx="0" cy="0"/>
+          <a:chOff x="0" y="0"/>
+          <a:chExt cx="0" cy="0"/>
+        </a:xfrm>
+      </p:grpSpPr>
+      <p:sp>
+        <p:nvSpPr>
+          <p:cNvPr id="2" name="Title 1"/>
+          <p:cNvSpPr>
+            <a:spLocks noGrp="1"/>
+          </p:cNvSpPr>
+          <p:nvPr>
+            <p:ph type="title"/>
+          </p:nvPr>
+        </p:nvSpPr>
+        <p:spPr/>
+        <p:txBody>
+          <a:bodyPr/>
+          <a:lstStyle/>
+          <a:p>
+            <a:r>
+              <a:rPr lang="en-US" dirty="0" smtClean="0"/>
+              <a:t>The more you know!</a:t>
+            </a:r>
+            <a:endParaRPr lang="en-US" dirty="0"/>
+          </a:p>
+        </p:txBody>
+      </p:sp>
+      <p:sp>
+        <p:nvSpPr>
+          <p:cNvPr id="3" name="Content Placeholder 2"/>
+          <p:cNvSpPr>
+            <a:spLocks noGrp="1"/>
+          </p:cNvSpPr>
+          <p:nvPr>
+            <p:ph idx="1"/>
+          </p:nvPr>
+        </p:nvSpPr>
+        <p:spPr/>
+        <p:txBody>
+          <a:bodyPr/>
+          <a:lstStyle/>
+          <a:p>
+            <a:endParaRPr lang="en-US"/>
+          </a:p>
+        </p:txBody>
+      </p:sp>
+    </p:spTree>
+    <p:extLst>
+      <p:ext uri="{BB962C8B-B14F-4D97-AF65-F5344CB8AC3E}">
+        <p14:creationId xmlns:p14="http://schemas.microsoft.com/office/powerpoint/2010/main" val="20075730"/>
+      </p:ext>
+    </p:extLst>
+  </p:cSld>
+  <p:clrMapOvr>
+    <a:masterClrMapping/>
+  </p:clrMapOvr>
+  <p:timing>
+    <p:tnLst>
+      <p:par>
+        <p:cTn id="1" dur="indefinite" restart="never" nodeType="tmRoot"/>
+      </p:par>
+    </p:tnLst>
+  </p:timing>
+</p:sld>
+</file>
+
+<file path=ppt/slides/slide14.xml><?xml version="1.0" encoding="utf-8"?>
+<p:sld xmlns:a="http://schemas.openxmlformats.org/drawingml/2006/main" xmlns:r="http://schemas.openxmlformats.org/officeDocument/2006/relationships" xmlns:p="http://schemas.openxmlformats.org/presentationml/2006/main">
+  <p:cSld>
+    <p:spTree>
+      <p:nvGrpSpPr>
+        <p:cNvPr id="1" name=""/>
+        <p:cNvGrpSpPr/>
+        <p:nvPr/>
+      </p:nvGrpSpPr>
+      <p:grpSpPr>
+        <a:xfrm>
+          <a:off x="0" y="0"/>
+          <a:ext cx="0" cy="0"/>
+          <a:chOff x="0" y="0"/>
+          <a:chExt cx="0" cy="0"/>
+        </a:xfrm>
+      </p:grpSpPr>
+      <p:sp>
+        <p:nvSpPr>
+          <p:cNvPr id="2" name="Title 1"/>
+          <p:cNvSpPr>
+            <a:spLocks noGrp="1"/>
+          </p:cNvSpPr>
+          <p:nvPr>
+            <p:ph type="title"/>
+          </p:nvPr>
+        </p:nvSpPr>
+        <p:spPr/>
+        <p:txBody>
+          <a:bodyPr/>
+          <a:lstStyle/>
+          <a:p>
+            <a:pPr algn="ctr"/>
+            <a:r>
+              <a:rPr lang="en-US" dirty="0" smtClean="0"/>
+              <a:t>Explorer’s League</a:t>
+            </a:r>
+            <a:endParaRPr lang="en-US" dirty="0"/>
+          </a:p>
+        </p:txBody>
+      </p:sp>
+      <p:pic>
+        <p:nvPicPr>
+          <p:cNvPr id="4" name="Picture 3"/>
+          <p:cNvPicPr>
+            <a:picLocks noChangeAspect="1"/>
+          </p:cNvPicPr>
+          <p:nvPr/>
+        </p:nvPicPr>
+        <p:blipFill>
+          <a:blip r:embed="rId2">
+            <a:extLst>
+              <a:ext uri="{28A0092B-C50C-407E-A947-70E740481C1C}">
+                <a14:useLocalDpi xmlns:a14="http://schemas.microsoft.com/office/drawing/2010/main" val="0"/>
+              </a:ext>
+            </a:extLst>
+          </a:blip>
+          <a:stretch>
+            <a:fillRect/>
+          </a:stretch>
+        </p:blipFill>
+        <p:spPr>
+          <a:xfrm>
+            <a:off x="5071668" y="2711441"/>
+            <a:ext cx="2048663" cy="2038908"/>
+          </a:xfrm>
+          <a:prstGeom prst="rect">
+            <a:avLst/>
+          </a:prstGeom>
+        </p:spPr>
+      </p:pic>
+    </p:spTree>
+    <p:extLst>
+      <p:ext uri="{BB962C8B-B14F-4D97-AF65-F5344CB8AC3E}">
+        <p14:creationId xmlns:p14="http://schemas.microsoft.com/office/powerpoint/2010/main" val="3191430927"/>
+      </p:ext>
+    </p:extLst>
+  </p:cSld>
+  <p:clrMapOvr>
+    <a:masterClrMapping/>
+  </p:clrMapOvr>
+  <p:timing>
+    <p:tnLst>
+      <p:par>
+        <p:cTn id="1" dur="indefinite" restart="never" nodeType="tmRoot"/>
+      </p:par>
+    </p:tnLst>
+  </p:timing>
+</p:sld>
+</file>
+
 <file path=ppt/slides/slide2.xml><?xml version="1.0" encoding="utf-8"?>
 <p:sld xmlns:a="http://schemas.openxmlformats.org/drawingml/2006/main" xmlns:r="http://schemas.openxmlformats.org/officeDocument/2006/relationships" xmlns:p="http://schemas.openxmlformats.org/presentationml/2006/main">
   <p:cSld>
@@ -3571,7 +4009,17 @@
           <a:bodyPr/>
           <a:lstStyle/>
           <a:p>
-            <a:endParaRPr lang="en-US"/>
+            <a:r>
+              <a:rPr lang="en-US" dirty="0" smtClean="0"/>
+              <a:t>Purity</a:t>
+            </a:r>
+          </a:p>
+          <a:p>
+            <a:r>
+              <a:rPr lang="en-US" dirty="0" smtClean="0"/>
+              <a:t>Side effects</a:t>
+            </a:r>
+            <a:endParaRPr lang="en-US" dirty="0"/>
           </a:p>
         </p:txBody>
       </p:sp>
@@ -3579,6 +4027,201 @@
     <p:extLst>
       <p:ext uri="{BB962C8B-B14F-4D97-AF65-F5344CB8AC3E}">
         <p14:creationId xmlns:p14="http://schemas.microsoft.com/office/powerpoint/2010/main" val="3344712681"/>
+      </p:ext>
+    </p:extLst>
+  </p:cSld>
+  <p:clrMapOvr>
+    <a:masterClrMapping/>
+  </p:clrMapOvr>
+  <p:timing>
+    <p:tnLst>
+      <p:par>
+        <p:cTn id="1" dur="indefinite" restart="never" nodeType="tmRoot"/>
+      </p:par>
+    </p:tnLst>
+  </p:timing>
+</p:sld>
+</file>
+
+<file path=ppt/slides/slide8.xml><?xml version="1.0" encoding="utf-8"?>
+<p:sld xmlns:a="http://schemas.openxmlformats.org/drawingml/2006/main" xmlns:r="http://schemas.openxmlformats.org/officeDocument/2006/relationships" xmlns:p="http://schemas.openxmlformats.org/presentationml/2006/main">
+  <p:cSld>
+    <p:spTree>
+      <p:nvGrpSpPr>
+        <p:cNvPr id="1" name=""/>
+        <p:cNvGrpSpPr/>
+        <p:nvPr/>
+      </p:nvGrpSpPr>
+      <p:grpSpPr>
+        <a:xfrm>
+          <a:off x="0" y="0"/>
+          <a:ext cx="0" cy="0"/>
+          <a:chOff x="0" y="0"/>
+          <a:chExt cx="0" cy="0"/>
+        </a:xfrm>
+      </p:grpSpPr>
+      <p:sp>
+        <p:nvSpPr>
+          <p:cNvPr id="2" name="Title 1"/>
+          <p:cNvSpPr>
+            <a:spLocks noGrp="1"/>
+          </p:cNvSpPr>
+          <p:nvPr>
+            <p:ph type="title"/>
+          </p:nvPr>
+        </p:nvSpPr>
+        <p:spPr/>
+        <p:txBody>
+          <a:bodyPr/>
+          <a:lstStyle/>
+          <a:p>
+            <a:r>
+              <a:rPr lang="en-US" dirty="0" smtClean="0"/>
+              <a:t>Functions constructing functions</a:t>
+            </a:r>
+            <a:endParaRPr lang="en-US" dirty="0"/>
+          </a:p>
+        </p:txBody>
+      </p:sp>
+      <p:sp>
+        <p:nvSpPr>
+          <p:cNvPr id="3" name="Content Placeholder 2"/>
+          <p:cNvSpPr>
+            <a:spLocks noGrp="1"/>
+          </p:cNvSpPr>
+          <p:nvPr>
+            <p:ph idx="1"/>
+          </p:nvPr>
+        </p:nvSpPr>
+        <p:spPr/>
+        <p:txBody>
+          <a:bodyPr/>
+          <a:lstStyle/>
+          <a:p>
+            <a:r>
+              <a:rPr lang="en-US" dirty="0" smtClean="0"/>
+              <a:t>Closures</a:t>
+            </a:r>
+          </a:p>
+          <a:p>
+            <a:r>
+              <a:rPr lang="en-US" dirty="0" smtClean="0"/>
+              <a:t>Composition</a:t>
+            </a:r>
+          </a:p>
+          <a:p>
+            <a:r>
+              <a:rPr lang="en-US" dirty="0" smtClean="0"/>
+              <a:t>Partial Applications</a:t>
+            </a:r>
+          </a:p>
+          <a:p>
+            <a:r>
+              <a:rPr lang="en-US" dirty="0" smtClean="0"/>
+              <a:t>Currying</a:t>
+            </a:r>
+          </a:p>
+          <a:p>
+            <a:pPr marL="0" indent="0">
+              <a:buNone/>
+            </a:pPr>
+            <a:endParaRPr lang="en-US" dirty="0"/>
+          </a:p>
+        </p:txBody>
+      </p:sp>
+    </p:spTree>
+    <p:extLst>
+      <p:ext uri="{BB962C8B-B14F-4D97-AF65-F5344CB8AC3E}">
+        <p14:creationId xmlns:p14="http://schemas.microsoft.com/office/powerpoint/2010/main" val="3124058005"/>
+      </p:ext>
+    </p:extLst>
+  </p:cSld>
+  <p:clrMapOvr>
+    <a:masterClrMapping/>
+  </p:clrMapOvr>
+  <p:timing>
+    <p:tnLst>
+      <p:par>
+        <p:cTn id="1" dur="indefinite" restart="never" nodeType="tmRoot"/>
+      </p:par>
+    </p:tnLst>
+  </p:timing>
+</p:sld>
+</file>
+
+<file path=ppt/slides/slide9.xml><?xml version="1.0" encoding="utf-8"?>
+<p:sld xmlns:a="http://schemas.openxmlformats.org/drawingml/2006/main" xmlns:r="http://schemas.openxmlformats.org/officeDocument/2006/relationships" xmlns:p="http://schemas.openxmlformats.org/presentationml/2006/main">
+  <p:cSld>
+    <p:spTree>
+      <p:nvGrpSpPr>
+        <p:cNvPr id="1" name=""/>
+        <p:cNvGrpSpPr/>
+        <p:nvPr/>
+      </p:nvGrpSpPr>
+      <p:grpSpPr>
+        <a:xfrm>
+          <a:off x="0" y="0"/>
+          <a:ext cx="0" cy="0"/>
+          <a:chOff x="0" y="0"/>
+          <a:chExt cx="0" cy="0"/>
+        </a:xfrm>
+      </p:grpSpPr>
+      <p:sp>
+        <p:nvSpPr>
+          <p:cNvPr id="2" name="Title 1"/>
+          <p:cNvSpPr>
+            <a:spLocks noGrp="1"/>
+          </p:cNvSpPr>
+          <p:nvPr>
+            <p:ph type="title"/>
+          </p:nvPr>
+        </p:nvSpPr>
+        <p:spPr/>
+        <p:txBody>
+          <a:bodyPr/>
+          <a:lstStyle/>
+          <a:p>
+            <a:r>
+              <a:rPr lang="en-US" dirty="0" smtClean="0"/>
+              <a:t>“Standard Higher Order Functions”</a:t>
+            </a:r>
+            <a:endParaRPr lang="en-US" dirty="0"/>
+          </a:p>
+        </p:txBody>
+      </p:sp>
+      <p:sp>
+        <p:nvSpPr>
+          <p:cNvPr id="3" name="Content Placeholder 2"/>
+          <p:cNvSpPr>
+            <a:spLocks noGrp="1"/>
+          </p:cNvSpPr>
+          <p:nvPr>
+            <p:ph idx="1"/>
+          </p:nvPr>
+        </p:nvSpPr>
+        <p:spPr/>
+        <p:txBody>
+          <a:bodyPr/>
+          <a:lstStyle/>
+          <a:p>
+            <a:r>
+              <a:rPr lang="en-US" dirty="0" smtClean="0"/>
+              <a:t>List the HO Functions (could be multiple slides)</a:t>
+            </a:r>
+          </a:p>
+          <a:p>
+            <a:r>
+              <a:rPr lang="en-US" dirty="0" smtClean="0"/>
+              <a:t>Show there LINQ Equivalents</a:t>
+            </a:r>
+            <a:endParaRPr lang="en-US" dirty="0"/>
+          </a:p>
+        </p:txBody>
+      </p:sp>
+    </p:spTree>
+    <p:extLst>
+      <p:ext uri="{BB962C8B-B14F-4D97-AF65-F5344CB8AC3E}">
+        <p14:creationId xmlns:p14="http://schemas.microsoft.com/office/powerpoint/2010/main" val="1728765585"/>
       </p:ext>
     </p:extLst>
   </p:cSld>

--- a/slides/FpViaCSharp.pptx
+++ b/slides/FpViaCSharp.pptx
@@ -4,21 +4,43 @@
   <p:sldMasterIdLst>
     <p:sldMasterId id="2147483648" r:id="rId1"/>
   </p:sldMasterIdLst>
+  <p:notesMasterIdLst>
+    <p:notesMasterId r:id="rId35"/>
+  </p:notesMasterIdLst>
   <p:sldIdLst>
     <p:sldId id="256" r:id="rId2"/>
     <p:sldId id="257" r:id="rId3"/>
-    <p:sldId id="258" r:id="rId4"/>
-    <p:sldId id="259" r:id="rId5"/>
-    <p:sldId id="260" r:id="rId6"/>
-    <p:sldId id="261" r:id="rId7"/>
-    <p:sldId id="262" r:id="rId8"/>
-    <p:sldId id="263" r:id="rId9"/>
-    <p:sldId id="264" r:id="rId10"/>
-    <p:sldId id="265" r:id="rId11"/>
-    <p:sldId id="266" r:id="rId12"/>
-    <p:sldId id="267" r:id="rId13"/>
-    <p:sldId id="268" r:id="rId14"/>
-    <p:sldId id="269" r:id="rId15"/>
+    <p:sldId id="272" r:id="rId4"/>
+    <p:sldId id="273" r:id="rId5"/>
+    <p:sldId id="274" r:id="rId6"/>
+    <p:sldId id="276" r:id="rId7"/>
+    <p:sldId id="277" r:id="rId8"/>
+    <p:sldId id="278" r:id="rId9"/>
+    <p:sldId id="275" r:id="rId10"/>
+    <p:sldId id="280" r:id="rId11"/>
+    <p:sldId id="282" r:id="rId12"/>
+    <p:sldId id="281" r:id="rId13"/>
+    <p:sldId id="285" r:id="rId14"/>
+    <p:sldId id="286" r:id="rId15"/>
+    <p:sldId id="287" r:id="rId16"/>
+    <p:sldId id="288" r:id="rId17"/>
+    <p:sldId id="289" r:id="rId18"/>
+    <p:sldId id="290" r:id="rId19"/>
+    <p:sldId id="291" r:id="rId20"/>
+    <p:sldId id="292" r:id="rId21"/>
+    <p:sldId id="293" r:id="rId22"/>
+    <p:sldId id="283" r:id="rId23"/>
+    <p:sldId id="284" r:id="rId24"/>
+    <p:sldId id="269" r:id="rId25"/>
+    <p:sldId id="271" r:id="rId26"/>
+    <p:sldId id="279" r:id="rId27"/>
+    <p:sldId id="263" r:id="rId28"/>
+    <p:sldId id="264" r:id="rId29"/>
+    <p:sldId id="265" r:id="rId30"/>
+    <p:sldId id="266" r:id="rId31"/>
+    <p:sldId id="267" r:id="rId32"/>
+    <p:sldId id="261" r:id="rId33"/>
+    <p:sldId id="262" r:id="rId34"/>
   </p:sldIdLst>
   <p:sldSz cx="12192000" cy="6858000"/>
   <p:notesSz cx="6858000" cy="9144000"/>
@@ -118,6 +140,2312 @@
     </a:lvl9pPr>
   </p:defaultTextStyle>
 </p:presentation>
+</file>
+
+<file path=ppt/notesMasters/notesMaster1.xml><?xml version="1.0" encoding="utf-8"?>
+<p:notesMaster xmlns:a="http://schemas.openxmlformats.org/drawingml/2006/main" xmlns:r="http://schemas.openxmlformats.org/officeDocument/2006/relationships" xmlns:p="http://schemas.openxmlformats.org/presentationml/2006/main">
+  <p:cSld>
+    <p:bg>
+      <p:bgRef idx="1001">
+        <a:schemeClr val="bg1"/>
+      </p:bgRef>
+    </p:bg>
+    <p:spTree>
+      <p:nvGrpSpPr>
+        <p:cNvPr id="1" name=""/>
+        <p:cNvGrpSpPr/>
+        <p:nvPr/>
+      </p:nvGrpSpPr>
+      <p:grpSpPr>
+        <a:xfrm>
+          <a:off x="0" y="0"/>
+          <a:ext cx="0" cy="0"/>
+          <a:chOff x="0" y="0"/>
+          <a:chExt cx="0" cy="0"/>
+        </a:xfrm>
+      </p:grpSpPr>
+      <p:sp>
+        <p:nvSpPr>
+          <p:cNvPr id="2" name="Header Placeholder 1"/>
+          <p:cNvSpPr>
+            <a:spLocks noGrp="1"/>
+          </p:cNvSpPr>
+          <p:nvPr>
+            <p:ph type="hdr" sz="quarter"/>
+          </p:nvPr>
+        </p:nvSpPr>
+        <p:spPr>
+          <a:xfrm>
+            <a:off x="0" y="0"/>
+            <a:ext cx="2971800" cy="458788"/>
+          </a:xfrm>
+          <a:prstGeom prst="rect">
+            <a:avLst/>
+          </a:prstGeom>
+        </p:spPr>
+        <p:txBody>
+          <a:bodyPr vert="horz" lIns="91440" tIns="45720" rIns="91440" bIns="45720" rtlCol="0"/>
+          <a:lstStyle>
+            <a:lvl1pPr algn="l">
+              <a:defRPr sz="1200"/>
+            </a:lvl1pPr>
+          </a:lstStyle>
+          <a:p>
+            <a:endParaRPr lang="en-US"/>
+          </a:p>
+        </p:txBody>
+      </p:sp>
+      <p:sp>
+        <p:nvSpPr>
+          <p:cNvPr id="3" name="Date Placeholder 2"/>
+          <p:cNvSpPr>
+            <a:spLocks noGrp="1"/>
+          </p:cNvSpPr>
+          <p:nvPr>
+            <p:ph type="dt" idx="1"/>
+          </p:nvPr>
+        </p:nvSpPr>
+        <p:spPr>
+          <a:xfrm>
+            <a:off x="3884613" y="0"/>
+            <a:ext cx="2971800" cy="458788"/>
+          </a:xfrm>
+          <a:prstGeom prst="rect">
+            <a:avLst/>
+          </a:prstGeom>
+        </p:spPr>
+        <p:txBody>
+          <a:bodyPr vert="horz" lIns="91440" tIns="45720" rIns="91440" bIns="45720" rtlCol="0"/>
+          <a:lstStyle>
+            <a:lvl1pPr algn="r">
+              <a:defRPr sz="1200"/>
+            </a:lvl1pPr>
+          </a:lstStyle>
+          <a:p>
+            <a:fld id="{490BF8B6-8266-4355-908A-172F9337D737}" type="datetimeFigureOut">
+              <a:rPr lang="en-US" smtClean="0"/>
+              <a:t>2/4/2015</a:t>
+            </a:fld>
+            <a:endParaRPr lang="en-US"/>
+          </a:p>
+        </p:txBody>
+      </p:sp>
+      <p:sp>
+        <p:nvSpPr>
+          <p:cNvPr id="4" name="Slide Image Placeholder 3"/>
+          <p:cNvSpPr>
+            <a:spLocks noGrp="1" noRot="1" noChangeAspect="1"/>
+          </p:cNvSpPr>
+          <p:nvPr>
+            <p:ph type="sldImg" idx="2"/>
+          </p:nvPr>
+        </p:nvSpPr>
+        <p:spPr>
+          <a:xfrm>
+            <a:off x="685800" y="1143000"/>
+            <a:ext cx="5486400" cy="3086100"/>
+          </a:xfrm>
+          <a:prstGeom prst="rect">
+            <a:avLst/>
+          </a:prstGeom>
+          <a:noFill/>
+          <a:ln w="12700">
+            <a:solidFill>
+              <a:prstClr val="black"/>
+            </a:solidFill>
+          </a:ln>
+        </p:spPr>
+        <p:txBody>
+          <a:bodyPr vert="horz" lIns="91440" tIns="45720" rIns="91440" bIns="45720" rtlCol="0" anchor="ctr"/>
+          <a:lstStyle/>
+          <a:p>
+            <a:endParaRPr lang="en-US"/>
+          </a:p>
+        </p:txBody>
+      </p:sp>
+      <p:sp>
+        <p:nvSpPr>
+          <p:cNvPr id="5" name="Notes Placeholder 4"/>
+          <p:cNvSpPr>
+            <a:spLocks noGrp="1"/>
+          </p:cNvSpPr>
+          <p:nvPr>
+            <p:ph type="body" sz="quarter" idx="3"/>
+          </p:nvPr>
+        </p:nvSpPr>
+        <p:spPr>
+          <a:xfrm>
+            <a:off x="685800" y="4400550"/>
+            <a:ext cx="5486400" cy="3600450"/>
+          </a:xfrm>
+          <a:prstGeom prst="rect">
+            <a:avLst/>
+          </a:prstGeom>
+        </p:spPr>
+        <p:txBody>
+          <a:bodyPr vert="horz" lIns="91440" tIns="45720" rIns="91440" bIns="45720" rtlCol="0"/>
+          <a:lstStyle/>
+          <a:p>
+            <a:pPr lvl="0"/>
+            <a:r>
+              <a:rPr lang="en-US" smtClean="0"/>
+              <a:t>Click to edit Master text styles</a:t>
+            </a:r>
+          </a:p>
+          <a:p>
+            <a:pPr lvl="1"/>
+            <a:r>
+              <a:rPr lang="en-US" smtClean="0"/>
+              <a:t>Second level</a:t>
+            </a:r>
+          </a:p>
+          <a:p>
+            <a:pPr lvl="2"/>
+            <a:r>
+              <a:rPr lang="en-US" smtClean="0"/>
+              <a:t>Third level</a:t>
+            </a:r>
+          </a:p>
+          <a:p>
+            <a:pPr lvl="3"/>
+            <a:r>
+              <a:rPr lang="en-US" smtClean="0"/>
+              <a:t>Fourth level</a:t>
+            </a:r>
+          </a:p>
+          <a:p>
+            <a:pPr lvl="4"/>
+            <a:r>
+              <a:rPr lang="en-US" smtClean="0"/>
+              <a:t>Fifth level</a:t>
+            </a:r>
+            <a:endParaRPr lang="en-US"/>
+          </a:p>
+        </p:txBody>
+      </p:sp>
+      <p:sp>
+        <p:nvSpPr>
+          <p:cNvPr id="6" name="Footer Placeholder 5"/>
+          <p:cNvSpPr>
+            <a:spLocks noGrp="1"/>
+          </p:cNvSpPr>
+          <p:nvPr>
+            <p:ph type="ftr" sz="quarter" idx="4"/>
+          </p:nvPr>
+        </p:nvSpPr>
+        <p:spPr>
+          <a:xfrm>
+            <a:off x="0" y="8685213"/>
+            <a:ext cx="2971800" cy="458787"/>
+          </a:xfrm>
+          <a:prstGeom prst="rect">
+            <a:avLst/>
+          </a:prstGeom>
+        </p:spPr>
+        <p:txBody>
+          <a:bodyPr vert="horz" lIns="91440" tIns="45720" rIns="91440" bIns="45720" rtlCol="0" anchor="b"/>
+          <a:lstStyle>
+            <a:lvl1pPr algn="l">
+              <a:defRPr sz="1200"/>
+            </a:lvl1pPr>
+          </a:lstStyle>
+          <a:p>
+            <a:endParaRPr lang="en-US"/>
+          </a:p>
+        </p:txBody>
+      </p:sp>
+      <p:sp>
+        <p:nvSpPr>
+          <p:cNvPr id="7" name="Slide Number Placeholder 6"/>
+          <p:cNvSpPr>
+            <a:spLocks noGrp="1"/>
+          </p:cNvSpPr>
+          <p:nvPr>
+            <p:ph type="sldNum" sz="quarter" idx="5"/>
+          </p:nvPr>
+        </p:nvSpPr>
+        <p:spPr>
+          <a:xfrm>
+            <a:off x="3884613" y="8685213"/>
+            <a:ext cx="2971800" cy="458787"/>
+          </a:xfrm>
+          <a:prstGeom prst="rect">
+            <a:avLst/>
+          </a:prstGeom>
+        </p:spPr>
+        <p:txBody>
+          <a:bodyPr vert="horz" lIns="91440" tIns="45720" rIns="91440" bIns="45720" rtlCol="0" anchor="b"/>
+          <a:lstStyle>
+            <a:lvl1pPr algn="r">
+              <a:defRPr sz="1200"/>
+            </a:lvl1pPr>
+          </a:lstStyle>
+          <a:p>
+            <a:fld id="{FF9ED82A-650D-4003-83D0-A3B5AF3C844A}" type="slidenum">
+              <a:rPr lang="en-US" smtClean="0"/>
+              <a:t>‹#›</a:t>
+            </a:fld>
+            <a:endParaRPr lang="en-US"/>
+          </a:p>
+        </p:txBody>
+      </p:sp>
+    </p:spTree>
+    <p:extLst>
+      <p:ext uri="{BB962C8B-B14F-4D97-AF65-F5344CB8AC3E}">
+        <p14:creationId xmlns:p14="http://schemas.microsoft.com/office/powerpoint/2010/main" val="505807579"/>
+      </p:ext>
+    </p:extLst>
+  </p:cSld>
+  <p:clrMap bg1="lt1" tx1="dk1" bg2="lt2" tx2="dk2" accent1="accent1" accent2="accent2" accent3="accent3" accent4="accent4" accent5="accent5" accent6="accent6" hlink="hlink" folHlink="folHlink"/>
+  <p:notesStyle>
+    <a:lvl1pPr marL="0" algn="l" defTabSz="914400" rtl="0" eaLnBrk="1" latinLnBrk="0" hangingPunct="1">
+      <a:defRPr sz="1200" kern="1200">
+        <a:solidFill>
+          <a:schemeClr val="tx1"/>
+        </a:solidFill>
+        <a:latin typeface="+mn-lt"/>
+        <a:ea typeface="+mn-ea"/>
+        <a:cs typeface="+mn-cs"/>
+      </a:defRPr>
+    </a:lvl1pPr>
+    <a:lvl2pPr marL="457200" algn="l" defTabSz="914400" rtl="0" eaLnBrk="1" latinLnBrk="0" hangingPunct="1">
+      <a:defRPr sz="1200" kern="1200">
+        <a:solidFill>
+          <a:schemeClr val="tx1"/>
+        </a:solidFill>
+        <a:latin typeface="+mn-lt"/>
+        <a:ea typeface="+mn-ea"/>
+        <a:cs typeface="+mn-cs"/>
+      </a:defRPr>
+    </a:lvl2pPr>
+    <a:lvl3pPr marL="914400" algn="l" defTabSz="914400" rtl="0" eaLnBrk="1" latinLnBrk="0" hangingPunct="1">
+      <a:defRPr sz="1200" kern="1200">
+        <a:solidFill>
+          <a:schemeClr val="tx1"/>
+        </a:solidFill>
+        <a:latin typeface="+mn-lt"/>
+        <a:ea typeface="+mn-ea"/>
+        <a:cs typeface="+mn-cs"/>
+      </a:defRPr>
+    </a:lvl3pPr>
+    <a:lvl4pPr marL="1371600" algn="l" defTabSz="914400" rtl="0" eaLnBrk="1" latinLnBrk="0" hangingPunct="1">
+      <a:defRPr sz="1200" kern="1200">
+        <a:solidFill>
+          <a:schemeClr val="tx1"/>
+        </a:solidFill>
+        <a:latin typeface="+mn-lt"/>
+        <a:ea typeface="+mn-ea"/>
+        <a:cs typeface="+mn-cs"/>
+      </a:defRPr>
+    </a:lvl4pPr>
+    <a:lvl5pPr marL="1828800" algn="l" defTabSz="914400" rtl="0" eaLnBrk="1" latinLnBrk="0" hangingPunct="1">
+      <a:defRPr sz="1200" kern="1200">
+        <a:solidFill>
+          <a:schemeClr val="tx1"/>
+        </a:solidFill>
+        <a:latin typeface="+mn-lt"/>
+        <a:ea typeface="+mn-ea"/>
+        <a:cs typeface="+mn-cs"/>
+      </a:defRPr>
+    </a:lvl5pPr>
+    <a:lvl6pPr marL="2286000" algn="l" defTabSz="914400" rtl="0" eaLnBrk="1" latinLnBrk="0" hangingPunct="1">
+      <a:defRPr sz="1200" kern="1200">
+        <a:solidFill>
+          <a:schemeClr val="tx1"/>
+        </a:solidFill>
+        <a:latin typeface="+mn-lt"/>
+        <a:ea typeface="+mn-ea"/>
+        <a:cs typeface="+mn-cs"/>
+      </a:defRPr>
+    </a:lvl6pPr>
+    <a:lvl7pPr marL="2743200" algn="l" defTabSz="914400" rtl="0" eaLnBrk="1" latinLnBrk="0" hangingPunct="1">
+      <a:defRPr sz="1200" kern="1200">
+        <a:solidFill>
+          <a:schemeClr val="tx1"/>
+        </a:solidFill>
+        <a:latin typeface="+mn-lt"/>
+        <a:ea typeface="+mn-ea"/>
+        <a:cs typeface="+mn-cs"/>
+      </a:defRPr>
+    </a:lvl7pPr>
+    <a:lvl8pPr marL="3200400" algn="l" defTabSz="914400" rtl="0" eaLnBrk="1" latinLnBrk="0" hangingPunct="1">
+      <a:defRPr sz="1200" kern="1200">
+        <a:solidFill>
+          <a:schemeClr val="tx1"/>
+        </a:solidFill>
+        <a:latin typeface="+mn-lt"/>
+        <a:ea typeface="+mn-ea"/>
+        <a:cs typeface="+mn-cs"/>
+      </a:defRPr>
+    </a:lvl8pPr>
+    <a:lvl9pPr marL="3657600" algn="l" defTabSz="914400" rtl="0" eaLnBrk="1" latinLnBrk="0" hangingPunct="1">
+      <a:defRPr sz="1200" kern="1200">
+        <a:solidFill>
+          <a:schemeClr val="tx1"/>
+        </a:solidFill>
+        <a:latin typeface="+mn-lt"/>
+        <a:ea typeface="+mn-ea"/>
+        <a:cs typeface="+mn-cs"/>
+      </a:defRPr>
+    </a:lvl9pPr>
+  </p:notesStyle>
+</p:notesMaster>
+</file>
+
+<file path=ppt/notesSlides/notesSlide1.xml><?xml version="1.0" encoding="utf-8"?>
+<p:notes xmlns:a="http://schemas.openxmlformats.org/drawingml/2006/main" xmlns:r="http://schemas.openxmlformats.org/officeDocument/2006/relationships" xmlns:p="http://schemas.openxmlformats.org/presentationml/2006/main">
+  <p:cSld>
+    <p:spTree>
+      <p:nvGrpSpPr>
+        <p:cNvPr id="1" name=""/>
+        <p:cNvGrpSpPr/>
+        <p:nvPr/>
+      </p:nvGrpSpPr>
+      <p:grpSpPr>
+        <a:xfrm>
+          <a:off x="0" y="0"/>
+          <a:ext cx="0" cy="0"/>
+          <a:chOff x="0" y="0"/>
+          <a:chExt cx="0" cy="0"/>
+        </a:xfrm>
+      </p:grpSpPr>
+      <p:sp>
+        <p:nvSpPr>
+          <p:cNvPr id="2" name="Slide Image Placeholder 1"/>
+          <p:cNvSpPr>
+            <a:spLocks noGrp="1" noRot="1" noChangeAspect="1"/>
+          </p:cNvSpPr>
+          <p:nvPr>
+            <p:ph type="sldImg"/>
+          </p:nvPr>
+        </p:nvSpPr>
+        <p:spPr/>
+      </p:sp>
+      <p:sp>
+        <p:nvSpPr>
+          <p:cNvPr id="3" name="Notes Placeholder 2"/>
+          <p:cNvSpPr>
+            <a:spLocks noGrp="1"/>
+          </p:cNvSpPr>
+          <p:nvPr>
+            <p:ph type="body" idx="1"/>
+          </p:nvPr>
+        </p:nvSpPr>
+        <p:spPr/>
+        <p:txBody>
+          <a:bodyPr/>
+          <a:lstStyle/>
+          <a:p>
+            <a:r>
+              <a:rPr lang="en-US" dirty="0" smtClean="0"/>
+              <a:t>Making FP more approachable by using C# - you don’t need any new tools!</a:t>
+            </a:r>
+          </a:p>
+          <a:p>
+            <a:endParaRPr lang="en-US" dirty="0" smtClean="0"/>
+          </a:p>
+          <a:p>
+            <a:r>
+              <a:rPr lang="en-US" dirty="0" smtClean="0"/>
+              <a:t>Facilitate a deeper understanding of C#, the CLR and BCL’s</a:t>
+            </a:r>
+          </a:p>
+          <a:p>
+            <a:endParaRPr lang="en-US" dirty="0" smtClean="0"/>
+          </a:p>
+          <a:p>
+            <a:r>
+              <a:rPr lang="en-US" dirty="0" smtClean="0"/>
+              <a:t>Stoke that old fire that got most of started. Developers are all sweet old grandmothers</a:t>
+            </a:r>
+          </a:p>
+          <a:p>
+            <a:endParaRPr lang="en-US" dirty="0"/>
+          </a:p>
+        </p:txBody>
+      </p:sp>
+      <p:sp>
+        <p:nvSpPr>
+          <p:cNvPr id="4" name="Slide Number Placeholder 3"/>
+          <p:cNvSpPr>
+            <a:spLocks noGrp="1"/>
+          </p:cNvSpPr>
+          <p:nvPr>
+            <p:ph type="sldNum" sz="quarter" idx="10"/>
+          </p:nvPr>
+        </p:nvSpPr>
+        <p:spPr/>
+        <p:txBody>
+          <a:bodyPr/>
+          <a:lstStyle/>
+          <a:p>
+            <a:fld id="{FF9ED82A-650D-4003-83D0-A3B5AF3C844A}" type="slidenum">
+              <a:rPr lang="en-US" smtClean="0"/>
+              <a:t>2</a:t>
+            </a:fld>
+            <a:endParaRPr lang="en-US"/>
+          </a:p>
+        </p:txBody>
+      </p:sp>
+    </p:spTree>
+    <p:extLst>
+      <p:ext uri="{BB962C8B-B14F-4D97-AF65-F5344CB8AC3E}">
+        <p14:creationId xmlns:p14="http://schemas.microsoft.com/office/powerpoint/2010/main" val="1598230800"/>
+      </p:ext>
+    </p:extLst>
+  </p:cSld>
+  <p:clrMapOvr>
+    <a:masterClrMapping/>
+  </p:clrMapOvr>
+</p:notes>
+</file>
+
+<file path=ppt/notesSlides/notesSlide10.xml><?xml version="1.0" encoding="utf-8"?>
+<p:notes xmlns:a="http://schemas.openxmlformats.org/drawingml/2006/main" xmlns:r="http://schemas.openxmlformats.org/officeDocument/2006/relationships" xmlns:p="http://schemas.openxmlformats.org/presentationml/2006/main">
+  <p:cSld>
+    <p:spTree>
+      <p:nvGrpSpPr>
+        <p:cNvPr id="1" name=""/>
+        <p:cNvGrpSpPr/>
+        <p:nvPr/>
+      </p:nvGrpSpPr>
+      <p:grpSpPr>
+        <a:xfrm>
+          <a:off x="0" y="0"/>
+          <a:ext cx="0" cy="0"/>
+          <a:chOff x="0" y="0"/>
+          <a:chExt cx="0" cy="0"/>
+        </a:xfrm>
+      </p:grpSpPr>
+      <p:sp>
+        <p:nvSpPr>
+          <p:cNvPr id="2" name="Slide Image Placeholder 1"/>
+          <p:cNvSpPr>
+            <a:spLocks noGrp="1" noRot="1" noChangeAspect="1"/>
+          </p:cNvSpPr>
+          <p:nvPr>
+            <p:ph type="sldImg"/>
+          </p:nvPr>
+        </p:nvSpPr>
+        <p:spPr/>
+      </p:sp>
+      <p:sp>
+        <p:nvSpPr>
+          <p:cNvPr id="3" name="Notes Placeholder 2"/>
+          <p:cNvSpPr>
+            <a:spLocks noGrp="1"/>
+          </p:cNvSpPr>
+          <p:nvPr>
+            <p:ph type="body" idx="1"/>
+          </p:nvPr>
+        </p:nvSpPr>
+        <p:spPr/>
+        <p:txBody>
+          <a:bodyPr/>
+          <a:lstStyle/>
+          <a:p>
+            <a:endParaRPr lang="en-US" dirty="0"/>
+          </a:p>
+        </p:txBody>
+      </p:sp>
+      <p:sp>
+        <p:nvSpPr>
+          <p:cNvPr id="4" name="Slide Number Placeholder 3"/>
+          <p:cNvSpPr>
+            <a:spLocks noGrp="1"/>
+          </p:cNvSpPr>
+          <p:nvPr>
+            <p:ph type="sldNum" sz="quarter" idx="10"/>
+          </p:nvPr>
+        </p:nvSpPr>
+        <p:spPr/>
+        <p:txBody>
+          <a:bodyPr/>
+          <a:lstStyle/>
+          <a:p>
+            <a:fld id="{FF9ED82A-650D-4003-83D0-A3B5AF3C844A}" type="slidenum">
+              <a:rPr lang="en-US" smtClean="0"/>
+              <a:t>11</a:t>
+            </a:fld>
+            <a:endParaRPr lang="en-US"/>
+          </a:p>
+        </p:txBody>
+      </p:sp>
+    </p:spTree>
+    <p:extLst>
+      <p:ext uri="{BB962C8B-B14F-4D97-AF65-F5344CB8AC3E}">
+        <p14:creationId xmlns:p14="http://schemas.microsoft.com/office/powerpoint/2010/main" val="1512787089"/>
+      </p:ext>
+    </p:extLst>
+  </p:cSld>
+  <p:clrMapOvr>
+    <a:masterClrMapping/>
+  </p:clrMapOvr>
+</p:notes>
+</file>
+
+<file path=ppt/notesSlides/notesSlide11.xml><?xml version="1.0" encoding="utf-8"?>
+<p:notes xmlns:a="http://schemas.openxmlformats.org/drawingml/2006/main" xmlns:r="http://schemas.openxmlformats.org/officeDocument/2006/relationships" xmlns:p="http://schemas.openxmlformats.org/presentationml/2006/main">
+  <p:cSld>
+    <p:spTree>
+      <p:nvGrpSpPr>
+        <p:cNvPr id="1" name=""/>
+        <p:cNvGrpSpPr/>
+        <p:nvPr/>
+      </p:nvGrpSpPr>
+      <p:grpSpPr>
+        <a:xfrm>
+          <a:off x="0" y="0"/>
+          <a:ext cx="0" cy="0"/>
+          <a:chOff x="0" y="0"/>
+          <a:chExt cx="0" cy="0"/>
+        </a:xfrm>
+      </p:grpSpPr>
+      <p:sp>
+        <p:nvSpPr>
+          <p:cNvPr id="2" name="Slide Image Placeholder 1"/>
+          <p:cNvSpPr>
+            <a:spLocks noGrp="1" noRot="1" noChangeAspect="1"/>
+          </p:cNvSpPr>
+          <p:nvPr>
+            <p:ph type="sldImg"/>
+          </p:nvPr>
+        </p:nvSpPr>
+        <p:spPr/>
+      </p:sp>
+      <p:sp>
+        <p:nvSpPr>
+          <p:cNvPr id="3" name="Notes Placeholder 2"/>
+          <p:cNvSpPr>
+            <a:spLocks noGrp="1"/>
+          </p:cNvSpPr>
+          <p:nvPr>
+            <p:ph type="body" idx="1"/>
+          </p:nvPr>
+        </p:nvSpPr>
+        <p:spPr/>
+        <p:txBody>
+          <a:bodyPr/>
+          <a:lstStyle/>
+          <a:p>
+            <a:endParaRPr lang="en-US" dirty="0"/>
+          </a:p>
+        </p:txBody>
+      </p:sp>
+      <p:sp>
+        <p:nvSpPr>
+          <p:cNvPr id="4" name="Slide Number Placeholder 3"/>
+          <p:cNvSpPr>
+            <a:spLocks noGrp="1"/>
+          </p:cNvSpPr>
+          <p:nvPr>
+            <p:ph type="sldNum" sz="quarter" idx="10"/>
+          </p:nvPr>
+        </p:nvSpPr>
+        <p:spPr/>
+        <p:txBody>
+          <a:bodyPr/>
+          <a:lstStyle/>
+          <a:p>
+            <a:fld id="{FF9ED82A-650D-4003-83D0-A3B5AF3C844A}" type="slidenum">
+              <a:rPr lang="en-US" smtClean="0"/>
+              <a:t>12</a:t>
+            </a:fld>
+            <a:endParaRPr lang="en-US"/>
+          </a:p>
+        </p:txBody>
+      </p:sp>
+    </p:spTree>
+    <p:extLst>
+      <p:ext uri="{BB962C8B-B14F-4D97-AF65-F5344CB8AC3E}">
+        <p14:creationId xmlns:p14="http://schemas.microsoft.com/office/powerpoint/2010/main" val="2124205652"/>
+      </p:ext>
+    </p:extLst>
+  </p:cSld>
+  <p:clrMapOvr>
+    <a:masterClrMapping/>
+  </p:clrMapOvr>
+</p:notes>
+</file>
+
+<file path=ppt/notesSlides/notesSlide12.xml><?xml version="1.0" encoding="utf-8"?>
+<p:notes xmlns:a="http://schemas.openxmlformats.org/drawingml/2006/main" xmlns:r="http://schemas.openxmlformats.org/officeDocument/2006/relationships" xmlns:p="http://schemas.openxmlformats.org/presentationml/2006/main">
+  <p:cSld>
+    <p:spTree>
+      <p:nvGrpSpPr>
+        <p:cNvPr id="1" name=""/>
+        <p:cNvGrpSpPr/>
+        <p:nvPr/>
+      </p:nvGrpSpPr>
+      <p:grpSpPr>
+        <a:xfrm>
+          <a:off x="0" y="0"/>
+          <a:ext cx="0" cy="0"/>
+          <a:chOff x="0" y="0"/>
+          <a:chExt cx="0" cy="0"/>
+        </a:xfrm>
+      </p:grpSpPr>
+      <p:sp>
+        <p:nvSpPr>
+          <p:cNvPr id="2" name="Slide Image Placeholder 1"/>
+          <p:cNvSpPr>
+            <a:spLocks noGrp="1" noRot="1" noChangeAspect="1"/>
+          </p:cNvSpPr>
+          <p:nvPr>
+            <p:ph type="sldImg"/>
+          </p:nvPr>
+        </p:nvSpPr>
+        <p:spPr/>
+      </p:sp>
+      <p:sp>
+        <p:nvSpPr>
+          <p:cNvPr id="3" name="Notes Placeholder 2"/>
+          <p:cNvSpPr>
+            <a:spLocks noGrp="1"/>
+          </p:cNvSpPr>
+          <p:nvPr>
+            <p:ph type="body" idx="1"/>
+          </p:nvPr>
+        </p:nvSpPr>
+        <p:spPr/>
+        <p:txBody>
+          <a:bodyPr/>
+          <a:lstStyle/>
+          <a:p>
+            <a:endParaRPr lang="en-US" dirty="0"/>
+          </a:p>
+        </p:txBody>
+      </p:sp>
+      <p:sp>
+        <p:nvSpPr>
+          <p:cNvPr id="4" name="Slide Number Placeholder 3"/>
+          <p:cNvSpPr>
+            <a:spLocks noGrp="1"/>
+          </p:cNvSpPr>
+          <p:nvPr>
+            <p:ph type="sldNum" sz="quarter" idx="10"/>
+          </p:nvPr>
+        </p:nvSpPr>
+        <p:spPr/>
+        <p:txBody>
+          <a:bodyPr/>
+          <a:lstStyle/>
+          <a:p>
+            <a:fld id="{FF9ED82A-650D-4003-83D0-A3B5AF3C844A}" type="slidenum">
+              <a:rPr lang="en-US" smtClean="0"/>
+              <a:t>13</a:t>
+            </a:fld>
+            <a:endParaRPr lang="en-US"/>
+          </a:p>
+        </p:txBody>
+      </p:sp>
+    </p:spTree>
+    <p:extLst>
+      <p:ext uri="{BB962C8B-B14F-4D97-AF65-F5344CB8AC3E}">
+        <p14:creationId xmlns:p14="http://schemas.microsoft.com/office/powerpoint/2010/main" val="2358005596"/>
+      </p:ext>
+    </p:extLst>
+  </p:cSld>
+  <p:clrMapOvr>
+    <a:masterClrMapping/>
+  </p:clrMapOvr>
+</p:notes>
+</file>
+
+<file path=ppt/notesSlides/notesSlide13.xml><?xml version="1.0" encoding="utf-8"?>
+<p:notes xmlns:a="http://schemas.openxmlformats.org/drawingml/2006/main" xmlns:r="http://schemas.openxmlformats.org/officeDocument/2006/relationships" xmlns:p="http://schemas.openxmlformats.org/presentationml/2006/main">
+  <p:cSld>
+    <p:spTree>
+      <p:nvGrpSpPr>
+        <p:cNvPr id="1" name=""/>
+        <p:cNvGrpSpPr/>
+        <p:nvPr/>
+      </p:nvGrpSpPr>
+      <p:grpSpPr>
+        <a:xfrm>
+          <a:off x="0" y="0"/>
+          <a:ext cx="0" cy="0"/>
+          <a:chOff x="0" y="0"/>
+          <a:chExt cx="0" cy="0"/>
+        </a:xfrm>
+      </p:grpSpPr>
+      <p:sp>
+        <p:nvSpPr>
+          <p:cNvPr id="2" name="Slide Image Placeholder 1"/>
+          <p:cNvSpPr>
+            <a:spLocks noGrp="1" noRot="1" noChangeAspect="1"/>
+          </p:cNvSpPr>
+          <p:nvPr>
+            <p:ph type="sldImg"/>
+          </p:nvPr>
+        </p:nvSpPr>
+        <p:spPr/>
+      </p:sp>
+      <p:sp>
+        <p:nvSpPr>
+          <p:cNvPr id="3" name="Notes Placeholder 2"/>
+          <p:cNvSpPr>
+            <a:spLocks noGrp="1"/>
+          </p:cNvSpPr>
+          <p:nvPr>
+            <p:ph type="body" idx="1"/>
+          </p:nvPr>
+        </p:nvSpPr>
+        <p:spPr/>
+        <p:txBody>
+          <a:bodyPr/>
+          <a:lstStyle/>
+          <a:p>
+            <a:endParaRPr lang="en-US" dirty="0"/>
+          </a:p>
+        </p:txBody>
+      </p:sp>
+      <p:sp>
+        <p:nvSpPr>
+          <p:cNvPr id="4" name="Slide Number Placeholder 3"/>
+          <p:cNvSpPr>
+            <a:spLocks noGrp="1"/>
+          </p:cNvSpPr>
+          <p:nvPr>
+            <p:ph type="sldNum" sz="quarter" idx="10"/>
+          </p:nvPr>
+        </p:nvSpPr>
+        <p:spPr/>
+        <p:txBody>
+          <a:bodyPr/>
+          <a:lstStyle/>
+          <a:p>
+            <a:fld id="{FF9ED82A-650D-4003-83D0-A3B5AF3C844A}" type="slidenum">
+              <a:rPr lang="en-US" smtClean="0"/>
+              <a:t>14</a:t>
+            </a:fld>
+            <a:endParaRPr lang="en-US"/>
+          </a:p>
+        </p:txBody>
+      </p:sp>
+    </p:spTree>
+    <p:extLst>
+      <p:ext uri="{BB962C8B-B14F-4D97-AF65-F5344CB8AC3E}">
+        <p14:creationId xmlns:p14="http://schemas.microsoft.com/office/powerpoint/2010/main" val="3046419449"/>
+      </p:ext>
+    </p:extLst>
+  </p:cSld>
+  <p:clrMapOvr>
+    <a:masterClrMapping/>
+  </p:clrMapOvr>
+</p:notes>
+</file>
+
+<file path=ppt/notesSlides/notesSlide14.xml><?xml version="1.0" encoding="utf-8"?>
+<p:notes xmlns:a="http://schemas.openxmlformats.org/drawingml/2006/main" xmlns:r="http://schemas.openxmlformats.org/officeDocument/2006/relationships" xmlns:p="http://schemas.openxmlformats.org/presentationml/2006/main">
+  <p:cSld>
+    <p:spTree>
+      <p:nvGrpSpPr>
+        <p:cNvPr id="1" name=""/>
+        <p:cNvGrpSpPr/>
+        <p:nvPr/>
+      </p:nvGrpSpPr>
+      <p:grpSpPr>
+        <a:xfrm>
+          <a:off x="0" y="0"/>
+          <a:ext cx="0" cy="0"/>
+          <a:chOff x="0" y="0"/>
+          <a:chExt cx="0" cy="0"/>
+        </a:xfrm>
+      </p:grpSpPr>
+      <p:sp>
+        <p:nvSpPr>
+          <p:cNvPr id="2" name="Slide Image Placeholder 1"/>
+          <p:cNvSpPr>
+            <a:spLocks noGrp="1" noRot="1" noChangeAspect="1"/>
+          </p:cNvSpPr>
+          <p:nvPr>
+            <p:ph type="sldImg"/>
+          </p:nvPr>
+        </p:nvSpPr>
+        <p:spPr/>
+      </p:sp>
+      <p:sp>
+        <p:nvSpPr>
+          <p:cNvPr id="3" name="Notes Placeholder 2"/>
+          <p:cNvSpPr>
+            <a:spLocks noGrp="1"/>
+          </p:cNvSpPr>
+          <p:nvPr>
+            <p:ph type="body" idx="1"/>
+          </p:nvPr>
+        </p:nvSpPr>
+        <p:spPr/>
+        <p:txBody>
+          <a:bodyPr/>
+          <a:lstStyle/>
+          <a:p>
+            <a:endParaRPr lang="en-US" dirty="0"/>
+          </a:p>
+        </p:txBody>
+      </p:sp>
+      <p:sp>
+        <p:nvSpPr>
+          <p:cNvPr id="4" name="Slide Number Placeholder 3"/>
+          <p:cNvSpPr>
+            <a:spLocks noGrp="1"/>
+          </p:cNvSpPr>
+          <p:nvPr>
+            <p:ph type="sldNum" sz="quarter" idx="10"/>
+          </p:nvPr>
+        </p:nvSpPr>
+        <p:spPr/>
+        <p:txBody>
+          <a:bodyPr/>
+          <a:lstStyle/>
+          <a:p>
+            <a:fld id="{FF9ED82A-650D-4003-83D0-A3B5AF3C844A}" type="slidenum">
+              <a:rPr lang="en-US" smtClean="0"/>
+              <a:t>15</a:t>
+            </a:fld>
+            <a:endParaRPr lang="en-US"/>
+          </a:p>
+        </p:txBody>
+      </p:sp>
+    </p:spTree>
+    <p:extLst>
+      <p:ext uri="{BB962C8B-B14F-4D97-AF65-F5344CB8AC3E}">
+        <p14:creationId xmlns:p14="http://schemas.microsoft.com/office/powerpoint/2010/main" val="3784544449"/>
+      </p:ext>
+    </p:extLst>
+  </p:cSld>
+  <p:clrMapOvr>
+    <a:masterClrMapping/>
+  </p:clrMapOvr>
+</p:notes>
+</file>
+
+<file path=ppt/notesSlides/notesSlide15.xml><?xml version="1.0" encoding="utf-8"?>
+<p:notes xmlns:a="http://schemas.openxmlformats.org/drawingml/2006/main" xmlns:r="http://schemas.openxmlformats.org/officeDocument/2006/relationships" xmlns:p="http://schemas.openxmlformats.org/presentationml/2006/main">
+  <p:cSld>
+    <p:spTree>
+      <p:nvGrpSpPr>
+        <p:cNvPr id="1" name=""/>
+        <p:cNvGrpSpPr/>
+        <p:nvPr/>
+      </p:nvGrpSpPr>
+      <p:grpSpPr>
+        <a:xfrm>
+          <a:off x="0" y="0"/>
+          <a:ext cx="0" cy="0"/>
+          <a:chOff x="0" y="0"/>
+          <a:chExt cx="0" cy="0"/>
+        </a:xfrm>
+      </p:grpSpPr>
+      <p:sp>
+        <p:nvSpPr>
+          <p:cNvPr id="2" name="Slide Image Placeholder 1"/>
+          <p:cNvSpPr>
+            <a:spLocks noGrp="1" noRot="1" noChangeAspect="1"/>
+          </p:cNvSpPr>
+          <p:nvPr>
+            <p:ph type="sldImg"/>
+          </p:nvPr>
+        </p:nvSpPr>
+        <p:spPr/>
+      </p:sp>
+      <p:sp>
+        <p:nvSpPr>
+          <p:cNvPr id="3" name="Notes Placeholder 2"/>
+          <p:cNvSpPr>
+            <a:spLocks noGrp="1"/>
+          </p:cNvSpPr>
+          <p:nvPr>
+            <p:ph type="body" idx="1"/>
+          </p:nvPr>
+        </p:nvSpPr>
+        <p:spPr/>
+        <p:txBody>
+          <a:bodyPr/>
+          <a:lstStyle/>
+          <a:p>
+            <a:endParaRPr lang="en-US" dirty="0"/>
+          </a:p>
+        </p:txBody>
+      </p:sp>
+      <p:sp>
+        <p:nvSpPr>
+          <p:cNvPr id="4" name="Slide Number Placeholder 3"/>
+          <p:cNvSpPr>
+            <a:spLocks noGrp="1"/>
+          </p:cNvSpPr>
+          <p:nvPr>
+            <p:ph type="sldNum" sz="quarter" idx="10"/>
+          </p:nvPr>
+        </p:nvSpPr>
+        <p:spPr/>
+        <p:txBody>
+          <a:bodyPr/>
+          <a:lstStyle/>
+          <a:p>
+            <a:fld id="{FF9ED82A-650D-4003-83D0-A3B5AF3C844A}" type="slidenum">
+              <a:rPr lang="en-US" smtClean="0"/>
+              <a:t>16</a:t>
+            </a:fld>
+            <a:endParaRPr lang="en-US"/>
+          </a:p>
+        </p:txBody>
+      </p:sp>
+    </p:spTree>
+    <p:extLst>
+      <p:ext uri="{BB962C8B-B14F-4D97-AF65-F5344CB8AC3E}">
+        <p14:creationId xmlns:p14="http://schemas.microsoft.com/office/powerpoint/2010/main" val="1996727338"/>
+      </p:ext>
+    </p:extLst>
+  </p:cSld>
+  <p:clrMapOvr>
+    <a:masterClrMapping/>
+  </p:clrMapOvr>
+</p:notes>
+</file>
+
+<file path=ppt/notesSlides/notesSlide16.xml><?xml version="1.0" encoding="utf-8"?>
+<p:notes xmlns:a="http://schemas.openxmlformats.org/drawingml/2006/main" xmlns:r="http://schemas.openxmlformats.org/officeDocument/2006/relationships" xmlns:p="http://schemas.openxmlformats.org/presentationml/2006/main">
+  <p:cSld>
+    <p:spTree>
+      <p:nvGrpSpPr>
+        <p:cNvPr id="1" name=""/>
+        <p:cNvGrpSpPr/>
+        <p:nvPr/>
+      </p:nvGrpSpPr>
+      <p:grpSpPr>
+        <a:xfrm>
+          <a:off x="0" y="0"/>
+          <a:ext cx="0" cy="0"/>
+          <a:chOff x="0" y="0"/>
+          <a:chExt cx="0" cy="0"/>
+        </a:xfrm>
+      </p:grpSpPr>
+      <p:sp>
+        <p:nvSpPr>
+          <p:cNvPr id="2" name="Slide Image Placeholder 1"/>
+          <p:cNvSpPr>
+            <a:spLocks noGrp="1" noRot="1" noChangeAspect="1"/>
+          </p:cNvSpPr>
+          <p:nvPr>
+            <p:ph type="sldImg"/>
+          </p:nvPr>
+        </p:nvSpPr>
+        <p:spPr/>
+      </p:sp>
+      <p:sp>
+        <p:nvSpPr>
+          <p:cNvPr id="3" name="Notes Placeholder 2"/>
+          <p:cNvSpPr>
+            <a:spLocks noGrp="1"/>
+          </p:cNvSpPr>
+          <p:nvPr>
+            <p:ph type="body" idx="1"/>
+          </p:nvPr>
+        </p:nvSpPr>
+        <p:spPr/>
+        <p:txBody>
+          <a:bodyPr/>
+          <a:lstStyle/>
+          <a:p>
+            <a:endParaRPr lang="en-US" dirty="0"/>
+          </a:p>
+        </p:txBody>
+      </p:sp>
+      <p:sp>
+        <p:nvSpPr>
+          <p:cNvPr id="4" name="Slide Number Placeholder 3"/>
+          <p:cNvSpPr>
+            <a:spLocks noGrp="1"/>
+          </p:cNvSpPr>
+          <p:nvPr>
+            <p:ph type="sldNum" sz="quarter" idx="10"/>
+          </p:nvPr>
+        </p:nvSpPr>
+        <p:spPr/>
+        <p:txBody>
+          <a:bodyPr/>
+          <a:lstStyle/>
+          <a:p>
+            <a:fld id="{FF9ED82A-650D-4003-83D0-A3B5AF3C844A}" type="slidenum">
+              <a:rPr lang="en-US" smtClean="0"/>
+              <a:t>17</a:t>
+            </a:fld>
+            <a:endParaRPr lang="en-US"/>
+          </a:p>
+        </p:txBody>
+      </p:sp>
+    </p:spTree>
+    <p:extLst>
+      <p:ext uri="{BB962C8B-B14F-4D97-AF65-F5344CB8AC3E}">
+        <p14:creationId xmlns:p14="http://schemas.microsoft.com/office/powerpoint/2010/main" val="1989141597"/>
+      </p:ext>
+    </p:extLst>
+  </p:cSld>
+  <p:clrMapOvr>
+    <a:masterClrMapping/>
+  </p:clrMapOvr>
+</p:notes>
+</file>
+
+<file path=ppt/notesSlides/notesSlide17.xml><?xml version="1.0" encoding="utf-8"?>
+<p:notes xmlns:a="http://schemas.openxmlformats.org/drawingml/2006/main" xmlns:r="http://schemas.openxmlformats.org/officeDocument/2006/relationships" xmlns:p="http://schemas.openxmlformats.org/presentationml/2006/main">
+  <p:cSld>
+    <p:spTree>
+      <p:nvGrpSpPr>
+        <p:cNvPr id="1" name=""/>
+        <p:cNvGrpSpPr/>
+        <p:nvPr/>
+      </p:nvGrpSpPr>
+      <p:grpSpPr>
+        <a:xfrm>
+          <a:off x="0" y="0"/>
+          <a:ext cx="0" cy="0"/>
+          <a:chOff x="0" y="0"/>
+          <a:chExt cx="0" cy="0"/>
+        </a:xfrm>
+      </p:grpSpPr>
+      <p:sp>
+        <p:nvSpPr>
+          <p:cNvPr id="2" name="Slide Image Placeholder 1"/>
+          <p:cNvSpPr>
+            <a:spLocks noGrp="1" noRot="1" noChangeAspect="1"/>
+          </p:cNvSpPr>
+          <p:nvPr>
+            <p:ph type="sldImg"/>
+          </p:nvPr>
+        </p:nvSpPr>
+        <p:spPr/>
+      </p:sp>
+      <p:sp>
+        <p:nvSpPr>
+          <p:cNvPr id="3" name="Notes Placeholder 2"/>
+          <p:cNvSpPr>
+            <a:spLocks noGrp="1"/>
+          </p:cNvSpPr>
+          <p:nvPr>
+            <p:ph type="body" idx="1"/>
+          </p:nvPr>
+        </p:nvSpPr>
+        <p:spPr/>
+        <p:txBody>
+          <a:bodyPr/>
+          <a:lstStyle/>
+          <a:p>
+            <a:endParaRPr lang="en-US" dirty="0"/>
+          </a:p>
+        </p:txBody>
+      </p:sp>
+      <p:sp>
+        <p:nvSpPr>
+          <p:cNvPr id="4" name="Slide Number Placeholder 3"/>
+          <p:cNvSpPr>
+            <a:spLocks noGrp="1"/>
+          </p:cNvSpPr>
+          <p:nvPr>
+            <p:ph type="sldNum" sz="quarter" idx="10"/>
+          </p:nvPr>
+        </p:nvSpPr>
+        <p:spPr/>
+        <p:txBody>
+          <a:bodyPr/>
+          <a:lstStyle/>
+          <a:p>
+            <a:fld id="{FF9ED82A-650D-4003-83D0-A3B5AF3C844A}" type="slidenum">
+              <a:rPr lang="en-US" smtClean="0"/>
+              <a:t>18</a:t>
+            </a:fld>
+            <a:endParaRPr lang="en-US"/>
+          </a:p>
+        </p:txBody>
+      </p:sp>
+    </p:spTree>
+    <p:extLst>
+      <p:ext uri="{BB962C8B-B14F-4D97-AF65-F5344CB8AC3E}">
+        <p14:creationId xmlns:p14="http://schemas.microsoft.com/office/powerpoint/2010/main" val="2642352887"/>
+      </p:ext>
+    </p:extLst>
+  </p:cSld>
+  <p:clrMapOvr>
+    <a:masterClrMapping/>
+  </p:clrMapOvr>
+</p:notes>
+</file>
+
+<file path=ppt/notesSlides/notesSlide18.xml><?xml version="1.0" encoding="utf-8"?>
+<p:notes xmlns:a="http://schemas.openxmlformats.org/drawingml/2006/main" xmlns:r="http://schemas.openxmlformats.org/officeDocument/2006/relationships" xmlns:p="http://schemas.openxmlformats.org/presentationml/2006/main">
+  <p:cSld>
+    <p:spTree>
+      <p:nvGrpSpPr>
+        <p:cNvPr id="1" name=""/>
+        <p:cNvGrpSpPr/>
+        <p:nvPr/>
+      </p:nvGrpSpPr>
+      <p:grpSpPr>
+        <a:xfrm>
+          <a:off x="0" y="0"/>
+          <a:ext cx="0" cy="0"/>
+          <a:chOff x="0" y="0"/>
+          <a:chExt cx="0" cy="0"/>
+        </a:xfrm>
+      </p:grpSpPr>
+      <p:sp>
+        <p:nvSpPr>
+          <p:cNvPr id="2" name="Slide Image Placeholder 1"/>
+          <p:cNvSpPr>
+            <a:spLocks noGrp="1" noRot="1" noChangeAspect="1"/>
+          </p:cNvSpPr>
+          <p:nvPr>
+            <p:ph type="sldImg"/>
+          </p:nvPr>
+        </p:nvSpPr>
+        <p:spPr/>
+      </p:sp>
+      <p:sp>
+        <p:nvSpPr>
+          <p:cNvPr id="3" name="Notes Placeholder 2"/>
+          <p:cNvSpPr>
+            <a:spLocks noGrp="1"/>
+          </p:cNvSpPr>
+          <p:nvPr>
+            <p:ph type="body" idx="1"/>
+          </p:nvPr>
+        </p:nvSpPr>
+        <p:spPr/>
+        <p:txBody>
+          <a:bodyPr/>
+          <a:lstStyle/>
+          <a:p>
+            <a:endParaRPr lang="en-US" dirty="0"/>
+          </a:p>
+        </p:txBody>
+      </p:sp>
+      <p:sp>
+        <p:nvSpPr>
+          <p:cNvPr id="4" name="Slide Number Placeholder 3"/>
+          <p:cNvSpPr>
+            <a:spLocks noGrp="1"/>
+          </p:cNvSpPr>
+          <p:nvPr>
+            <p:ph type="sldNum" sz="quarter" idx="10"/>
+          </p:nvPr>
+        </p:nvSpPr>
+        <p:spPr/>
+        <p:txBody>
+          <a:bodyPr/>
+          <a:lstStyle/>
+          <a:p>
+            <a:fld id="{FF9ED82A-650D-4003-83D0-A3B5AF3C844A}" type="slidenum">
+              <a:rPr lang="en-US" smtClean="0"/>
+              <a:t>19</a:t>
+            </a:fld>
+            <a:endParaRPr lang="en-US"/>
+          </a:p>
+        </p:txBody>
+      </p:sp>
+    </p:spTree>
+    <p:extLst>
+      <p:ext uri="{BB962C8B-B14F-4D97-AF65-F5344CB8AC3E}">
+        <p14:creationId xmlns:p14="http://schemas.microsoft.com/office/powerpoint/2010/main" val="227982979"/>
+      </p:ext>
+    </p:extLst>
+  </p:cSld>
+  <p:clrMapOvr>
+    <a:masterClrMapping/>
+  </p:clrMapOvr>
+</p:notes>
+</file>
+
+<file path=ppt/notesSlides/notesSlide19.xml><?xml version="1.0" encoding="utf-8"?>
+<p:notes xmlns:a="http://schemas.openxmlformats.org/drawingml/2006/main" xmlns:r="http://schemas.openxmlformats.org/officeDocument/2006/relationships" xmlns:p="http://schemas.openxmlformats.org/presentationml/2006/main">
+  <p:cSld>
+    <p:spTree>
+      <p:nvGrpSpPr>
+        <p:cNvPr id="1" name=""/>
+        <p:cNvGrpSpPr/>
+        <p:nvPr/>
+      </p:nvGrpSpPr>
+      <p:grpSpPr>
+        <a:xfrm>
+          <a:off x="0" y="0"/>
+          <a:ext cx="0" cy="0"/>
+          <a:chOff x="0" y="0"/>
+          <a:chExt cx="0" cy="0"/>
+        </a:xfrm>
+      </p:grpSpPr>
+      <p:sp>
+        <p:nvSpPr>
+          <p:cNvPr id="2" name="Slide Image Placeholder 1"/>
+          <p:cNvSpPr>
+            <a:spLocks noGrp="1" noRot="1" noChangeAspect="1"/>
+          </p:cNvSpPr>
+          <p:nvPr>
+            <p:ph type="sldImg"/>
+          </p:nvPr>
+        </p:nvSpPr>
+        <p:spPr/>
+      </p:sp>
+      <p:sp>
+        <p:nvSpPr>
+          <p:cNvPr id="3" name="Notes Placeholder 2"/>
+          <p:cNvSpPr>
+            <a:spLocks noGrp="1"/>
+          </p:cNvSpPr>
+          <p:nvPr>
+            <p:ph type="body" idx="1"/>
+          </p:nvPr>
+        </p:nvSpPr>
+        <p:spPr/>
+        <p:txBody>
+          <a:bodyPr/>
+          <a:lstStyle/>
+          <a:p>
+            <a:endParaRPr lang="en-US" dirty="0"/>
+          </a:p>
+        </p:txBody>
+      </p:sp>
+      <p:sp>
+        <p:nvSpPr>
+          <p:cNvPr id="4" name="Slide Number Placeholder 3"/>
+          <p:cNvSpPr>
+            <a:spLocks noGrp="1"/>
+          </p:cNvSpPr>
+          <p:nvPr>
+            <p:ph type="sldNum" sz="quarter" idx="10"/>
+          </p:nvPr>
+        </p:nvSpPr>
+        <p:spPr/>
+        <p:txBody>
+          <a:bodyPr/>
+          <a:lstStyle/>
+          <a:p>
+            <a:fld id="{FF9ED82A-650D-4003-83D0-A3B5AF3C844A}" type="slidenum">
+              <a:rPr lang="en-US" smtClean="0"/>
+              <a:t>20</a:t>
+            </a:fld>
+            <a:endParaRPr lang="en-US"/>
+          </a:p>
+        </p:txBody>
+      </p:sp>
+    </p:spTree>
+    <p:extLst>
+      <p:ext uri="{BB962C8B-B14F-4D97-AF65-F5344CB8AC3E}">
+        <p14:creationId xmlns:p14="http://schemas.microsoft.com/office/powerpoint/2010/main" val="3764772033"/>
+      </p:ext>
+    </p:extLst>
+  </p:cSld>
+  <p:clrMapOvr>
+    <a:masterClrMapping/>
+  </p:clrMapOvr>
+</p:notes>
+</file>
+
+<file path=ppt/notesSlides/notesSlide2.xml><?xml version="1.0" encoding="utf-8"?>
+<p:notes xmlns:a="http://schemas.openxmlformats.org/drawingml/2006/main" xmlns:r="http://schemas.openxmlformats.org/officeDocument/2006/relationships" xmlns:p="http://schemas.openxmlformats.org/presentationml/2006/main">
+  <p:cSld>
+    <p:spTree>
+      <p:nvGrpSpPr>
+        <p:cNvPr id="1" name=""/>
+        <p:cNvGrpSpPr/>
+        <p:nvPr/>
+      </p:nvGrpSpPr>
+      <p:grpSpPr>
+        <a:xfrm>
+          <a:off x="0" y="0"/>
+          <a:ext cx="0" cy="0"/>
+          <a:chOff x="0" y="0"/>
+          <a:chExt cx="0" cy="0"/>
+        </a:xfrm>
+      </p:grpSpPr>
+      <p:sp>
+        <p:nvSpPr>
+          <p:cNvPr id="2" name="Slide Image Placeholder 1"/>
+          <p:cNvSpPr>
+            <a:spLocks noGrp="1" noRot="1" noChangeAspect="1"/>
+          </p:cNvSpPr>
+          <p:nvPr>
+            <p:ph type="sldImg"/>
+          </p:nvPr>
+        </p:nvSpPr>
+        <p:spPr/>
+      </p:sp>
+      <p:sp>
+        <p:nvSpPr>
+          <p:cNvPr id="3" name="Notes Placeholder 2"/>
+          <p:cNvSpPr>
+            <a:spLocks noGrp="1"/>
+          </p:cNvSpPr>
+          <p:nvPr>
+            <p:ph type="body" idx="1"/>
+          </p:nvPr>
+        </p:nvSpPr>
+        <p:spPr/>
+        <p:txBody>
+          <a:bodyPr/>
+          <a:lstStyle/>
+          <a:p>
+            <a:endParaRPr lang="en-US" dirty="0"/>
+          </a:p>
+        </p:txBody>
+      </p:sp>
+      <p:sp>
+        <p:nvSpPr>
+          <p:cNvPr id="4" name="Slide Number Placeholder 3"/>
+          <p:cNvSpPr>
+            <a:spLocks noGrp="1"/>
+          </p:cNvSpPr>
+          <p:nvPr>
+            <p:ph type="sldNum" sz="quarter" idx="10"/>
+          </p:nvPr>
+        </p:nvSpPr>
+        <p:spPr/>
+        <p:txBody>
+          <a:bodyPr/>
+          <a:lstStyle/>
+          <a:p>
+            <a:fld id="{FF9ED82A-650D-4003-83D0-A3B5AF3C844A}" type="slidenum">
+              <a:rPr lang="en-US" smtClean="0"/>
+              <a:t>3</a:t>
+            </a:fld>
+            <a:endParaRPr lang="en-US"/>
+          </a:p>
+        </p:txBody>
+      </p:sp>
+    </p:spTree>
+    <p:extLst>
+      <p:ext uri="{BB962C8B-B14F-4D97-AF65-F5344CB8AC3E}">
+        <p14:creationId xmlns:p14="http://schemas.microsoft.com/office/powerpoint/2010/main" val="2065075657"/>
+      </p:ext>
+    </p:extLst>
+  </p:cSld>
+  <p:clrMapOvr>
+    <a:masterClrMapping/>
+  </p:clrMapOvr>
+</p:notes>
+</file>
+
+<file path=ppt/notesSlides/notesSlide20.xml><?xml version="1.0" encoding="utf-8"?>
+<p:notes xmlns:a="http://schemas.openxmlformats.org/drawingml/2006/main" xmlns:r="http://schemas.openxmlformats.org/officeDocument/2006/relationships" xmlns:p="http://schemas.openxmlformats.org/presentationml/2006/main">
+  <p:cSld>
+    <p:spTree>
+      <p:nvGrpSpPr>
+        <p:cNvPr id="1" name=""/>
+        <p:cNvGrpSpPr/>
+        <p:nvPr/>
+      </p:nvGrpSpPr>
+      <p:grpSpPr>
+        <a:xfrm>
+          <a:off x="0" y="0"/>
+          <a:ext cx="0" cy="0"/>
+          <a:chOff x="0" y="0"/>
+          <a:chExt cx="0" cy="0"/>
+        </a:xfrm>
+      </p:grpSpPr>
+      <p:sp>
+        <p:nvSpPr>
+          <p:cNvPr id="2" name="Slide Image Placeholder 1"/>
+          <p:cNvSpPr>
+            <a:spLocks noGrp="1" noRot="1" noChangeAspect="1"/>
+          </p:cNvSpPr>
+          <p:nvPr>
+            <p:ph type="sldImg"/>
+          </p:nvPr>
+        </p:nvSpPr>
+        <p:spPr/>
+      </p:sp>
+      <p:sp>
+        <p:nvSpPr>
+          <p:cNvPr id="3" name="Notes Placeholder 2"/>
+          <p:cNvSpPr>
+            <a:spLocks noGrp="1"/>
+          </p:cNvSpPr>
+          <p:nvPr>
+            <p:ph type="body" idx="1"/>
+          </p:nvPr>
+        </p:nvSpPr>
+        <p:spPr/>
+        <p:txBody>
+          <a:bodyPr/>
+          <a:lstStyle/>
+          <a:p>
+            <a:endParaRPr lang="en-US" dirty="0"/>
+          </a:p>
+        </p:txBody>
+      </p:sp>
+      <p:sp>
+        <p:nvSpPr>
+          <p:cNvPr id="4" name="Slide Number Placeholder 3"/>
+          <p:cNvSpPr>
+            <a:spLocks noGrp="1"/>
+          </p:cNvSpPr>
+          <p:nvPr>
+            <p:ph type="sldNum" sz="quarter" idx="10"/>
+          </p:nvPr>
+        </p:nvSpPr>
+        <p:spPr/>
+        <p:txBody>
+          <a:bodyPr/>
+          <a:lstStyle/>
+          <a:p>
+            <a:fld id="{FF9ED82A-650D-4003-83D0-A3B5AF3C844A}" type="slidenum">
+              <a:rPr lang="en-US" smtClean="0"/>
+              <a:t>21</a:t>
+            </a:fld>
+            <a:endParaRPr lang="en-US"/>
+          </a:p>
+        </p:txBody>
+      </p:sp>
+    </p:spTree>
+    <p:extLst>
+      <p:ext uri="{BB962C8B-B14F-4D97-AF65-F5344CB8AC3E}">
+        <p14:creationId xmlns:p14="http://schemas.microsoft.com/office/powerpoint/2010/main" val="1913450629"/>
+      </p:ext>
+    </p:extLst>
+  </p:cSld>
+  <p:clrMapOvr>
+    <a:masterClrMapping/>
+  </p:clrMapOvr>
+</p:notes>
+</file>
+
+<file path=ppt/notesSlides/notesSlide21.xml><?xml version="1.0" encoding="utf-8"?>
+<p:notes xmlns:a="http://schemas.openxmlformats.org/drawingml/2006/main" xmlns:r="http://schemas.openxmlformats.org/officeDocument/2006/relationships" xmlns:p="http://schemas.openxmlformats.org/presentationml/2006/main">
+  <p:cSld>
+    <p:spTree>
+      <p:nvGrpSpPr>
+        <p:cNvPr id="1" name=""/>
+        <p:cNvGrpSpPr/>
+        <p:nvPr/>
+      </p:nvGrpSpPr>
+      <p:grpSpPr>
+        <a:xfrm>
+          <a:off x="0" y="0"/>
+          <a:ext cx="0" cy="0"/>
+          <a:chOff x="0" y="0"/>
+          <a:chExt cx="0" cy="0"/>
+        </a:xfrm>
+      </p:grpSpPr>
+      <p:sp>
+        <p:nvSpPr>
+          <p:cNvPr id="2" name="Slide Image Placeholder 1"/>
+          <p:cNvSpPr>
+            <a:spLocks noGrp="1" noRot="1" noChangeAspect="1"/>
+          </p:cNvSpPr>
+          <p:nvPr>
+            <p:ph type="sldImg"/>
+          </p:nvPr>
+        </p:nvSpPr>
+        <p:spPr/>
+      </p:sp>
+      <p:sp>
+        <p:nvSpPr>
+          <p:cNvPr id="3" name="Notes Placeholder 2"/>
+          <p:cNvSpPr>
+            <a:spLocks noGrp="1"/>
+          </p:cNvSpPr>
+          <p:nvPr>
+            <p:ph type="body" idx="1"/>
+          </p:nvPr>
+        </p:nvSpPr>
+        <p:spPr/>
+        <p:txBody>
+          <a:bodyPr/>
+          <a:lstStyle/>
+          <a:p>
+            <a:endParaRPr lang="en-US" dirty="0"/>
+          </a:p>
+        </p:txBody>
+      </p:sp>
+      <p:sp>
+        <p:nvSpPr>
+          <p:cNvPr id="4" name="Slide Number Placeholder 3"/>
+          <p:cNvSpPr>
+            <a:spLocks noGrp="1"/>
+          </p:cNvSpPr>
+          <p:nvPr>
+            <p:ph type="sldNum" sz="quarter" idx="10"/>
+          </p:nvPr>
+        </p:nvSpPr>
+        <p:spPr/>
+        <p:txBody>
+          <a:bodyPr/>
+          <a:lstStyle/>
+          <a:p>
+            <a:fld id="{FF9ED82A-650D-4003-83D0-A3B5AF3C844A}" type="slidenum">
+              <a:rPr lang="en-US" smtClean="0"/>
+              <a:t>22</a:t>
+            </a:fld>
+            <a:endParaRPr lang="en-US"/>
+          </a:p>
+        </p:txBody>
+      </p:sp>
+    </p:spTree>
+    <p:extLst>
+      <p:ext uri="{BB962C8B-B14F-4D97-AF65-F5344CB8AC3E}">
+        <p14:creationId xmlns:p14="http://schemas.microsoft.com/office/powerpoint/2010/main" val="3687930628"/>
+      </p:ext>
+    </p:extLst>
+  </p:cSld>
+  <p:clrMapOvr>
+    <a:masterClrMapping/>
+  </p:clrMapOvr>
+</p:notes>
+</file>
+
+<file path=ppt/notesSlides/notesSlide22.xml><?xml version="1.0" encoding="utf-8"?>
+<p:notes xmlns:a="http://schemas.openxmlformats.org/drawingml/2006/main" xmlns:r="http://schemas.openxmlformats.org/officeDocument/2006/relationships" xmlns:p="http://schemas.openxmlformats.org/presentationml/2006/main">
+  <p:cSld>
+    <p:spTree>
+      <p:nvGrpSpPr>
+        <p:cNvPr id="1" name=""/>
+        <p:cNvGrpSpPr/>
+        <p:nvPr/>
+      </p:nvGrpSpPr>
+      <p:grpSpPr>
+        <a:xfrm>
+          <a:off x="0" y="0"/>
+          <a:ext cx="0" cy="0"/>
+          <a:chOff x="0" y="0"/>
+          <a:chExt cx="0" cy="0"/>
+        </a:xfrm>
+      </p:grpSpPr>
+      <p:sp>
+        <p:nvSpPr>
+          <p:cNvPr id="2" name="Slide Image Placeholder 1"/>
+          <p:cNvSpPr>
+            <a:spLocks noGrp="1" noRot="1" noChangeAspect="1"/>
+          </p:cNvSpPr>
+          <p:nvPr>
+            <p:ph type="sldImg"/>
+          </p:nvPr>
+        </p:nvSpPr>
+        <p:spPr/>
+      </p:sp>
+      <p:sp>
+        <p:nvSpPr>
+          <p:cNvPr id="3" name="Notes Placeholder 2"/>
+          <p:cNvSpPr>
+            <a:spLocks noGrp="1"/>
+          </p:cNvSpPr>
+          <p:nvPr>
+            <p:ph type="body" idx="1"/>
+          </p:nvPr>
+        </p:nvSpPr>
+        <p:spPr/>
+        <p:txBody>
+          <a:bodyPr/>
+          <a:lstStyle/>
+          <a:p>
+            <a:endParaRPr lang="en-US" dirty="0"/>
+          </a:p>
+        </p:txBody>
+      </p:sp>
+      <p:sp>
+        <p:nvSpPr>
+          <p:cNvPr id="4" name="Slide Number Placeholder 3"/>
+          <p:cNvSpPr>
+            <a:spLocks noGrp="1"/>
+          </p:cNvSpPr>
+          <p:nvPr>
+            <p:ph type="sldNum" sz="quarter" idx="10"/>
+          </p:nvPr>
+        </p:nvSpPr>
+        <p:spPr/>
+        <p:txBody>
+          <a:bodyPr/>
+          <a:lstStyle/>
+          <a:p>
+            <a:fld id="{FF9ED82A-650D-4003-83D0-A3B5AF3C844A}" type="slidenum">
+              <a:rPr lang="en-US" smtClean="0"/>
+              <a:t>23</a:t>
+            </a:fld>
+            <a:endParaRPr lang="en-US"/>
+          </a:p>
+        </p:txBody>
+      </p:sp>
+    </p:spTree>
+    <p:extLst>
+      <p:ext uri="{BB962C8B-B14F-4D97-AF65-F5344CB8AC3E}">
+        <p14:creationId xmlns:p14="http://schemas.microsoft.com/office/powerpoint/2010/main" val="1165251890"/>
+      </p:ext>
+    </p:extLst>
+  </p:cSld>
+  <p:clrMapOvr>
+    <a:masterClrMapping/>
+  </p:clrMapOvr>
+</p:notes>
+</file>
+
+<file path=ppt/notesSlides/notesSlide23.xml><?xml version="1.0" encoding="utf-8"?>
+<p:notes xmlns:a="http://schemas.openxmlformats.org/drawingml/2006/main" xmlns:r="http://schemas.openxmlformats.org/officeDocument/2006/relationships" xmlns:p="http://schemas.openxmlformats.org/presentationml/2006/main">
+  <p:cSld>
+    <p:spTree>
+      <p:nvGrpSpPr>
+        <p:cNvPr id="1" name=""/>
+        <p:cNvGrpSpPr/>
+        <p:nvPr/>
+      </p:nvGrpSpPr>
+      <p:grpSpPr>
+        <a:xfrm>
+          <a:off x="0" y="0"/>
+          <a:ext cx="0" cy="0"/>
+          <a:chOff x="0" y="0"/>
+          <a:chExt cx="0" cy="0"/>
+        </a:xfrm>
+      </p:grpSpPr>
+      <p:sp>
+        <p:nvSpPr>
+          <p:cNvPr id="2" name="Slide Image Placeholder 1"/>
+          <p:cNvSpPr>
+            <a:spLocks noGrp="1" noRot="1" noChangeAspect="1"/>
+          </p:cNvSpPr>
+          <p:nvPr>
+            <p:ph type="sldImg"/>
+          </p:nvPr>
+        </p:nvSpPr>
+        <p:spPr/>
+      </p:sp>
+      <p:sp>
+        <p:nvSpPr>
+          <p:cNvPr id="3" name="Notes Placeholder 2"/>
+          <p:cNvSpPr>
+            <a:spLocks noGrp="1"/>
+          </p:cNvSpPr>
+          <p:nvPr>
+            <p:ph type="body" idx="1"/>
+          </p:nvPr>
+        </p:nvSpPr>
+        <p:spPr/>
+        <p:txBody>
+          <a:bodyPr/>
+          <a:lstStyle/>
+          <a:p>
+            <a:endParaRPr lang="en-US" dirty="0"/>
+          </a:p>
+        </p:txBody>
+      </p:sp>
+      <p:sp>
+        <p:nvSpPr>
+          <p:cNvPr id="4" name="Slide Number Placeholder 3"/>
+          <p:cNvSpPr>
+            <a:spLocks noGrp="1"/>
+          </p:cNvSpPr>
+          <p:nvPr>
+            <p:ph type="sldNum" sz="quarter" idx="10"/>
+          </p:nvPr>
+        </p:nvSpPr>
+        <p:spPr/>
+        <p:txBody>
+          <a:bodyPr/>
+          <a:lstStyle/>
+          <a:p>
+            <a:fld id="{FF9ED82A-650D-4003-83D0-A3B5AF3C844A}" type="slidenum">
+              <a:rPr lang="en-US" smtClean="0"/>
+              <a:t>26</a:t>
+            </a:fld>
+            <a:endParaRPr lang="en-US"/>
+          </a:p>
+        </p:txBody>
+      </p:sp>
+    </p:spTree>
+    <p:extLst>
+      <p:ext uri="{BB962C8B-B14F-4D97-AF65-F5344CB8AC3E}">
+        <p14:creationId xmlns:p14="http://schemas.microsoft.com/office/powerpoint/2010/main" val="649545714"/>
+      </p:ext>
+    </p:extLst>
+  </p:cSld>
+  <p:clrMapOvr>
+    <a:masterClrMapping/>
+  </p:clrMapOvr>
+</p:notes>
+</file>
+
+<file path=ppt/notesSlides/notesSlide3.xml><?xml version="1.0" encoding="utf-8"?>
+<p:notes xmlns:a="http://schemas.openxmlformats.org/drawingml/2006/main" xmlns:r="http://schemas.openxmlformats.org/officeDocument/2006/relationships" xmlns:p="http://schemas.openxmlformats.org/presentationml/2006/main">
+  <p:cSld>
+    <p:spTree>
+      <p:nvGrpSpPr>
+        <p:cNvPr id="1" name=""/>
+        <p:cNvGrpSpPr/>
+        <p:nvPr/>
+      </p:nvGrpSpPr>
+      <p:grpSpPr>
+        <a:xfrm>
+          <a:off x="0" y="0"/>
+          <a:ext cx="0" cy="0"/>
+          <a:chOff x="0" y="0"/>
+          <a:chExt cx="0" cy="0"/>
+        </a:xfrm>
+      </p:grpSpPr>
+      <p:sp>
+        <p:nvSpPr>
+          <p:cNvPr id="2" name="Slide Image Placeholder 1"/>
+          <p:cNvSpPr>
+            <a:spLocks noGrp="1" noRot="1" noChangeAspect="1"/>
+          </p:cNvSpPr>
+          <p:nvPr>
+            <p:ph type="sldImg"/>
+          </p:nvPr>
+        </p:nvSpPr>
+        <p:spPr/>
+      </p:sp>
+      <p:sp>
+        <p:nvSpPr>
+          <p:cNvPr id="3" name="Notes Placeholder 2"/>
+          <p:cNvSpPr>
+            <a:spLocks noGrp="1"/>
+          </p:cNvSpPr>
+          <p:nvPr>
+            <p:ph type="body" idx="1"/>
+          </p:nvPr>
+        </p:nvSpPr>
+        <p:spPr/>
+        <p:txBody>
+          <a:bodyPr/>
+          <a:lstStyle/>
+          <a:p>
+            <a:endParaRPr lang="en-US" dirty="0"/>
+          </a:p>
+        </p:txBody>
+      </p:sp>
+      <p:sp>
+        <p:nvSpPr>
+          <p:cNvPr id="4" name="Slide Number Placeholder 3"/>
+          <p:cNvSpPr>
+            <a:spLocks noGrp="1"/>
+          </p:cNvSpPr>
+          <p:nvPr>
+            <p:ph type="sldNum" sz="quarter" idx="10"/>
+          </p:nvPr>
+        </p:nvSpPr>
+        <p:spPr/>
+        <p:txBody>
+          <a:bodyPr/>
+          <a:lstStyle/>
+          <a:p>
+            <a:fld id="{FF9ED82A-650D-4003-83D0-A3B5AF3C844A}" type="slidenum">
+              <a:rPr lang="en-US" smtClean="0"/>
+              <a:t>4</a:t>
+            </a:fld>
+            <a:endParaRPr lang="en-US"/>
+          </a:p>
+        </p:txBody>
+      </p:sp>
+    </p:spTree>
+    <p:extLst>
+      <p:ext uri="{BB962C8B-B14F-4D97-AF65-F5344CB8AC3E}">
+        <p14:creationId xmlns:p14="http://schemas.microsoft.com/office/powerpoint/2010/main" val="1020674914"/>
+      </p:ext>
+    </p:extLst>
+  </p:cSld>
+  <p:clrMapOvr>
+    <a:masterClrMapping/>
+  </p:clrMapOvr>
+</p:notes>
+</file>
+
+<file path=ppt/notesSlides/notesSlide4.xml><?xml version="1.0" encoding="utf-8"?>
+<p:notes xmlns:a="http://schemas.openxmlformats.org/drawingml/2006/main" xmlns:r="http://schemas.openxmlformats.org/officeDocument/2006/relationships" xmlns:p="http://schemas.openxmlformats.org/presentationml/2006/main">
+  <p:cSld>
+    <p:spTree>
+      <p:nvGrpSpPr>
+        <p:cNvPr id="1" name=""/>
+        <p:cNvGrpSpPr/>
+        <p:nvPr/>
+      </p:nvGrpSpPr>
+      <p:grpSpPr>
+        <a:xfrm>
+          <a:off x="0" y="0"/>
+          <a:ext cx="0" cy="0"/>
+          <a:chOff x="0" y="0"/>
+          <a:chExt cx="0" cy="0"/>
+        </a:xfrm>
+      </p:grpSpPr>
+      <p:sp>
+        <p:nvSpPr>
+          <p:cNvPr id="2" name="Slide Image Placeholder 1"/>
+          <p:cNvSpPr>
+            <a:spLocks noGrp="1" noRot="1" noChangeAspect="1"/>
+          </p:cNvSpPr>
+          <p:nvPr>
+            <p:ph type="sldImg"/>
+          </p:nvPr>
+        </p:nvSpPr>
+        <p:spPr/>
+      </p:sp>
+      <p:sp>
+        <p:nvSpPr>
+          <p:cNvPr id="3" name="Notes Placeholder 2"/>
+          <p:cNvSpPr>
+            <a:spLocks noGrp="1"/>
+          </p:cNvSpPr>
+          <p:nvPr>
+            <p:ph type="body" idx="1"/>
+          </p:nvPr>
+        </p:nvSpPr>
+        <p:spPr/>
+        <p:txBody>
+          <a:bodyPr/>
+          <a:lstStyle/>
+          <a:p>
+            <a:endParaRPr lang="en-US" dirty="0"/>
+          </a:p>
+        </p:txBody>
+      </p:sp>
+      <p:sp>
+        <p:nvSpPr>
+          <p:cNvPr id="4" name="Slide Number Placeholder 3"/>
+          <p:cNvSpPr>
+            <a:spLocks noGrp="1"/>
+          </p:cNvSpPr>
+          <p:nvPr>
+            <p:ph type="sldNum" sz="quarter" idx="10"/>
+          </p:nvPr>
+        </p:nvSpPr>
+        <p:spPr/>
+        <p:txBody>
+          <a:bodyPr/>
+          <a:lstStyle/>
+          <a:p>
+            <a:fld id="{FF9ED82A-650D-4003-83D0-A3B5AF3C844A}" type="slidenum">
+              <a:rPr lang="en-US" smtClean="0"/>
+              <a:t>5</a:t>
+            </a:fld>
+            <a:endParaRPr lang="en-US"/>
+          </a:p>
+        </p:txBody>
+      </p:sp>
+    </p:spTree>
+    <p:extLst>
+      <p:ext uri="{BB962C8B-B14F-4D97-AF65-F5344CB8AC3E}">
+        <p14:creationId xmlns:p14="http://schemas.microsoft.com/office/powerpoint/2010/main" val="1166603535"/>
+      </p:ext>
+    </p:extLst>
+  </p:cSld>
+  <p:clrMapOvr>
+    <a:masterClrMapping/>
+  </p:clrMapOvr>
+</p:notes>
+</file>
+
+<file path=ppt/notesSlides/notesSlide5.xml><?xml version="1.0" encoding="utf-8"?>
+<p:notes xmlns:a="http://schemas.openxmlformats.org/drawingml/2006/main" xmlns:r="http://schemas.openxmlformats.org/officeDocument/2006/relationships" xmlns:p="http://schemas.openxmlformats.org/presentationml/2006/main">
+  <p:cSld>
+    <p:spTree>
+      <p:nvGrpSpPr>
+        <p:cNvPr id="1" name=""/>
+        <p:cNvGrpSpPr/>
+        <p:nvPr/>
+      </p:nvGrpSpPr>
+      <p:grpSpPr>
+        <a:xfrm>
+          <a:off x="0" y="0"/>
+          <a:ext cx="0" cy="0"/>
+          <a:chOff x="0" y="0"/>
+          <a:chExt cx="0" cy="0"/>
+        </a:xfrm>
+      </p:grpSpPr>
+      <p:sp>
+        <p:nvSpPr>
+          <p:cNvPr id="2" name="Slide Image Placeholder 1"/>
+          <p:cNvSpPr>
+            <a:spLocks noGrp="1" noRot="1" noChangeAspect="1"/>
+          </p:cNvSpPr>
+          <p:nvPr>
+            <p:ph type="sldImg"/>
+          </p:nvPr>
+        </p:nvSpPr>
+        <p:spPr/>
+      </p:sp>
+      <p:sp>
+        <p:nvSpPr>
+          <p:cNvPr id="3" name="Notes Placeholder 2"/>
+          <p:cNvSpPr>
+            <a:spLocks noGrp="1"/>
+          </p:cNvSpPr>
+          <p:nvPr>
+            <p:ph type="body" idx="1"/>
+          </p:nvPr>
+        </p:nvSpPr>
+        <p:spPr/>
+        <p:txBody>
+          <a:bodyPr/>
+          <a:lstStyle/>
+          <a:p>
+            <a:endParaRPr lang="en-US" dirty="0"/>
+          </a:p>
+        </p:txBody>
+      </p:sp>
+      <p:sp>
+        <p:nvSpPr>
+          <p:cNvPr id="4" name="Slide Number Placeholder 3"/>
+          <p:cNvSpPr>
+            <a:spLocks noGrp="1"/>
+          </p:cNvSpPr>
+          <p:nvPr>
+            <p:ph type="sldNum" sz="quarter" idx="10"/>
+          </p:nvPr>
+        </p:nvSpPr>
+        <p:spPr/>
+        <p:txBody>
+          <a:bodyPr/>
+          <a:lstStyle/>
+          <a:p>
+            <a:fld id="{FF9ED82A-650D-4003-83D0-A3B5AF3C844A}" type="slidenum">
+              <a:rPr lang="en-US" smtClean="0"/>
+              <a:t>6</a:t>
+            </a:fld>
+            <a:endParaRPr lang="en-US"/>
+          </a:p>
+        </p:txBody>
+      </p:sp>
+    </p:spTree>
+    <p:extLst>
+      <p:ext uri="{BB962C8B-B14F-4D97-AF65-F5344CB8AC3E}">
+        <p14:creationId xmlns:p14="http://schemas.microsoft.com/office/powerpoint/2010/main" val="100886726"/>
+      </p:ext>
+    </p:extLst>
+  </p:cSld>
+  <p:clrMapOvr>
+    <a:masterClrMapping/>
+  </p:clrMapOvr>
+</p:notes>
+</file>
+
+<file path=ppt/notesSlides/notesSlide6.xml><?xml version="1.0" encoding="utf-8"?>
+<p:notes xmlns:a="http://schemas.openxmlformats.org/drawingml/2006/main" xmlns:r="http://schemas.openxmlformats.org/officeDocument/2006/relationships" xmlns:p="http://schemas.openxmlformats.org/presentationml/2006/main">
+  <p:cSld>
+    <p:spTree>
+      <p:nvGrpSpPr>
+        <p:cNvPr id="1" name=""/>
+        <p:cNvGrpSpPr/>
+        <p:nvPr/>
+      </p:nvGrpSpPr>
+      <p:grpSpPr>
+        <a:xfrm>
+          <a:off x="0" y="0"/>
+          <a:ext cx="0" cy="0"/>
+          <a:chOff x="0" y="0"/>
+          <a:chExt cx="0" cy="0"/>
+        </a:xfrm>
+      </p:grpSpPr>
+      <p:sp>
+        <p:nvSpPr>
+          <p:cNvPr id="2" name="Slide Image Placeholder 1"/>
+          <p:cNvSpPr>
+            <a:spLocks noGrp="1" noRot="1" noChangeAspect="1"/>
+          </p:cNvSpPr>
+          <p:nvPr>
+            <p:ph type="sldImg"/>
+          </p:nvPr>
+        </p:nvSpPr>
+        <p:spPr/>
+      </p:sp>
+      <p:sp>
+        <p:nvSpPr>
+          <p:cNvPr id="3" name="Notes Placeholder 2"/>
+          <p:cNvSpPr>
+            <a:spLocks noGrp="1"/>
+          </p:cNvSpPr>
+          <p:nvPr>
+            <p:ph type="body" idx="1"/>
+          </p:nvPr>
+        </p:nvSpPr>
+        <p:spPr/>
+        <p:txBody>
+          <a:bodyPr/>
+          <a:lstStyle/>
+          <a:p>
+            <a:endParaRPr lang="en-US" dirty="0"/>
+          </a:p>
+        </p:txBody>
+      </p:sp>
+      <p:sp>
+        <p:nvSpPr>
+          <p:cNvPr id="4" name="Slide Number Placeholder 3"/>
+          <p:cNvSpPr>
+            <a:spLocks noGrp="1"/>
+          </p:cNvSpPr>
+          <p:nvPr>
+            <p:ph type="sldNum" sz="quarter" idx="10"/>
+          </p:nvPr>
+        </p:nvSpPr>
+        <p:spPr/>
+        <p:txBody>
+          <a:bodyPr/>
+          <a:lstStyle/>
+          <a:p>
+            <a:fld id="{FF9ED82A-650D-4003-83D0-A3B5AF3C844A}" type="slidenum">
+              <a:rPr lang="en-US" smtClean="0"/>
+              <a:t>7</a:t>
+            </a:fld>
+            <a:endParaRPr lang="en-US"/>
+          </a:p>
+        </p:txBody>
+      </p:sp>
+    </p:spTree>
+    <p:extLst>
+      <p:ext uri="{BB962C8B-B14F-4D97-AF65-F5344CB8AC3E}">
+        <p14:creationId xmlns:p14="http://schemas.microsoft.com/office/powerpoint/2010/main" val="2928985023"/>
+      </p:ext>
+    </p:extLst>
+  </p:cSld>
+  <p:clrMapOvr>
+    <a:masterClrMapping/>
+  </p:clrMapOvr>
+</p:notes>
+</file>
+
+<file path=ppt/notesSlides/notesSlide7.xml><?xml version="1.0" encoding="utf-8"?>
+<p:notes xmlns:a="http://schemas.openxmlformats.org/drawingml/2006/main" xmlns:r="http://schemas.openxmlformats.org/officeDocument/2006/relationships" xmlns:p="http://schemas.openxmlformats.org/presentationml/2006/main">
+  <p:cSld>
+    <p:spTree>
+      <p:nvGrpSpPr>
+        <p:cNvPr id="1" name=""/>
+        <p:cNvGrpSpPr/>
+        <p:nvPr/>
+      </p:nvGrpSpPr>
+      <p:grpSpPr>
+        <a:xfrm>
+          <a:off x="0" y="0"/>
+          <a:ext cx="0" cy="0"/>
+          <a:chOff x="0" y="0"/>
+          <a:chExt cx="0" cy="0"/>
+        </a:xfrm>
+      </p:grpSpPr>
+      <p:sp>
+        <p:nvSpPr>
+          <p:cNvPr id="2" name="Slide Image Placeholder 1"/>
+          <p:cNvSpPr>
+            <a:spLocks noGrp="1" noRot="1" noChangeAspect="1"/>
+          </p:cNvSpPr>
+          <p:nvPr>
+            <p:ph type="sldImg"/>
+          </p:nvPr>
+        </p:nvSpPr>
+        <p:spPr/>
+      </p:sp>
+      <p:sp>
+        <p:nvSpPr>
+          <p:cNvPr id="3" name="Notes Placeholder 2"/>
+          <p:cNvSpPr>
+            <a:spLocks noGrp="1"/>
+          </p:cNvSpPr>
+          <p:nvPr>
+            <p:ph type="body" idx="1"/>
+          </p:nvPr>
+        </p:nvSpPr>
+        <p:spPr/>
+        <p:txBody>
+          <a:bodyPr/>
+          <a:lstStyle/>
+          <a:p>
+            <a:endParaRPr lang="en-US" dirty="0"/>
+          </a:p>
+        </p:txBody>
+      </p:sp>
+      <p:sp>
+        <p:nvSpPr>
+          <p:cNvPr id="4" name="Slide Number Placeholder 3"/>
+          <p:cNvSpPr>
+            <a:spLocks noGrp="1"/>
+          </p:cNvSpPr>
+          <p:nvPr>
+            <p:ph type="sldNum" sz="quarter" idx="10"/>
+          </p:nvPr>
+        </p:nvSpPr>
+        <p:spPr/>
+        <p:txBody>
+          <a:bodyPr/>
+          <a:lstStyle/>
+          <a:p>
+            <a:fld id="{FF9ED82A-650D-4003-83D0-A3B5AF3C844A}" type="slidenum">
+              <a:rPr lang="en-US" smtClean="0"/>
+              <a:t>8</a:t>
+            </a:fld>
+            <a:endParaRPr lang="en-US"/>
+          </a:p>
+        </p:txBody>
+      </p:sp>
+    </p:spTree>
+    <p:extLst>
+      <p:ext uri="{BB962C8B-B14F-4D97-AF65-F5344CB8AC3E}">
+        <p14:creationId xmlns:p14="http://schemas.microsoft.com/office/powerpoint/2010/main" val="916570938"/>
+      </p:ext>
+    </p:extLst>
+  </p:cSld>
+  <p:clrMapOvr>
+    <a:masterClrMapping/>
+  </p:clrMapOvr>
+</p:notes>
+</file>
+
+<file path=ppt/notesSlides/notesSlide8.xml><?xml version="1.0" encoding="utf-8"?>
+<p:notes xmlns:a="http://schemas.openxmlformats.org/drawingml/2006/main" xmlns:r="http://schemas.openxmlformats.org/officeDocument/2006/relationships" xmlns:p="http://schemas.openxmlformats.org/presentationml/2006/main">
+  <p:cSld>
+    <p:spTree>
+      <p:nvGrpSpPr>
+        <p:cNvPr id="1" name=""/>
+        <p:cNvGrpSpPr/>
+        <p:nvPr/>
+      </p:nvGrpSpPr>
+      <p:grpSpPr>
+        <a:xfrm>
+          <a:off x="0" y="0"/>
+          <a:ext cx="0" cy="0"/>
+          <a:chOff x="0" y="0"/>
+          <a:chExt cx="0" cy="0"/>
+        </a:xfrm>
+      </p:grpSpPr>
+      <p:sp>
+        <p:nvSpPr>
+          <p:cNvPr id="2" name="Slide Image Placeholder 1"/>
+          <p:cNvSpPr>
+            <a:spLocks noGrp="1" noRot="1" noChangeAspect="1"/>
+          </p:cNvSpPr>
+          <p:nvPr>
+            <p:ph type="sldImg"/>
+          </p:nvPr>
+        </p:nvSpPr>
+        <p:spPr/>
+      </p:sp>
+      <p:sp>
+        <p:nvSpPr>
+          <p:cNvPr id="3" name="Notes Placeholder 2"/>
+          <p:cNvSpPr>
+            <a:spLocks noGrp="1"/>
+          </p:cNvSpPr>
+          <p:nvPr>
+            <p:ph type="body" idx="1"/>
+          </p:nvPr>
+        </p:nvSpPr>
+        <p:spPr/>
+        <p:txBody>
+          <a:bodyPr/>
+          <a:lstStyle/>
+          <a:p>
+            <a:endParaRPr lang="en-US" dirty="0"/>
+          </a:p>
+        </p:txBody>
+      </p:sp>
+      <p:sp>
+        <p:nvSpPr>
+          <p:cNvPr id="4" name="Slide Number Placeholder 3"/>
+          <p:cNvSpPr>
+            <a:spLocks noGrp="1"/>
+          </p:cNvSpPr>
+          <p:nvPr>
+            <p:ph type="sldNum" sz="quarter" idx="10"/>
+          </p:nvPr>
+        </p:nvSpPr>
+        <p:spPr/>
+        <p:txBody>
+          <a:bodyPr/>
+          <a:lstStyle/>
+          <a:p>
+            <a:fld id="{FF9ED82A-650D-4003-83D0-A3B5AF3C844A}" type="slidenum">
+              <a:rPr lang="en-US" smtClean="0"/>
+              <a:t>9</a:t>
+            </a:fld>
+            <a:endParaRPr lang="en-US"/>
+          </a:p>
+        </p:txBody>
+      </p:sp>
+    </p:spTree>
+    <p:extLst>
+      <p:ext uri="{BB962C8B-B14F-4D97-AF65-F5344CB8AC3E}">
+        <p14:creationId xmlns:p14="http://schemas.microsoft.com/office/powerpoint/2010/main" val="1653668046"/>
+      </p:ext>
+    </p:extLst>
+  </p:cSld>
+  <p:clrMapOvr>
+    <a:masterClrMapping/>
+  </p:clrMapOvr>
+</p:notes>
+</file>
+
+<file path=ppt/notesSlides/notesSlide9.xml><?xml version="1.0" encoding="utf-8"?>
+<p:notes xmlns:a="http://schemas.openxmlformats.org/drawingml/2006/main" xmlns:r="http://schemas.openxmlformats.org/officeDocument/2006/relationships" xmlns:p="http://schemas.openxmlformats.org/presentationml/2006/main">
+  <p:cSld>
+    <p:spTree>
+      <p:nvGrpSpPr>
+        <p:cNvPr id="1" name=""/>
+        <p:cNvGrpSpPr/>
+        <p:nvPr/>
+      </p:nvGrpSpPr>
+      <p:grpSpPr>
+        <a:xfrm>
+          <a:off x="0" y="0"/>
+          <a:ext cx="0" cy="0"/>
+          <a:chOff x="0" y="0"/>
+          <a:chExt cx="0" cy="0"/>
+        </a:xfrm>
+      </p:grpSpPr>
+      <p:sp>
+        <p:nvSpPr>
+          <p:cNvPr id="2" name="Slide Image Placeholder 1"/>
+          <p:cNvSpPr>
+            <a:spLocks noGrp="1" noRot="1" noChangeAspect="1"/>
+          </p:cNvSpPr>
+          <p:nvPr>
+            <p:ph type="sldImg"/>
+          </p:nvPr>
+        </p:nvSpPr>
+        <p:spPr/>
+      </p:sp>
+      <p:sp>
+        <p:nvSpPr>
+          <p:cNvPr id="3" name="Notes Placeholder 2"/>
+          <p:cNvSpPr>
+            <a:spLocks noGrp="1"/>
+          </p:cNvSpPr>
+          <p:nvPr>
+            <p:ph type="body" idx="1"/>
+          </p:nvPr>
+        </p:nvSpPr>
+        <p:spPr/>
+        <p:txBody>
+          <a:bodyPr/>
+          <a:lstStyle/>
+          <a:p>
+            <a:endParaRPr lang="en-US" dirty="0"/>
+          </a:p>
+        </p:txBody>
+      </p:sp>
+      <p:sp>
+        <p:nvSpPr>
+          <p:cNvPr id="4" name="Slide Number Placeholder 3"/>
+          <p:cNvSpPr>
+            <a:spLocks noGrp="1"/>
+          </p:cNvSpPr>
+          <p:nvPr>
+            <p:ph type="sldNum" sz="quarter" idx="10"/>
+          </p:nvPr>
+        </p:nvSpPr>
+        <p:spPr/>
+        <p:txBody>
+          <a:bodyPr/>
+          <a:lstStyle/>
+          <a:p>
+            <a:fld id="{FF9ED82A-650D-4003-83D0-A3B5AF3C844A}" type="slidenum">
+              <a:rPr lang="en-US" smtClean="0"/>
+              <a:t>10</a:t>
+            </a:fld>
+            <a:endParaRPr lang="en-US"/>
+          </a:p>
+        </p:txBody>
+      </p:sp>
+    </p:spTree>
+    <p:extLst>
+      <p:ext uri="{BB962C8B-B14F-4D97-AF65-F5344CB8AC3E}">
+        <p14:creationId xmlns:p14="http://schemas.microsoft.com/office/powerpoint/2010/main" val="431344508"/>
+      </p:ext>
+    </p:extLst>
+  </p:cSld>
+  <p:clrMapOvr>
+    <a:masterClrMapping/>
+  </p:clrMapOvr>
+</p:notes>
 </file>
 
 <file path=ppt/slideLayouts/slideLayout1.xml><?xml version="1.0" encoding="utf-8"?>
@@ -2989,14 +5317,16 @@
         </p:nvSpPr>
         <p:spPr/>
         <p:txBody>
-          <a:bodyPr/>
-          <a:lstStyle/>
-          <a:p>
-            <a:r>
-              <a:rPr lang="en-US" dirty="0" smtClean="0"/>
+          <a:bodyPr>
+            <a:normAutofit/>
+          </a:bodyPr>
+          <a:lstStyle/>
+          <a:p>
+            <a:r>
+              <a:rPr lang="en-US" sz="5400" dirty="0" smtClean="0"/>
               <a:t>Functional Programming via C#</a:t>
             </a:r>
-            <a:endParaRPr lang="en-US" dirty="0"/>
+            <a:endParaRPr lang="en-US" sz="5400" dirty="0"/>
           </a:p>
         </p:txBody>
       </p:sp>
@@ -3010,37 +5340,64 @@
             <p:ph type="subTitle" idx="1"/>
           </p:nvPr>
         </p:nvSpPr>
-        <p:spPr/>
+        <p:spPr>
+          <a:xfrm>
+            <a:off x="5534297" y="5874975"/>
+            <a:ext cx="9144000" cy="1655762"/>
+          </a:xfrm>
+        </p:spPr>
         <p:txBody>
           <a:bodyPr>
-            <a:normAutofit lnSpcReduction="10000"/>
+            <a:normAutofit/>
           </a:bodyPr>
           <a:lstStyle/>
           <a:p>
             <a:r>
-              <a:rPr lang="en-US" dirty="0" smtClean="0"/>
-              <a:t>Presented at: Dallas C# SIG</a:t>
-            </a:r>
-          </a:p>
-          <a:p>
-            <a:r>
-              <a:rPr lang="en-US" dirty="0" smtClean="0"/>
-              <a:t>By: Nik Clarkson</a:t>
-            </a:r>
-          </a:p>
-          <a:p>
-            <a:endParaRPr lang="en-US" dirty="0"/>
-          </a:p>
-          <a:p>
-            <a:r>
-              <a:rPr lang="en-US" dirty="0" smtClean="0"/>
-              <a:t>Twitter: </a:t>
-            </a:r>
-            <a:r>
-              <a:rPr lang="en-US" dirty="0" err="1" smtClean="0"/>
+              <a:rPr lang="en-US" dirty="0" smtClean="0">
+                <a:solidFill>
+                  <a:schemeClr val="tx1">
+                    <a:lumMod val="50000"/>
+                    <a:lumOff val="50000"/>
+                  </a:schemeClr>
+                </a:solidFill>
+              </a:rPr>
+              <a:t>Dallas C# SIG February 5, 2015</a:t>
+            </a:r>
+          </a:p>
+          <a:p>
+            <a:r>
+              <a:rPr lang="en-US" dirty="0" smtClean="0">
+                <a:solidFill>
+                  <a:schemeClr val="tx1">
+                    <a:lumMod val="50000"/>
+                    <a:lumOff val="50000"/>
+                  </a:schemeClr>
+                </a:solidFill>
+              </a:rPr>
+              <a:t>Nik Clarkson (</a:t>
+            </a:r>
+            <a:r>
+              <a:rPr lang="en-US" dirty="0" err="1" smtClean="0">
+                <a:solidFill>
+                  <a:schemeClr val="tx1">
+                    <a:lumMod val="50000"/>
+                    <a:lumOff val="50000"/>
+                  </a:schemeClr>
+                </a:solidFill>
+              </a:rPr>
               <a:t>CaptainArkansas</a:t>
             </a:r>
-            <a:endParaRPr lang="en-US" dirty="0"/>
+            <a:r>
+              <a:rPr lang="en-US" dirty="0" smtClean="0">
+                <a:solidFill>
+                  <a:schemeClr val="tx1">
+                    <a:lumMod val="50000"/>
+                    <a:lumOff val="50000"/>
+                  </a:schemeClr>
+                </a:solidFill>
+              </a:rPr>
+              <a:t>)</a:t>
+            </a:r>
           </a:p>
         </p:txBody>
       </p:sp>
@@ -3091,42 +5448,31 @@
             <p:ph type="title"/>
           </p:nvPr>
         </p:nvSpPr>
-        <p:spPr/>
-        <p:txBody>
-          <a:bodyPr/>
-          <a:lstStyle/>
-          <a:p>
-            <a:r>
-              <a:rPr lang="en-US" dirty="0" smtClean="0"/>
-              <a:t>List Comprehensions</a:t>
-            </a:r>
-            <a:endParaRPr lang="en-US" dirty="0"/>
-          </a:p>
-        </p:txBody>
-      </p:sp>
-      <p:sp>
-        <p:nvSpPr>
-          <p:cNvPr id="3" name="Content Placeholder 2"/>
-          <p:cNvSpPr>
-            <a:spLocks noGrp="1"/>
-          </p:cNvSpPr>
-          <p:nvPr>
-            <p:ph idx="1"/>
-          </p:nvPr>
-        </p:nvSpPr>
-        <p:spPr/>
-        <p:txBody>
-          <a:bodyPr/>
-          <a:lstStyle/>
-          <a:p>
-            <a:endParaRPr lang="en-US"/>
+        <p:spPr>
+          <a:xfrm>
+            <a:off x="864326" y="2534195"/>
+            <a:ext cx="10515600" cy="1298802"/>
+          </a:xfrm>
+        </p:spPr>
+        <p:txBody>
+          <a:bodyPr>
+            <a:normAutofit/>
+          </a:bodyPr>
+          <a:lstStyle/>
+          <a:p>
+            <a:pPr algn="ctr"/>
+            <a:r>
+              <a:rPr lang="en-US" sz="6000" dirty="0" smtClean="0"/>
+              <a:t>Referential Transparency</a:t>
+            </a:r>
+            <a:endParaRPr lang="en-US" sz="6000" dirty="0"/>
           </a:p>
         </p:txBody>
       </p:sp>
     </p:spTree>
     <p:extLst>
       <p:ext uri="{BB962C8B-B14F-4D97-AF65-F5344CB8AC3E}">
-        <p14:creationId xmlns:p14="http://schemas.microsoft.com/office/powerpoint/2010/main" val="3114987942"/>
+        <p14:creationId xmlns:p14="http://schemas.microsoft.com/office/powerpoint/2010/main" val="1876196257"/>
       </p:ext>
     </p:extLst>
   </p:cSld>
@@ -3170,62 +5516,31 @@
             <p:ph type="title"/>
           </p:nvPr>
         </p:nvSpPr>
-        <p:spPr/>
-        <p:txBody>
-          <a:bodyPr/>
-          <a:lstStyle/>
-          <a:p>
-            <a:r>
-              <a:rPr lang="en-US" dirty="0" smtClean="0"/>
-              <a:t>Recursion</a:t>
-            </a:r>
-            <a:endParaRPr lang="en-US" dirty="0"/>
-          </a:p>
-        </p:txBody>
-      </p:sp>
-      <p:sp>
-        <p:nvSpPr>
-          <p:cNvPr id="3" name="Content Placeholder 2"/>
-          <p:cNvSpPr>
-            <a:spLocks noGrp="1"/>
-          </p:cNvSpPr>
-          <p:nvPr>
-            <p:ph idx="1"/>
-          </p:nvPr>
-        </p:nvSpPr>
-        <p:spPr/>
-        <p:txBody>
-          <a:bodyPr/>
-          <a:lstStyle/>
-          <a:p>
-            <a:r>
-              <a:rPr lang="en-US" dirty="0" smtClean="0"/>
-              <a:t>Tail Call recursion</a:t>
-            </a:r>
-          </a:p>
-          <a:p>
-            <a:r>
-              <a:rPr lang="en-US" dirty="0" err="1" smtClean="0"/>
-              <a:t>Jit</a:t>
-            </a:r>
-            <a:r>
-              <a:rPr lang="en-US" dirty="0" smtClean="0"/>
-              <a:t> optimizer</a:t>
-            </a:r>
-          </a:p>
-          <a:p>
-            <a:r>
-              <a:rPr lang="en-US" dirty="0" smtClean="0"/>
-              <a:t>For fun not for production!</a:t>
-            </a:r>
-            <a:endParaRPr lang="en-US" dirty="0"/>
+        <p:spPr>
+          <a:xfrm>
+            <a:off x="864326" y="2534195"/>
+            <a:ext cx="10515600" cy="1298802"/>
+          </a:xfrm>
+        </p:spPr>
+        <p:txBody>
+          <a:bodyPr>
+            <a:normAutofit/>
+          </a:bodyPr>
+          <a:lstStyle/>
+          <a:p>
+            <a:pPr algn="ctr"/>
+            <a:r>
+              <a:rPr lang="en-US" sz="6000" dirty="0" smtClean="0"/>
+              <a:t>Side Effects</a:t>
+            </a:r>
+            <a:endParaRPr lang="en-US" sz="6000" dirty="0"/>
           </a:p>
         </p:txBody>
       </p:sp>
     </p:spTree>
     <p:extLst>
       <p:ext uri="{BB962C8B-B14F-4D97-AF65-F5344CB8AC3E}">
-        <p14:creationId xmlns:p14="http://schemas.microsoft.com/office/powerpoint/2010/main" val="673032841"/>
+        <p14:creationId xmlns:p14="http://schemas.microsoft.com/office/powerpoint/2010/main" val="2150186233"/>
       </p:ext>
     </p:extLst>
   </p:cSld>
@@ -3269,46 +5584,31 @@
             <p:ph type="title"/>
           </p:nvPr>
         </p:nvSpPr>
-        <p:spPr/>
-        <p:txBody>
-          <a:bodyPr/>
-          <a:lstStyle/>
-          <a:p>
-            <a:r>
-              <a:rPr lang="en-US" dirty="0" smtClean="0"/>
-              <a:t>Relax! Let the Machines Handle it!</a:t>
-            </a:r>
-            <a:endParaRPr lang="en-US" dirty="0"/>
-          </a:p>
-        </p:txBody>
-      </p:sp>
-      <p:sp>
-        <p:nvSpPr>
-          <p:cNvPr id="3" name="Content Placeholder 2"/>
-          <p:cNvSpPr>
-            <a:spLocks noGrp="1"/>
-          </p:cNvSpPr>
-          <p:nvPr>
-            <p:ph idx="1"/>
-          </p:nvPr>
-        </p:nvSpPr>
-        <p:spPr/>
-        <p:txBody>
-          <a:bodyPr/>
-          <a:lstStyle/>
-          <a:p>
-            <a:r>
-              <a:rPr lang="en-US" dirty="0" smtClean="0"/>
-              <a:t>What could go wrong?</a:t>
-            </a:r>
-            <a:endParaRPr lang="en-US" dirty="0"/>
+        <p:spPr>
+          <a:xfrm>
+            <a:off x="864326" y="2534195"/>
+            <a:ext cx="10515600" cy="1298802"/>
+          </a:xfrm>
+        </p:spPr>
+        <p:txBody>
+          <a:bodyPr>
+            <a:normAutofit/>
+          </a:bodyPr>
+          <a:lstStyle/>
+          <a:p>
+            <a:pPr algn="ctr"/>
+            <a:r>
+              <a:rPr lang="en-US" sz="6000" dirty="0" smtClean="0"/>
+              <a:t>Purity &amp; Side Effect examples</a:t>
+            </a:r>
+            <a:endParaRPr lang="en-US" sz="6000" dirty="0"/>
           </a:p>
         </p:txBody>
       </p:sp>
     </p:spTree>
     <p:extLst>
       <p:ext uri="{BB962C8B-B14F-4D97-AF65-F5344CB8AC3E}">
-        <p14:creationId xmlns:p14="http://schemas.microsoft.com/office/powerpoint/2010/main" val="1356244215"/>
+        <p14:creationId xmlns:p14="http://schemas.microsoft.com/office/powerpoint/2010/main" val="1194496842"/>
       </p:ext>
     </p:extLst>
   </p:cSld>
@@ -3352,42 +5652,31 @@
             <p:ph type="title"/>
           </p:nvPr>
         </p:nvSpPr>
-        <p:spPr/>
-        <p:txBody>
-          <a:bodyPr/>
-          <a:lstStyle/>
-          <a:p>
-            <a:r>
-              <a:rPr lang="en-US" dirty="0" smtClean="0"/>
-              <a:t>The more you know!</a:t>
-            </a:r>
-            <a:endParaRPr lang="en-US" dirty="0"/>
-          </a:p>
-        </p:txBody>
-      </p:sp>
-      <p:sp>
-        <p:nvSpPr>
-          <p:cNvPr id="3" name="Content Placeholder 2"/>
-          <p:cNvSpPr>
-            <a:spLocks noGrp="1"/>
-          </p:cNvSpPr>
-          <p:nvPr>
-            <p:ph idx="1"/>
-          </p:nvPr>
-        </p:nvSpPr>
-        <p:spPr/>
-        <p:txBody>
-          <a:bodyPr/>
-          <a:lstStyle/>
-          <a:p>
-            <a:endParaRPr lang="en-US"/>
+        <p:spPr>
+          <a:xfrm>
+            <a:off x="864326" y="2534195"/>
+            <a:ext cx="10515600" cy="1298802"/>
+          </a:xfrm>
+        </p:spPr>
+        <p:txBody>
+          <a:bodyPr>
+            <a:normAutofit/>
+          </a:bodyPr>
+          <a:lstStyle/>
+          <a:p>
+            <a:pPr algn="ctr"/>
+            <a:r>
+              <a:rPr lang="en-US" sz="6000" dirty="0" smtClean="0"/>
+              <a:t>Functions constructing functions!</a:t>
+            </a:r>
+            <a:endParaRPr lang="en-US" sz="6000" dirty="0"/>
           </a:p>
         </p:txBody>
       </p:sp>
     </p:spTree>
     <p:extLst>
       <p:ext uri="{BB962C8B-B14F-4D97-AF65-F5344CB8AC3E}">
-        <p14:creationId xmlns:p14="http://schemas.microsoft.com/office/powerpoint/2010/main" val="20075730"/>
+        <p14:creationId xmlns:p14="http://schemas.microsoft.com/office/powerpoint/2010/main" val="2780457043"/>
       </p:ext>
     </p:extLst>
   </p:cSld>
@@ -3405,6 +5694,754 @@
 </file>
 
 <file path=ppt/slides/slide14.xml><?xml version="1.0" encoding="utf-8"?>
+<p:sld xmlns:a="http://schemas.openxmlformats.org/drawingml/2006/main" xmlns:r="http://schemas.openxmlformats.org/officeDocument/2006/relationships" xmlns:p="http://schemas.openxmlformats.org/presentationml/2006/main">
+  <p:cSld>
+    <p:spTree>
+      <p:nvGrpSpPr>
+        <p:cNvPr id="1" name=""/>
+        <p:cNvGrpSpPr/>
+        <p:nvPr/>
+      </p:nvGrpSpPr>
+      <p:grpSpPr>
+        <a:xfrm>
+          <a:off x="0" y="0"/>
+          <a:ext cx="0" cy="0"/>
+          <a:chOff x="0" y="0"/>
+          <a:chExt cx="0" cy="0"/>
+        </a:xfrm>
+      </p:grpSpPr>
+      <p:sp>
+        <p:nvSpPr>
+          <p:cNvPr id="2" name="Title 1"/>
+          <p:cNvSpPr>
+            <a:spLocks noGrp="1"/>
+          </p:cNvSpPr>
+          <p:nvPr>
+            <p:ph type="title"/>
+          </p:nvPr>
+        </p:nvSpPr>
+        <p:spPr>
+          <a:xfrm>
+            <a:off x="864326" y="2534195"/>
+            <a:ext cx="10515600" cy="1298802"/>
+          </a:xfrm>
+        </p:spPr>
+        <p:txBody>
+          <a:bodyPr>
+            <a:normAutofit/>
+          </a:bodyPr>
+          <a:lstStyle/>
+          <a:p>
+            <a:pPr algn="ctr"/>
+            <a:r>
+              <a:rPr lang="en-US" sz="6000" dirty="0" smtClean="0"/>
+              <a:t>Common Higher Order Functions</a:t>
+            </a:r>
+            <a:endParaRPr lang="en-US" sz="6000" dirty="0"/>
+          </a:p>
+        </p:txBody>
+      </p:sp>
+    </p:spTree>
+    <p:extLst>
+      <p:ext uri="{BB962C8B-B14F-4D97-AF65-F5344CB8AC3E}">
+        <p14:creationId xmlns:p14="http://schemas.microsoft.com/office/powerpoint/2010/main" val="1196101541"/>
+      </p:ext>
+    </p:extLst>
+  </p:cSld>
+  <p:clrMapOvr>
+    <a:masterClrMapping/>
+  </p:clrMapOvr>
+  <p:timing>
+    <p:tnLst>
+      <p:par>
+        <p:cTn id="1" dur="indefinite" restart="never" nodeType="tmRoot"/>
+      </p:par>
+    </p:tnLst>
+  </p:timing>
+</p:sld>
+</file>
+
+<file path=ppt/slides/slide15.xml><?xml version="1.0" encoding="utf-8"?>
+<p:sld xmlns:a="http://schemas.openxmlformats.org/drawingml/2006/main" xmlns:r="http://schemas.openxmlformats.org/officeDocument/2006/relationships" xmlns:p="http://schemas.openxmlformats.org/presentationml/2006/main">
+  <p:cSld>
+    <p:spTree>
+      <p:nvGrpSpPr>
+        <p:cNvPr id="1" name=""/>
+        <p:cNvGrpSpPr/>
+        <p:nvPr/>
+      </p:nvGrpSpPr>
+      <p:grpSpPr>
+        <a:xfrm>
+          <a:off x="0" y="0"/>
+          <a:ext cx="0" cy="0"/>
+          <a:chOff x="0" y="0"/>
+          <a:chExt cx="0" cy="0"/>
+        </a:xfrm>
+      </p:grpSpPr>
+      <p:sp>
+        <p:nvSpPr>
+          <p:cNvPr id="2" name="Title 1"/>
+          <p:cNvSpPr>
+            <a:spLocks noGrp="1"/>
+          </p:cNvSpPr>
+          <p:nvPr>
+            <p:ph type="title"/>
+          </p:nvPr>
+        </p:nvSpPr>
+        <p:spPr>
+          <a:xfrm>
+            <a:off x="864326" y="2534195"/>
+            <a:ext cx="10515600" cy="1298802"/>
+          </a:xfrm>
+        </p:spPr>
+        <p:txBody>
+          <a:bodyPr>
+            <a:normAutofit/>
+          </a:bodyPr>
+          <a:lstStyle/>
+          <a:p>
+            <a:pPr algn="ctr"/>
+            <a:r>
+              <a:rPr lang="en-US" sz="6000" dirty="0" smtClean="0"/>
+              <a:t>Map</a:t>
+            </a:r>
+            <a:endParaRPr lang="en-US" sz="6000" dirty="0"/>
+          </a:p>
+        </p:txBody>
+      </p:sp>
+    </p:spTree>
+    <p:extLst>
+      <p:ext uri="{BB962C8B-B14F-4D97-AF65-F5344CB8AC3E}">
+        <p14:creationId xmlns:p14="http://schemas.microsoft.com/office/powerpoint/2010/main" val="2319865204"/>
+      </p:ext>
+    </p:extLst>
+  </p:cSld>
+  <p:clrMapOvr>
+    <a:masterClrMapping/>
+  </p:clrMapOvr>
+  <p:timing>
+    <p:tnLst>
+      <p:par>
+        <p:cTn id="1" dur="indefinite" restart="never" nodeType="tmRoot"/>
+      </p:par>
+    </p:tnLst>
+  </p:timing>
+</p:sld>
+</file>
+
+<file path=ppt/slides/slide16.xml><?xml version="1.0" encoding="utf-8"?>
+<p:sld xmlns:a="http://schemas.openxmlformats.org/drawingml/2006/main" xmlns:r="http://schemas.openxmlformats.org/officeDocument/2006/relationships" xmlns:p="http://schemas.openxmlformats.org/presentationml/2006/main">
+  <p:cSld>
+    <p:spTree>
+      <p:nvGrpSpPr>
+        <p:cNvPr id="1" name=""/>
+        <p:cNvGrpSpPr/>
+        <p:nvPr/>
+      </p:nvGrpSpPr>
+      <p:grpSpPr>
+        <a:xfrm>
+          <a:off x="0" y="0"/>
+          <a:ext cx="0" cy="0"/>
+          <a:chOff x="0" y="0"/>
+          <a:chExt cx="0" cy="0"/>
+        </a:xfrm>
+      </p:grpSpPr>
+      <p:sp>
+        <p:nvSpPr>
+          <p:cNvPr id="2" name="Title 1"/>
+          <p:cNvSpPr>
+            <a:spLocks noGrp="1"/>
+          </p:cNvSpPr>
+          <p:nvPr>
+            <p:ph type="title"/>
+          </p:nvPr>
+        </p:nvSpPr>
+        <p:spPr>
+          <a:xfrm>
+            <a:off x="864326" y="2534195"/>
+            <a:ext cx="10515600" cy="1298802"/>
+          </a:xfrm>
+        </p:spPr>
+        <p:txBody>
+          <a:bodyPr>
+            <a:normAutofit/>
+          </a:bodyPr>
+          <a:lstStyle/>
+          <a:p>
+            <a:pPr algn="ctr"/>
+            <a:r>
+              <a:rPr lang="en-US" sz="6000" dirty="0" smtClean="0"/>
+              <a:t>Filter</a:t>
+            </a:r>
+            <a:endParaRPr lang="en-US" sz="6000" dirty="0"/>
+          </a:p>
+        </p:txBody>
+      </p:sp>
+    </p:spTree>
+    <p:extLst>
+      <p:ext uri="{BB962C8B-B14F-4D97-AF65-F5344CB8AC3E}">
+        <p14:creationId xmlns:p14="http://schemas.microsoft.com/office/powerpoint/2010/main" val="3762244837"/>
+      </p:ext>
+    </p:extLst>
+  </p:cSld>
+  <p:clrMapOvr>
+    <a:masterClrMapping/>
+  </p:clrMapOvr>
+  <p:timing>
+    <p:tnLst>
+      <p:par>
+        <p:cTn id="1" dur="indefinite" restart="never" nodeType="tmRoot"/>
+      </p:par>
+    </p:tnLst>
+  </p:timing>
+</p:sld>
+</file>
+
+<file path=ppt/slides/slide17.xml><?xml version="1.0" encoding="utf-8"?>
+<p:sld xmlns:a="http://schemas.openxmlformats.org/drawingml/2006/main" xmlns:r="http://schemas.openxmlformats.org/officeDocument/2006/relationships" xmlns:p="http://schemas.openxmlformats.org/presentationml/2006/main">
+  <p:cSld>
+    <p:spTree>
+      <p:nvGrpSpPr>
+        <p:cNvPr id="1" name=""/>
+        <p:cNvGrpSpPr/>
+        <p:nvPr/>
+      </p:nvGrpSpPr>
+      <p:grpSpPr>
+        <a:xfrm>
+          <a:off x="0" y="0"/>
+          <a:ext cx="0" cy="0"/>
+          <a:chOff x="0" y="0"/>
+          <a:chExt cx="0" cy="0"/>
+        </a:xfrm>
+      </p:grpSpPr>
+      <p:sp>
+        <p:nvSpPr>
+          <p:cNvPr id="2" name="Title 1"/>
+          <p:cNvSpPr>
+            <a:spLocks noGrp="1"/>
+          </p:cNvSpPr>
+          <p:nvPr>
+            <p:ph type="title"/>
+          </p:nvPr>
+        </p:nvSpPr>
+        <p:spPr>
+          <a:xfrm>
+            <a:off x="864326" y="2534195"/>
+            <a:ext cx="10515600" cy="1298802"/>
+          </a:xfrm>
+        </p:spPr>
+        <p:txBody>
+          <a:bodyPr>
+            <a:normAutofit/>
+          </a:bodyPr>
+          <a:lstStyle/>
+          <a:p>
+            <a:pPr algn="ctr"/>
+            <a:r>
+              <a:rPr lang="en-US" sz="6000" dirty="0" smtClean="0"/>
+              <a:t>Fold</a:t>
+            </a:r>
+            <a:endParaRPr lang="en-US" sz="6000" dirty="0"/>
+          </a:p>
+        </p:txBody>
+      </p:sp>
+    </p:spTree>
+    <p:extLst>
+      <p:ext uri="{BB962C8B-B14F-4D97-AF65-F5344CB8AC3E}">
+        <p14:creationId xmlns:p14="http://schemas.microsoft.com/office/powerpoint/2010/main" val="4292189268"/>
+      </p:ext>
+    </p:extLst>
+  </p:cSld>
+  <p:clrMapOvr>
+    <a:masterClrMapping/>
+  </p:clrMapOvr>
+  <p:timing>
+    <p:tnLst>
+      <p:par>
+        <p:cTn id="1" dur="indefinite" restart="never" nodeType="tmRoot"/>
+      </p:par>
+    </p:tnLst>
+  </p:timing>
+</p:sld>
+</file>
+
+<file path=ppt/slides/slide18.xml><?xml version="1.0" encoding="utf-8"?>
+<p:sld xmlns:a="http://schemas.openxmlformats.org/drawingml/2006/main" xmlns:r="http://schemas.openxmlformats.org/officeDocument/2006/relationships" xmlns:p="http://schemas.openxmlformats.org/presentationml/2006/main">
+  <p:cSld>
+    <p:spTree>
+      <p:nvGrpSpPr>
+        <p:cNvPr id="1" name=""/>
+        <p:cNvGrpSpPr/>
+        <p:nvPr/>
+      </p:nvGrpSpPr>
+      <p:grpSpPr>
+        <a:xfrm>
+          <a:off x="0" y="0"/>
+          <a:ext cx="0" cy="0"/>
+          <a:chOff x="0" y="0"/>
+          <a:chExt cx="0" cy="0"/>
+        </a:xfrm>
+      </p:grpSpPr>
+      <p:sp>
+        <p:nvSpPr>
+          <p:cNvPr id="2" name="Title 1"/>
+          <p:cNvSpPr>
+            <a:spLocks noGrp="1"/>
+          </p:cNvSpPr>
+          <p:nvPr>
+            <p:ph type="title"/>
+          </p:nvPr>
+        </p:nvSpPr>
+        <p:spPr>
+          <a:xfrm>
+            <a:off x="864326" y="2534195"/>
+            <a:ext cx="10515600" cy="1298802"/>
+          </a:xfrm>
+        </p:spPr>
+        <p:txBody>
+          <a:bodyPr>
+            <a:normAutofit/>
+          </a:bodyPr>
+          <a:lstStyle/>
+          <a:p>
+            <a:pPr algn="ctr"/>
+            <a:r>
+              <a:rPr lang="en-US" sz="6000" dirty="0" smtClean="0"/>
+              <a:t>Map, Filter, &amp; Fold in LINQ</a:t>
+            </a:r>
+            <a:endParaRPr lang="en-US" sz="6000" dirty="0"/>
+          </a:p>
+        </p:txBody>
+      </p:sp>
+    </p:spTree>
+    <p:extLst>
+      <p:ext uri="{BB962C8B-B14F-4D97-AF65-F5344CB8AC3E}">
+        <p14:creationId xmlns:p14="http://schemas.microsoft.com/office/powerpoint/2010/main" val="1366034869"/>
+      </p:ext>
+    </p:extLst>
+  </p:cSld>
+  <p:clrMapOvr>
+    <a:masterClrMapping/>
+  </p:clrMapOvr>
+  <p:timing>
+    <p:tnLst>
+      <p:par>
+        <p:cTn id="1" dur="indefinite" restart="never" nodeType="tmRoot"/>
+      </p:par>
+    </p:tnLst>
+  </p:timing>
+</p:sld>
+</file>
+
+<file path=ppt/slides/slide19.xml><?xml version="1.0" encoding="utf-8"?>
+<p:sld xmlns:a="http://schemas.openxmlformats.org/drawingml/2006/main" xmlns:r="http://schemas.openxmlformats.org/officeDocument/2006/relationships" xmlns:p="http://schemas.openxmlformats.org/presentationml/2006/main">
+  <p:cSld>
+    <p:spTree>
+      <p:nvGrpSpPr>
+        <p:cNvPr id="1" name=""/>
+        <p:cNvGrpSpPr/>
+        <p:nvPr/>
+      </p:nvGrpSpPr>
+      <p:grpSpPr>
+        <a:xfrm>
+          <a:off x="0" y="0"/>
+          <a:ext cx="0" cy="0"/>
+          <a:chOff x="0" y="0"/>
+          <a:chExt cx="0" cy="0"/>
+        </a:xfrm>
+      </p:grpSpPr>
+      <p:sp>
+        <p:nvSpPr>
+          <p:cNvPr id="2" name="Title 1"/>
+          <p:cNvSpPr>
+            <a:spLocks noGrp="1"/>
+          </p:cNvSpPr>
+          <p:nvPr>
+            <p:ph type="title"/>
+          </p:nvPr>
+        </p:nvSpPr>
+        <p:spPr>
+          <a:xfrm>
+            <a:off x="864326" y="2534195"/>
+            <a:ext cx="10515600" cy="1298802"/>
+          </a:xfrm>
+        </p:spPr>
+        <p:txBody>
+          <a:bodyPr>
+            <a:normAutofit/>
+          </a:bodyPr>
+          <a:lstStyle/>
+          <a:p>
+            <a:pPr algn="ctr"/>
+            <a:r>
+              <a:rPr lang="en-US" sz="6000" dirty="0" smtClean="0"/>
+              <a:t>List Comprehensions</a:t>
+            </a:r>
+            <a:endParaRPr lang="en-US" sz="6000" dirty="0"/>
+          </a:p>
+        </p:txBody>
+      </p:sp>
+    </p:spTree>
+    <p:extLst>
+      <p:ext uri="{BB962C8B-B14F-4D97-AF65-F5344CB8AC3E}">
+        <p14:creationId xmlns:p14="http://schemas.microsoft.com/office/powerpoint/2010/main" val="535897130"/>
+      </p:ext>
+    </p:extLst>
+  </p:cSld>
+  <p:clrMapOvr>
+    <a:masterClrMapping/>
+  </p:clrMapOvr>
+  <p:timing>
+    <p:tnLst>
+      <p:par>
+        <p:cTn id="1" dur="indefinite" restart="never" nodeType="tmRoot"/>
+      </p:par>
+    </p:tnLst>
+  </p:timing>
+</p:sld>
+</file>
+
+<file path=ppt/slides/slide2.xml><?xml version="1.0" encoding="utf-8"?>
+<p:sld xmlns:a="http://schemas.openxmlformats.org/drawingml/2006/main" xmlns:r="http://schemas.openxmlformats.org/officeDocument/2006/relationships" xmlns:p="http://schemas.openxmlformats.org/presentationml/2006/main">
+  <p:cSld>
+    <p:spTree>
+      <p:nvGrpSpPr>
+        <p:cNvPr id="1" name=""/>
+        <p:cNvGrpSpPr/>
+        <p:nvPr/>
+      </p:nvGrpSpPr>
+      <p:grpSpPr>
+        <a:xfrm>
+          <a:off x="0" y="0"/>
+          <a:ext cx="0" cy="0"/>
+          <a:chOff x="0" y="0"/>
+          <a:chExt cx="0" cy="0"/>
+        </a:xfrm>
+      </p:grpSpPr>
+      <p:sp>
+        <p:nvSpPr>
+          <p:cNvPr id="2" name="Title 1"/>
+          <p:cNvSpPr>
+            <a:spLocks noGrp="1"/>
+          </p:cNvSpPr>
+          <p:nvPr>
+            <p:ph type="title"/>
+          </p:nvPr>
+        </p:nvSpPr>
+        <p:spPr>
+          <a:xfrm>
+            <a:off x="864326" y="2534195"/>
+            <a:ext cx="10515600" cy="1298802"/>
+          </a:xfrm>
+        </p:spPr>
+        <p:txBody>
+          <a:bodyPr>
+            <a:normAutofit/>
+          </a:bodyPr>
+          <a:lstStyle/>
+          <a:p>
+            <a:pPr algn="ctr"/>
+            <a:r>
+              <a:rPr lang="en-US" sz="6000" dirty="0" smtClean="0"/>
+              <a:t>Why am I here?</a:t>
+            </a:r>
+            <a:endParaRPr lang="en-US" sz="6000" dirty="0"/>
+          </a:p>
+        </p:txBody>
+      </p:sp>
+    </p:spTree>
+    <p:extLst>
+      <p:ext uri="{BB962C8B-B14F-4D97-AF65-F5344CB8AC3E}">
+        <p14:creationId xmlns:p14="http://schemas.microsoft.com/office/powerpoint/2010/main" val="1433285430"/>
+      </p:ext>
+    </p:extLst>
+  </p:cSld>
+  <p:clrMapOvr>
+    <a:masterClrMapping/>
+  </p:clrMapOvr>
+  <p:timing>
+    <p:tnLst>
+      <p:par>
+        <p:cTn id="1" dur="indefinite" restart="never" nodeType="tmRoot"/>
+      </p:par>
+    </p:tnLst>
+  </p:timing>
+</p:sld>
+</file>
+
+<file path=ppt/slides/slide20.xml><?xml version="1.0" encoding="utf-8"?>
+<p:sld xmlns:a="http://schemas.openxmlformats.org/drawingml/2006/main" xmlns:r="http://schemas.openxmlformats.org/officeDocument/2006/relationships" xmlns:p="http://schemas.openxmlformats.org/presentationml/2006/main">
+  <p:cSld>
+    <p:spTree>
+      <p:nvGrpSpPr>
+        <p:cNvPr id="1" name=""/>
+        <p:cNvGrpSpPr/>
+        <p:nvPr/>
+      </p:nvGrpSpPr>
+      <p:grpSpPr>
+        <a:xfrm>
+          <a:off x="0" y="0"/>
+          <a:ext cx="0" cy="0"/>
+          <a:chOff x="0" y="0"/>
+          <a:chExt cx="0" cy="0"/>
+        </a:xfrm>
+      </p:grpSpPr>
+      <p:sp>
+        <p:nvSpPr>
+          <p:cNvPr id="2" name="Title 1"/>
+          <p:cNvSpPr>
+            <a:spLocks noGrp="1"/>
+          </p:cNvSpPr>
+          <p:nvPr>
+            <p:ph type="title"/>
+          </p:nvPr>
+        </p:nvSpPr>
+        <p:spPr>
+          <a:xfrm>
+            <a:off x="864326" y="2534195"/>
+            <a:ext cx="10515600" cy="1298802"/>
+          </a:xfrm>
+        </p:spPr>
+        <p:txBody>
+          <a:bodyPr>
+            <a:normAutofit/>
+          </a:bodyPr>
+          <a:lstStyle/>
+          <a:p>
+            <a:pPr algn="ctr"/>
+            <a:r>
+              <a:rPr lang="en-US" sz="6000" dirty="0" smtClean="0"/>
+              <a:t>Recursion</a:t>
+            </a:r>
+            <a:endParaRPr lang="en-US" sz="6000" dirty="0"/>
+          </a:p>
+        </p:txBody>
+      </p:sp>
+    </p:spTree>
+    <p:extLst>
+      <p:ext uri="{BB962C8B-B14F-4D97-AF65-F5344CB8AC3E}">
+        <p14:creationId xmlns:p14="http://schemas.microsoft.com/office/powerpoint/2010/main" val="179565723"/>
+      </p:ext>
+    </p:extLst>
+  </p:cSld>
+  <p:clrMapOvr>
+    <a:masterClrMapping/>
+  </p:clrMapOvr>
+  <p:timing>
+    <p:tnLst>
+      <p:par>
+        <p:cTn id="1" dur="indefinite" restart="never" nodeType="tmRoot"/>
+      </p:par>
+    </p:tnLst>
+  </p:timing>
+</p:sld>
+</file>
+
+<file path=ppt/slides/slide21.xml><?xml version="1.0" encoding="utf-8"?>
+<p:sld xmlns:a="http://schemas.openxmlformats.org/drawingml/2006/main" xmlns:r="http://schemas.openxmlformats.org/officeDocument/2006/relationships" xmlns:p="http://schemas.openxmlformats.org/presentationml/2006/main">
+  <p:cSld>
+    <p:spTree>
+      <p:nvGrpSpPr>
+        <p:cNvPr id="1" name=""/>
+        <p:cNvGrpSpPr/>
+        <p:nvPr/>
+      </p:nvGrpSpPr>
+      <p:grpSpPr>
+        <a:xfrm>
+          <a:off x="0" y="0"/>
+          <a:ext cx="0" cy="0"/>
+          <a:chOff x="0" y="0"/>
+          <a:chExt cx="0" cy="0"/>
+        </a:xfrm>
+      </p:grpSpPr>
+      <p:sp>
+        <p:nvSpPr>
+          <p:cNvPr id="2" name="Title 1"/>
+          <p:cNvSpPr>
+            <a:spLocks noGrp="1"/>
+          </p:cNvSpPr>
+          <p:nvPr>
+            <p:ph type="title"/>
+          </p:nvPr>
+        </p:nvSpPr>
+        <p:spPr>
+          <a:xfrm>
+            <a:off x="864326" y="2534195"/>
+            <a:ext cx="10515600" cy="1298802"/>
+          </a:xfrm>
+        </p:spPr>
+        <p:txBody>
+          <a:bodyPr>
+            <a:normAutofit/>
+          </a:bodyPr>
+          <a:lstStyle/>
+          <a:p>
+            <a:pPr algn="ctr"/>
+            <a:r>
+              <a:rPr lang="en-US" sz="6000" dirty="0" smtClean="0"/>
+              <a:t>Activating Skynet</a:t>
+            </a:r>
+            <a:endParaRPr lang="en-US" sz="6000" dirty="0"/>
+          </a:p>
+        </p:txBody>
+      </p:sp>
+    </p:spTree>
+    <p:extLst>
+      <p:ext uri="{BB962C8B-B14F-4D97-AF65-F5344CB8AC3E}">
+        <p14:creationId xmlns:p14="http://schemas.microsoft.com/office/powerpoint/2010/main" val="4157123719"/>
+      </p:ext>
+    </p:extLst>
+  </p:cSld>
+  <p:clrMapOvr>
+    <a:masterClrMapping/>
+  </p:clrMapOvr>
+  <p:timing>
+    <p:tnLst>
+      <p:par>
+        <p:cTn id="1" dur="indefinite" restart="never" nodeType="tmRoot"/>
+      </p:par>
+    </p:tnLst>
+  </p:timing>
+</p:sld>
+</file>
+
+<file path=ppt/slides/slide22.xml><?xml version="1.0" encoding="utf-8"?>
+<p:sld xmlns:a="http://schemas.openxmlformats.org/drawingml/2006/main" xmlns:r="http://schemas.openxmlformats.org/officeDocument/2006/relationships" xmlns:p="http://schemas.openxmlformats.org/presentationml/2006/main">
+  <p:cSld>
+    <p:spTree>
+      <p:nvGrpSpPr>
+        <p:cNvPr id="1" name=""/>
+        <p:cNvGrpSpPr/>
+        <p:nvPr/>
+      </p:nvGrpSpPr>
+      <p:grpSpPr>
+        <a:xfrm>
+          <a:off x="0" y="0"/>
+          <a:ext cx="0" cy="0"/>
+          <a:chOff x="0" y="0"/>
+          <a:chExt cx="0" cy="0"/>
+        </a:xfrm>
+      </p:grpSpPr>
+      <p:sp>
+        <p:nvSpPr>
+          <p:cNvPr id="2" name="Title 1"/>
+          <p:cNvSpPr>
+            <a:spLocks noGrp="1"/>
+          </p:cNvSpPr>
+          <p:nvPr>
+            <p:ph type="title"/>
+          </p:nvPr>
+        </p:nvSpPr>
+        <p:spPr>
+          <a:xfrm>
+            <a:off x="864326" y="2534195"/>
+            <a:ext cx="10515600" cy="1298802"/>
+          </a:xfrm>
+        </p:spPr>
+        <p:txBody>
+          <a:bodyPr>
+            <a:normAutofit/>
+          </a:bodyPr>
+          <a:lstStyle/>
+          <a:p>
+            <a:pPr algn="ctr"/>
+            <a:r>
+              <a:rPr lang="en-US" sz="6000" dirty="0" smtClean="0"/>
+              <a:t>The more you know!</a:t>
+            </a:r>
+            <a:endParaRPr lang="en-US" sz="6000" dirty="0"/>
+          </a:p>
+        </p:txBody>
+      </p:sp>
+    </p:spTree>
+    <p:extLst>
+      <p:ext uri="{BB962C8B-B14F-4D97-AF65-F5344CB8AC3E}">
+        <p14:creationId xmlns:p14="http://schemas.microsoft.com/office/powerpoint/2010/main" val="2800348267"/>
+      </p:ext>
+    </p:extLst>
+  </p:cSld>
+  <p:clrMapOvr>
+    <a:masterClrMapping/>
+  </p:clrMapOvr>
+  <p:timing>
+    <p:tnLst>
+      <p:par>
+        <p:cTn id="1" dur="indefinite" restart="never" nodeType="tmRoot"/>
+      </p:par>
+    </p:tnLst>
+  </p:timing>
+</p:sld>
+</file>
+
+<file path=ppt/slides/slide23.xml><?xml version="1.0" encoding="utf-8"?>
+<p:sld xmlns:a="http://schemas.openxmlformats.org/drawingml/2006/main" xmlns:r="http://schemas.openxmlformats.org/officeDocument/2006/relationships" xmlns:p="http://schemas.openxmlformats.org/presentationml/2006/main">
+  <p:cSld>
+    <p:spTree>
+      <p:nvGrpSpPr>
+        <p:cNvPr id="1" name=""/>
+        <p:cNvGrpSpPr/>
+        <p:nvPr/>
+      </p:nvGrpSpPr>
+      <p:grpSpPr>
+        <a:xfrm>
+          <a:off x="0" y="0"/>
+          <a:ext cx="0" cy="0"/>
+          <a:chOff x="0" y="0"/>
+          <a:chExt cx="0" cy="0"/>
+        </a:xfrm>
+      </p:grpSpPr>
+      <p:sp>
+        <p:nvSpPr>
+          <p:cNvPr id="2" name="Title 1"/>
+          <p:cNvSpPr>
+            <a:spLocks noGrp="1"/>
+          </p:cNvSpPr>
+          <p:nvPr>
+            <p:ph type="title"/>
+          </p:nvPr>
+        </p:nvSpPr>
+        <p:spPr>
+          <a:xfrm>
+            <a:off x="864326" y="2534195"/>
+            <a:ext cx="10515600" cy="1298802"/>
+          </a:xfrm>
+        </p:spPr>
+        <p:txBody>
+          <a:bodyPr>
+            <a:normAutofit/>
+          </a:bodyPr>
+          <a:lstStyle/>
+          <a:p>
+            <a:pPr algn="ctr"/>
+            <a:r>
+              <a:rPr lang="en-US" sz="6000" dirty="0" smtClean="0"/>
+              <a:t>Questions?</a:t>
+            </a:r>
+            <a:endParaRPr lang="en-US" sz="6000" dirty="0"/>
+          </a:p>
+        </p:txBody>
+      </p:sp>
+    </p:spTree>
+    <p:extLst>
+      <p:ext uri="{BB962C8B-B14F-4D97-AF65-F5344CB8AC3E}">
+        <p14:creationId xmlns:p14="http://schemas.microsoft.com/office/powerpoint/2010/main" val="3420517930"/>
+      </p:ext>
+    </p:extLst>
+  </p:cSld>
+  <p:clrMapOvr>
+    <a:masterClrMapping/>
+  </p:clrMapOvr>
+  <p:timing>
+    <p:tnLst>
+      <p:par>
+        <p:cTn id="1" dur="indefinite" restart="never" nodeType="tmRoot"/>
+      </p:par>
+    </p:tnLst>
+  </p:timing>
+</p:sld>
+</file>
+
+<file path=ppt/slides/slide24.xml><?xml version="1.0" encoding="utf-8"?>
 <p:sld xmlns:a="http://schemas.openxmlformats.org/drawingml/2006/main" xmlns:r="http://schemas.openxmlformats.org/officeDocument/2006/relationships" xmlns:p="http://schemas.openxmlformats.org/presentationml/2006/main">
   <p:cSld>
     <p:spTree>
@@ -3495,7 +6532,7 @@
 </p:sld>
 </file>
 
-<file path=ppt/slides/slide2.xml><?xml version="1.0" encoding="utf-8"?>
+<file path=ppt/slides/slide25.xml><?xml version="1.0" encoding="utf-8"?>
 <p:sld xmlns:a="http://schemas.openxmlformats.org/drawingml/2006/main" xmlns:r="http://schemas.openxmlformats.org/officeDocument/2006/relationships" xmlns:p="http://schemas.openxmlformats.org/presentationml/2006/main">
   <p:cSld>
     <p:spTree>
@@ -3529,7 +6566,7 @@
           <a:p>
             <a:r>
               <a:rPr lang="en-US" dirty="0" smtClean="0"/>
-              <a:t>Introduction</a:t>
+              <a:t>Contact</a:t>
             </a:r>
             <a:endParaRPr lang="en-US" dirty="0"/>
           </a:p>
@@ -3551,27 +6588,28 @@
           <a:lstStyle/>
           <a:p>
             <a:r>
+              <a:rPr lang="en-US" dirty="0" smtClean="0">
+                <a:hlinkClick r:id="rId2"/>
+              </a:rPr>
+              <a:t>Nik.Clarkson@improvingenterprises.com</a:t>
+            </a:r>
+            <a:endParaRPr lang="en-US" dirty="0" smtClean="0"/>
+          </a:p>
+          <a:p>
+            <a:r>
               <a:rPr lang="en-US" dirty="0" smtClean="0"/>
-              <a:t>Making FP more approachable by using C# - you don’t need any new tools!</a:t>
-            </a:r>
-          </a:p>
-          <a:p>
-            <a:endParaRPr lang="en-US" dirty="0"/>
-          </a:p>
-          <a:p>
-            <a:r>
-              <a:rPr lang="en-US" dirty="0" smtClean="0"/>
-              <a:t>Facilitate a deeper understanding of C#, the CLR and BCL’s</a:t>
-            </a:r>
-          </a:p>
-          <a:p>
-            <a:endParaRPr lang="en-US" dirty="0"/>
-          </a:p>
-          <a:p>
-            <a:r>
-              <a:rPr lang="en-US" dirty="0" smtClean="0"/>
-              <a:t>Stoke that old fire that got most of started. Developers are all sweet old grandmothers</a:t>
-            </a:r>
+              <a:t>@</a:t>
+            </a:r>
+            <a:r>
+              <a:rPr lang="en-US" dirty="0" err="1" smtClean="0"/>
+              <a:t>CaptainArkansas</a:t>
+            </a:r>
+            <a:endParaRPr lang="en-US" dirty="0" smtClean="0"/>
+          </a:p>
+          <a:p>
+            <a:pPr marL="0" indent="0">
+              <a:buNone/>
+            </a:pPr>
             <a:endParaRPr lang="en-US" dirty="0"/>
           </a:p>
         </p:txBody>
@@ -3579,7 +6617,349 @@
     </p:spTree>
     <p:extLst>
       <p:ext uri="{BB962C8B-B14F-4D97-AF65-F5344CB8AC3E}">
-        <p14:creationId xmlns:p14="http://schemas.microsoft.com/office/powerpoint/2010/main" val="1433285430"/>
+        <p14:creationId xmlns:p14="http://schemas.microsoft.com/office/powerpoint/2010/main" val="2098199267"/>
+      </p:ext>
+    </p:extLst>
+  </p:cSld>
+  <p:clrMapOvr>
+    <a:masterClrMapping/>
+  </p:clrMapOvr>
+  <p:timing>
+    <p:tnLst>
+      <p:par>
+        <p:cTn id="1" dur="indefinite" restart="never" nodeType="tmRoot"/>
+      </p:par>
+    </p:tnLst>
+  </p:timing>
+</p:sld>
+</file>
+
+<file path=ppt/slides/slide26.xml><?xml version="1.0" encoding="utf-8"?>
+<p:sld xmlns:a="http://schemas.openxmlformats.org/drawingml/2006/main" xmlns:r="http://schemas.openxmlformats.org/officeDocument/2006/relationships" xmlns:p="http://schemas.openxmlformats.org/presentationml/2006/main">
+  <p:cSld>
+    <p:spTree>
+      <p:nvGrpSpPr>
+        <p:cNvPr id="1" name=""/>
+        <p:cNvGrpSpPr/>
+        <p:nvPr/>
+      </p:nvGrpSpPr>
+      <p:grpSpPr>
+        <a:xfrm>
+          <a:off x="0" y="0"/>
+          <a:ext cx="0" cy="0"/>
+          <a:chOff x="0" y="0"/>
+          <a:chExt cx="0" cy="0"/>
+        </a:xfrm>
+      </p:grpSpPr>
+      <p:sp>
+        <p:nvSpPr>
+          <p:cNvPr id="2" name="Title 1"/>
+          <p:cNvSpPr>
+            <a:spLocks noGrp="1"/>
+          </p:cNvSpPr>
+          <p:nvPr>
+            <p:ph type="title"/>
+          </p:nvPr>
+        </p:nvSpPr>
+        <p:spPr>
+          <a:xfrm>
+            <a:off x="864326" y="2534195"/>
+            <a:ext cx="10515600" cy="1298802"/>
+          </a:xfrm>
+        </p:spPr>
+        <p:txBody>
+          <a:bodyPr>
+            <a:normAutofit/>
+          </a:bodyPr>
+          <a:lstStyle/>
+          <a:p>
+            <a:pPr algn="ctr"/>
+            <a:r>
+              <a:rPr lang="en-US" sz="6000" dirty="0" smtClean="0"/>
+              <a:t>The cut line</a:t>
+            </a:r>
+            <a:endParaRPr lang="en-US" sz="6000" dirty="0"/>
+          </a:p>
+        </p:txBody>
+      </p:sp>
+    </p:spTree>
+    <p:extLst>
+      <p:ext uri="{BB962C8B-B14F-4D97-AF65-F5344CB8AC3E}">
+        <p14:creationId xmlns:p14="http://schemas.microsoft.com/office/powerpoint/2010/main" val="1748504617"/>
+      </p:ext>
+    </p:extLst>
+  </p:cSld>
+  <p:clrMapOvr>
+    <a:masterClrMapping/>
+  </p:clrMapOvr>
+  <p:timing>
+    <p:tnLst>
+      <p:par>
+        <p:cTn id="1" dur="indefinite" restart="never" nodeType="tmRoot"/>
+      </p:par>
+    </p:tnLst>
+  </p:timing>
+</p:sld>
+</file>
+
+<file path=ppt/slides/slide27.xml><?xml version="1.0" encoding="utf-8"?>
+<p:sld xmlns:a="http://schemas.openxmlformats.org/drawingml/2006/main" xmlns:r="http://schemas.openxmlformats.org/officeDocument/2006/relationships" xmlns:p="http://schemas.openxmlformats.org/presentationml/2006/main">
+  <p:cSld>
+    <p:spTree>
+      <p:nvGrpSpPr>
+        <p:cNvPr id="1" name=""/>
+        <p:cNvGrpSpPr/>
+        <p:nvPr/>
+      </p:nvGrpSpPr>
+      <p:grpSpPr>
+        <a:xfrm>
+          <a:off x="0" y="0"/>
+          <a:ext cx="0" cy="0"/>
+          <a:chOff x="0" y="0"/>
+          <a:chExt cx="0" cy="0"/>
+        </a:xfrm>
+      </p:grpSpPr>
+      <p:sp>
+        <p:nvSpPr>
+          <p:cNvPr id="2" name="Title 1"/>
+          <p:cNvSpPr>
+            <a:spLocks noGrp="1"/>
+          </p:cNvSpPr>
+          <p:nvPr>
+            <p:ph type="title"/>
+          </p:nvPr>
+        </p:nvSpPr>
+        <p:spPr/>
+        <p:txBody>
+          <a:bodyPr/>
+          <a:lstStyle/>
+          <a:p>
+            <a:r>
+              <a:rPr lang="en-US" dirty="0" smtClean="0"/>
+              <a:t>Functions constructing functions</a:t>
+            </a:r>
+            <a:endParaRPr lang="en-US" dirty="0"/>
+          </a:p>
+        </p:txBody>
+      </p:sp>
+      <p:sp>
+        <p:nvSpPr>
+          <p:cNvPr id="3" name="Content Placeholder 2"/>
+          <p:cNvSpPr>
+            <a:spLocks noGrp="1"/>
+          </p:cNvSpPr>
+          <p:nvPr>
+            <p:ph idx="1"/>
+          </p:nvPr>
+        </p:nvSpPr>
+        <p:spPr/>
+        <p:txBody>
+          <a:bodyPr/>
+          <a:lstStyle/>
+          <a:p>
+            <a:r>
+              <a:rPr lang="en-US" dirty="0" smtClean="0"/>
+              <a:t>Closures</a:t>
+            </a:r>
+          </a:p>
+          <a:p>
+            <a:r>
+              <a:rPr lang="en-US" dirty="0" smtClean="0"/>
+              <a:t>Composition</a:t>
+            </a:r>
+          </a:p>
+          <a:p>
+            <a:r>
+              <a:rPr lang="en-US" dirty="0" smtClean="0"/>
+              <a:t>Partial Applications</a:t>
+            </a:r>
+          </a:p>
+          <a:p>
+            <a:r>
+              <a:rPr lang="en-US" dirty="0" smtClean="0"/>
+              <a:t>Currying</a:t>
+            </a:r>
+          </a:p>
+          <a:p>
+            <a:pPr marL="0" indent="0">
+              <a:buNone/>
+            </a:pPr>
+            <a:endParaRPr lang="en-US" dirty="0"/>
+          </a:p>
+        </p:txBody>
+      </p:sp>
+    </p:spTree>
+    <p:extLst>
+      <p:ext uri="{BB962C8B-B14F-4D97-AF65-F5344CB8AC3E}">
+        <p14:creationId xmlns:p14="http://schemas.microsoft.com/office/powerpoint/2010/main" val="3124058005"/>
+      </p:ext>
+    </p:extLst>
+  </p:cSld>
+  <p:clrMapOvr>
+    <a:masterClrMapping/>
+  </p:clrMapOvr>
+  <p:timing>
+    <p:tnLst>
+      <p:par>
+        <p:cTn id="1" dur="indefinite" restart="never" nodeType="tmRoot"/>
+      </p:par>
+    </p:tnLst>
+  </p:timing>
+</p:sld>
+</file>
+
+<file path=ppt/slides/slide28.xml><?xml version="1.0" encoding="utf-8"?>
+<p:sld xmlns:a="http://schemas.openxmlformats.org/drawingml/2006/main" xmlns:r="http://schemas.openxmlformats.org/officeDocument/2006/relationships" xmlns:p="http://schemas.openxmlformats.org/presentationml/2006/main">
+  <p:cSld>
+    <p:spTree>
+      <p:nvGrpSpPr>
+        <p:cNvPr id="1" name=""/>
+        <p:cNvGrpSpPr/>
+        <p:nvPr/>
+      </p:nvGrpSpPr>
+      <p:grpSpPr>
+        <a:xfrm>
+          <a:off x="0" y="0"/>
+          <a:ext cx="0" cy="0"/>
+          <a:chOff x="0" y="0"/>
+          <a:chExt cx="0" cy="0"/>
+        </a:xfrm>
+      </p:grpSpPr>
+      <p:sp>
+        <p:nvSpPr>
+          <p:cNvPr id="2" name="Title 1"/>
+          <p:cNvSpPr>
+            <a:spLocks noGrp="1"/>
+          </p:cNvSpPr>
+          <p:nvPr>
+            <p:ph type="title"/>
+          </p:nvPr>
+        </p:nvSpPr>
+        <p:spPr/>
+        <p:txBody>
+          <a:bodyPr/>
+          <a:lstStyle/>
+          <a:p>
+            <a:r>
+              <a:rPr lang="en-US" dirty="0" smtClean="0"/>
+              <a:t>“Standard Higher Order Functions”</a:t>
+            </a:r>
+            <a:endParaRPr lang="en-US" dirty="0"/>
+          </a:p>
+        </p:txBody>
+      </p:sp>
+      <p:sp>
+        <p:nvSpPr>
+          <p:cNvPr id="3" name="Content Placeholder 2"/>
+          <p:cNvSpPr>
+            <a:spLocks noGrp="1"/>
+          </p:cNvSpPr>
+          <p:nvPr>
+            <p:ph idx="1"/>
+          </p:nvPr>
+        </p:nvSpPr>
+        <p:spPr/>
+        <p:txBody>
+          <a:bodyPr/>
+          <a:lstStyle/>
+          <a:p>
+            <a:r>
+              <a:rPr lang="en-US" dirty="0" smtClean="0"/>
+              <a:t>List the HO Functions (could be multiple slides)</a:t>
+            </a:r>
+          </a:p>
+          <a:p>
+            <a:r>
+              <a:rPr lang="en-US" dirty="0" smtClean="0"/>
+              <a:t>Show there LINQ Equivalents</a:t>
+            </a:r>
+            <a:endParaRPr lang="en-US" dirty="0"/>
+          </a:p>
+        </p:txBody>
+      </p:sp>
+    </p:spTree>
+    <p:extLst>
+      <p:ext uri="{BB962C8B-B14F-4D97-AF65-F5344CB8AC3E}">
+        <p14:creationId xmlns:p14="http://schemas.microsoft.com/office/powerpoint/2010/main" val="1728765585"/>
+      </p:ext>
+    </p:extLst>
+  </p:cSld>
+  <p:clrMapOvr>
+    <a:masterClrMapping/>
+  </p:clrMapOvr>
+  <p:timing>
+    <p:tnLst>
+      <p:par>
+        <p:cTn id="1" dur="indefinite" restart="never" nodeType="tmRoot"/>
+      </p:par>
+    </p:tnLst>
+  </p:timing>
+</p:sld>
+</file>
+
+<file path=ppt/slides/slide29.xml><?xml version="1.0" encoding="utf-8"?>
+<p:sld xmlns:a="http://schemas.openxmlformats.org/drawingml/2006/main" xmlns:r="http://schemas.openxmlformats.org/officeDocument/2006/relationships" xmlns:p="http://schemas.openxmlformats.org/presentationml/2006/main">
+  <p:cSld>
+    <p:spTree>
+      <p:nvGrpSpPr>
+        <p:cNvPr id="1" name=""/>
+        <p:cNvGrpSpPr/>
+        <p:nvPr/>
+      </p:nvGrpSpPr>
+      <p:grpSpPr>
+        <a:xfrm>
+          <a:off x="0" y="0"/>
+          <a:ext cx="0" cy="0"/>
+          <a:chOff x="0" y="0"/>
+          <a:chExt cx="0" cy="0"/>
+        </a:xfrm>
+      </p:grpSpPr>
+      <p:sp>
+        <p:nvSpPr>
+          <p:cNvPr id="2" name="Title 1"/>
+          <p:cNvSpPr>
+            <a:spLocks noGrp="1"/>
+          </p:cNvSpPr>
+          <p:nvPr>
+            <p:ph type="title"/>
+          </p:nvPr>
+        </p:nvSpPr>
+        <p:spPr/>
+        <p:txBody>
+          <a:bodyPr/>
+          <a:lstStyle/>
+          <a:p>
+            <a:r>
+              <a:rPr lang="en-US" dirty="0" smtClean="0"/>
+              <a:t>List Comprehensions</a:t>
+            </a:r>
+            <a:endParaRPr lang="en-US" dirty="0"/>
+          </a:p>
+        </p:txBody>
+      </p:sp>
+      <p:sp>
+        <p:nvSpPr>
+          <p:cNvPr id="3" name="Content Placeholder 2"/>
+          <p:cNvSpPr>
+            <a:spLocks noGrp="1"/>
+          </p:cNvSpPr>
+          <p:nvPr>
+            <p:ph idx="1"/>
+          </p:nvPr>
+        </p:nvSpPr>
+        <p:spPr/>
+        <p:txBody>
+          <a:bodyPr/>
+          <a:lstStyle/>
+          <a:p>
+            <a:endParaRPr lang="en-US"/>
+          </a:p>
+        </p:txBody>
+      </p:sp>
+    </p:spTree>
+    <p:extLst>
+      <p:ext uri="{BB962C8B-B14F-4D97-AF65-F5344CB8AC3E}">
+        <p14:creationId xmlns:p14="http://schemas.microsoft.com/office/powerpoint/2010/main" val="3114987942"/>
       </p:ext>
     </p:extLst>
   </p:cSld>
@@ -3623,42 +7003,407 @@
             <p:ph type="title"/>
           </p:nvPr>
         </p:nvSpPr>
-        <p:spPr/>
-        <p:txBody>
-          <a:bodyPr/>
-          <a:lstStyle/>
-          <a:p>
-            <a:r>
-              <a:rPr lang="en-US" dirty="0" smtClean="0"/>
+        <p:spPr>
+          <a:xfrm>
+            <a:off x="864326" y="2534195"/>
+            <a:ext cx="10515600" cy="1298802"/>
+          </a:xfrm>
+        </p:spPr>
+        <p:txBody>
+          <a:bodyPr>
+            <a:normAutofit/>
+          </a:bodyPr>
+          <a:lstStyle/>
+          <a:p>
+            <a:pPr algn="ctr"/>
+            <a:r>
+              <a:rPr lang="en-US" sz="6000" dirty="0" smtClean="0"/>
               <a:t>What is Functional Programming?</a:t>
             </a:r>
-            <a:endParaRPr lang="en-US" dirty="0"/>
-          </a:p>
-        </p:txBody>
-      </p:sp>
-      <p:sp>
-        <p:nvSpPr>
-          <p:cNvPr id="3" name="Content Placeholder 2"/>
-          <p:cNvSpPr>
-            <a:spLocks noGrp="1"/>
-          </p:cNvSpPr>
-          <p:nvPr>
-            <p:ph idx="1"/>
-          </p:nvPr>
-        </p:nvSpPr>
-        <p:spPr/>
-        <p:txBody>
-          <a:bodyPr/>
-          <a:lstStyle/>
-          <a:p>
-            <a:endParaRPr lang="en-US"/>
+            <a:endParaRPr lang="en-US" sz="6000" dirty="0"/>
           </a:p>
         </p:txBody>
       </p:sp>
     </p:spTree>
     <p:extLst>
       <p:ext uri="{BB962C8B-B14F-4D97-AF65-F5344CB8AC3E}">
-        <p14:creationId xmlns:p14="http://schemas.microsoft.com/office/powerpoint/2010/main" val="2245911388"/>
+        <p14:creationId xmlns:p14="http://schemas.microsoft.com/office/powerpoint/2010/main" val="614287695"/>
+      </p:ext>
+    </p:extLst>
+  </p:cSld>
+  <p:clrMapOvr>
+    <a:masterClrMapping/>
+  </p:clrMapOvr>
+  <p:timing>
+    <p:tnLst>
+      <p:par>
+        <p:cTn id="1" dur="indefinite" restart="never" nodeType="tmRoot"/>
+      </p:par>
+    </p:tnLst>
+  </p:timing>
+</p:sld>
+</file>
+
+<file path=ppt/slides/slide30.xml><?xml version="1.0" encoding="utf-8"?>
+<p:sld xmlns:a="http://schemas.openxmlformats.org/drawingml/2006/main" xmlns:r="http://schemas.openxmlformats.org/officeDocument/2006/relationships" xmlns:p="http://schemas.openxmlformats.org/presentationml/2006/main">
+  <p:cSld>
+    <p:spTree>
+      <p:nvGrpSpPr>
+        <p:cNvPr id="1" name=""/>
+        <p:cNvGrpSpPr/>
+        <p:nvPr/>
+      </p:nvGrpSpPr>
+      <p:grpSpPr>
+        <a:xfrm>
+          <a:off x="0" y="0"/>
+          <a:ext cx="0" cy="0"/>
+          <a:chOff x="0" y="0"/>
+          <a:chExt cx="0" cy="0"/>
+        </a:xfrm>
+      </p:grpSpPr>
+      <p:sp>
+        <p:nvSpPr>
+          <p:cNvPr id="2" name="Title 1"/>
+          <p:cNvSpPr>
+            <a:spLocks noGrp="1"/>
+          </p:cNvSpPr>
+          <p:nvPr>
+            <p:ph type="title"/>
+          </p:nvPr>
+        </p:nvSpPr>
+        <p:spPr/>
+        <p:txBody>
+          <a:bodyPr/>
+          <a:lstStyle/>
+          <a:p>
+            <a:r>
+              <a:rPr lang="en-US" dirty="0" smtClean="0"/>
+              <a:t>Recursion</a:t>
+            </a:r>
+            <a:endParaRPr lang="en-US" dirty="0"/>
+          </a:p>
+        </p:txBody>
+      </p:sp>
+      <p:sp>
+        <p:nvSpPr>
+          <p:cNvPr id="3" name="Content Placeholder 2"/>
+          <p:cNvSpPr>
+            <a:spLocks noGrp="1"/>
+          </p:cNvSpPr>
+          <p:nvPr>
+            <p:ph idx="1"/>
+          </p:nvPr>
+        </p:nvSpPr>
+        <p:spPr/>
+        <p:txBody>
+          <a:bodyPr/>
+          <a:lstStyle/>
+          <a:p>
+            <a:r>
+              <a:rPr lang="en-US" dirty="0" smtClean="0"/>
+              <a:t>Tail Call recursion</a:t>
+            </a:r>
+          </a:p>
+          <a:p>
+            <a:r>
+              <a:rPr lang="en-US" dirty="0" err="1" smtClean="0"/>
+              <a:t>Jit</a:t>
+            </a:r>
+            <a:r>
+              <a:rPr lang="en-US" dirty="0" smtClean="0"/>
+              <a:t> optimizer</a:t>
+            </a:r>
+          </a:p>
+          <a:p>
+            <a:r>
+              <a:rPr lang="en-US" dirty="0" smtClean="0"/>
+              <a:t>For fun not for production!</a:t>
+            </a:r>
+            <a:endParaRPr lang="en-US" dirty="0"/>
+          </a:p>
+        </p:txBody>
+      </p:sp>
+    </p:spTree>
+    <p:extLst>
+      <p:ext uri="{BB962C8B-B14F-4D97-AF65-F5344CB8AC3E}">
+        <p14:creationId xmlns:p14="http://schemas.microsoft.com/office/powerpoint/2010/main" val="673032841"/>
+      </p:ext>
+    </p:extLst>
+  </p:cSld>
+  <p:clrMapOvr>
+    <a:masterClrMapping/>
+  </p:clrMapOvr>
+  <p:timing>
+    <p:tnLst>
+      <p:par>
+        <p:cTn id="1" dur="indefinite" restart="never" nodeType="tmRoot"/>
+      </p:par>
+    </p:tnLst>
+  </p:timing>
+</p:sld>
+</file>
+
+<file path=ppt/slides/slide31.xml><?xml version="1.0" encoding="utf-8"?>
+<p:sld xmlns:a="http://schemas.openxmlformats.org/drawingml/2006/main" xmlns:r="http://schemas.openxmlformats.org/officeDocument/2006/relationships" xmlns:p="http://schemas.openxmlformats.org/presentationml/2006/main">
+  <p:cSld>
+    <p:spTree>
+      <p:nvGrpSpPr>
+        <p:cNvPr id="1" name=""/>
+        <p:cNvGrpSpPr/>
+        <p:nvPr/>
+      </p:nvGrpSpPr>
+      <p:grpSpPr>
+        <a:xfrm>
+          <a:off x="0" y="0"/>
+          <a:ext cx="0" cy="0"/>
+          <a:chOff x="0" y="0"/>
+          <a:chExt cx="0" cy="0"/>
+        </a:xfrm>
+      </p:grpSpPr>
+      <p:sp>
+        <p:nvSpPr>
+          <p:cNvPr id="2" name="Title 1"/>
+          <p:cNvSpPr>
+            <a:spLocks noGrp="1"/>
+          </p:cNvSpPr>
+          <p:nvPr>
+            <p:ph type="title"/>
+          </p:nvPr>
+        </p:nvSpPr>
+        <p:spPr/>
+        <p:txBody>
+          <a:bodyPr/>
+          <a:lstStyle/>
+          <a:p>
+            <a:r>
+              <a:rPr lang="en-US" dirty="0" smtClean="0"/>
+              <a:t>Relax! Let the Machines Handle it!</a:t>
+            </a:r>
+            <a:endParaRPr lang="en-US" dirty="0"/>
+          </a:p>
+        </p:txBody>
+      </p:sp>
+      <p:sp>
+        <p:nvSpPr>
+          <p:cNvPr id="3" name="Content Placeholder 2"/>
+          <p:cNvSpPr>
+            <a:spLocks noGrp="1"/>
+          </p:cNvSpPr>
+          <p:nvPr>
+            <p:ph idx="1"/>
+          </p:nvPr>
+        </p:nvSpPr>
+        <p:spPr/>
+        <p:txBody>
+          <a:bodyPr/>
+          <a:lstStyle/>
+          <a:p>
+            <a:r>
+              <a:rPr lang="en-US" dirty="0" smtClean="0"/>
+              <a:t>What could go wrong?</a:t>
+            </a:r>
+            <a:endParaRPr lang="en-US" dirty="0"/>
+          </a:p>
+        </p:txBody>
+      </p:sp>
+    </p:spTree>
+    <p:extLst>
+      <p:ext uri="{BB962C8B-B14F-4D97-AF65-F5344CB8AC3E}">
+        <p14:creationId xmlns:p14="http://schemas.microsoft.com/office/powerpoint/2010/main" val="1356244215"/>
+      </p:ext>
+    </p:extLst>
+  </p:cSld>
+  <p:clrMapOvr>
+    <a:masterClrMapping/>
+  </p:clrMapOvr>
+  <p:timing>
+    <p:tnLst>
+      <p:par>
+        <p:cTn id="1" dur="indefinite" restart="never" nodeType="tmRoot"/>
+      </p:par>
+    </p:tnLst>
+  </p:timing>
+</p:sld>
+</file>
+
+<file path=ppt/slides/slide32.xml><?xml version="1.0" encoding="utf-8"?>
+<p:sld xmlns:a="http://schemas.openxmlformats.org/drawingml/2006/main" xmlns:r="http://schemas.openxmlformats.org/officeDocument/2006/relationships" xmlns:p="http://schemas.openxmlformats.org/presentationml/2006/main">
+  <p:cSld>
+    <p:spTree>
+      <p:nvGrpSpPr>
+        <p:cNvPr id="1" name=""/>
+        <p:cNvGrpSpPr/>
+        <p:nvPr/>
+      </p:nvGrpSpPr>
+      <p:grpSpPr>
+        <a:xfrm>
+          <a:off x="0" y="0"/>
+          <a:ext cx="0" cy="0"/>
+          <a:chOff x="0" y="0"/>
+          <a:chExt cx="0" cy="0"/>
+        </a:xfrm>
+      </p:grpSpPr>
+      <p:sp>
+        <p:nvSpPr>
+          <p:cNvPr id="2" name="Title 1"/>
+          <p:cNvSpPr>
+            <a:spLocks noGrp="1"/>
+          </p:cNvSpPr>
+          <p:nvPr>
+            <p:ph type="title"/>
+          </p:nvPr>
+        </p:nvSpPr>
+        <p:spPr/>
+        <p:txBody>
+          <a:bodyPr/>
+          <a:lstStyle/>
+          <a:p>
+            <a:r>
+              <a:rPr lang="en-US" dirty="0" smtClean="0"/>
+              <a:t>Higher Order Functions in C#</a:t>
+            </a:r>
+            <a:endParaRPr lang="en-US" dirty="0"/>
+          </a:p>
+        </p:txBody>
+      </p:sp>
+      <p:sp>
+        <p:nvSpPr>
+          <p:cNvPr id="3" name="Content Placeholder 2"/>
+          <p:cNvSpPr>
+            <a:spLocks noGrp="1"/>
+          </p:cNvSpPr>
+          <p:nvPr>
+            <p:ph idx="1"/>
+          </p:nvPr>
+        </p:nvSpPr>
+        <p:spPr/>
+        <p:txBody>
+          <a:bodyPr/>
+          <a:lstStyle/>
+          <a:p>
+            <a:r>
+              <a:rPr lang="en-US" dirty="0" smtClean="0"/>
+              <a:t>Delegates</a:t>
+            </a:r>
+          </a:p>
+          <a:p>
+            <a:r>
+              <a:rPr lang="en-US" dirty="0" smtClean="0"/>
+              <a:t>Anonymous Methods</a:t>
+            </a:r>
+          </a:p>
+          <a:p>
+            <a:r>
+              <a:rPr lang="en-US" dirty="0" smtClean="0"/>
+              <a:t>Lambdas</a:t>
+            </a:r>
+          </a:p>
+          <a:p>
+            <a:r>
+              <a:rPr lang="en-US" dirty="0" err="1" smtClean="0"/>
+              <a:t>Func</a:t>
+            </a:r>
+            <a:r>
+              <a:rPr lang="en-US" dirty="0" smtClean="0"/>
+              <a:t>&lt;T,..&gt;</a:t>
+            </a:r>
+            <a:endParaRPr lang="en-US" dirty="0"/>
+          </a:p>
+        </p:txBody>
+      </p:sp>
+    </p:spTree>
+    <p:extLst>
+      <p:ext uri="{BB962C8B-B14F-4D97-AF65-F5344CB8AC3E}">
+        <p14:creationId xmlns:p14="http://schemas.microsoft.com/office/powerpoint/2010/main" val="3391165715"/>
+      </p:ext>
+    </p:extLst>
+  </p:cSld>
+  <p:clrMapOvr>
+    <a:masterClrMapping/>
+  </p:clrMapOvr>
+  <p:timing>
+    <p:tnLst>
+      <p:par>
+        <p:cTn id="1" dur="indefinite" restart="never" nodeType="tmRoot"/>
+      </p:par>
+    </p:tnLst>
+  </p:timing>
+</p:sld>
+</file>
+
+<file path=ppt/slides/slide33.xml><?xml version="1.0" encoding="utf-8"?>
+<p:sld xmlns:a="http://schemas.openxmlformats.org/drawingml/2006/main" xmlns:r="http://schemas.openxmlformats.org/officeDocument/2006/relationships" xmlns:p="http://schemas.openxmlformats.org/presentationml/2006/main">
+  <p:cSld>
+    <p:spTree>
+      <p:nvGrpSpPr>
+        <p:cNvPr id="1" name=""/>
+        <p:cNvGrpSpPr/>
+        <p:nvPr/>
+      </p:nvGrpSpPr>
+      <p:grpSpPr>
+        <a:xfrm>
+          <a:off x="0" y="0"/>
+          <a:ext cx="0" cy="0"/>
+          <a:chOff x="0" y="0"/>
+          <a:chExt cx="0" cy="0"/>
+        </a:xfrm>
+      </p:grpSpPr>
+      <p:sp>
+        <p:nvSpPr>
+          <p:cNvPr id="2" name="Title 1"/>
+          <p:cNvSpPr>
+            <a:spLocks noGrp="1"/>
+          </p:cNvSpPr>
+          <p:nvPr>
+            <p:ph type="title"/>
+          </p:nvPr>
+        </p:nvSpPr>
+        <p:spPr/>
+        <p:txBody>
+          <a:bodyPr/>
+          <a:lstStyle/>
+          <a:p>
+            <a:r>
+              <a:rPr lang="en-US" dirty="0" smtClean="0"/>
+              <a:t>Referential Transparency</a:t>
+            </a:r>
+            <a:endParaRPr lang="en-US" dirty="0"/>
+          </a:p>
+        </p:txBody>
+      </p:sp>
+      <p:sp>
+        <p:nvSpPr>
+          <p:cNvPr id="3" name="Content Placeholder 2"/>
+          <p:cNvSpPr>
+            <a:spLocks noGrp="1"/>
+          </p:cNvSpPr>
+          <p:nvPr>
+            <p:ph idx="1"/>
+          </p:nvPr>
+        </p:nvSpPr>
+        <p:spPr/>
+        <p:txBody>
+          <a:bodyPr/>
+          <a:lstStyle/>
+          <a:p>
+            <a:r>
+              <a:rPr lang="en-US" dirty="0" smtClean="0"/>
+              <a:t>Purity</a:t>
+            </a:r>
+          </a:p>
+          <a:p>
+            <a:r>
+              <a:rPr lang="en-US" dirty="0" smtClean="0"/>
+              <a:t>Side effects</a:t>
+            </a:r>
+            <a:endParaRPr lang="en-US" dirty="0"/>
+          </a:p>
+        </p:txBody>
+      </p:sp>
+    </p:spTree>
+    <p:extLst>
+      <p:ext uri="{BB962C8B-B14F-4D97-AF65-F5344CB8AC3E}">
+        <p14:creationId xmlns:p14="http://schemas.microsoft.com/office/powerpoint/2010/main" val="3344712681"/>
       </p:ext>
     </p:extLst>
   </p:cSld>
@@ -3702,42 +7447,31 @@
             <p:ph type="title"/>
           </p:nvPr>
         </p:nvSpPr>
-        <p:spPr/>
-        <p:txBody>
-          <a:bodyPr/>
-          <a:lstStyle/>
-          <a:p>
-            <a:r>
-              <a:rPr lang="en-US" dirty="0" smtClean="0"/>
-              <a:t>Why should you care about FP?</a:t>
-            </a:r>
-            <a:endParaRPr lang="en-US" dirty="0"/>
-          </a:p>
-        </p:txBody>
-      </p:sp>
-      <p:sp>
-        <p:nvSpPr>
-          <p:cNvPr id="3" name="Content Placeholder 2"/>
-          <p:cNvSpPr>
-            <a:spLocks noGrp="1"/>
-          </p:cNvSpPr>
-          <p:nvPr>
-            <p:ph idx="1"/>
-          </p:nvPr>
-        </p:nvSpPr>
-        <p:spPr/>
-        <p:txBody>
-          <a:bodyPr/>
-          <a:lstStyle/>
-          <a:p>
-            <a:endParaRPr lang="en-US"/>
+        <p:spPr>
+          <a:xfrm>
+            <a:off x="864326" y="2534195"/>
+            <a:ext cx="10515600" cy="1298802"/>
+          </a:xfrm>
+        </p:spPr>
+        <p:txBody>
+          <a:bodyPr>
+            <a:normAutofit/>
+          </a:bodyPr>
+          <a:lstStyle/>
+          <a:p>
+            <a:pPr algn="ctr"/>
+            <a:r>
+              <a:rPr lang="en-US" sz="6000" dirty="0" smtClean="0"/>
+              <a:t>Why should you care?</a:t>
+            </a:r>
+            <a:endParaRPr lang="en-US" sz="6000" dirty="0"/>
           </a:p>
         </p:txBody>
       </p:sp>
     </p:spTree>
     <p:extLst>
       <p:ext uri="{BB962C8B-B14F-4D97-AF65-F5344CB8AC3E}">
-        <p14:creationId xmlns:p14="http://schemas.microsoft.com/office/powerpoint/2010/main" val="1251452804"/>
+        <p14:creationId xmlns:p14="http://schemas.microsoft.com/office/powerpoint/2010/main" val="3040135547"/>
       </p:ext>
     </p:extLst>
   </p:cSld>
@@ -3781,58 +7515,31 @@
             <p:ph type="title"/>
           </p:nvPr>
         </p:nvSpPr>
-        <p:spPr/>
-        <p:txBody>
-          <a:bodyPr/>
-          <a:lstStyle/>
-          <a:p>
-            <a:r>
-              <a:rPr lang="en-US" dirty="0" smtClean="0"/>
+        <p:spPr>
+          <a:xfrm>
+            <a:off x="864326" y="2534195"/>
+            <a:ext cx="10515600" cy="1298802"/>
+          </a:xfrm>
+        </p:spPr>
+        <p:txBody>
+          <a:bodyPr>
+            <a:normAutofit/>
+          </a:bodyPr>
+          <a:lstStyle/>
+          <a:p>
+            <a:pPr algn="ctr"/>
+            <a:r>
+              <a:rPr lang="en-US" sz="6000" dirty="0" smtClean="0"/>
               <a:t>Higher Order Functions</a:t>
             </a:r>
-            <a:endParaRPr lang="en-US" dirty="0"/>
-          </a:p>
-        </p:txBody>
-      </p:sp>
-      <p:sp>
-        <p:nvSpPr>
-          <p:cNvPr id="3" name="Content Placeholder 2"/>
-          <p:cNvSpPr>
-            <a:spLocks noGrp="1"/>
-          </p:cNvSpPr>
-          <p:nvPr>
-            <p:ph idx="1"/>
-          </p:nvPr>
-        </p:nvSpPr>
-        <p:spPr/>
-        <p:txBody>
-          <a:bodyPr/>
-          <a:lstStyle/>
-          <a:p>
-            <a:r>
-              <a:rPr lang="en-US" dirty="0" smtClean="0"/>
-              <a:t>Accept a function as a parameter</a:t>
-            </a:r>
-          </a:p>
-          <a:p>
-            <a:r>
-              <a:rPr lang="en-US" dirty="0" smtClean="0"/>
-              <a:t>Return a function </a:t>
-            </a:r>
-          </a:p>
-          <a:p>
-            <a:r>
-              <a:rPr lang="en-US" dirty="0" smtClean="0"/>
-              <a:t>Both!</a:t>
-            </a:r>
-            <a:endParaRPr lang="en-US" dirty="0"/>
+            <a:endParaRPr lang="en-US" sz="6000" dirty="0"/>
           </a:p>
         </p:txBody>
       </p:sp>
     </p:spTree>
     <p:extLst>
       <p:ext uri="{BB962C8B-B14F-4D97-AF65-F5344CB8AC3E}">
-        <p14:creationId xmlns:p14="http://schemas.microsoft.com/office/powerpoint/2010/main" val="3658757284"/>
+        <p14:creationId xmlns:p14="http://schemas.microsoft.com/office/powerpoint/2010/main" val="4118482201"/>
       </p:ext>
     </p:extLst>
   </p:cSld>
@@ -3876,68 +7583,115 @@
             <p:ph type="title"/>
           </p:nvPr>
         </p:nvSpPr>
-        <p:spPr/>
-        <p:txBody>
-          <a:bodyPr/>
-          <a:lstStyle/>
-          <a:p>
-            <a:r>
-              <a:rPr lang="en-US" dirty="0" smtClean="0"/>
-              <a:t>Higher Order Functions in C#</a:t>
-            </a:r>
-            <a:endParaRPr lang="en-US" dirty="0"/>
-          </a:p>
-        </p:txBody>
-      </p:sp>
-      <p:sp>
-        <p:nvSpPr>
-          <p:cNvPr id="3" name="Content Placeholder 2"/>
-          <p:cNvSpPr>
-            <a:spLocks noGrp="1"/>
-          </p:cNvSpPr>
-          <p:nvPr>
-            <p:ph idx="1"/>
-          </p:nvPr>
-        </p:nvSpPr>
-        <p:spPr/>
-        <p:txBody>
-          <a:bodyPr/>
-          <a:lstStyle/>
-          <a:p>
-            <a:r>
-              <a:rPr lang="en-US" dirty="0" smtClean="0"/>
-              <a:t>Delegates</a:t>
-            </a:r>
-          </a:p>
-          <a:p>
-            <a:r>
-              <a:rPr lang="en-US" dirty="0" smtClean="0"/>
-              <a:t>Anonymous Methods</a:t>
-            </a:r>
-          </a:p>
-          <a:p>
-            <a:r>
-              <a:rPr lang="en-US" dirty="0" smtClean="0"/>
-              <a:t>Lambdas</a:t>
-            </a:r>
-          </a:p>
-          <a:p>
-            <a:r>
-              <a:rPr lang="en-US" dirty="0" err="1" smtClean="0"/>
-              <a:t>Func</a:t>
-            </a:r>
-            <a:r>
-              <a:rPr lang="en-US" dirty="0" smtClean="0"/>
-              <a:t>&lt;T,..&gt;</a:t>
-            </a:r>
-            <a:endParaRPr lang="en-US" dirty="0"/>
+        <p:spPr>
+          <a:xfrm>
+            <a:off x="2823754" y="0"/>
+            <a:ext cx="10515600" cy="1298802"/>
+          </a:xfrm>
+        </p:spPr>
+        <p:txBody>
+          <a:bodyPr>
+            <a:normAutofit/>
+          </a:bodyPr>
+          <a:lstStyle/>
+          <a:p>
+            <a:pPr algn="ctr"/>
+            <a:r>
+              <a:rPr lang="en-US" sz="6000" dirty="0" smtClean="0"/>
+              <a:t>A function as a parameter</a:t>
+            </a:r>
+            <a:endParaRPr lang="en-US" sz="6000" dirty="0"/>
+          </a:p>
+        </p:txBody>
+      </p:sp>
+      <p:sp>
+        <p:nvSpPr>
+          <p:cNvPr id="3" name="TextBox 2"/>
+          <p:cNvSpPr txBox="1"/>
+          <p:nvPr/>
+        </p:nvSpPr>
+        <p:spPr>
+          <a:xfrm>
+            <a:off x="2194560" y="2860766"/>
+            <a:ext cx="9144001" cy="2554545"/>
+          </a:xfrm>
+          <a:prstGeom prst="rect">
+            <a:avLst/>
+          </a:prstGeom>
+          <a:noFill/>
+        </p:spPr>
+        <p:txBody>
+          <a:bodyPr wrap="square" rtlCol="0">
+            <a:spAutoFit/>
+          </a:bodyPr>
+          <a:lstStyle/>
+          <a:p>
+            <a:r>
+              <a:rPr lang="en-US" sz="4000" dirty="0"/>
+              <a:t> </a:t>
+            </a:r>
+            <a:r>
+              <a:rPr lang="en-US" sz="4000" dirty="0" err="1" smtClean="0"/>
+              <a:t>int</a:t>
+            </a:r>
+            <a:r>
+              <a:rPr lang="en-US" sz="4000" dirty="0" smtClean="0"/>
+              <a:t> </a:t>
+            </a:r>
+            <a:r>
+              <a:rPr lang="en-US" sz="4000" dirty="0" err="1" smtClean="0"/>
+              <a:t>SomeFunction</a:t>
+            </a:r>
+            <a:r>
+              <a:rPr lang="en-US" sz="4000" dirty="0" smtClean="0"/>
+              <a:t>(Function </a:t>
+            </a:r>
+            <a:r>
+              <a:rPr lang="en-US" sz="4000" dirty="0" err="1" smtClean="0"/>
+              <a:t>myFunction</a:t>
+            </a:r>
+            <a:r>
+              <a:rPr lang="en-US" sz="4000" dirty="0" smtClean="0"/>
+              <a:t>)</a:t>
+            </a:r>
+          </a:p>
+          <a:p>
+            <a:r>
+              <a:rPr lang="en-US" sz="4000" dirty="0" smtClean="0"/>
+              <a:t> {</a:t>
+            </a:r>
+          </a:p>
+          <a:p>
+            <a:r>
+              <a:rPr lang="en-US" sz="4000" dirty="0"/>
+              <a:t>	</a:t>
+            </a:r>
+            <a:r>
+              <a:rPr lang="en-US" sz="4000" dirty="0" smtClean="0"/>
+              <a:t>return </a:t>
+            </a:r>
+            <a:r>
+              <a:rPr lang="en-US" sz="4000" dirty="0" err="1" smtClean="0"/>
+              <a:t>myFunction</a:t>
+            </a:r>
+            <a:r>
+              <a:rPr lang="en-US" sz="4000" dirty="0" smtClean="0"/>
+              <a:t>(10);</a:t>
+            </a:r>
+          </a:p>
+          <a:p>
+            <a:r>
+              <a:rPr lang="en-US" sz="4000" smtClean="0"/>
+              <a:t> }</a:t>
+            </a:r>
+            <a:endParaRPr lang="en-US" sz="4000" dirty="0"/>
           </a:p>
         </p:txBody>
       </p:sp>
     </p:spTree>
     <p:extLst>
       <p:ext uri="{BB962C8B-B14F-4D97-AF65-F5344CB8AC3E}">
-        <p14:creationId xmlns:p14="http://schemas.microsoft.com/office/powerpoint/2010/main" val="3391165715"/>
+        <p14:creationId xmlns:p14="http://schemas.microsoft.com/office/powerpoint/2010/main" val="393212390"/>
       </p:ext>
     </p:extLst>
   </p:cSld>
@@ -3981,52 +7735,122 @@
             <p:ph type="title"/>
           </p:nvPr>
         </p:nvSpPr>
-        <p:spPr/>
-        <p:txBody>
-          <a:bodyPr/>
-          <a:lstStyle/>
-          <a:p>
-            <a:r>
-              <a:rPr lang="en-US" dirty="0" smtClean="0"/>
-              <a:t>Referential Transparency</a:t>
-            </a:r>
-            <a:endParaRPr lang="en-US" dirty="0"/>
-          </a:p>
-        </p:txBody>
-      </p:sp>
-      <p:sp>
-        <p:nvSpPr>
-          <p:cNvPr id="3" name="Content Placeholder 2"/>
-          <p:cNvSpPr>
-            <a:spLocks noGrp="1"/>
-          </p:cNvSpPr>
-          <p:nvPr>
-            <p:ph idx="1"/>
-          </p:nvPr>
-        </p:nvSpPr>
-        <p:spPr/>
-        <p:txBody>
-          <a:bodyPr/>
-          <a:lstStyle/>
-          <a:p>
-            <a:r>
-              <a:rPr lang="en-US" dirty="0" smtClean="0"/>
-              <a:t>Purity</a:t>
-            </a:r>
-          </a:p>
-          <a:p>
-            <a:r>
-              <a:rPr lang="en-US" dirty="0" smtClean="0"/>
-              <a:t>Side effects</a:t>
-            </a:r>
-            <a:endParaRPr lang="en-US" dirty="0"/>
+        <p:spPr>
+          <a:xfrm>
+            <a:off x="2301241" y="0"/>
+            <a:ext cx="10515600" cy="1298802"/>
+          </a:xfrm>
+        </p:spPr>
+        <p:txBody>
+          <a:bodyPr>
+            <a:normAutofit/>
+          </a:bodyPr>
+          <a:lstStyle/>
+          <a:p>
+            <a:pPr algn="ctr"/>
+            <a:r>
+              <a:rPr lang="en-US" sz="6000" dirty="0" smtClean="0"/>
+              <a:t>A function as the return value</a:t>
+            </a:r>
+            <a:endParaRPr lang="en-US" sz="6000" dirty="0"/>
+          </a:p>
+        </p:txBody>
+      </p:sp>
+      <p:sp>
+        <p:nvSpPr>
+          <p:cNvPr id="3" name="Rectangle 2"/>
+          <p:cNvSpPr/>
+          <p:nvPr/>
+        </p:nvSpPr>
+        <p:spPr>
+          <a:xfrm>
+            <a:off x="1556082" y="2460563"/>
+            <a:ext cx="9339608" cy="2800767"/>
+          </a:xfrm>
+          <a:prstGeom prst="rect">
+            <a:avLst/>
+          </a:prstGeom>
+        </p:spPr>
+        <p:txBody>
+          <a:bodyPr wrap="none">
+            <a:spAutoFit/>
+          </a:bodyPr>
+          <a:lstStyle/>
+          <a:p>
+            <a:r>
+              <a:rPr lang="en-US" sz="4400" dirty="0" smtClean="0"/>
+              <a:t> </a:t>
+            </a:r>
+            <a:r>
+              <a:rPr lang="en-US" sz="4400" dirty="0" smtClean="0"/>
+              <a:t>Function</a:t>
+            </a:r>
+            <a:r>
+              <a:rPr lang="en-US" sz="4400" dirty="0" smtClean="0"/>
+              <a:t> </a:t>
+            </a:r>
+            <a:r>
+              <a:rPr lang="en-US" sz="4400" dirty="0" err="1" smtClean="0"/>
+              <a:t>SomeFunction</a:t>
+            </a:r>
+            <a:r>
+              <a:rPr lang="en-US" sz="4400" dirty="0" smtClean="0"/>
+              <a:t>(</a:t>
+            </a:r>
+            <a:r>
+              <a:rPr lang="en-US" sz="4400" dirty="0" err="1" smtClean="0"/>
+              <a:t>int</a:t>
+            </a:r>
+            <a:r>
+              <a:rPr lang="en-US" sz="4400" dirty="0" smtClean="0"/>
+              <a:t> </a:t>
+            </a:r>
+            <a:r>
+              <a:rPr lang="en-US" sz="4400" dirty="0" err="1" smtClean="0"/>
+              <a:t>someValue</a:t>
+            </a:r>
+            <a:r>
+              <a:rPr lang="en-US" sz="4400" dirty="0" smtClean="0"/>
+              <a:t>)</a:t>
+            </a:r>
+          </a:p>
+          <a:p>
+            <a:r>
+              <a:rPr lang="en-US" sz="4400" dirty="0" smtClean="0"/>
+              <a:t> {</a:t>
+            </a:r>
+          </a:p>
+          <a:p>
+            <a:r>
+              <a:rPr lang="en-US" sz="4400" dirty="0"/>
+              <a:t>	</a:t>
+            </a:r>
+            <a:r>
+              <a:rPr lang="en-US" sz="4400" dirty="0" smtClean="0"/>
+              <a:t>return x =&gt; x + </a:t>
+            </a:r>
+            <a:r>
+              <a:rPr lang="en-US" sz="4400" dirty="0" err="1" smtClean="0"/>
+              <a:t>someValue</a:t>
+            </a:r>
+            <a:r>
+              <a:rPr lang="en-US" sz="4400" dirty="0" smtClean="0"/>
+              <a:t>;</a:t>
+            </a:r>
+          </a:p>
+          <a:p>
+            <a:r>
+              <a:rPr lang="en-US" sz="4400" dirty="0" smtClean="0"/>
+              <a:t> }</a:t>
+            </a:r>
+            <a:endParaRPr lang="en-US" sz="4400" dirty="0"/>
           </a:p>
         </p:txBody>
       </p:sp>
     </p:spTree>
     <p:extLst>
       <p:ext uri="{BB962C8B-B14F-4D97-AF65-F5344CB8AC3E}">
-        <p14:creationId xmlns:p14="http://schemas.microsoft.com/office/powerpoint/2010/main" val="3344712681"/>
+        <p14:creationId xmlns:p14="http://schemas.microsoft.com/office/powerpoint/2010/main" val="3182103622"/>
       </p:ext>
     </p:extLst>
   </p:cSld>
@@ -4070,69 +7894,102 @@
             <p:ph type="title"/>
           </p:nvPr>
         </p:nvSpPr>
-        <p:spPr/>
-        <p:txBody>
-          <a:bodyPr/>
-          <a:lstStyle/>
-          <a:p>
-            <a:r>
-              <a:rPr lang="en-US" dirty="0" smtClean="0"/>
-              <a:t>Functions constructing functions</a:t>
-            </a:r>
-            <a:endParaRPr lang="en-US" dirty="0"/>
-          </a:p>
-        </p:txBody>
-      </p:sp>
-      <p:sp>
-        <p:nvSpPr>
-          <p:cNvPr id="3" name="Content Placeholder 2"/>
-          <p:cNvSpPr>
-            <a:spLocks noGrp="1"/>
-          </p:cNvSpPr>
-          <p:nvPr>
-            <p:ph idx="1"/>
-          </p:nvPr>
-        </p:nvSpPr>
-        <p:spPr/>
-        <p:txBody>
-          <a:bodyPr/>
-          <a:lstStyle/>
-          <a:p>
-            <a:r>
-              <a:rPr lang="en-US" dirty="0" smtClean="0"/>
-              <a:t>Closures</a:t>
-            </a:r>
-          </a:p>
-          <a:p>
-            <a:r>
-              <a:rPr lang="en-US" dirty="0" smtClean="0"/>
-              <a:t>Composition</a:t>
-            </a:r>
-          </a:p>
-          <a:p>
-            <a:r>
-              <a:rPr lang="en-US" dirty="0" smtClean="0"/>
-              <a:t>Partial Applications</a:t>
-            </a:r>
-          </a:p>
-          <a:p>
-            <a:r>
-              <a:rPr lang="en-US" dirty="0" smtClean="0"/>
-              <a:t>Currying</a:t>
-            </a:r>
-          </a:p>
-          <a:p>
-            <a:pPr marL="0" indent="0">
-              <a:buNone/>
-            </a:pPr>
-            <a:endParaRPr lang="en-US" dirty="0"/>
+        <p:spPr>
+          <a:xfrm>
+            <a:off x="5828211" y="0"/>
+            <a:ext cx="10515600" cy="1298802"/>
+          </a:xfrm>
+        </p:spPr>
+        <p:txBody>
+          <a:bodyPr>
+            <a:normAutofit/>
+          </a:bodyPr>
+          <a:lstStyle/>
+          <a:p>
+            <a:pPr algn="ctr"/>
+            <a:r>
+              <a:rPr lang="en-US" sz="6000" dirty="0" smtClean="0"/>
+              <a:t>both</a:t>
+            </a:r>
+            <a:endParaRPr lang="en-US" sz="6000" dirty="0"/>
+          </a:p>
+        </p:txBody>
+      </p:sp>
+      <p:sp>
+        <p:nvSpPr>
+          <p:cNvPr id="3" name="Rectangle 2"/>
+          <p:cNvSpPr/>
+          <p:nvPr/>
+        </p:nvSpPr>
+        <p:spPr>
+          <a:xfrm>
+            <a:off x="1532708" y="2110378"/>
+            <a:ext cx="10014857" cy="2800767"/>
+          </a:xfrm>
+          <a:prstGeom prst="rect">
+            <a:avLst/>
+          </a:prstGeom>
+        </p:spPr>
+        <p:txBody>
+          <a:bodyPr wrap="square">
+            <a:spAutoFit/>
+          </a:bodyPr>
+          <a:lstStyle/>
+          <a:p>
+            <a:r>
+              <a:rPr lang="en-US" sz="4400" dirty="0" smtClean="0"/>
+              <a:t> Function </a:t>
+            </a:r>
+            <a:r>
+              <a:rPr lang="en-US" sz="4400" dirty="0" err="1" smtClean="0"/>
+              <a:t>SomeFunction</a:t>
+            </a:r>
+            <a:r>
+              <a:rPr lang="en-US" sz="4400" dirty="0" smtClean="0"/>
+              <a:t>(Function </a:t>
+            </a:r>
+            <a:r>
+              <a:rPr lang="en-US" sz="4400" dirty="0" err="1" smtClean="0"/>
+              <a:t>myFunc</a:t>
+            </a:r>
+            <a:r>
+              <a:rPr lang="en-US" sz="4400" dirty="0" smtClean="0"/>
+              <a:t>)</a:t>
+            </a:r>
+          </a:p>
+          <a:p>
+            <a:r>
+              <a:rPr lang="en-US" sz="4400" dirty="0" smtClean="0"/>
+              <a:t> {</a:t>
+            </a:r>
+          </a:p>
+          <a:p>
+            <a:r>
+              <a:rPr lang="en-US" sz="4400" dirty="0" smtClean="0"/>
+              <a:t>	return x =&gt; </a:t>
+            </a:r>
+            <a:r>
+              <a:rPr lang="en-US" sz="4400" dirty="0" err="1" smtClean="0"/>
+              <a:t>myFunc</a:t>
+            </a:r>
+            <a:r>
+              <a:rPr lang="en-US" sz="4400" dirty="0" smtClean="0"/>
+              <a:t>(x);</a:t>
+            </a:r>
+          </a:p>
+          <a:p>
+            <a:r>
+              <a:rPr lang="en-US" sz="4400" dirty="0" smtClean="0"/>
+              <a:t> }</a:t>
+            </a:r>
+            <a:endParaRPr lang="en-US" sz="4400" dirty="0"/>
           </a:p>
         </p:txBody>
       </p:sp>
     </p:spTree>
     <p:extLst>
       <p:ext uri="{BB962C8B-B14F-4D97-AF65-F5344CB8AC3E}">
-        <p14:creationId xmlns:p14="http://schemas.microsoft.com/office/powerpoint/2010/main" val="3124058005"/>
+        <p14:creationId xmlns:p14="http://schemas.microsoft.com/office/powerpoint/2010/main" val="548529451"/>
       </p:ext>
     </p:extLst>
   </p:cSld>
@@ -4176,52 +8033,31 @@
             <p:ph type="title"/>
           </p:nvPr>
         </p:nvSpPr>
-        <p:spPr/>
-        <p:txBody>
-          <a:bodyPr/>
-          <a:lstStyle/>
-          <a:p>
-            <a:r>
-              <a:rPr lang="en-US" dirty="0" smtClean="0"/>
-              <a:t>“Standard Higher Order Functions”</a:t>
-            </a:r>
-            <a:endParaRPr lang="en-US" dirty="0"/>
-          </a:p>
-        </p:txBody>
-      </p:sp>
-      <p:sp>
-        <p:nvSpPr>
-          <p:cNvPr id="3" name="Content Placeholder 2"/>
-          <p:cNvSpPr>
-            <a:spLocks noGrp="1"/>
-          </p:cNvSpPr>
-          <p:nvPr>
-            <p:ph idx="1"/>
-          </p:nvPr>
-        </p:nvSpPr>
-        <p:spPr/>
-        <p:txBody>
-          <a:bodyPr/>
-          <a:lstStyle/>
-          <a:p>
-            <a:r>
-              <a:rPr lang="en-US" dirty="0" smtClean="0"/>
-              <a:t>List the HO Functions (could be multiple slides)</a:t>
-            </a:r>
-          </a:p>
-          <a:p>
-            <a:r>
-              <a:rPr lang="en-US" dirty="0" smtClean="0"/>
-              <a:t>Show there LINQ Equivalents</a:t>
-            </a:r>
-            <a:endParaRPr lang="en-US" dirty="0"/>
+        <p:spPr>
+          <a:xfrm>
+            <a:off x="864326" y="2534195"/>
+            <a:ext cx="10515600" cy="1298802"/>
+          </a:xfrm>
+        </p:spPr>
+        <p:txBody>
+          <a:bodyPr>
+            <a:normAutofit/>
+          </a:bodyPr>
+          <a:lstStyle/>
+          <a:p>
+            <a:pPr algn="ctr"/>
+            <a:r>
+              <a:rPr lang="en-US" sz="6000" dirty="0" smtClean="0"/>
+              <a:t>Higher Order Function Examples</a:t>
+            </a:r>
+            <a:endParaRPr lang="en-US" sz="6000" dirty="0"/>
           </a:p>
         </p:txBody>
       </p:sp>
     </p:spTree>
     <p:extLst>
       <p:ext uri="{BB962C8B-B14F-4D97-AF65-F5344CB8AC3E}">
-        <p14:creationId xmlns:p14="http://schemas.microsoft.com/office/powerpoint/2010/main" val="1728765585"/>
+        <p14:creationId xmlns:p14="http://schemas.microsoft.com/office/powerpoint/2010/main" val="3432486287"/>
       </p:ext>
     </p:extLst>
   </p:cSld>
@@ -4497,4 +8333,265 @@
     </a:ext>
   </a:extLst>
 </a:theme>
+</file>
+
+<file path=ppt/theme/theme2.xml><?xml version="1.0" encoding="utf-8"?>
+<a:theme xmlns:a="http://schemas.openxmlformats.org/drawingml/2006/main" name="Office Theme">
+  <a:themeElements>
+    <a:clrScheme name="Office">
+      <a:dk1>
+        <a:sysClr val="windowText" lastClr="000000"/>
+      </a:dk1>
+      <a:lt1>
+        <a:sysClr val="window" lastClr="FFFFFF"/>
+      </a:lt1>
+      <a:dk2>
+        <a:srgbClr val="44546A"/>
+      </a:dk2>
+      <a:lt2>
+        <a:srgbClr val="E7E6E6"/>
+      </a:lt2>
+      <a:accent1>
+        <a:srgbClr val="5B9BD5"/>
+      </a:accent1>
+      <a:accent2>
+        <a:srgbClr val="ED7D31"/>
+      </a:accent2>
+      <a:accent3>
+        <a:srgbClr val="A5A5A5"/>
+      </a:accent3>
+      <a:accent4>
+        <a:srgbClr val="FFC000"/>
+      </a:accent4>
+      <a:accent5>
+        <a:srgbClr val="4472C4"/>
+      </a:accent5>
+      <a:accent6>
+        <a:srgbClr val="70AD47"/>
+      </a:accent6>
+      <a:hlink>
+        <a:srgbClr val="0563C1"/>
+      </a:hlink>
+      <a:folHlink>
+        <a:srgbClr val="954F72"/>
+      </a:folHlink>
+    </a:clrScheme>
+    <a:fontScheme name="Office">
+      <a:majorFont>
+        <a:latin typeface="Calibri Light" panose="020F0302020204030204"/>
+        <a:ea typeface=""/>
+        <a:cs typeface=""/>
+        <a:font script="Jpan" typeface="ＭＳ Ｐゴシック"/>
+        <a:font script="Hang" typeface="맑은 고딕"/>
+        <a:font script="Hans" typeface="宋体"/>
+        <a:font script="Hant" typeface="新細明體"/>
+        <a:font script="Arab" typeface="Times New Roman"/>
+        <a:font script="Hebr" typeface="Times New Roman"/>
+        <a:font script="Thai" typeface="Angsana New"/>
+        <a:font script="Ethi" typeface="Nyala"/>
+        <a:font script="Beng" typeface="Vrinda"/>
+        <a:font script="Gujr" typeface="Shruti"/>
+        <a:font script="Khmr" typeface="MoolBoran"/>
+        <a:font script="Knda" typeface="Tunga"/>
+        <a:font script="Guru" typeface="Raavi"/>
+        <a:font script="Cans" typeface="Euphemia"/>
+        <a:font script="Cher" typeface="Plantagenet Cherokee"/>
+        <a:font script="Yiii" typeface="Microsoft Yi Baiti"/>
+        <a:font script="Tibt" typeface="Microsoft Himalaya"/>
+        <a:font script="Thaa" typeface="MV Boli"/>
+        <a:font script="Deva" typeface="Mangal"/>
+        <a:font script="Telu" typeface="Gautami"/>
+        <a:font script="Taml" typeface="Latha"/>
+        <a:font script="Syrc" typeface="Estrangelo Edessa"/>
+        <a:font script="Orya" typeface="Kalinga"/>
+        <a:font script="Mlym" typeface="Kartika"/>
+        <a:font script="Laoo" typeface="DokChampa"/>
+        <a:font script="Sinh" typeface="Iskoola Pota"/>
+        <a:font script="Mong" typeface="Mongolian Baiti"/>
+        <a:font script="Viet" typeface="Times New Roman"/>
+        <a:font script="Uigh" typeface="Microsoft Uighur"/>
+        <a:font script="Geor" typeface="Sylfaen"/>
+      </a:majorFont>
+      <a:minorFont>
+        <a:latin typeface="Calibri" panose="020F0502020204030204"/>
+        <a:ea typeface=""/>
+        <a:cs typeface=""/>
+        <a:font script="Jpan" typeface="ＭＳ Ｐゴシック"/>
+        <a:font script="Hang" typeface="맑은 고딕"/>
+        <a:font script="Hans" typeface="宋体"/>
+        <a:font script="Hant" typeface="新細明體"/>
+        <a:font script="Arab" typeface="Arial"/>
+        <a:font script="Hebr" typeface="Arial"/>
+        <a:font script="Thai" typeface="Cordia New"/>
+        <a:font script="Ethi" typeface="Nyala"/>
+        <a:font script="Beng" typeface="Vrinda"/>
+        <a:font script="Gujr" typeface="Shruti"/>
+        <a:font script="Khmr" typeface="DaunPenh"/>
+        <a:font script="Knda" typeface="Tunga"/>
+        <a:font script="Guru" typeface="Raavi"/>
+        <a:font script="Cans" typeface="Euphemia"/>
+        <a:font script="Cher" typeface="Plantagenet Cherokee"/>
+        <a:font script="Yiii" typeface="Microsoft Yi Baiti"/>
+        <a:font script="Tibt" typeface="Microsoft Himalaya"/>
+        <a:font script="Thaa" typeface="MV Boli"/>
+        <a:font script="Deva" typeface="Mangal"/>
+        <a:font script="Telu" typeface="Gautami"/>
+        <a:font script="Taml" typeface="Latha"/>
+        <a:font script="Syrc" typeface="Estrangelo Edessa"/>
+        <a:font script="Orya" typeface="Kalinga"/>
+        <a:font script="Mlym" typeface="Kartika"/>
+        <a:font script="Laoo" typeface="DokChampa"/>
+        <a:font script="Sinh" typeface="Iskoola Pota"/>
+        <a:font script="Mong" typeface="Mongolian Baiti"/>
+        <a:font script="Viet" typeface="Arial"/>
+        <a:font script="Uigh" typeface="Microsoft Uighur"/>
+        <a:font script="Geor" typeface="Sylfaen"/>
+      </a:minorFont>
+    </a:fontScheme>
+    <a:fmtScheme name="Office">
+      <a:fillStyleLst>
+        <a:solidFill>
+          <a:schemeClr val="phClr"/>
+        </a:solidFill>
+        <a:gradFill rotWithShape="1">
+          <a:gsLst>
+            <a:gs pos="0">
+              <a:schemeClr val="phClr">
+                <a:lumMod val="110000"/>
+                <a:satMod val="105000"/>
+                <a:tint val="67000"/>
+              </a:schemeClr>
+            </a:gs>
+            <a:gs pos="50000">
+              <a:schemeClr val="phClr">
+                <a:lumMod val="105000"/>
+                <a:satMod val="103000"/>
+                <a:tint val="73000"/>
+              </a:schemeClr>
+            </a:gs>
+            <a:gs pos="100000">
+              <a:schemeClr val="phClr">
+                <a:lumMod val="105000"/>
+                <a:satMod val="109000"/>
+                <a:tint val="81000"/>
+              </a:schemeClr>
+            </a:gs>
+          </a:gsLst>
+          <a:lin ang="5400000" scaled="0"/>
+        </a:gradFill>
+        <a:gradFill rotWithShape="1">
+          <a:gsLst>
+            <a:gs pos="0">
+              <a:schemeClr val="phClr">
+                <a:satMod val="103000"/>
+                <a:lumMod val="102000"/>
+                <a:tint val="94000"/>
+              </a:schemeClr>
+            </a:gs>
+            <a:gs pos="50000">
+              <a:schemeClr val="phClr">
+                <a:satMod val="110000"/>
+                <a:lumMod val="100000"/>
+                <a:shade val="100000"/>
+              </a:schemeClr>
+            </a:gs>
+            <a:gs pos="100000">
+              <a:schemeClr val="phClr">
+                <a:lumMod val="99000"/>
+                <a:satMod val="120000"/>
+                <a:shade val="78000"/>
+              </a:schemeClr>
+            </a:gs>
+          </a:gsLst>
+          <a:lin ang="5400000" scaled="0"/>
+        </a:gradFill>
+      </a:fillStyleLst>
+      <a:lnStyleLst>
+        <a:ln w="6350" cap="flat" cmpd="sng" algn="ctr">
+          <a:solidFill>
+            <a:schemeClr val="phClr"/>
+          </a:solidFill>
+          <a:prstDash val="solid"/>
+          <a:miter lim="800000"/>
+        </a:ln>
+        <a:ln w="12700" cap="flat" cmpd="sng" algn="ctr">
+          <a:solidFill>
+            <a:schemeClr val="phClr"/>
+          </a:solidFill>
+          <a:prstDash val="solid"/>
+          <a:miter lim="800000"/>
+        </a:ln>
+        <a:ln w="19050" cap="flat" cmpd="sng" algn="ctr">
+          <a:solidFill>
+            <a:schemeClr val="phClr"/>
+          </a:solidFill>
+          <a:prstDash val="solid"/>
+          <a:miter lim="800000"/>
+        </a:ln>
+      </a:lnStyleLst>
+      <a:effectStyleLst>
+        <a:effectStyle>
+          <a:effectLst/>
+        </a:effectStyle>
+        <a:effectStyle>
+          <a:effectLst/>
+        </a:effectStyle>
+        <a:effectStyle>
+          <a:effectLst>
+            <a:outerShdw blurRad="57150" dist="19050" dir="5400000" algn="ctr" rotWithShape="0">
+              <a:srgbClr val="000000">
+                <a:alpha val="63000"/>
+              </a:srgbClr>
+            </a:outerShdw>
+          </a:effectLst>
+        </a:effectStyle>
+      </a:effectStyleLst>
+      <a:bgFillStyleLst>
+        <a:solidFill>
+          <a:schemeClr val="phClr"/>
+        </a:solidFill>
+        <a:solidFill>
+          <a:schemeClr val="phClr">
+            <a:tint val="95000"/>
+            <a:satMod val="170000"/>
+          </a:schemeClr>
+        </a:solidFill>
+        <a:gradFill rotWithShape="1">
+          <a:gsLst>
+            <a:gs pos="0">
+              <a:schemeClr val="phClr">
+                <a:tint val="93000"/>
+                <a:satMod val="150000"/>
+                <a:shade val="98000"/>
+                <a:lumMod val="102000"/>
+              </a:schemeClr>
+            </a:gs>
+            <a:gs pos="50000">
+              <a:schemeClr val="phClr">
+                <a:tint val="98000"/>
+                <a:satMod val="130000"/>
+                <a:shade val="90000"/>
+                <a:lumMod val="103000"/>
+              </a:schemeClr>
+            </a:gs>
+            <a:gs pos="100000">
+              <a:schemeClr val="phClr">
+                <a:shade val="63000"/>
+                <a:satMod val="120000"/>
+              </a:schemeClr>
+            </a:gs>
+          </a:gsLst>
+          <a:lin ang="5400000" scaled="0"/>
+        </a:gradFill>
+      </a:bgFillStyleLst>
+    </a:fmtScheme>
+  </a:themeElements>
+  <a:objectDefaults/>
+  <a:extraClrSchemeLst/>
+  <a:extLst>
+    <a:ext uri="{05A4C25C-085E-4340-85A3-A5531E510DB2}">
+      <thm15:themeFamily xmlns:thm15="http://schemas.microsoft.com/office/thememl/2012/main" name="Office Theme" id="{62F939B6-93AF-4DB8-9C6B-D6C7DFDC589F}" vid="{4A3C46E8-61CC-4603-A589-7422A47A8E4A}"/>
+    </a:ext>
+  </a:extLst>
+</a:theme>
 </file>
--- a/slides/FpViaCSharp.pptx
+++ b/slides/FpViaCSharp.pptx
@@ -18,11 +18,11 @@
     <p:sldId id="278" r:id="rId9"/>
     <p:sldId id="275" r:id="rId10"/>
     <p:sldId id="280" r:id="rId11"/>
-    <p:sldId id="282" r:id="rId12"/>
-    <p:sldId id="281" r:id="rId13"/>
-    <p:sldId id="285" r:id="rId14"/>
-    <p:sldId id="286" r:id="rId15"/>
-    <p:sldId id="287" r:id="rId16"/>
+    <p:sldId id="285" r:id="rId12"/>
+    <p:sldId id="286" r:id="rId13"/>
+    <p:sldId id="287" r:id="rId14"/>
+    <p:sldId id="294" r:id="rId15"/>
+    <p:sldId id="295" r:id="rId16"/>
     <p:sldId id="288" r:id="rId17"/>
     <p:sldId id="289" r:id="rId18"/>
     <p:sldId id="290" r:id="rId19"/>
@@ -139,6 +139,11 @@
       </a:defRPr>
     </a:lvl9pPr>
   </p:defaultTextStyle>
+  <p:extLst>
+    <p:ext uri="{EFAFB233-063F-42B5-8137-9DF3F51BA10A}">
+      <p15:sldGuideLst xmlns:p15="http://schemas.microsoft.com/office/powerpoint/2012/main"/>
+    </p:ext>
+  </p:extLst>
 </p:presentation>
 </file>
 
@@ -674,7 +679,7 @@
     </p:spTree>
     <p:extLst>
       <p:ext uri="{BB962C8B-B14F-4D97-AF65-F5344CB8AC3E}">
-        <p14:creationId xmlns:p14="http://schemas.microsoft.com/office/powerpoint/2010/main" val="1512787089"/>
+        <p14:creationId xmlns:p14="http://schemas.microsoft.com/office/powerpoint/2010/main" val="2358005596"/>
       </p:ext>
     </p:extLst>
   </p:cSld>
@@ -758,7 +763,7 @@
     </p:spTree>
     <p:extLst>
       <p:ext uri="{BB962C8B-B14F-4D97-AF65-F5344CB8AC3E}">
-        <p14:creationId xmlns:p14="http://schemas.microsoft.com/office/powerpoint/2010/main" val="2124205652"/>
+        <p14:creationId xmlns:p14="http://schemas.microsoft.com/office/powerpoint/2010/main" val="3046419449"/>
       </p:ext>
     </p:extLst>
   </p:cSld>
@@ -842,7 +847,7 @@
     </p:spTree>
     <p:extLst>
       <p:ext uri="{BB962C8B-B14F-4D97-AF65-F5344CB8AC3E}">
-        <p14:creationId xmlns:p14="http://schemas.microsoft.com/office/powerpoint/2010/main" val="2358005596"/>
+        <p14:creationId xmlns:p14="http://schemas.microsoft.com/office/powerpoint/2010/main" val="3784544449"/>
       </p:ext>
     </p:extLst>
   </p:cSld>
@@ -926,7 +931,7 @@
     </p:spTree>
     <p:extLst>
       <p:ext uri="{BB962C8B-B14F-4D97-AF65-F5344CB8AC3E}">
-        <p14:creationId xmlns:p14="http://schemas.microsoft.com/office/powerpoint/2010/main" val="3046419449"/>
+        <p14:creationId xmlns:p14="http://schemas.microsoft.com/office/powerpoint/2010/main" val="4240119513"/>
       </p:ext>
     </p:extLst>
   </p:cSld>
@@ -1010,7 +1015,7 @@
     </p:spTree>
     <p:extLst>
       <p:ext uri="{BB962C8B-B14F-4D97-AF65-F5344CB8AC3E}">
-        <p14:creationId xmlns:p14="http://schemas.microsoft.com/office/powerpoint/2010/main" val="3784544449"/>
+        <p14:creationId xmlns:p14="http://schemas.microsoft.com/office/powerpoint/2010/main" val="1126755372"/>
       </p:ext>
     </p:extLst>
   </p:cSld>
@@ -1316,6 +1321,14 @@
           <a:bodyPr/>
           <a:lstStyle/>
           <a:p>
+            <a:r>
+              <a:rPr lang="en-US" dirty="0" smtClean="0"/>
+              <a:t>Creating </a:t>
+            </a:r>
+            <a:r>
+              <a:rPr lang="en-US" smtClean="0"/>
+              <a:t>Lists based on lists</a:t>
+            </a:r>
             <a:endParaRPr lang="en-US" dirty="0"/>
           </a:p>
         </p:txBody>
@@ -2579,7 +2592,7 @@
           <a:p>
             <a:fld id="{0D0EC7BD-D456-4816-B9A5-DFE898B45114}" type="datetimeFigureOut">
               <a:rPr lang="en-US" smtClean="0"/>
-              <a:t>2/3/2015</a:t>
+              <a:t>2/4/2015</a:t>
             </a:fld>
             <a:endParaRPr lang="en-US"/>
           </a:p>
@@ -2749,7 +2762,7 @@
           <a:p>
             <a:fld id="{0D0EC7BD-D456-4816-B9A5-DFE898B45114}" type="datetimeFigureOut">
               <a:rPr lang="en-US" smtClean="0"/>
-              <a:t>2/3/2015</a:t>
+              <a:t>2/4/2015</a:t>
             </a:fld>
             <a:endParaRPr lang="en-US"/>
           </a:p>
@@ -2929,7 +2942,7 @@
           <a:p>
             <a:fld id="{0D0EC7BD-D456-4816-B9A5-DFE898B45114}" type="datetimeFigureOut">
               <a:rPr lang="en-US" smtClean="0"/>
-              <a:t>2/3/2015</a:t>
+              <a:t>2/4/2015</a:t>
             </a:fld>
             <a:endParaRPr lang="en-US"/>
           </a:p>
@@ -3099,7 +3112,7 @@
           <a:p>
             <a:fld id="{0D0EC7BD-D456-4816-B9A5-DFE898B45114}" type="datetimeFigureOut">
               <a:rPr lang="en-US" smtClean="0"/>
-              <a:t>2/3/2015</a:t>
+              <a:t>2/4/2015</a:t>
             </a:fld>
             <a:endParaRPr lang="en-US"/>
           </a:p>
@@ -3345,7 +3358,7 @@
           <a:p>
             <a:fld id="{0D0EC7BD-D456-4816-B9A5-DFE898B45114}" type="datetimeFigureOut">
               <a:rPr lang="en-US" smtClean="0"/>
-              <a:t>2/3/2015</a:t>
+              <a:t>2/4/2015</a:t>
             </a:fld>
             <a:endParaRPr lang="en-US"/>
           </a:p>
@@ -3577,7 +3590,7 @@
           <a:p>
             <a:fld id="{0D0EC7BD-D456-4816-B9A5-DFE898B45114}" type="datetimeFigureOut">
               <a:rPr lang="en-US" smtClean="0"/>
-              <a:t>2/3/2015</a:t>
+              <a:t>2/4/2015</a:t>
             </a:fld>
             <a:endParaRPr lang="en-US"/>
           </a:p>
@@ -3944,7 +3957,7 @@
           <a:p>
             <a:fld id="{0D0EC7BD-D456-4816-B9A5-DFE898B45114}" type="datetimeFigureOut">
               <a:rPr lang="en-US" smtClean="0"/>
-              <a:t>2/3/2015</a:t>
+              <a:t>2/4/2015</a:t>
             </a:fld>
             <a:endParaRPr lang="en-US"/>
           </a:p>
@@ -4062,7 +4075,7 @@
           <a:p>
             <a:fld id="{0D0EC7BD-D456-4816-B9A5-DFE898B45114}" type="datetimeFigureOut">
               <a:rPr lang="en-US" smtClean="0"/>
-              <a:t>2/3/2015</a:t>
+              <a:t>2/4/2015</a:t>
             </a:fld>
             <a:endParaRPr lang="en-US"/>
           </a:p>
@@ -4157,7 +4170,7 @@
           <a:p>
             <a:fld id="{0D0EC7BD-D456-4816-B9A5-DFE898B45114}" type="datetimeFigureOut">
               <a:rPr lang="en-US" smtClean="0"/>
-              <a:t>2/3/2015</a:t>
+              <a:t>2/4/2015</a:t>
             </a:fld>
             <a:endParaRPr lang="en-US"/>
           </a:p>
@@ -4434,7 +4447,7 @@
           <a:p>
             <a:fld id="{0D0EC7BD-D456-4816-B9A5-DFE898B45114}" type="datetimeFigureOut">
               <a:rPr lang="en-US" smtClean="0"/>
-              <a:t>2/3/2015</a:t>
+              <a:t>2/4/2015</a:t>
             </a:fld>
             <a:endParaRPr lang="en-US"/>
           </a:p>
@@ -4687,7 +4700,7 @@
           <a:p>
             <a:fld id="{0D0EC7BD-D456-4816-B9A5-DFE898B45114}" type="datetimeFigureOut">
               <a:rPr lang="en-US" smtClean="0"/>
-              <a:t>2/3/2015</a:t>
+              <a:t>2/4/2015</a:t>
             </a:fld>
             <a:endParaRPr lang="en-US"/>
           </a:p>
@@ -4900,7 +4913,7 @@
           <a:p>
             <a:fld id="{0D0EC7BD-D456-4816-B9A5-DFE898B45114}" type="datetimeFigureOut">
               <a:rPr lang="en-US" smtClean="0"/>
-              <a:t>2/3/2015</a:t>
+              <a:t>2/4/2015</a:t>
             </a:fld>
             <a:endParaRPr lang="en-US"/>
           </a:p>
@@ -5531,7 +5544,7 @@
             <a:pPr algn="ctr"/>
             <a:r>
               <a:rPr lang="en-US" sz="6000" dirty="0" smtClean="0"/>
-              <a:t>Side Effects</a:t>
+              <a:t>Functions constructing functions!</a:t>
             </a:r>
             <a:endParaRPr lang="en-US" sz="6000" dirty="0"/>
           </a:p>
@@ -5540,7 +5553,7 @@
     </p:spTree>
     <p:extLst>
       <p:ext uri="{BB962C8B-B14F-4D97-AF65-F5344CB8AC3E}">
-        <p14:creationId xmlns:p14="http://schemas.microsoft.com/office/powerpoint/2010/main" val="2150186233"/>
+        <p14:creationId xmlns:p14="http://schemas.microsoft.com/office/powerpoint/2010/main" val="2780457043"/>
       </p:ext>
     </p:extLst>
   </p:cSld>
@@ -5599,7 +5612,7 @@
             <a:pPr algn="ctr"/>
             <a:r>
               <a:rPr lang="en-US" sz="6000" dirty="0" smtClean="0"/>
-              <a:t>Purity &amp; Side Effect examples</a:t>
+              <a:t>Common Higher Order Functions</a:t>
             </a:r>
             <a:endParaRPr lang="en-US" sz="6000" dirty="0"/>
           </a:p>
@@ -5608,7 +5621,7 @@
     </p:spTree>
     <p:extLst>
       <p:ext uri="{BB962C8B-B14F-4D97-AF65-F5344CB8AC3E}">
-        <p14:creationId xmlns:p14="http://schemas.microsoft.com/office/powerpoint/2010/main" val="1194496842"/>
+        <p14:creationId xmlns:p14="http://schemas.microsoft.com/office/powerpoint/2010/main" val="1196101541"/>
       </p:ext>
     </p:extLst>
   </p:cSld>
@@ -5654,7 +5667,7 @@
         </p:nvSpPr>
         <p:spPr>
           <a:xfrm>
-            <a:off x="864326" y="2534195"/>
+            <a:off x="903514" y="953589"/>
             <a:ext cx="10515600" cy="1298802"/>
           </a:xfrm>
         </p:spPr>
@@ -5667,16 +5680,54 @@
             <a:pPr algn="ctr"/>
             <a:r>
               <a:rPr lang="en-US" sz="6000" dirty="0" smtClean="0"/>
-              <a:t>Functions constructing functions!</a:t>
+              <a:t>Map(List, </a:t>
+            </a:r>
+            <a:r>
+              <a:rPr lang="en-US" sz="6000" dirty="0" err="1" smtClean="0"/>
+              <a:t>Func</a:t>
+            </a:r>
+            <a:r>
+              <a:rPr lang="en-US" sz="6000" dirty="0" smtClean="0"/>
+              <a:t>) : List</a:t>
             </a:r>
             <a:endParaRPr lang="en-US" sz="6000" dirty="0"/>
+          </a:p>
+        </p:txBody>
+      </p:sp>
+      <p:sp>
+        <p:nvSpPr>
+          <p:cNvPr id="4" name="TextBox 3"/>
+          <p:cNvSpPr txBox="1"/>
+          <p:nvPr/>
+        </p:nvSpPr>
+        <p:spPr>
+          <a:xfrm>
+            <a:off x="2299064" y="3174275"/>
+            <a:ext cx="8161658" cy="646331"/>
+          </a:xfrm>
+          <a:prstGeom prst="rect">
+            <a:avLst/>
+          </a:prstGeom>
+          <a:noFill/>
+        </p:spPr>
+        <p:txBody>
+          <a:bodyPr wrap="none" rtlCol="0">
+            <a:spAutoFit/>
+          </a:bodyPr>
+          <a:lstStyle/>
+          <a:p>
+            <a:r>
+              <a:rPr lang="en-US" sz="3600" dirty="0" smtClean="0"/>
+              <a:t>Applies a function to each element of a list</a:t>
+            </a:r>
+            <a:endParaRPr lang="en-US" sz="3600" dirty="0"/>
           </a:p>
         </p:txBody>
       </p:sp>
     </p:spTree>
     <p:extLst>
       <p:ext uri="{BB962C8B-B14F-4D97-AF65-F5344CB8AC3E}">
-        <p14:creationId xmlns:p14="http://schemas.microsoft.com/office/powerpoint/2010/main" val="2780457043"/>
+        <p14:creationId xmlns:p14="http://schemas.microsoft.com/office/powerpoint/2010/main" val="2319865204"/>
       </p:ext>
     </p:extLst>
   </p:cSld>
@@ -5722,7 +5773,7 @@
         </p:nvSpPr>
         <p:spPr>
           <a:xfrm>
-            <a:off x="864326" y="2534195"/>
+            <a:off x="903514" y="953589"/>
             <a:ext cx="10515600" cy="1298802"/>
           </a:xfrm>
         </p:spPr>
@@ -5735,16 +5786,96 @@
             <a:pPr algn="ctr"/>
             <a:r>
               <a:rPr lang="en-US" sz="6000" dirty="0" smtClean="0"/>
-              <a:t>Common Higher Order Functions</a:t>
+              <a:t>Fold(List, </a:t>
+            </a:r>
+            <a:r>
+              <a:rPr lang="en-US" sz="6000" dirty="0" err="1" smtClean="0"/>
+              <a:t>Func</a:t>
+            </a:r>
+            <a:r>
+              <a:rPr lang="en-US" sz="6000" dirty="0" smtClean="0"/>
+              <a:t>&lt;</a:t>
+            </a:r>
+            <a:r>
+              <a:rPr lang="en-US" sz="6000" dirty="0" err="1" smtClean="0"/>
+              <a:t>Bool</a:t>
+            </a:r>
+            <a:r>
+              <a:rPr lang="en-US" sz="6000" dirty="0" smtClean="0"/>
+              <a:t>&gt;</a:t>
+            </a:r>
+            <a:r>
+              <a:rPr lang="en-US" sz="6000" dirty="0" smtClean="0"/>
+              <a:t>) : List</a:t>
             </a:r>
             <a:endParaRPr lang="en-US" sz="6000" dirty="0"/>
+          </a:p>
+        </p:txBody>
+      </p:sp>
+      <p:sp>
+        <p:nvSpPr>
+          <p:cNvPr id="4" name="TextBox 3"/>
+          <p:cNvSpPr txBox="1"/>
+          <p:nvPr/>
+        </p:nvSpPr>
+        <p:spPr>
+          <a:xfrm>
+            <a:off x="239917" y="3461658"/>
+            <a:ext cx="11842794" cy="584775"/>
+          </a:xfrm>
+          <a:prstGeom prst="rect">
+            <a:avLst/>
+          </a:prstGeom>
+          <a:noFill/>
+        </p:spPr>
+        <p:txBody>
+          <a:bodyPr wrap="none" rtlCol="0">
+            <a:spAutoFit/>
+          </a:bodyPr>
+          <a:lstStyle/>
+          <a:p>
+            <a:r>
+              <a:rPr lang="en-US" sz="3200" dirty="0" smtClean="0"/>
+              <a:t>Returns only elements from the list that satisfies the Boolean function</a:t>
+            </a:r>
+            <a:endParaRPr lang="en-US" sz="3200" dirty="0"/>
+          </a:p>
+        </p:txBody>
+      </p:sp>
+      <p:sp>
+        <p:nvSpPr>
+          <p:cNvPr id="5" name="TextBox 4"/>
+          <p:cNvSpPr txBox="1"/>
+          <p:nvPr/>
+        </p:nvSpPr>
+        <p:spPr>
+          <a:xfrm>
+            <a:off x="4795363" y="5077099"/>
+            <a:ext cx="2731902" cy="584775"/>
+          </a:xfrm>
+          <a:prstGeom prst="rect">
+            <a:avLst/>
+          </a:prstGeom>
+          <a:noFill/>
+        </p:spPr>
+        <p:txBody>
+          <a:bodyPr wrap="none" rtlCol="0">
+            <a:spAutoFit/>
+          </a:bodyPr>
+          <a:lstStyle/>
+          <a:p>
+            <a:r>
+              <a:rPr lang="en-US" sz="3200" dirty="0" smtClean="0"/>
+              <a:t>A.K.A. - Reduce</a:t>
+            </a:r>
+            <a:endParaRPr lang="en-US" sz="3200" dirty="0"/>
           </a:p>
         </p:txBody>
       </p:sp>
     </p:spTree>
     <p:extLst>
       <p:ext uri="{BB962C8B-B14F-4D97-AF65-F5344CB8AC3E}">
-        <p14:creationId xmlns:p14="http://schemas.microsoft.com/office/powerpoint/2010/main" val="1196101541"/>
+        <p14:creationId xmlns:p14="http://schemas.microsoft.com/office/powerpoint/2010/main" val="2578234787"/>
       </p:ext>
     </p:extLst>
   </p:cSld>
@@ -5790,7 +5921,7 @@
         </p:nvSpPr>
         <p:spPr>
           <a:xfrm>
-            <a:off x="864326" y="2534195"/>
+            <a:off x="903514" y="953589"/>
             <a:ext cx="10515600" cy="1298802"/>
           </a:xfrm>
         </p:spPr>
@@ -5803,16 +5934,54 @@
             <a:pPr algn="ctr"/>
             <a:r>
               <a:rPr lang="en-US" sz="6000" dirty="0" smtClean="0"/>
-              <a:t>Map</a:t>
+              <a:t>Reduce(List&lt;T&gt;, </a:t>
+            </a:r>
+            <a:r>
+              <a:rPr lang="en-US" sz="6000" dirty="0" err="1" smtClean="0"/>
+              <a:t>Func</a:t>
+            </a:r>
+            <a:r>
+              <a:rPr lang="en-US" sz="6000" dirty="0" smtClean="0"/>
+              <a:t>) : V</a:t>
             </a:r>
             <a:endParaRPr lang="en-US" sz="6000" dirty="0"/>
+          </a:p>
+        </p:txBody>
+      </p:sp>
+      <p:sp>
+        <p:nvSpPr>
+          <p:cNvPr id="4" name="TextBox 3"/>
+          <p:cNvSpPr txBox="1"/>
+          <p:nvPr/>
+        </p:nvSpPr>
+        <p:spPr>
+          <a:xfrm>
+            <a:off x="2299064" y="3174275"/>
+            <a:ext cx="8158003" cy="646331"/>
+          </a:xfrm>
+          <a:prstGeom prst="rect">
+            <a:avLst/>
+          </a:prstGeom>
+          <a:noFill/>
+        </p:spPr>
+        <p:txBody>
+          <a:bodyPr wrap="none" rtlCol="0">
+            <a:spAutoFit/>
+          </a:bodyPr>
+          <a:lstStyle/>
+          <a:p>
+            <a:r>
+              <a:rPr lang="en-US" sz="3600" dirty="0" smtClean="0"/>
+              <a:t>Reduces a list of elements to a single value</a:t>
+            </a:r>
+            <a:endParaRPr lang="en-US" sz="3600" dirty="0"/>
           </a:p>
         </p:txBody>
       </p:sp>
     </p:spTree>
     <p:extLst>
       <p:ext uri="{BB962C8B-B14F-4D97-AF65-F5344CB8AC3E}">
-        <p14:creationId xmlns:p14="http://schemas.microsoft.com/office/powerpoint/2010/main" val="2319865204"/>
+        <p14:creationId xmlns:p14="http://schemas.microsoft.com/office/powerpoint/2010/main" val="1724957140"/>
       </p:ext>
     </p:extLst>
   </p:cSld>
@@ -5939,7 +6108,7 @@
             <a:pPr algn="ctr"/>
             <a:r>
               <a:rPr lang="en-US" sz="6000" dirty="0" smtClean="0"/>
-              <a:t>Fold</a:t>
+              <a:t>Fold (Reduce)</a:t>
             </a:r>
             <a:endParaRPr lang="en-US" sz="6000" dirty="0"/>
           </a:p>
@@ -6604,13 +6773,25 @@
               <a:rPr lang="en-US" dirty="0" err="1" smtClean="0"/>
               <a:t>CaptainArkansas</a:t>
             </a:r>
+            <a:endParaRPr lang="en-US" dirty="0"/>
+          </a:p>
+          <a:p>
+            <a:r>
+              <a:rPr lang="en-US" dirty="0">
+                <a:hlinkClick r:id="rId3"/>
+              </a:rPr>
+              <a:t>https://</a:t>
+            </a:r>
+            <a:r>
+              <a:rPr lang="en-US" dirty="0" smtClean="0">
+                <a:hlinkClick r:id="rId3"/>
+              </a:rPr>
+              <a:t>github.com/armadilloNik/FunctionalCSharpSig</a:t>
+            </a:r>
             <a:endParaRPr lang="en-US" dirty="0" smtClean="0"/>
           </a:p>
           <a:p>
-            <a:pPr marL="0" indent="0">
-              <a:buNone/>
-            </a:pPr>
-            <a:endParaRPr lang="en-US" dirty="0"/>
+            <a:endParaRPr lang="en-US" dirty="0" smtClean="0"/>
           </a:p>
         </p:txBody>
       </p:sp>
@@ -7779,15 +7960,7 @@
           <a:p>
             <a:r>
               <a:rPr lang="en-US" sz="4400" dirty="0" smtClean="0"/>
-              <a:t> </a:t>
-            </a:r>
-            <a:r>
-              <a:rPr lang="en-US" sz="4400" dirty="0" smtClean="0"/>
-              <a:t>Function</a:t>
-            </a:r>
-            <a:r>
-              <a:rPr lang="en-US" sz="4400" dirty="0" smtClean="0"/>
-              <a:t> </a:t>
+              <a:t> Function </a:t>
             </a:r>
             <a:r>
               <a:rPr lang="en-US" sz="4400" dirty="0" err="1" smtClean="0"/>

--- a/slides/FpViaCSharp.pptx
+++ b/slides/FpViaCSharp.pptx
@@ -5,42 +5,32 @@
     <p:sldMasterId id="2147483648" r:id="rId1"/>
   </p:sldMasterIdLst>
   <p:notesMasterIdLst>
-    <p:notesMasterId r:id="rId35"/>
+    <p:notesMasterId r:id="rId25"/>
   </p:notesMasterIdLst>
   <p:sldIdLst>
     <p:sldId id="256" r:id="rId2"/>
-    <p:sldId id="257" r:id="rId3"/>
-    <p:sldId id="272" r:id="rId4"/>
-    <p:sldId id="273" r:id="rId5"/>
-    <p:sldId id="274" r:id="rId6"/>
-    <p:sldId id="276" r:id="rId7"/>
-    <p:sldId id="277" r:id="rId8"/>
-    <p:sldId id="278" r:id="rId9"/>
-    <p:sldId id="275" r:id="rId10"/>
-    <p:sldId id="280" r:id="rId11"/>
-    <p:sldId id="285" r:id="rId12"/>
-    <p:sldId id="286" r:id="rId13"/>
-    <p:sldId id="287" r:id="rId14"/>
-    <p:sldId id="294" r:id="rId15"/>
-    <p:sldId id="295" r:id="rId16"/>
-    <p:sldId id="288" r:id="rId17"/>
-    <p:sldId id="289" r:id="rId18"/>
-    <p:sldId id="290" r:id="rId19"/>
-    <p:sldId id="291" r:id="rId20"/>
-    <p:sldId id="292" r:id="rId21"/>
-    <p:sldId id="293" r:id="rId22"/>
-    <p:sldId id="283" r:id="rId23"/>
-    <p:sldId id="284" r:id="rId24"/>
-    <p:sldId id="269" r:id="rId25"/>
-    <p:sldId id="271" r:id="rId26"/>
-    <p:sldId id="279" r:id="rId27"/>
-    <p:sldId id="263" r:id="rId28"/>
-    <p:sldId id="264" r:id="rId29"/>
-    <p:sldId id="265" r:id="rId30"/>
-    <p:sldId id="266" r:id="rId31"/>
-    <p:sldId id="267" r:id="rId32"/>
-    <p:sldId id="261" r:id="rId33"/>
-    <p:sldId id="262" r:id="rId34"/>
+    <p:sldId id="272" r:id="rId3"/>
+    <p:sldId id="274" r:id="rId4"/>
+    <p:sldId id="276" r:id="rId5"/>
+    <p:sldId id="277" r:id="rId6"/>
+    <p:sldId id="278" r:id="rId7"/>
+    <p:sldId id="275" r:id="rId8"/>
+    <p:sldId id="280" r:id="rId9"/>
+    <p:sldId id="285" r:id="rId10"/>
+    <p:sldId id="286" r:id="rId11"/>
+    <p:sldId id="287" r:id="rId12"/>
+    <p:sldId id="294" r:id="rId13"/>
+    <p:sldId id="295" r:id="rId14"/>
+    <p:sldId id="288" r:id="rId15"/>
+    <p:sldId id="289" r:id="rId16"/>
+    <p:sldId id="290" r:id="rId17"/>
+    <p:sldId id="291" r:id="rId18"/>
+    <p:sldId id="292" r:id="rId19"/>
+    <p:sldId id="293" r:id="rId20"/>
+    <p:sldId id="283" r:id="rId21"/>
+    <p:sldId id="284" r:id="rId22"/>
+    <p:sldId id="269" r:id="rId23"/>
+    <p:sldId id="271" r:id="rId24"/>
   </p:sldIdLst>
   <p:sldSz cx="12192000" cy="6858000"/>
   <p:notesSz cx="6858000" cy="9144000"/>
@@ -543,7 +533,7 @@
           <a:p>
             <a:r>
               <a:rPr lang="en-US" dirty="0" smtClean="0"/>
-              <a:t>Making FP more approachable by using C# - you don’t need any new tools!</a:t>
+              <a:t>Introduction</a:t>
             </a:r>
           </a:p>
           <a:p>
@@ -552,17 +542,15 @@
           <a:p>
             <a:r>
               <a:rPr lang="en-US" dirty="0" smtClean="0"/>
-              <a:t>Facilitate a deeper understanding of C#, the CLR and BCL’s</a:t>
-            </a:r>
-          </a:p>
-          <a:p>
-            <a:endParaRPr lang="en-US" dirty="0" smtClean="0"/>
-          </a:p>
-          <a:p>
-            <a:r>
-              <a:rPr lang="en-US" dirty="0" smtClean="0"/>
-              <a:t>Stoke that old fire that got most of started. Developers are all sweet old grandmothers</a:t>
-            </a:r>
+              <a:t>I</a:t>
+            </a:r>
+            <a:r>
+              <a:rPr lang="en-US" baseline="0" dirty="0" smtClean="0"/>
+              <a:t> hope that by the end of tonight you’ll be ready to explore more about functional programming</a:t>
+            </a:r>
+          </a:p>
+          <a:p>
+            <a:endParaRPr lang="en-US" baseline="0" dirty="0" smtClean="0"/>
           </a:p>
           <a:p>
             <a:endParaRPr lang="en-US" dirty="0"/>
@@ -586,7 +574,7 @@
           <a:p>
             <a:fld id="{FF9ED82A-650D-4003-83D0-A3B5AF3C844A}" type="slidenum">
               <a:rPr lang="en-US" smtClean="0"/>
-              <a:t>2</a:t>
+              <a:t>1</a:t>
             </a:fld>
             <a:endParaRPr lang="en-US"/>
           </a:p>
@@ -595,7 +583,7 @@
     </p:spTree>
     <p:extLst>
       <p:ext uri="{BB962C8B-B14F-4D97-AF65-F5344CB8AC3E}">
-        <p14:creationId xmlns:p14="http://schemas.microsoft.com/office/powerpoint/2010/main" val="1598230800"/>
+        <p14:creationId xmlns:p14="http://schemas.microsoft.com/office/powerpoint/2010/main" val="676247861"/>
       </p:ext>
     </p:extLst>
   </p:cSld>
@@ -670,7 +658,7 @@
           <a:p>
             <a:fld id="{FF9ED82A-650D-4003-83D0-A3B5AF3C844A}" type="slidenum">
               <a:rPr lang="en-US" smtClean="0"/>
-              <a:t>11</a:t>
+              <a:t>10</a:t>
             </a:fld>
             <a:endParaRPr lang="en-US"/>
           </a:p>
@@ -679,7 +667,7 @@
     </p:spTree>
     <p:extLst>
       <p:ext uri="{BB962C8B-B14F-4D97-AF65-F5344CB8AC3E}">
-        <p14:creationId xmlns:p14="http://schemas.microsoft.com/office/powerpoint/2010/main" val="2358005596"/>
+        <p14:creationId xmlns:p14="http://schemas.microsoft.com/office/powerpoint/2010/main" val="3046419449"/>
       </p:ext>
     </p:extLst>
   </p:cSld>
@@ -754,7 +742,7 @@
           <a:p>
             <a:fld id="{FF9ED82A-650D-4003-83D0-A3B5AF3C844A}" type="slidenum">
               <a:rPr lang="en-US" smtClean="0"/>
-              <a:t>12</a:t>
+              <a:t>11</a:t>
             </a:fld>
             <a:endParaRPr lang="en-US"/>
           </a:p>
@@ -763,7 +751,7 @@
     </p:spTree>
     <p:extLst>
       <p:ext uri="{BB962C8B-B14F-4D97-AF65-F5344CB8AC3E}">
-        <p14:creationId xmlns:p14="http://schemas.microsoft.com/office/powerpoint/2010/main" val="3046419449"/>
+        <p14:creationId xmlns:p14="http://schemas.microsoft.com/office/powerpoint/2010/main" val="3784544449"/>
       </p:ext>
     </p:extLst>
   </p:cSld>
@@ -838,7 +826,7 @@
           <a:p>
             <a:fld id="{FF9ED82A-650D-4003-83D0-A3B5AF3C844A}" type="slidenum">
               <a:rPr lang="en-US" smtClean="0"/>
-              <a:t>13</a:t>
+              <a:t>12</a:t>
             </a:fld>
             <a:endParaRPr lang="en-US"/>
           </a:p>
@@ -847,7 +835,7 @@
     </p:spTree>
     <p:extLst>
       <p:ext uri="{BB962C8B-B14F-4D97-AF65-F5344CB8AC3E}">
-        <p14:creationId xmlns:p14="http://schemas.microsoft.com/office/powerpoint/2010/main" val="3784544449"/>
+        <p14:creationId xmlns:p14="http://schemas.microsoft.com/office/powerpoint/2010/main" val="4240119513"/>
       </p:ext>
     </p:extLst>
   </p:cSld>
@@ -922,7 +910,7 @@
           <a:p>
             <a:fld id="{FF9ED82A-650D-4003-83D0-A3B5AF3C844A}" type="slidenum">
               <a:rPr lang="en-US" smtClean="0"/>
-              <a:t>14</a:t>
+              <a:t>13</a:t>
             </a:fld>
             <a:endParaRPr lang="en-US"/>
           </a:p>
@@ -931,7 +919,7 @@
     </p:spTree>
     <p:extLst>
       <p:ext uri="{BB962C8B-B14F-4D97-AF65-F5344CB8AC3E}">
-        <p14:creationId xmlns:p14="http://schemas.microsoft.com/office/powerpoint/2010/main" val="4240119513"/>
+        <p14:creationId xmlns:p14="http://schemas.microsoft.com/office/powerpoint/2010/main" val="1126755372"/>
       </p:ext>
     </p:extLst>
   </p:cSld>
@@ -1006,7 +994,7 @@
           <a:p>
             <a:fld id="{FF9ED82A-650D-4003-83D0-A3B5AF3C844A}" type="slidenum">
               <a:rPr lang="en-US" smtClean="0"/>
-              <a:t>15</a:t>
+              <a:t>14</a:t>
             </a:fld>
             <a:endParaRPr lang="en-US"/>
           </a:p>
@@ -1015,7 +1003,7 @@
     </p:spTree>
     <p:extLst>
       <p:ext uri="{BB962C8B-B14F-4D97-AF65-F5344CB8AC3E}">
-        <p14:creationId xmlns:p14="http://schemas.microsoft.com/office/powerpoint/2010/main" val="1126755372"/>
+        <p14:creationId xmlns:p14="http://schemas.microsoft.com/office/powerpoint/2010/main" val="1996727338"/>
       </p:ext>
     </p:extLst>
   </p:cSld>
@@ -1090,7 +1078,7 @@
           <a:p>
             <a:fld id="{FF9ED82A-650D-4003-83D0-A3B5AF3C844A}" type="slidenum">
               <a:rPr lang="en-US" smtClean="0"/>
-              <a:t>16</a:t>
+              <a:t>15</a:t>
             </a:fld>
             <a:endParaRPr lang="en-US"/>
           </a:p>
@@ -1099,7 +1087,7 @@
     </p:spTree>
     <p:extLst>
       <p:ext uri="{BB962C8B-B14F-4D97-AF65-F5344CB8AC3E}">
-        <p14:creationId xmlns:p14="http://schemas.microsoft.com/office/powerpoint/2010/main" val="1996727338"/>
+        <p14:creationId xmlns:p14="http://schemas.microsoft.com/office/powerpoint/2010/main" val="1989141597"/>
       </p:ext>
     </p:extLst>
   </p:cSld>
@@ -1174,7 +1162,7 @@
           <a:p>
             <a:fld id="{FF9ED82A-650D-4003-83D0-A3B5AF3C844A}" type="slidenum">
               <a:rPr lang="en-US" smtClean="0"/>
-              <a:t>17</a:t>
+              <a:t>16</a:t>
             </a:fld>
             <a:endParaRPr lang="en-US"/>
           </a:p>
@@ -1183,7 +1171,7 @@
     </p:spTree>
     <p:extLst>
       <p:ext uri="{BB962C8B-B14F-4D97-AF65-F5344CB8AC3E}">
-        <p14:creationId xmlns:p14="http://schemas.microsoft.com/office/powerpoint/2010/main" val="1989141597"/>
+        <p14:creationId xmlns:p14="http://schemas.microsoft.com/office/powerpoint/2010/main" val="2642352887"/>
       </p:ext>
     </p:extLst>
   </p:cSld>
@@ -1237,6 +1225,14 @@
           <a:bodyPr/>
           <a:lstStyle/>
           <a:p>
+            <a:r>
+              <a:rPr lang="en-US" dirty="0" smtClean="0"/>
+              <a:t>Creating </a:t>
+            </a:r>
+            <a:r>
+              <a:rPr lang="en-US" smtClean="0"/>
+              <a:t>Lists based on lists</a:t>
+            </a:r>
             <a:endParaRPr lang="en-US" dirty="0"/>
           </a:p>
         </p:txBody>
@@ -1258,7 +1254,7 @@
           <a:p>
             <a:fld id="{FF9ED82A-650D-4003-83D0-A3B5AF3C844A}" type="slidenum">
               <a:rPr lang="en-US" smtClean="0"/>
-              <a:t>18</a:t>
+              <a:t>17</a:t>
             </a:fld>
             <a:endParaRPr lang="en-US"/>
           </a:p>
@@ -1267,7 +1263,7 @@
     </p:spTree>
     <p:extLst>
       <p:ext uri="{BB962C8B-B14F-4D97-AF65-F5344CB8AC3E}">
-        <p14:creationId xmlns:p14="http://schemas.microsoft.com/office/powerpoint/2010/main" val="2642352887"/>
+        <p14:creationId xmlns:p14="http://schemas.microsoft.com/office/powerpoint/2010/main" val="227982979"/>
       </p:ext>
     </p:extLst>
   </p:cSld>
@@ -1321,14 +1317,6 @@
           <a:bodyPr/>
           <a:lstStyle/>
           <a:p>
-            <a:r>
-              <a:rPr lang="en-US" dirty="0" smtClean="0"/>
-              <a:t>Creating </a:t>
-            </a:r>
-            <a:r>
-              <a:rPr lang="en-US" smtClean="0"/>
-              <a:t>Lists based on lists</a:t>
-            </a:r>
             <a:endParaRPr lang="en-US" dirty="0"/>
           </a:p>
         </p:txBody>
@@ -1350,7 +1338,7 @@
           <a:p>
             <a:fld id="{FF9ED82A-650D-4003-83D0-A3B5AF3C844A}" type="slidenum">
               <a:rPr lang="en-US" smtClean="0"/>
-              <a:t>19</a:t>
+              <a:t>18</a:t>
             </a:fld>
             <a:endParaRPr lang="en-US"/>
           </a:p>
@@ -1359,7 +1347,7 @@
     </p:spTree>
     <p:extLst>
       <p:ext uri="{BB962C8B-B14F-4D97-AF65-F5344CB8AC3E}">
-        <p14:creationId xmlns:p14="http://schemas.microsoft.com/office/powerpoint/2010/main" val="227982979"/>
+        <p14:creationId xmlns:p14="http://schemas.microsoft.com/office/powerpoint/2010/main" val="3764772033"/>
       </p:ext>
     </p:extLst>
   </p:cSld>
@@ -1434,7 +1422,7 @@
           <a:p>
             <a:fld id="{FF9ED82A-650D-4003-83D0-A3B5AF3C844A}" type="slidenum">
               <a:rPr lang="en-US" smtClean="0"/>
-              <a:t>20</a:t>
+              <a:t>19</a:t>
             </a:fld>
             <a:endParaRPr lang="en-US"/>
           </a:p>
@@ -1443,7 +1431,7 @@
     </p:spTree>
     <p:extLst>
       <p:ext uri="{BB962C8B-B14F-4D97-AF65-F5344CB8AC3E}">
-        <p14:creationId xmlns:p14="http://schemas.microsoft.com/office/powerpoint/2010/main" val="3764772033"/>
+        <p14:creationId xmlns:p14="http://schemas.microsoft.com/office/powerpoint/2010/main" val="1913450629"/>
       </p:ext>
     </p:extLst>
   </p:cSld>
@@ -1518,7 +1506,7 @@
           <a:p>
             <a:fld id="{FF9ED82A-650D-4003-83D0-A3B5AF3C844A}" type="slidenum">
               <a:rPr lang="en-US" smtClean="0"/>
-              <a:t>3</a:t>
+              <a:t>2</a:t>
             </a:fld>
             <a:endParaRPr lang="en-US"/>
           </a:p>
@@ -1602,7 +1590,7 @@
           <a:p>
             <a:fld id="{FF9ED82A-650D-4003-83D0-A3B5AF3C844A}" type="slidenum">
               <a:rPr lang="en-US" smtClean="0"/>
-              <a:t>21</a:t>
+              <a:t>20</a:t>
             </a:fld>
             <a:endParaRPr lang="en-US"/>
           </a:p>
@@ -1611,7 +1599,7 @@
     </p:spTree>
     <p:extLst>
       <p:ext uri="{BB962C8B-B14F-4D97-AF65-F5344CB8AC3E}">
-        <p14:creationId xmlns:p14="http://schemas.microsoft.com/office/powerpoint/2010/main" val="1913450629"/>
+        <p14:creationId xmlns:p14="http://schemas.microsoft.com/office/powerpoint/2010/main" val="3687930628"/>
       </p:ext>
     </p:extLst>
   </p:cSld>
@@ -1686,91 +1674,7 @@
           <a:p>
             <a:fld id="{FF9ED82A-650D-4003-83D0-A3B5AF3C844A}" type="slidenum">
               <a:rPr lang="en-US" smtClean="0"/>
-              <a:t>22</a:t>
-            </a:fld>
-            <a:endParaRPr lang="en-US"/>
-          </a:p>
-        </p:txBody>
-      </p:sp>
-    </p:spTree>
-    <p:extLst>
-      <p:ext uri="{BB962C8B-B14F-4D97-AF65-F5344CB8AC3E}">
-        <p14:creationId xmlns:p14="http://schemas.microsoft.com/office/powerpoint/2010/main" val="3687930628"/>
-      </p:ext>
-    </p:extLst>
-  </p:cSld>
-  <p:clrMapOvr>
-    <a:masterClrMapping/>
-  </p:clrMapOvr>
-</p:notes>
-</file>
-
-<file path=ppt/notesSlides/notesSlide22.xml><?xml version="1.0" encoding="utf-8"?>
-<p:notes xmlns:a="http://schemas.openxmlformats.org/drawingml/2006/main" xmlns:r="http://schemas.openxmlformats.org/officeDocument/2006/relationships" xmlns:p="http://schemas.openxmlformats.org/presentationml/2006/main">
-  <p:cSld>
-    <p:spTree>
-      <p:nvGrpSpPr>
-        <p:cNvPr id="1" name=""/>
-        <p:cNvGrpSpPr/>
-        <p:nvPr/>
-      </p:nvGrpSpPr>
-      <p:grpSpPr>
-        <a:xfrm>
-          <a:off x="0" y="0"/>
-          <a:ext cx="0" cy="0"/>
-          <a:chOff x="0" y="0"/>
-          <a:chExt cx="0" cy="0"/>
-        </a:xfrm>
-      </p:grpSpPr>
-      <p:sp>
-        <p:nvSpPr>
-          <p:cNvPr id="2" name="Slide Image Placeholder 1"/>
-          <p:cNvSpPr>
-            <a:spLocks noGrp="1" noRot="1" noChangeAspect="1"/>
-          </p:cNvSpPr>
-          <p:nvPr>
-            <p:ph type="sldImg"/>
-          </p:nvPr>
-        </p:nvSpPr>
-        <p:spPr/>
-      </p:sp>
-      <p:sp>
-        <p:nvSpPr>
-          <p:cNvPr id="3" name="Notes Placeholder 2"/>
-          <p:cNvSpPr>
-            <a:spLocks noGrp="1"/>
-          </p:cNvSpPr>
-          <p:nvPr>
-            <p:ph type="body" idx="1"/>
-          </p:nvPr>
-        </p:nvSpPr>
-        <p:spPr/>
-        <p:txBody>
-          <a:bodyPr/>
-          <a:lstStyle/>
-          <a:p>
-            <a:endParaRPr lang="en-US" dirty="0"/>
-          </a:p>
-        </p:txBody>
-      </p:sp>
-      <p:sp>
-        <p:nvSpPr>
-          <p:cNvPr id="4" name="Slide Number Placeholder 3"/>
-          <p:cNvSpPr>
-            <a:spLocks noGrp="1"/>
-          </p:cNvSpPr>
-          <p:nvPr>
-            <p:ph type="sldNum" sz="quarter" idx="10"/>
-          </p:nvPr>
-        </p:nvSpPr>
-        <p:spPr/>
-        <p:txBody>
-          <a:bodyPr/>
-          <a:lstStyle/>
-          <a:p>
-            <a:fld id="{FF9ED82A-650D-4003-83D0-A3B5AF3C844A}" type="slidenum">
-              <a:rPr lang="en-US" smtClean="0"/>
-              <a:t>23</a:t>
+              <a:t>21</a:t>
             </a:fld>
             <a:endParaRPr lang="en-US"/>
           </a:p>
@@ -1780,90 +1684,6 @@
     <p:extLst>
       <p:ext uri="{BB962C8B-B14F-4D97-AF65-F5344CB8AC3E}">
         <p14:creationId xmlns:p14="http://schemas.microsoft.com/office/powerpoint/2010/main" val="1165251890"/>
-      </p:ext>
-    </p:extLst>
-  </p:cSld>
-  <p:clrMapOvr>
-    <a:masterClrMapping/>
-  </p:clrMapOvr>
-</p:notes>
-</file>
-
-<file path=ppt/notesSlides/notesSlide23.xml><?xml version="1.0" encoding="utf-8"?>
-<p:notes xmlns:a="http://schemas.openxmlformats.org/drawingml/2006/main" xmlns:r="http://schemas.openxmlformats.org/officeDocument/2006/relationships" xmlns:p="http://schemas.openxmlformats.org/presentationml/2006/main">
-  <p:cSld>
-    <p:spTree>
-      <p:nvGrpSpPr>
-        <p:cNvPr id="1" name=""/>
-        <p:cNvGrpSpPr/>
-        <p:nvPr/>
-      </p:nvGrpSpPr>
-      <p:grpSpPr>
-        <a:xfrm>
-          <a:off x="0" y="0"/>
-          <a:ext cx="0" cy="0"/>
-          <a:chOff x="0" y="0"/>
-          <a:chExt cx="0" cy="0"/>
-        </a:xfrm>
-      </p:grpSpPr>
-      <p:sp>
-        <p:nvSpPr>
-          <p:cNvPr id="2" name="Slide Image Placeholder 1"/>
-          <p:cNvSpPr>
-            <a:spLocks noGrp="1" noRot="1" noChangeAspect="1"/>
-          </p:cNvSpPr>
-          <p:nvPr>
-            <p:ph type="sldImg"/>
-          </p:nvPr>
-        </p:nvSpPr>
-        <p:spPr/>
-      </p:sp>
-      <p:sp>
-        <p:nvSpPr>
-          <p:cNvPr id="3" name="Notes Placeholder 2"/>
-          <p:cNvSpPr>
-            <a:spLocks noGrp="1"/>
-          </p:cNvSpPr>
-          <p:nvPr>
-            <p:ph type="body" idx="1"/>
-          </p:nvPr>
-        </p:nvSpPr>
-        <p:spPr/>
-        <p:txBody>
-          <a:bodyPr/>
-          <a:lstStyle/>
-          <a:p>
-            <a:endParaRPr lang="en-US" dirty="0"/>
-          </a:p>
-        </p:txBody>
-      </p:sp>
-      <p:sp>
-        <p:nvSpPr>
-          <p:cNvPr id="4" name="Slide Number Placeholder 3"/>
-          <p:cNvSpPr>
-            <a:spLocks noGrp="1"/>
-          </p:cNvSpPr>
-          <p:nvPr>
-            <p:ph type="sldNum" sz="quarter" idx="10"/>
-          </p:nvPr>
-        </p:nvSpPr>
-        <p:spPr/>
-        <p:txBody>
-          <a:bodyPr/>
-          <a:lstStyle/>
-          <a:p>
-            <a:fld id="{FF9ED82A-650D-4003-83D0-A3B5AF3C844A}" type="slidenum">
-              <a:rPr lang="en-US" smtClean="0"/>
-              <a:t>26</a:t>
-            </a:fld>
-            <a:endParaRPr lang="en-US"/>
-          </a:p>
-        </p:txBody>
-      </p:sp>
-    </p:spTree>
-    <p:extLst>
-      <p:ext uri="{BB962C8B-B14F-4D97-AF65-F5344CB8AC3E}">
-        <p14:creationId xmlns:p14="http://schemas.microsoft.com/office/powerpoint/2010/main" val="649545714"/>
       </p:ext>
     </p:extLst>
   </p:cSld>
@@ -1938,7 +1758,7 @@
           <a:p>
             <a:fld id="{FF9ED82A-650D-4003-83D0-A3B5AF3C844A}" type="slidenum">
               <a:rPr lang="en-US" smtClean="0"/>
-              <a:t>4</a:t>
+              <a:t>3</a:t>
             </a:fld>
             <a:endParaRPr lang="en-US"/>
           </a:p>
@@ -1947,7 +1767,7 @@
     </p:spTree>
     <p:extLst>
       <p:ext uri="{BB962C8B-B14F-4D97-AF65-F5344CB8AC3E}">
-        <p14:creationId xmlns:p14="http://schemas.microsoft.com/office/powerpoint/2010/main" val="1020674914"/>
+        <p14:creationId xmlns:p14="http://schemas.microsoft.com/office/powerpoint/2010/main" val="1166603535"/>
       </p:ext>
     </p:extLst>
   </p:cSld>
@@ -2022,7 +1842,7 @@
           <a:p>
             <a:fld id="{FF9ED82A-650D-4003-83D0-A3B5AF3C844A}" type="slidenum">
               <a:rPr lang="en-US" smtClean="0"/>
-              <a:t>5</a:t>
+              <a:t>4</a:t>
             </a:fld>
             <a:endParaRPr lang="en-US"/>
           </a:p>
@@ -2031,7 +1851,7 @@
     </p:spTree>
     <p:extLst>
       <p:ext uri="{BB962C8B-B14F-4D97-AF65-F5344CB8AC3E}">
-        <p14:creationId xmlns:p14="http://schemas.microsoft.com/office/powerpoint/2010/main" val="1166603535"/>
+        <p14:creationId xmlns:p14="http://schemas.microsoft.com/office/powerpoint/2010/main" val="100886726"/>
       </p:ext>
     </p:extLst>
   </p:cSld>
@@ -2106,7 +1926,7 @@
           <a:p>
             <a:fld id="{FF9ED82A-650D-4003-83D0-A3B5AF3C844A}" type="slidenum">
               <a:rPr lang="en-US" smtClean="0"/>
-              <a:t>6</a:t>
+              <a:t>5</a:t>
             </a:fld>
             <a:endParaRPr lang="en-US"/>
           </a:p>
@@ -2115,7 +1935,7 @@
     </p:spTree>
     <p:extLst>
       <p:ext uri="{BB962C8B-B14F-4D97-AF65-F5344CB8AC3E}">
-        <p14:creationId xmlns:p14="http://schemas.microsoft.com/office/powerpoint/2010/main" val="100886726"/>
+        <p14:creationId xmlns:p14="http://schemas.microsoft.com/office/powerpoint/2010/main" val="2928985023"/>
       </p:ext>
     </p:extLst>
   </p:cSld>
@@ -2190,7 +2010,7 @@
           <a:p>
             <a:fld id="{FF9ED82A-650D-4003-83D0-A3B5AF3C844A}" type="slidenum">
               <a:rPr lang="en-US" smtClean="0"/>
-              <a:t>7</a:t>
+              <a:t>6</a:t>
             </a:fld>
             <a:endParaRPr lang="en-US"/>
           </a:p>
@@ -2199,7 +2019,7 @@
     </p:spTree>
     <p:extLst>
       <p:ext uri="{BB962C8B-B14F-4D97-AF65-F5344CB8AC3E}">
-        <p14:creationId xmlns:p14="http://schemas.microsoft.com/office/powerpoint/2010/main" val="2928985023"/>
+        <p14:creationId xmlns:p14="http://schemas.microsoft.com/office/powerpoint/2010/main" val="916570938"/>
       </p:ext>
     </p:extLst>
   </p:cSld>
@@ -2274,7 +2094,7 @@
           <a:p>
             <a:fld id="{FF9ED82A-650D-4003-83D0-A3B5AF3C844A}" type="slidenum">
               <a:rPr lang="en-US" smtClean="0"/>
-              <a:t>8</a:t>
+              <a:t>7</a:t>
             </a:fld>
             <a:endParaRPr lang="en-US"/>
           </a:p>
@@ -2283,7 +2103,7 @@
     </p:spTree>
     <p:extLst>
       <p:ext uri="{BB962C8B-B14F-4D97-AF65-F5344CB8AC3E}">
-        <p14:creationId xmlns:p14="http://schemas.microsoft.com/office/powerpoint/2010/main" val="916570938"/>
+        <p14:creationId xmlns:p14="http://schemas.microsoft.com/office/powerpoint/2010/main" val="1653668046"/>
       </p:ext>
     </p:extLst>
   </p:cSld>
@@ -2358,7 +2178,7 @@
           <a:p>
             <a:fld id="{FF9ED82A-650D-4003-83D0-A3B5AF3C844A}" type="slidenum">
               <a:rPr lang="en-US" smtClean="0"/>
-              <a:t>9</a:t>
+              <a:t>8</a:t>
             </a:fld>
             <a:endParaRPr lang="en-US"/>
           </a:p>
@@ -2367,7 +2187,7 @@
     </p:spTree>
     <p:extLst>
       <p:ext uri="{BB962C8B-B14F-4D97-AF65-F5344CB8AC3E}">
-        <p14:creationId xmlns:p14="http://schemas.microsoft.com/office/powerpoint/2010/main" val="1653668046"/>
+        <p14:creationId xmlns:p14="http://schemas.microsoft.com/office/powerpoint/2010/main" val="431344508"/>
       </p:ext>
     </p:extLst>
   </p:cSld>
@@ -2442,7 +2262,7 @@
           <a:p>
             <a:fld id="{FF9ED82A-650D-4003-83D0-A3B5AF3C844A}" type="slidenum">
               <a:rPr lang="en-US" smtClean="0"/>
-              <a:t>10</a:t>
+              <a:t>9</a:t>
             </a:fld>
             <a:endParaRPr lang="en-US"/>
           </a:p>
@@ -2451,7 +2271,7 @@
     </p:spTree>
     <p:extLst>
       <p:ext uri="{BB962C8B-B14F-4D97-AF65-F5344CB8AC3E}">
-        <p14:creationId xmlns:p14="http://schemas.microsoft.com/office/powerpoint/2010/main" val="431344508"/>
+        <p14:creationId xmlns:p14="http://schemas.microsoft.com/office/powerpoint/2010/main" val="2358005596"/>
       </p:ext>
     </p:extLst>
   </p:cSld>
@@ -5476,7 +5296,7 @@
             <a:pPr algn="ctr"/>
             <a:r>
               <a:rPr lang="en-US" sz="6000" dirty="0" smtClean="0"/>
-              <a:t>Referential Transparency</a:t>
+              <a:t>Common Higher Order Functions</a:t>
             </a:r>
             <a:endParaRPr lang="en-US" sz="6000" dirty="0"/>
           </a:p>
@@ -5485,7 +5305,7 @@
     </p:spTree>
     <p:extLst>
       <p:ext uri="{BB962C8B-B14F-4D97-AF65-F5344CB8AC3E}">
-        <p14:creationId xmlns:p14="http://schemas.microsoft.com/office/powerpoint/2010/main" val="1876196257"/>
+        <p14:creationId xmlns:p14="http://schemas.microsoft.com/office/powerpoint/2010/main" val="1196101541"/>
       </p:ext>
     </p:extLst>
   </p:cSld>
@@ -5531,7 +5351,7 @@
         </p:nvSpPr>
         <p:spPr>
           <a:xfrm>
-            <a:off x="864326" y="2534195"/>
+            <a:off x="903514" y="953589"/>
             <a:ext cx="10515600" cy="1298802"/>
           </a:xfrm>
         </p:spPr>
@@ -5544,16 +5364,54 @@
             <a:pPr algn="ctr"/>
             <a:r>
               <a:rPr lang="en-US" sz="6000" dirty="0" smtClean="0"/>
-              <a:t>Functions constructing functions!</a:t>
+              <a:t>Map(List, </a:t>
+            </a:r>
+            <a:r>
+              <a:rPr lang="en-US" sz="6000" dirty="0" err="1" smtClean="0"/>
+              <a:t>Func</a:t>
+            </a:r>
+            <a:r>
+              <a:rPr lang="en-US" sz="6000" dirty="0" smtClean="0"/>
+              <a:t>) : List</a:t>
             </a:r>
             <a:endParaRPr lang="en-US" sz="6000" dirty="0"/>
+          </a:p>
+        </p:txBody>
+      </p:sp>
+      <p:sp>
+        <p:nvSpPr>
+          <p:cNvPr id="4" name="TextBox 3"/>
+          <p:cNvSpPr txBox="1"/>
+          <p:nvPr/>
+        </p:nvSpPr>
+        <p:spPr>
+          <a:xfrm>
+            <a:off x="2299064" y="3174275"/>
+            <a:ext cx="8161658" cy="646331"/>
+          </a:xfrm>
+          <a:prstGeom prst="rect">
+            <a:avLst/>
+          </a:prstGeom>
+          <a:noFill/>
+        </p:spPr>
+        <p:txBody>
+          <a:bodyPr wrap="none" rtlCol="0">
+            <a:spAutoFit/>
+          </a:bodyPr>
+          <a:lstStyle/>
+          <a:p>
+            <a:r>
+              <a:rPr lang="en-US" sz="3600" dirty="0" smtClean="0"/>
+              <a:t>Applies a function to each element of a list</a:t>
+            </a:r>
+            <a:endParaRPr lang="en-US" sz="3600" dirty="0"/>
           </a:p>
         </p:txBody>
       </p:sp>
     </p:spTree>
     <p:extLst>
       <p:ext uri="{BB962C8B-B14F-4D97-AF65-F5344CB8AC3E}">
-        <p14:creationId xmlns:p14="http://schemas.microsoft.com/office/powerpoint/2010/main" val="2780457043"/>
+        <p14:creationId xmlns:p14="http://schemas.microsoft.com/office/powerpoint/2010/main" val="2319865204"/>
       </p:ext>
     </p:extLst>
   </p:cSld>
@@ -5599,7 +5457,7 @@
         </p:nvSpPr>
         <p:spPr>
           <a:xfrm>
-            <a:off x="864326" y="2534195"/>
+            <a:off x="903514" y="953589"/>
             <a:ext cx="10515600" cy="1298802"/>
           </a:xfrm>
         </p:spPr>
@@ -5612,16 +5470,92 @@
             <a:pPr algn="ctr"/>
             <a:r>
               <a:rPr lang="en-US" sz="6000" dirty="0" smtClean="0"/>
-              <a:t>Common Higher Order Functions</a:t>
+              <a:t>Fold(List, </a:t>
+            </a:r>
+            <a:r>
+              <a:rPr lang="en-US" sz="6000" dirty="0" err="1" smtClean="0"/>
+              <a:t>Func</a:t>
+            </a:r>
+            <a:r>
+              <a:rPr lang="en-US" sz="6000" dirty="0" smtClean="0"/>
+              <a:t>&lt;</a:t>
+            </a:r>
+            <a:r>
+              <a:rPr lang="en-US" sz="6000" dirty="0" err="1" smtClean="0"/>
+              <a:t>Bool</a:t>
+            </a:r>
+            <a:r>
+              <a:rPr lang="en-US" sz="6000" dirty="0" smtClean="0"/>
+              <a:t>&gt;) : List</a:t>
             </a:r>
             <a:endParaRPr lang="en-US" sz="6000" dirty="0"/>
+          </a:p>
+        </p:txBody>
+      </p:sp>
+      <p:sp>
+        <p:nvSpPr>
+          <p:cNvPr id="4" name="TextBox 3"/>
+          <p:cNvSpPr txBox="1"/>
+          <p:nvPr/>
+        </p:nvSpPr>
+        <p:spPr>
+          <a:xfrm>
+            <a:off x="239917" y="3461658"/>
+            <a:ext cx="11842794" cy="584775"/>
+          </a:xfrm>
+          <a:prstGeom prst="rect">
+            <a:avLst/>
+          </a:prstGeom>
+          <a:noFill/>
+        </p:spPr>
+        <p:txBody>
+          <a:bodyPr wrap="none" rtlCol="0">
+            <a:spAutoFit/>
+          </a:bodyPr>
+          <a:lstStyle/>
+          <a:p>
+            <a:r>
+              <a:rPr lang="en-US" sz="3200" dirty="0" smtClean="0"/>
+              <a:t>Returns only elements from the list that satisfies the Boolean function</a:t>
+            </a:r>
+            <a:endParaRPr lang="en-US" sz="3200" dirty="0"/>
+          </a:p>
+        </p:txBody>
+      </p:sp>
+      <p:sp>
+        <p:nvSpPr>
+          <p:cNvPr id="5" name="TextBox 4"/>
+          <p:cNvSpPr txBox="1"/>
+          <p:nvPr/>
+        </p:nvSpPr>
+        <p:spPr>
+          <a:xfrm>
+            <a:off x="4795363" y="5077099"/>
+            <a:ext cx="2731902" cy="584775"/>
+          </a:xfrm>
+          <a:prstGeom prst="rect">
+            <a:avLst/>
+          </a:prstGeom>
+          <a:noFill/>
+        </p:spPr>
+        <p:txBody>
+          <a:bodyPr wrap="none" rtlCol="0">
+            <a:spAutoFit/>
+          </a:bodyPr>
+          <a:lstStyle/>
+          <a:p>
+            <a:r>
+              <a:rPr lang="en-US" sz="3200" dirty="0" smtClean="0"/>
+              <a:t>A.K.A. - Reduce</a:t>
+            </a:r>
+            <a:endParaRPr lang="en-US" sz="3200" dirty="0"/>
           </a:p>
         </p:txBody>
       </p:sp>
     </p:spTree>
     <p:extLst>
       <p:ext uri="{BB962C8B-B14F-4D97-AF65-F5344CB8AC3E}">
-        <p14:creationId xmlns:p14="http://schemas.microsoft.com/office/powerpoint/2010/main" val="1196101541"/>
+        <p14:creationId xmlns:p14="http://schemas.microsoft.com/office/powerpoint/2010/main" val="2578234787"/>
       </p:ext>
     </p:extLst>
   </p:cSld>
@@ -5680,7 +5614,7 @@
             <a:pPr algn="ctr"/>
             <a:r>
               <a:rPr lang="en-US" sz="6000" dirty="0" smtClean="0"/>
-              <a:t>Map(List, </a:t>
+              <a:t>Reduce(List&lt;T&gt;, </a:t>
             </a:r>
             <a:r>
               <a:rPr lang="en-US" sz="6000" dirty="0" err="1" smtClean="0"/>
@@ -5688,7 +5622,7 @@
             </a:r>
             <a:r>
               <a:rPr lang="en-US" sz="6000" dirty="0" smtClean="0"/>
-              <a:t>) : List</a:t>
+              <a:t>) : V</a:t>
             </a:r>
             <a:endParaRPr lang="en-US" sz="6000" dirty="0"/>
           </a:p>
@@ -5703,7 +5637,7 @@
         <p:spPr>
           <a:xfrm>
             <a:off x="2299064" y="3174275"/>
-            <a:ext cx="8161658" cy="646331"/>
+            <a:ext cx="8158003" cy="646331"/>
           </a:xfrm>
           <a:prstGeom prst="rect">
             <a:avLst/>
@@ -5718,7 +5652,7 @@
           <a:p>
             <a:r>
               <a:rPr lang="en-US" sz="3600" dirty="0" smtClean="0"/>
-              <a:t>Applies a function to each element of a list</a:t>
+              <a:t>Reduces a list of elements to a single value</a:t>
             </a:r>
             <a:endParaRPr lang="en-US" sz="3600" dirty="0"/>
           </a:p>
@@ -5727,7 +5661,7 @@
     </p:spTree>
     <p:extLst>
       <p:ext uri="{BB962C8B-B14F-4D97-AF65-F5344CB8AC3E}">
-        <p14:creationId xmlns:p14="http://schemas.microsoft.com/office/powerpoint/2010/main" val="2319865204"/>
+        <p14:creationId xmlns:p14="http://schemas.microsoft.com/office/powerpoint/2010/main" val="1724957140"/>
       </p:ext>
     </p:extLst>
   </p:cSld>
@@ -5773,7 +5707,7 @@
         </p:nvSpPr>
         <p:spPr>
           <a:xfrm>
-            <a:off x="903514" y="953589"/>
+            <a:off x="864326" y="2534195"/>
             <a:ext cx="10515600" cy="1298802"/>
           </a:xfrm>
         </p:spPr>
@@ -5786,96 +5720,16 @@
             <a:pPr algn="ctr"/>
             <a:r>
               <a:rPr lang="en-US" sz="6000" dirty="0" smtClean="0"/>
-              <a:t>Fold(List, </a:t>
-            </a:r>
-            <a:r>
-              <a:rPr lang="en-US" sz="6000" dirty="0" err="1" smtClean="0"/>
-              <a:t>Func</a:t>
-            </a:r>
-            <a:r>
-              <a:rPr lang="en-US" sz="6000" dirty="0" smtClean="0"/>
-              <a:t>&lt;</a:t>
-            </a:r>
-            <a:r>
-              <a:rPr lang="en-US" sz="6000" dirty="0" err="1" smtClean="0"/>
-              <a:t>Bool</a:t>
-            </a:r>
-            <a:r>
-              <a:rPr lang="en-US" sz="6000" dirty="0" smtClean="0"/>
-              <a:t>&gt;</a:t>
-            </a:r>
-            <a:r>
-              <a:rPr lang="en-US" sz="6000" dirty="0" smtClean="0"/>
-              <a:t>) : List</a:t>
+              <a:t>Filter</a:t>
             </a:r>
             <a:endParaRPr lang="en-US" sz="6000" dirty="0"/>
-          </a:p>
-        </p:txBody>
-      </p:sp>
-      <p:sp>
-        <p:nvSpPr>
-          <p:cNvPr id="4" name="TextBox 3"/>
-          <p:cNvSpPr txBox="1"/>
-          <p:nvPr/>
-        </p:nvSpPr>
-        <p:spPr>
-          <a:xfrm>
-            <a:off x="239917" y="3461658"/>
-            <a:ext cx="11842794" cy="584775"/>
-          </a:xfrm>
-          <a:prstGeom prst="rect">
-            <a:avLst/>
-          </a:prstGeom>
-          <a:noFill/>
-        </p:spPr>
-        <p:txBody>
-          <a:bodyPr wrap="none" rtlCol="0">
-            <a:spAutoFit/>
-          </a:bodyPr>
-          <a:lstStyle/>
-          <a:p>
-            <a:r>
-              <a:rPr lang="en-US" sz="3200" dirty="0" smtClean="0"/>
-              <a:t>Returns only elements from the list that satisfies the Boolean function</a:t>
-            </a:r>
-            <a:endParaRPr lang="en-US" sz="3200" dirty="0"/>
-          </a:p>
-        </p:txBody>
-      </p:sp>
-      <p:sp>
-        <p:nvSpPr>
-          <p:cNvPr id="5" name="TextBox 4"/>
-          <p:cNvSpPr txBox="1"/>
-          <p:nvPr/>
-        </p:nvSpPr>
-        <p:spPr>
-          <a:xfrm>
-            <a:off x="4795363" y="5077099"/>
-            <a:ext cx="2731902" cy="584775"/>
-          </a:xfrm>
-          <a:prstGeom prst="rect">
-            <a:avLst/>
-          </a:prstGeom>
-          <a:noFill/>
-        </p:spPr>
-        <p:txBody>
-          <a:bodyPr wrap="none" rtlCol="0">
-            <a:spAutoFit/>
-          </a:bodyPr>
-          <a:lstStyle/>
-          <a:p>
-            <a:r>
-              <a:rPr lang="en-US" sz="3200" dirty="0" smtClean="0"/>
-              <a:t>A.K.A. - Reduce</a:t>
-            </a:r>
-            <a:endParaRPr lang="en-US" sz="3200" dirty="0"/>
           </a:p>
         </p:txBody>
       </p:sp>
     </p:spTree>
     <p:extLst>
       <p:ext uri="{BB962C8B-B14F-4D97-AF65-F5344CB8AC3E}">
-        <p14:creationId xmlns:p14="http://schemas.microsoft.com/office/powerpoint/2010/main" val="2578234787"/>
+        <p14:creationId xmlns:p14="http://schemas.microsoft.com/office/powerpoint/2010/main" val="3762244837"/>
       </p:ext>
     </p:extLst>
   </p:cSld>
@@ -5921,7 +5775,7 @@
         </p:nvSpPr>
         <p:spPr>
           <a:xfrm>
-            <a:off x="903514" y="953589"/>
+            <a:off x="864326" y="2534195"/>
             <a:ext cx="10515600" cy="1298802"/>
           </a:xfrm>
         </p:spPr>
@@ -5934,54 +5788,16 @@
             <a:pPr algn="ctr"/>
             <a:r>
               <a:rPr lang="en-US" sz="6000" dirty="0" smtClean="0"/>
-              <a:t>Reduce(List&lt;T&gt;, </a:t>
-            </a:r>
-            <a:r>
-              <a:rPr lang="en-US" sz="6000" dirty="0" err="1" smtClean="0"/>
-              <a:t>Func</a:t>
-            </a:r>
-            <a:r>
-              <a:rPr lang="en-US" sz="6000" dirty="0" smtClean="0"/>
-              <a:t>) : V</a:t>
+              <a:t>Fold (Reduce)</a:t>
             </a:r>
             <a:endParaRPr lang="en-US" sz="6000" dirty="0"/>
-          </a:p>
-        </p:txBody>
-      </p:sp>
-      <p:sp>
-        <p:nvSpPr>
-          <p:cNvPr id="4" name="TextBox 3"/>
-          <p:cNvSpPr txBox="1"/>
-          <p:nvPr/>
-        </p:nvSpPr>
-        <p:spPr>
-          <a:xfrm>
-            <a:off x="2299064" y="3174275"/>
-            <a:ext cx="8158003" cy="646331"/>
-          </a:xfrm>
-          <a:prstGeom prst="rect">
-            <a:avLst/>
-          </a:prstGeom>
-          <a:noFill/>
-        </p:spPr>
-        <p:txBody>
-          <a:bodyPr wrap="none" rtlCol="0">
-            <a:spAutoFit/>
-          </a:bodyPr>
-          <a:lstStyle/>
-          <a:p>
-            <a:r>
-              <a:rPr lang="en-US" sz="3600" dirty="0" smtClean="0"/>
-              <a:t>Reduces a list of elements to a single value</a:t>
-            </a:r>
-            <a:endParaRPr lang="en-US" sz="3600" dirty="0"/>
           </a:p>
         </p:txBody>
       </p:sp>
     </p:spTree>
     <p:extLst>
       <p:ext uri="{BB962C8B-B14F-4D97-AF65-F5344CB8AC3E}">
-        <p14:creationId xmlns:p14="http://schemas.microsoft.com/office/powerpoint/2010/main" val="1724957140"/>
+        <p14:creationId xmlns:p14="http://schemas.microsoft.com/office/powerpoint/2010/main" val="4292189268"/>
       </p:ext>
     </p:extLst>
   </p:cSld>
@@ -6040,7 +5856,7 @@
             <a:pPr algn="ctr"/>
             <a:r>
               <a:rPr lang="en-US" sz="6000" dirty="0" smtClean="0"/>
-              <a:t>Filter</a:t>
+              <a:t>Map, Filter, &amp; Fold in LINQ</a:t>
             </a:r>
             <a:endParaRPr lang="en-US" sz="6000" dirty="0"/>
           </a:p>
@@ -6049,7 +5865,7 @@
     </p:spTree>
     <p:extLst>
       <p:ext uri="{BB962C8B-B14F-4D97-AF65-F5344CB8AC3E}">
-        <p14:creationId xmlns:p14="http://schemas.microsoft.com/office/powerpoint/2010/main" val="3762244837"/>
+        <p14:creationId xmlns:p14="http://schemas.microsoft.com/office/powerpoint/2010/main" val="1366034869"/>
       </p:ext>
     </p:extLst>
   </p:cSld>
@@ -6108,7 +5924,7 @@
             <a:pPr algn="ctr"/>
             <a:r>
               <a:rPr lang="en-US" sz="6000" dirty="0" smtClean="0"/>
-              <a:t>Fold (Reduce)</a:t>
+              <a:t>List Comprehensions</a:t>
             </a:r>
             <a:endParaRPr lang="en-US" sz="6000" dirty="0"/>
           </a:p>
@@ -6117,7 +5933,7 @@
     </p:spTree>
     <p:extLst>
       <p:ext uri="{BB962C8B-B14F-4D97-AF65-F5344CB8AC3E}">
-        <p14:creationId xmlns:p14="http://schemas.microsoft.com/office/powerpoint/2010/main" val="4292189268"/>
+        <p14:creationId xmlns:p14="http://schemas.microsoft.com/office/powerpoint/2010/main" val="535897130"/>
       </p:ext>
     </p:extLst>
   </p:cSld>
@@ -6176,7 +5992,7 @@
             <a:pPr algn="ctr"/>
             <a:r>
               <a:rPr lang="en-US" sz="6000" dirty="0" smtClean="0"/>
-              <a:t>Map, Filter, &amp; Fold in LINQ</a:t>
+              <a:t>Recursion</a:t>
             </a:r>
             <a:endParaRPr lang="en-US" sz="6000" dirty="0"/>
           </a:p>
@@ -6185,7 +6001,7 @@
     </p:spTree>
     <p:extLst>
       <p:ext uri="{BB962C8B-B14F-4D97-AF65-F5344CB8AC3E}">
-        <p14:creationId xmlns:p14="http://schemas.microsoft.com/office/powerpoint/2010/main" val="1366034869"/>
+        <p14:creationId xmlns:p14="http://schemas.microsoft.com/office/powerpoint/2010/main" val="179565723"/>
       </p:ext>
     </p:extLst>
   </p:cSld>
@@ -6244,7 +6060,7 @@
             <a:pPr algn="ctr"/>
             <a:r>
               <a:rPr lang="en-US" sz="6000" dirty="0" smtClean="0"/>
-              <a:t>List Comprehensions</a:t>
+              <a:t>Activating Skynet</a:t>
             </a:r>
             <a:endParaRPr lang="en-US" sz="6000" dirty="0"/>
           </a:p>
@@ -6253,7 +6069,7 @@
     </p:spTree>
     <p:extLst>
       <p:ext uri="{BB962C8B-B14F-4D97-AF65-F5344CB8AC3E}">
-        <p14:creationId xmlns:p14="http://schemas.microsoft.com/office/powerpoint/2010/main" val="535897130"/>
+        <p14:creationId xmlns:p14="http://schemas.microsoft.com/office/powerpoint/2010/main" val="4157123719"/>
       </p:ext>
     </p:extLst>
   </p:cSld>
@@ -6312,7 +6128,7 @@
             <a:pPr algn="ctr"/>
             <a:r>
               <a:rPr lang="en-US" sz="6000" dirty="0" smtClean="0"/>
-              <a:t>Why am I here?</a:t>
+              <a:t>What is Functional Programming?</a:t>
             </a:r>
             <a:endParaRPr lang="en-US" sz="6000" dirty="0"/>
           </a:p>
@@ -6321,7 +6137,7 @@
     </p:spTree>
     <p:extLst>
       <p:ext uri="{BB962C8B-B14F-4D97-AF65-F5344CB8AC3E}">
-        <p14:creationId xmlns:p14="http://schemas.microsoft.com/office/powerpoint/2010/main" val="1433285430"/>
+        <p14:creationId xmlns:p14="http://schemas.microsoft.com/office/powerpoint/2010/main" val="614287695"/>
       </p:ext>
     </p:extLst>
   </p:cSld>
@@ -6367,7 +6183,7 @@
         </p:nvSpPr>
         <p:spPr>
           <a:xfrm>
-            <a:off x="864326" y="2534195"/>
+            <a:off x="825137" y="718458"/>
             <a:ext cx="10515600" cy="1298802"/>
           </a:xfrm>
         </p:spPr>
@@ -6380,16 +6196,139 @@
             <a:pPr algn="ctr"/>
             <a:r>
               <a:rPr lang="en-US" sz="6000" dirty="0" smtClean="0"/>
-              <a:t>Recursion</a:t>
+              <a:t>The more you know!</a:t>
             </a:r>
             <a:endParaRPr lang="en-US" sz="6000" dirty="0"/>
+          </a:p>
+        </p:txBody>
+      </p:sp>
+      <p:sp>
+        <p:nvSpPr>
+          <p:cNvPr id="3" name="TextBox 2"/>
+          <p:cNvSpPr txBox="1"/>
+          <p:nvPr/>
+        </p:nvSpPr>
+        <p:spPr>
+          <a:xfrm>
+            <a:off x="927463" y="2312125"/>
+            <a:ext cx="10830081" cy="5262979"/>
+          </a:xfrm>
+          <a:prstGeom prst="rect">
+            <a:avLst/>
+          </a:prstGeom>
+          <a:noFill/>
+        </p:spPr>
+        <p:txBody>
+          <a:bodyPr wrap="none" rtlCol="0">
+            <a:spAutoFit/>
+          </a:bodyPr>
+          <a:lstStyle/>
+          <a:p>
+            <a:r>
+              <a:rPr lang="en-US" sz="2800" dirty="0">
+                <a:hlinkClick r:id="rId3"/>
+              </a:rPr>
+              <a:t>http://</a:t>
+            </a:r>
+            <a:r>
+              <a:rPr lang="en-US" sz="2800" dirty="0" smtClean="0">
+                <a:hlinkClick r:id="rId3"/>
+              </a:rPr>
+              <a:t>learnyouahaskell.com/chapters</a:t>
+            </a:r>
+            <a:endParaRPr lang="en-US" sz="2800" dirty="0" smtClean="0"/>
+          </a:p>
+          <a:p>
+            <a:endParaRPr lang="en-US" sz="2800" dirty="0" smtClean="0"/>
+          </a:p>
+          <a:p>
+            <a:r>
+              <a:rPr lang="en-US" sz="2800" dirty="0">
+                <a:hlinkClick r:id="rId4"/>
+              </a:rPr>
+              <a:t>http://fsharpforfunandprofit.com</a:t>
+            </a:r>
+            <a:r>
+              <a:rPr lang="en-US" sz="2800" dirty="0" smtClean="0">
+                <a:hlinkClick r:id="rId4"/>
+              </a:rPr>
+              <a:t>/</a:t>
+            </a:r>
+            <a:endParaRPr lang="en-US" sz="2800" dirty="0" smtClean="0"/>
+          </a:p>
+          <a:p>
+            <a:endParaRPr lang="en-US" sz="2800" dirty="0"/>
+          </a:p>
+          <a:p>
+            <a:r>
+              <a:rPr lang="en-US" sz="2800" dirty="0"/>
+              <a:t>Why FP Matters - </a:t>
+            </a:r>
+            <a:r>
+              <a:rPr lang="en-US" sz="2800" dirty="0">
+                <a:hlinkClick r:id="rId5"/>
+              </a:rPr>
+              <a:t>http://www.cse.chalmers.se/~</a:t>
+            </a:r>
+            <a:r>
+              <a:rPr lang="en-US" sz="2800" dirty="0" smtClean="0">
+                <a:hlinkClick r:id="rId5"/>
+              </a:rPr>
+              <a:t>rjmh/Papers/whyfp.html</a:t>
+            </a:r>
+            <a:endParaRPr lang="en-US" sz="2800" dirty="0" smtClean="0"/>
+          </a:p>
+          <a:p>
+            <a:endParaRPr lang="en-US" sz="2800" dirty="0"/>
+          </a:p>
+          <a:p>
+            <a:r>
+              <a:rPr lang="en-US" sz="2800" dirty="0">
+                <a:hlinkClick r:id="rId6"/>
+              </a:rPr>
+              <a:t>https://projecteuler.net</a:t>
+            </a:r>
+            <a:r>
+              <a:rPr lang="en-US" sz="2800" dirty="0" smtClean="0">
+                <a:hlinkClick r:id="rId6"/>
+              </a:rPr>
+              <a:t>/</a:t>
+            </a:r>
+            <a:endParaRPr lang="en-US" sz="2800" dirty="0" smtClean="0"/>
+          </a:p>
+          <a:p>
+            <a:endParaRPr lang="en-US" sz="2800" dirty="0" smtClean="0"/>
+          </a:p>
+          <a:p>
+            <a:r>
+              <a:rPr lang="en-US" sz="2800" dirty="0">
+                <a:hlinkClick r:id="rId7"/>
+              </a:rPr>
+              <a:t>http://www.meetup.com/Dallas-Functional-Programmers</a:t>
+            </a:r>
+            <a:r>
+              <a:rPr lang="en-US" sz="2800" dirty="0" smtClean="0">
+                <a:hlinkClick r:id="rId7"/>
+              </a:rPr>
+              <a:t>/</a:t>
+            </a:r>
+            <a:endParaRPr lang="en-US" sz="2800" dirty="0" smtClean="0"/>
+          </a:p>
+          <a:p>
+            <a:endParaRPr lang="en-US" sz="2800" dirty="0"/>
+          </a:p>
+          <a:p>
+            <a:endParaRPr lang="en-US" sz="2800" dirty="0"/>
+          </a:p>
+          <a:p>
+            <a:endParaRPr lang="en-US" sz="2800" dirty="0"/>
           </a:p>
         </p:txBody>
       </p:sp>
     </p:spTree>
     <p:extLst>
       <p:ext uri="{BB962C8B-B14F-4D97-AF65-F5344CB8AC3E}">
-        <p14:creationId xmlns:p14="http://schemas.microsoft.com/office/powerpoint/2010/main" val="179565723"/>
+        <p14:creationId xmlns:p14="http://schemas.microsoft.com/office/powerpoint/2010/main" val="2800348267"/>
       </p:ext>
     </p:extLst>
   </p:cSld>
@@ -6448,142 +6387,6 @@
             <a:pPr algn="ctr"/>
             <a:r>
               <a:rPr lang="en-US" sz="6000" dirty="0" smtClean="0"/>
-              <a:t>Activating Skynet</a:t>
-            </a:r>
-            <a:endParaRPr lang="en-US" sz="6000" dirty="0"/>
-          </a:p>
-        </p:txBody>
-      </p:sp>
-    </p:spTree>
-    <p:extLst>
-      <p:ext uri="{BB962C8B-B14F-4D97-AF65-F5344CB8AC3E}">
-        <p14:creationId xmlns:p14="http://schemas.microsoft.com/office/powerpoint/2010/main" val="4157123719"/>
-      </p:ext>
-    </p:extLst>
-  </p:cSld>
-  <p:clrMapOvr>
-    <a:masterClrMapping/>
-  </p:clrMapOvr>
-  <p:timing>
-    <p:tnLst>
-      <p:par>
-        <p:cTn id="1" dur="indefinite" restart="never" nodeType="tmRoot"/>
-      </p:par>
-    </p:tnLst>
-  </p:timing>
-</p:sld>
-</file>
-
-<file path=ppt/slides/slide22.xml><?xml version="1.0" encoding="utf-8"?>
-<p:sld xmlns:a="http://schemas.openxmlformats.org/drawingml/2006/main" xmlns:r="http://schemas.openxmlformats.org/officeDocument/2006/relationships" xmlns:p="http://schemas.openxmlformats.org/presentationml/2006/main">
-  <p:cSld>
-    <p:spTree>
-      <p:nvGrpSpPr>
-        <p:cNvPr id="1" name=""/>
-        <p:cNvGrpSpPr/>
-        <p:nvPr/>
-      </p:nvGrpSpPr>
-      <p:grpSpPr>
-        <a:xfrm>
-          <a:off x="0" y="0"/>
-          <a:ext cx="0" cy="0"/>
-          <a:chOff x="0" y="0"/>
-          <a:chExt cx="0" cy="0"/>
-        </a:xfrm>
-      </p:grpSpPr>
-      <p:sp>
-        <p:nvSpPr>
-          <p:cNvPr id="2" name="Title 1"/>
-          <p:cNvSpPr>
-            <a:spLocks noGrp="1"/>
-          </p:cNvSpPr>
-          <p:nvPr>
-            <p:ph type="title"/>
-          </p:nvPr>
-        </p:nvSpPr>
-        <p:spPr>
-          <a:xfrm>
-            <a:off x="864326" y="2534195"/>
-            <a:ext cx="10515600" cy="1298802"/>
-          </a:xfrm>
-        </p:spPr>
-        <p:txBody>
-          <a:bodyPr>
-            <a:normAutofit/>
-          </a:bodyPr>
-          <a:lstStyle/>
-          <a:p>
-            <a:pPr algn="ctr"/>
-            <a:r>
-              <a:rPr lang="en-US" sz="6000" dirty="0" smtClean="0"/>
-              <a:t>The more you know!</a:t>
-            </a:r>
-            <a:endParaRPr lang="en-US" sz="6000" dirty="0"/>
-          </a:p>
-        </p:txBody>
-      </p:sp>
-    </p:spTree>
-    <p:extLst>
-      <p:ext uri="{BB962C8B-B14F-4D97-AF65-F5344CB8AC3E}">
-        <p14:creationId xmlns:p14="http://schemas.microsoft.com/office/powerpoint/2010/main" val="2800348267"/>
-      </p:ext>
-    </p:extLst>
-  </p:cSld>
-  <p:clrMapOvr>
-    <a:masterClrMapping/>
-  </p:clrMapOvr>
-  <p:timing>
-    <p:tnLst>
-      <p:par>
-        <p:cTn id="1" dur="indefinite" restart="never" nodeType="tmRoot"/>
-      </p:par>
-    </p:tnLst>
-  </p:timing>
-</p:sld>
-</file>
-
-<file path=ppt/slides/slide23.xml><?xml version="1.0" encoding="utf-8"?>
-<p:sld xmlns:a="http://schemas.openxmlformats.org/drawingml/2006/main" xmlns:r="http://schemas.openxmlformats.org/officeDocument/2006/relationships" xmlns:p="http://schemas.openxmlformats.org/presentationml/2006/main">
-  <p:cSld>
-    <p:spTree>
-      <p:nvGrpSpPr>
-        <p:cNvPr id="1" name=""/>
-        <p:cNvGrpSpPr/>
-        <p:nvPr/>
-      </p:nvGrpSpPr>
-      <p:grpSpPr>
-        <a:xfrm>
-          <a:off x="0" y="0"/>
-          <a:ext cx="0" cy="0"/>
-          <a:chOff x="0" y="0"/>
-          <a:chExt cx="0" cy="0"/>
-        </a:xfrm>
-      </p:grpSpPr>
-      <p:sp>
-        <p:nvSpPr>
-          <p:cNvPr id="2" name="Title 1"/>
-          <p:cNvSpPr>
-            <a:spLocks noGrp="1"/>
-          </p:cNvSpPr>
-          <p:nvPr>
-            <p:ph type="title"/>
-          </p:nvPr>
-        </p:nvSpPr>
-        <p:spPr>
-          <a:xfrm>
-            <a:off x="864326" y="2534195"/>
-            <a:ext cx="10515600" cy="1298802"/>
-          </a:xfrm>
-        </p:spPr>
-        <p:txBody>
-          <a:bodyPr>
-            <a:normAutofit/>
-          </a:bodyPr>
-          <a:lstStyle/>
-          <a:p>
-            <a:pPr algn="ctr"/>
-            <a:r>
-              <a:rPr lang="en-US" sz="6000" dirty="0" smtClean="0"/>
               <a:t>Questions?</a:t>
             </a:r>
             <a:endParaRPr lang="en-US" sz="6000" dirty="0"/>
@@ -6610,7 +6413,7 @@
 </p:sld>
 </file>
 
-<file path=ppt/slides/slide24.xml><?xml version="1.0" encoding="utf-8"?>
+<file path=ppt/slides/slide22.xml><?xml version="1.0" encoding="utf-8"?>
 <p:sld xmlns:a="http://schemas.openxmlformats.org/drawingml/2006/main" xmlns:r="http://schemas.openxmlformats.org/officeDocument/2006/relationships" xmlns:p="http://schemas.openxmlformats.org/presentationml/2006/main">
   <p:cSld>
     <p:spTree>
@@ -6701,7 +6504,7 @@
 </p:sld>
 </file>
 
-<file path=ppt/slides/slide25.xml><?xml version="1.0" encoding="utf-8"?>
+<file path=ppt/slides/slide23.xml><?xml version="1.0" encoding="utf-8"?>
 <p:sld xmlns:a="http://schemas.openxmlformats.org/drawingml/2006/main" xmlns:r="http://schemas.openxmlformats.org/officeDocument/2006/relationships" xmlns:p="http://schemas.openxmlformats.org/presentationml/2006/main">
   <p:cSld>
     <p:spTree>
@@ -6799,348 +6602,6 @@
     <p:extLst>
       <p:ext uri="{BB962C8B-B14F-4D97-AF65-F5344CB8AC3E}">
         <p14:creationId xmlns:p14="http://schemas.microsoft.com/office/powerpoint/2010/main" val="2098199267"/>
-      </p:ext>
-    </p:extLst>
-  </p:cSld>
-  <p:clrMapOvr>
-    <a:masterClrMapping/>
-  </p:clrMapOvr>
-  <p:timing>
-    <p:tnLst>
-      <p:par>
-        <p:cTn id="1" dur="indefinite" restart="never" nodeType="tmRoot"/>
-      </p:par>
-    </p:tnLst>
-  </p:timing>
-</p:sld>
-</file>
-
-<file path=ppt/slides/slide26.xml><?xml version="1.0" encoding="utf-8"?>
-<p:sld xmlns:a="http://schemas.openxmlformats.org/drawingml/2006/main" xmlns:r="http://schemas.openxmlformats.org/officeDocument/2006/relationships" xmlns:p="http://schemas.openxmlformats.org/presentationml/2006/main">
-  <p:cSld>
-    <p:spTree>
-      <p:nvGrpSpPr>
-        <p:cNvPr id="1" name=""/>
-        <p:cNvGrpSpPr/>
-        <p:nvPr/>
-      </p:nvGrpSpPr>
-      <p:grpSpPr>
-        <a:xfrm>
-          <a:off x="0" y="0"/>
-          <a:ext cx="0" cy="0"/>
-          <a:chOff x="0" y="0"/>
-          <a:chExt cx="0" cy="0"/>
-        </a:xfrm>
-      </p:grpSpPr>
-      <p:sp>
-        <p:nvSpPr>
-          <p:cNvPr id="2" name="Title 1"/>
-          <p:cNvSpPr>
-            <a:spLocks noGrp="1"/>
-          </p:cNvSpPr>
-          <p:nvPr>
-            <p:ph type="title"/>
-          </p:nvPr>
-        </p:nvSpPr>
-        <p:spPr>
-          <a:xfrm>
-            <a:off x="864326" y="2534195"/>
-            <a:ext cx="10515600" cy="1298802"/>
-          </a:xfrm>
-        </p:spPr>
-        <p:txBody>
-          <a:bodyPr>
-            <a:normAutofit/>
-          </a:bodyPr>
-          <a:lstStyle/>
-          <a:p>
-            <a:pPr algn="ctr"/>
-            <a:r>
-              <a:rPr lang="en-US" sz="6000" dirty="0" smtClean="0"/>
-              <a:t>The cut line</a:t>
-            </a:r>
-            <a:endParaRPr lang="en-US" sz="6000" dirty="0"/>
-          </a:p>
-        </p:txBody>
-      </p:sp>
-    </p:spTree>
-    <p:extLst>
-      <p:ext uri="{BB962C8B-B14F-4D97-AF65-F5344CB8AC3E}">
-        <p14:creationId xmlns:p14="http://schemas.microsoft.com/office/powerpoint/2010/main" val="1748504617"/>
-      </p:ext>
-    </p:extLst>
-  </p:cSld>
-  <p:clrMapOvr>
-    <a:masterClrMapping/>
-  </p:clrMapOvr>
-  <p:timing>
-    <p:tnLst>
-      <p:par>
-        <p:cTn id="1" dur="indefinite" restart="never" nodeType="tmRoot"/>
-      </p:par>
-    </p:tnLst>
-  </p:timing>
-</p:sld>
-</file>
-
-<file path=ppt/slides/slide27.xml><?xml version="1.0" encoding="utf-8"?>
-<p:sld xmlns:a="http://schemas.openxmlformats.org/drawingml/2006/main" xmlns:r="http://schemas.openxmlformats.org/officeDocument/2006/relationships" xmlns:p="http://schemas.openxmlformats.org/presentationml/2006/main">
-  <p:cSld>
-    <p:spTree>
-      <p:nvGrpSpPr>
-        <p:cNvPr id="1" name=""/>
-        <p:cNvGrpSpPr/>
-        <p:nvPr/>
-      </p:nvGrpSpPr>
-      <p:grpSpPr>
-        <a:xfrm>
-          <a:off x="0" y="0"/>
-          <a:ext cx="0" cy="0"/>
-          <a:chOff x="0" y="0"/>
-          <a:chExt cx="0" cy="0"/>
-        </a:xfrm>
-      </p:grpSpPr>
-      <p:sp>
-        <p:nvSpPr>
-          <p:cNvPr id="2" name="Title 1"/>
-          <p:cNvSpPr>
-            <a:spLocks noGrp="1"/>
-          </p:cNvSpPr>
-          <p:nvPr>
-            <p:ph type="title"/>
-          </p:nvPr>
-        </p:nvSpPr>
-        <p:spPr/>
-        <p:txBody>
-          <a:bodyPr/>
-          <a:lstStyle/>
-          <a:p>
-            <a:r>
-              <a:rPr lang="en-US" dirty="0" smtClean="0"/>
-              <a:t>Functions constructing functions</a:t>
-            </a:r>
-            <a:endParaRPr lang="en-US" dirty="0"/>
-          </a:p>
-        </p:txBody>
-      </p:sp>
-      <p:sp>
-        <p:nvSpPr>
-          <p:cNvPr id="3" name="Content Placeholder 2"/>
-          <p:cNvSpPr>
-            <a:spLocks noGrp="1"/>
-          </p:cNvSpPr>
-          <p:nvPr>
-            <p:ph idx="1"/>
-          </p:nvPr>
-        </p:nvSpPr>
-        <p:spPr/>
-        <p:txBody>
-          <a:bodyPr/>
-          <a:lstStyle/>
-          <a:p>
-            <a:r>
-              <a:rPr lang="en-US" dirty="0" smtClean="0"/>
-              <a:t>Closures</a:t>
-            </a:r>
-          </a:p>
-          <a:p>
-            <a:r>
-              <a:rPr lang="en-US" dirty="0" smtClean="0"/>
-              <a:t>Composition</a:t>
-            </a:r>
-          </a:p>
-          <a:p>
-            <a:r>
-              <a:rPr lang="en-US" dirty="0" smtClean="0"/>
-              <a:t>Partial Applications</a:t>
-            </a:r>
-          </a:p>
-          <a:p>
-            <a:r>
-              <a:rPr lang="en-US" dirty="0" smtClean="0"/>
-              <a:t>Currying</a:t>
-            </a:r>
-          </a:p>
-          <a:p>
-            <a:pPr marL="0" indent="0">
-              <a:buNone/>
-            </a:pPr>
-            <a:endParaRPr lang="en-US" dirty="0"/>
-          </a:p>
-        </p:txBody>
-      </p:sp>
-    </p:spTree>
-    <p:extLst>
-      <p:ext uri="{BB962C8B-B14F-4D97-AF65-F5344CB8AC3E}">
-        <p14:creationId xmlns:p14="http://schemas.microsoft.com/office/powerpoint/2010/main" val="3124058005"/>
-      </p:ext>
-    </p:extLst>
-  </p:cSld>
-  <p:clrMapOvr>
-    <a:masterClrMapping/>
-  </p:clrMapOvr>
-  <p:timing>
-    <p:tnLst>
-      <p:par>
-        <p:cTn id="1" dur="indefinite" restart="never" nodeType="tmRoot"/>
-      </p:par>
-    </p:tnLst>
-  </p:timing>
-</p:sld>
-</file>
-
-<file path=ppt/slides/slide28.xml><?xml version="1.0" encoding="utf-8"?>
-<p:sld xmlns:a="http://schemas.openxmlformats.org/drawingml/2006/main" xmlns:r="http://schemas.openxmlformats.org/officeDocument/2006/relationships" xmlns:p="http://schemas.openxmlformats.org/presentationml/2006/main">
-  <p:cSld>
-    <p:spTree>
-      <p:nvGrpSpPr>
-        <p:cNvPr id="1" name=""/>
-        <p:cNvGrpSpPr/>
-        <p:nvPr/>
-      </p:nvGrpSpPr>
-      <p:grpSpPr>
-        <a:xfrm>
-          <a:off x="0" y="0"/>
-          <a:ext cx="0" cy="0"/>
-          <a:chOff x="0" y="0"/>
-          <a:chExt cx="0" cy="0"/>
-        </a:xfrm>
-      </p:grpSpPr>
-      <p:sp>
-        <p:nvSpPr>
-          <p:cNvPr id="2" name="Title 1"/>
-          <p:cNvSpPr>
-            <a:spLocks noGrp="1"/>
-          </p:cNvSpPr>
-          <p:nvPr>
-            <p:ph type="title"/>
-          </p:nvPr>
-        </p:nvSpPr>
-        <p:spPr/>
-        <p:txBody>
-          <a:bodyPr/>
-          <a:lstStyle/>
-          <a:p>
-            <a:r>
-              <a:rPr lang="en-US" dirty="0" smtClean="0"/>
-              <a:t>“Standard Higher Order Functions”</a:t>
-            </a:r>
-            <a:endParaRPr lang="en-US" dirty="0"/>
-          </a:p>
-        </p:txBody>
-      </p:sp>
-      <p:sp>
-        <p:nvSpPr>
-          <p:cNvPr id="3" name="Content Placeholder 2"/>
-          <p:cNvSpPr>
-            <a:spLocks noGrp="1"/>
-          </p:cNvSpPr>
-          <p:nvPr>
-            <p:ph idx="1"/>
-          </p:nvPr>
-        </p:nvSpPr>
-        <p:spPr/>
-        <p:txBody>
-          <a:bodyPr/>
-          <a:lstStyle/>
-          <a:p>
-            <a:r>
-              <a:rPr lang="en-US" dirty="0" smtClean="0"/>
-              <a:t>List the HO Functions (could be multiple slides)</a:t>
-            </a:r>
-          </a:p>
-          <a:p>
-            <a:r>
-              <a:rPr lang="en-US" dirty="0" smtClean="0"/>
-              <a:t>Show there LINQ Equivalents</a:t>
-            </a:r>
-            <a:endParaRPr lang="en-US" dirty="0"/>
-          </a:p>
-        </p:txBody>
-      </p:sp>
-    </p:spTree>
-    <p:extLst>
-      <p:ext uri="{BB962C8B-B14F-4D97-AF65-F5344CB8AC3E}">
-        <p14:creationId xmlns:p14="http://schemas.microsoft.com/office/powerpoint/2010/main" val="1728765585"/>
-      </p:ext>
-    </p:extLst>
-  </p:cSld>
-  <p:clrMapOvr>
-    <a:masterClrMapping/>
-  </p:clrMapOvr>
-  <p:timing>
-    <p:tnLst>
-      <p:par>
-        <p:cTn id="1" dur="indefinite" restart="never" nodeType="tmRoot"/>
-      </p:par>
-    </p:tnLst>
-  </p:timing>
-</p:sld>
-</file>
-
-<file path=ppt/slides/slide29.xml><?xml version="1.0" encoding="utf-8"?>
-<p:sld xmlns:a="http://schemas.openxmlformats.org/drawingml/2006/main" xmlns:r="http://schemas.openxmlformats.org/officeDocument/2006/relationships" xmlns:p="http://schemas.openxmlformats.org/presentationml/2006/main">
-  <p:cSld>
-    <p:spTree>
-      <p:nvGrpSpPr>
-        <p:cNvPr id="1" name=""/>
-        <p:cNvGrpSpPr/>
-        <p:nvPr/>
-      </p:nvGrpSpPr>
-      <p:grpSpPr>
-        <a:xfrm>
-          <a:off x="0" y="0"/>
-          <a:ext cx="0" cy="0"/>
-          <a:chOff x="0" y="0"/>
-          <a:chExt cx="0" cy="0"/>
-        </a:xfrm>
-      </p:grpSpPr>
-      <p:sp>
-        <p:nvSpPr>
-          <p:cNvPr id="2" name="Title 1"/>
-          <p:cNvSpPr>
-            <a:spLocks noGrp="1"/>
-          </p:cNvSpPr>
-          <p:nvPr>
-            <p:ph type="title"/>
-          </p:nvPr>
-        </p:nvSpPr>
-        <p:spPr/>
-        <p:txBody>
-          <a:bodyPr/>
-          <a:lstStyle/>
-          <a:p>
-            <a:r>
-              <a:rPr lang="en-US" dirty="0" smtClean="0"/>
-              <a:t>List Comprehensions</a:t>
-            </a:r>
-            <a:endParaRPr lang="en-US" dirty="0"/>
-          </a:p>
-        </p:txBody>
-      </p:sp>
-      <p:sp>
-        <p:nvSpPr>
-          <p:cNvPr id="3" name="Content Placeholder 2"/>
-          <p:cNvSpPr>
-            <a:spLocks noGrp="1"/>
-          </p:cNvSpPr>
-          <p:nvPr>
-            <p:ph idx="1"/>
-          </p:nvPr>
-        </p:nvSpPr>
-        <p:spPr/>
-        <p:txBody>
-          <a:bodyPr/>
-          <a:lstStyle/>
-          <a:p>
-            <a:endParaRPr lang="en-US"/>
-          </a:p>
-        </p:txBody>
-      </p:sp>
-    </p:spTree>
-    <p:extLst>
-      <p:ext uri="{BB962C8B-B14F-4D97-AF65-F5344CB8AC3E}">
-        <p14:creationId xmlns:p14="http://schemas.microsoft.com/office/powerpoint/2010/main" val="3114987942"/>
       </p:ext>
     </p:extLst>
   </p:cSld>
@@ -7199,7 +6660,7 @@
             <a:pPr algn="ctr"/>
             <a:r>
               <a:rPr lang="en-US" sz="6000" dirty="0" smtClean="0"/>
-              <a:t>What is Functional Programming?</a:t>
+              <a:t>Higher Order Functions</a:t>
             </a:r>
             <a:endParaRPr lang="en-US" sz="6000" dirty="0"/>
           </a:p>
@@ -7208,383 +6669,7 @@
     </p:spTree>
     <p:extLst>
       <p:ext uri="{BB962C8B-B14F-4D97-AF65-F5344CB8AC3E}">
-        <p14:creationId xmlns:p14="http://schemas.microsoft.com/office/powerpoint/2010/main" val="614287695"/>
-      </p:ext>
-    </p:extLst>
-  </p:cSld>
-  <p:clrMapOvr>
-    <a:masterClrMapping/>
-  </p:clrMapOvr>
-  <p:timing>
-    <p:tnLst>
-      <p:par>
-        <p:cTn id="1" dur="indefinite" restart="never" nodeType="tmRoot"/>
-      </p:par>
-    </p:tnLst>
-  </p:timing>
-</p:sld>
-</file>
-
-<file path=ppt/slides/slide30.xml><?xml version="1.0" encoding="utf-8"?>
-<p:sld xmlns:a="http://schemas.openxmlformats.org/drawingml/2006/main" xmlns:r="http://schemas.openxmlformats.org/officeDocument/2006/relationships" xmlns:p="http://schemas.openxmlformats.org/presentationml/2006/main">
-  <p:cSld>
-    <p:spTree>
-      <p:nvGrpSpPr>
-        <p:cNvPr id="1" name=""/>
-        <p:cNvGrpSpPr/>
-        <p:nvPr/>
-      </p:nvGrpSpPr>
-      <p:grpSpPr>
-        <a:xfrm>
-          <a:off x="0" y="0"/>
-          <a:ext cx="0" cy="0"/>
-          <a:chOff x="0" y="0"/>
-          <a:chExt cx="0" cy="0"/>
-        </a:xfrm>
-      </p:grpSpPr>
-      <p:sp>
-        <p:nvSpPr>
-          <p:cNvPr id="2" name="Title 1"/>
-          <p:cNvSpPr>
-            <a:spLocks noGrp="1"/>
-          </p:cNvSpPr>
-          <p:nvPr>
-            <p:ph type="title"/>
-          </p:nvPr>
-        </p:nvSpPr>
-        <p:spPr/>
-        <p:txBody>
-          <a:bodyPr/>
-          <a:lstStyle/>
-          <a:p>
-            <a:r>
-              <a:rPr lang="en-US" dirty="0" smtClean="0"/>
-              <a:t>Recursion</a:t>
-            </a:r>
-            <a:endParaRPr lang="en-US" dirty="0"/>
-          </a:p>
-        </p:txBody>
-      </p:sp>
-      <p:sp>
-        <p:nvSpPr>
-          <p:cNvPr id="3" name="Content Placeholder 2"/>
-          <p:cNvSpPr>
-            <a:spLocks noGrp="1"/>
-          </p:cNvSpPr>
-          <p:nvPr>
-            <p:ph idx="1"/>
-          </p:nvPr>
-        </p:nvSpPr>
-        <p:spPr/>
-        <p:txBody>
-          <a:bodyPr/>
-          <a:lstStyle/>
-          <a:p>
-            <a:r>
-              <a:rPr lang="en-US" dirty="0" smtClean="0"/>
-              <a:t>Tail Call recursion</a:t>
-            </a:r>
-          </a:p>
-          <a:p>
-            <a:r>
-              <a:rPr lang="en-US" dirty="0" err="1" smtClean="0"/>
-              <a:t>Jit</a:t>
-            </a:r>
-            <a:r>
-              <a:rPr lang="en-US" dirty="0" smtClean="0"/>
-              <a:t> optimizer</a:t>
-            </a:r>
-          </a:p>
-          <a:p>
-            <a:r>
-              <a:rPr lang="en-US" dirty="0" smtClean="0"/>
-              <a:t>For fun not for production!</a:t>
-            </a:r>
-            <a:endParaRPr lang="en-US" dirty="0"/>
-          </a:p>
-        </p:txBody>
-      </p:sp>
-    </p:spTree>
-    <p:extLst>
-      <p:ext uri="{BB962C8B-B14F-4D97-AF65-F5344CB8AC3E}">
-        <p14:creationId xmlns:p14="http://schemas.microsoft.com/office/powerpoint/2010/main" val="673032841"/>
-      </p:ext>
-    </p:extLst>
-  </p:cSld>
-  <p:clrMapOvr>
-    <a:masterClrMapping/>
-  </p:clrMapOvr>
-  <p:timing>
-    <p:tnLst>
-      <p:par>
-        <p:cTn id="1" dur="indefinite" restart="never" nodeType="tmRoot"/>
-      </p:par>
-    </p:tnLst>
-  </p:timing>
-</p:sld>
-</file>
-
-<file path=ppt/slides/slide31.xml><?xml version="1.0" encoding="utf-8"?>
-<p:sld xmlns:a="http://schemas.openxmlformats.org/drawingml/2006/main" xmlns:r="http://schemas.openxmlformats.org/officeDocument/2006/relationships" xmlns:p="http://schemas.openxmlformats.org/presentationml/2006/main">
-  <p:cSld>
-    <p:spTree>
-      <p:nvGrpSpPr>
-        <p:cNvPr id="1" name=""/>
-        <p:cNvGrpSpPr/>
-        <p:nvPr/>
-      </p:nvGrpSpPr>
-      <p:grpSpPr>
-        <a:xfrm>
-          <a:off x="0" y="0"/>
-          <a:ext cx="0" cy="0"/>
-          <a:chOff x="0" y="0"/>
-          <a:chExt cx="0" cy="0"/>
-        </a:xfrm>
-      </p:grpSpPr>
-      <p:sp>
-        <p:nvSpPr>
-          <p:cNvPr id="2" name="Title 1"/>
-          <p:cNvSpPr>
-            <a:spLocks noGrp="1"/>
-          </p:cNvSpPr>
-          <p:nvPr>
-            <p:ph type="title"/>
-          </p:nvPr>
-        </p:nvSpPr>
-        <p:spPr/>
-        <p:txBody>
-          <a:bodyPr/>
-          <a:lstStyle/>
-          <a:p>
-            <a:r>
-              <a:rPr lang="en-US" dirty="0" smtClean="0"/>
-              <a:t>Relax! Let the Machines Handle it!</a:t>
-            </a:r>
-            <a:endParaRPr lang="en-US" dirty="0"/>
-          </a:p>
-        </p:txBody>
-      </p:sp>
-      <p:sp>
-        <p:nvSpPr>
-          <p:cNvPr id="3" name="Content Placeholder 2"/>
-          <p:cNvSpPr>
-            <a:spLocks noGrp="1"/>
-          </p:cNvSpPr>
-          <p:nvPr>
-            <p:ph idx="1"/>
-          </p:nvPr>
-        </p:nvSpPr>
-        <p:spPr/>
-        <p:txBody>
-          <a:bodyPr/>
-          <a:lstStyle/>
-          <a:p>
-            <a:r>
-              <a:rPr lang="en-US" dirty="0" smtClean="0"/>
-              <a:t>What could go wrong?</a:t>
-            </a:r>
-            <a:endParaRPr lang="en-US" dirty="0"/>
-          </a:p>
-        </p:txBody>
-      </p:sp>
-    </p:spTree>
-    <p:extLst>
-      <p:ext uri="{BB962C8B-B14F-4D97-AF65-F5344CB8AC3E}">
-        <p14:creationId xmlns:p14="http://schemas.microsoft.com/office/powerpoint/2010/main" val="1356244215"/>
-      </p:ext>
-    </p:extLst>
-  </p:cSld>
-  <p:clrMapOvr>
-    <a:masterClrMapping/>
-  </p:clrMapOvr>
-  <p:timing>
-    <p:tnLst>
-      <p:par>
-        <p:cTn id="1" dur="indefinite" restart="never" nodeType="tmRoot"/>
-      </p:par>
-    </p:tnLst>
-  </p:timing>
-</p:sld>
-</file>
-
-<file path=ppt/slides/slide32.xml><?xml version="1.0" encoding="utf-8"?>
-<p:sld xmlns:a="http://schemas.openxmlformats.org/drawingml/2006/main" xmlns:r="http://schemas.openxmlformats.org/officeDocument/2006/relationships" xmlns:p="http://schemas.openxmlformats.org/presentationml/2006/main">
-  <p:cSld>
-    <p:spTree>
-      <p:nvGrpSpPr>
-        <p:cNvPr id="1" name=""/>
-        <p:cNvGrpSpPr/>
-        <p:nvPr/>
-      </p:nvGrpSpPr>
-      <p:grpSpPr>
-        <a:xfrm>
-          <a:off x="0" y="0"/>
-          <a:ext cx="0" cy="0"/>
-          <a:chOff x="0" y="0"/>
-          <a:chExt cx="0" cy="0"/>
-        </a:xfrm>
-      </p:grpSpPr>
-      <p:sp>
-        <p:nvSpPr>
-          <p:cNvPr id="2" name="Title 1"/>
-          <p:cNvSpPr>
-            <a:spLocks noGrp="1"/>
-          </p:cNvSpPr>
-          <p:nvPr>
-            <p:ph type="title"/>
-          </p:nvPr>
-        </p:nvSpPr>
-        <p:spPr/>
-        <p:txBody>
-          <a:bodyPr/>
-          <a:lstStyle/>
-          <a:p>
-            <a:r>
-              <a:rPr lang="en-US" dirty="0" smtClean="0"/>
-              <a:t>Higher Order Functions in C#</a:t>
-            </a:r>
-            <a:endParaRPr lang="en-US" dirty="0"/>
-          </a:p>
-        </p:txBody>
-      </p:sp>
-      <p:sp>
-        <p:nvSpPr>
-          <p:cNvPr id="3" name="Content Placeholder 2"/>
-          <p:cNvSpPr>
-            <a:spLocks noGrp="1"/>
-          </p:cNvSpPr>
-          <p:nvPr>
-            <p:ph idx="1"/>
-          </p:nvPr>
-        </p:nvSpPr>
-        <p:spPr/>
-        <p:txBody>
-          <a:bodyPr/>
-          <a:lstStyle/>
-          <a:p>
-            <a:r>
-              <a:rPr lang="en-US" dirty="0" smtClean="0"/>
-              <a:t>Delegates</a:t>
-            </a:r>
-          </a:p>
-          <a:p>
-            <a:r>
-              <a:rPr lang="en-US" dirty="0" smtClean="0"/>
-              <a:t>Anonymous Methods</a:t>
-            </a:r>
-          </a:p>
-          <a:p>
-            <a:r>
-              <a:rPr lang="en-US" dirty="0" smtClean="0"/>
-              <a:t>Lambdas</a:t>
-            </a:r>
-          </a:p>
-          <a:p>
-            <a:r>
-              <a:rPr lang="en-US" dirty="0" err="1" smtClean="0"/>
-              <a:t>Func</a:t>
-            </a:r>
-            <a:r>
-              <a:rPr lang="en-US" dirty="0" smtClean="0"/>
-              <a:t>&lt;T,..&gt;</a:t>
-            </a:r>
-            <a:endParaRPr lang="en-US" dirty="0"/>
-          </a:p>
-        </p:txBody>
-      </p:sp>
-    </p:spTree>
-    <p:extLst>
-      <p:ext uri="{BB962C8B-B14F-4D97-AF65-F5344CB8AC3E}">
-        <p14:creationId xmlns:p14="http://schemas.microsoft.com/office/powerpoint/2010/main" val="3391165715"/>
-      </p:ext>
-    </p:extLst>
-  </p:cSld>
-  <p:clrMapOvr>
-    <a:masterClrMapping/>
-  </p:clrMapOvr>
-  <p:timing>
-    <p:tnLst>
-      <p:par>
-        <p:cTn id="1" dur="indefinite" restart="never" nodeType="tmRoot"/>
-      </p:par>
-    </p:tnLst>
-  </p:timing>
-</p:sld>
-</file>
-
-<file path=ppt/slides/slide33.xml><?xml version="1.0" encoding="utf-8"?>
-<p:sld xmlns:a="http://schemas.openxmlformats.org/drawingml/2006/main" xmlns:r="http://schemas.openxmlformats.org/officeDocument/2006/relationships" xmlns:p="http://schemas.openxmlformats.org/presentationml/2006/main">
-  <p:cSld>
-    <p:spTree>
-      <p:nvGrpSpPr>
-        <p:cNvPr id="1" name=""/>
-        <p:cNvGrpSpPr/>
-        <p:nvPr/>
-      </p:nvGrpSpPr>
-      <p:grpSpPr>
-        <a:xfrm>
-          <a:off x="0" y="0"/>
-          <a:ext cx="0" cy="0"/>
-          <a:chOff x="0" y="0"/>
-          <a:chExt cx="0" cy="0"/>
-        </a:xfrm>
-      </p:grpSpPr>
-      <p:sp>
-        <p:nvSpPr>
-          <p:cNvPr id="2" name="Title 1"/>
-          <p:cNvSpPr>
-            <a:spLocks noGrp="1"/>
-          </p:cNvSpPr>
-          <p:nvPr>
-            <p:ph type="title"/>
-          </p:nvPr>
-        </p:nvSpPr>
-        <p:spPr/>
-        <p:txBody>
-          <a:bodyPr/>
-          <a:lstStyle/>
-          <a:p>
-            <a:r>
-              <a:rPr lang="en-US" dirty="0" smtClean="0"/>
-              <a:t>Referential Transparency</a:t>
-            </a:r>
-            <a:endParaRPr lang="en-US" dirty="0"/>
-          </a:p>
-        </p:txBody>
-      </p:sp>
-      <p:sp>
-        <p:nvSpPr>
-          <p:cNvPr id="3" name="Content Placeholder 2"/>
-          <p:cNvSpPr>
-            <a:spLocks noGrp="1"/>
-          </p:cNvSpPr>
-          <p:nvPr>
-            <p:ph idx="1"/>
-          </p:nvPr>
-        </p:nvSpPr>
-        <p:spPr/>
-        <p:txBody>
-          <a:bodyPr/>
-          <a:lstStyle/>
-          <a:p>
-            <a:r>
-              <a:rPr lang="en-US" dirty="0" smtClean="0"/>
-              <a:t>Purity</a:t>
-            </a:r>
-          </a:p>
-          <a:p>
-            <a:r>
-              <a:rPr lang="en-US" dirty="0" smtClean="0"/>
-              <a:t>Side effects</a:t>
-            </a:r>
-            <a:endParaRPr lang="en-US" dirty="0"/>
-          </a:p>
-        </p:txBody>
-      </p:sp>
-    </p:spTree>
-    <p:extLst>
-      <p:ext uri="{BB962C8B-B14F-4D97-AF65-F5344CB8AC3E}">
-        <p14:creationId xmlns:p14="http://schemas.microsoft.com/office/powerpoint/2010/main" val="3344712681"/>
+        <p14:creationId xmlns:p14="http://schemas.microsoft.com/office/powerpoint/2010/main" val="4118482201"/>
       </p:ext>
     </p:extLst>
   </p:cSld>
@@ -7630,7 +6715,7 @@
         </p:nvSpPr>
         <p:spPr>
           <a:xfrm>
-            <a:off x="864326" y="2534195"/>
+            <a:off x="2823754" y="0"/>
             <a:ext cx="10515600" cy="1298802"/>
           </a:xfrm>
         </p:spPr>
@@ -7643,16 +6728,100 @@
             <a:pPr algn="ctr"/>
             <a:r>
               <a:rPr lang="en-US" sz="6000" dirty="0" smtClean="0"/>
-              <a:t>Why should you care?</a:t>
+              <a:t>A function as a parameter</a:t>
             </a:r>
             <a:endParaRPr lang="en-US" sz="6000" dirty="0"/>
+          </a:p>
+        </p:txBody>
+      </p:sp>
+      <p:sp>
+        <p:nvSpPr>
+          <p:cNvPr id="3" name="TextBox 2"/>
+          <p:cNvSpPr txBox="1"/>
+          <p:nvPr/>
+        </p:nvSpPr>
+        <p:spPr>
+          <a:xfrm>
+            <a:off x="2194560" y="2860766"/>
+            <a:ext cx="9144001" cy="2554545"/>
+          </a:xfrm>
+          <a:prstGeom prst="rect">
+            <a:avLst/>
+          </a:prstGeom>
+          <a:noFill/>
+        </p:spPr>
+        <p:txBody>
+          <a:bodyPr wrap="square" rtlCol="0">
+            <a:spAutoFit/>
+          </a:bodyPr>
+          <a:lstStyle/>
+          <a:p>
+            <a:r>
+              <a:rPr lang="en-US" sz="4000" dirty="0"/>
+              <a:t> </a:t>
+            </a:r>
+            <a:r>
+              <a:rPr lang="en-US" sz="4000" dirty="0" err="1" smtClean="0"/>
+              <a:t>int</a:t>
+            </a:r>
+            <a:r>
+              <a:rPr lang="en-US" sz="4000" dirty="0" smtClean="0"/>
+              <a:t> </a:t>
+            </a:r>
+            <a:r>
+              <a:rPr lang="en-US" sz="4000" dirty="0" err="1" smtClean="0"/>
+              <a:t>SomeFunction</a:t>
+            </a:r>
+            <a:r>
+              <a:rPr lang="en-US" sz="4000" dirty="0" smtClean="0"/>
+              <a:t>(Function </a:t>
+            </a:r>
+            <a:r>
+              <a:rPr lang="en-US" sz="4000" dirty="0" err="1" smtClean="0"/>
+              <a:t>myFunction</a:t>
+            </a:r>
+            <a:r>
+              <a:rPr lang="en-US" sz="4000" dirty="0" smtClean="0"/>
+              <a:t>)</a:t>
+            </a:r>
+          </a:p>
+          <a:p>
+            <a:r>
+              <a:rPr lang="en-US" sz="4000" dirty="0" smtClean="0"/>
+              <a:t> {</a:t>
+            </a:r>
+          </a:p>
+          <a:p>
+            <a:r>
+              <a:rPr lang="en-US" sz="4000" dirty="0"/>
+              <a:t>	</a:t>
+            </a:r>
+            <a:r>
+              <a:rPr lang="en-US" sz="4000" dirty="0" smtClean="0"/>
+              <a:t>return </a:t>
+            </a:r>
+            <a:r>
+              <a:rPr lang="en-US" sz="4000" dirty="0" err="1" smtClean="0"/>
+              <a:t>myFunction</a:t>
+            </a:r>
+            <a:r>
+              <a:rPr lang="en-US" sz="4000" dirty="0" smtClean="0"/>
+              <a:t>(10);</a:t>
+            </a:r>
+          </a:p>
+          <a:p>
+            <a:r>
+              <a:rPr lang="en-US" sz="4000" smtClean="0"/>
+              <a:t> }</a:t>
+            </a:r>
+            <a:endParaRPr lang="en-US" sz="4000" dirty="0"/>
           </a:p>
         </p:txBody>
       </p:sp>
     </p:spTree>
     <p:extLst>
       <p:ext uri="{BB962C8B-B14F-4D97-AF65-F5344CB8AC3E}">
-        <p14:creationId xmlns:p14="http://schemas.microsoft.com/office/powerpoint/2010/main" val="3040135547"/>
+        <p14:creationId xmlns:p14="http://schemas.microsoft.com/office/powerpoint/2010/main" val="393212390"/>
       </p:ext>
     </p:extLst>
   </p:cSld>
@@ -7698,7 +6867,7 @@
         </p:nvSpPr>
         <p:spPr>
           <a:xfrm>
-            <a:off x="864326" y="2534195"/>
+            <a:off x="2301241" y="0"/>
             <a:ext cx="10515600" cy="1298802"/>
           </a:xfrm>
         </p:spPr>
@@ -7711,16 +6880,99 @@
             <a:pPr algn="ctr"/>
             <a:r>
               <a:rPr lang="en-US" sz="6000" dirty="0" smtClean="0"/>
-              <a:t>Higher Order Functions</a:t>
+              <a:t>A function as the return value</a:t>
             </a:r>
             <a:endParaRPr lang="en-US" sz="6000" dirty="0"/>
+          </a:p>
+        </p:txBody>
+      </p:sp>
+      <p:sp>
+        <p:nvSpPr>
+          <p:cNvPr id="3" name="Rectangle 2"/>
+          <p:cNvSpPr/>
+          <p:nvPr/>
+        </p:nvSpPr>
+        <p:spPr>
+          <a:xfrm>
+            <a:off x="1556082" y="2460563"/>
+            <a:ext cx="9339608" cy="2800767"/>
+          </a:xfrm>
+          <a:prstGeom prst="rect">
+            <a:avLst/>
+          </a:prstGeom>
+        </p:spPr>
+        <p:txBody>
+          <a:bodyPr wrap="none">
+            <a:spAutoFit/>
+          </a:bodyPr>
+          <a:lstStyle/>
+          <a:p>
+            <a:r>
+              <a:rPr lang="en-US" sz="4400" dirty="0" smtClean="0"/>
+              <a:t> Function </a:t>
+            </a:r>
+            <a:r>
+              <a:rPr lang="en-US" sz="4400" dirty="0" err="1" smtClean="0"/>
+              <a:t>SomeFunction</a:t>
+            </a:r>
+            <a:r>
+              <a:rPr lang="en-US" sz="4400" dirty="0" smtClean="0"/>
+              <a:t>(</a:t>
+            </a:r>
+            <a:r>
+              <a:rPr lang="en-US" sz="4400" dirty="0" err="1" smtClean="0"/>
+              <a:t>int</a:t>
+            </a:r>
+            <a:r>
+              <a:rPr lang="en-US" sz="4400" dirty="0" smtClean="0"/>
+              <a:t> </a:t>
+            </a:r>
+            <a:r>
+              <a:rPr lang="en-US" sz="4400" dirty="0" err="1" smtClean="0"/>
+              <a:t>someValue</a:t>
+            </a:r>
+            <a:r>
+              <a:rPr lang="en-US" sz="4400" dirty="0" smtClean="0"/>
+              <a:t>)</a:t>
+            </a:r>
+          </a:p>
+          <a:p>
+            <a:r>
+              <a:rPr lang="en-US" sz="4400" dirty="0" smtClean="0"/>
+              <a:t> {</a:t>
+            </a:r>
+          </a:p>
+          <a:p>
+            <a:r>
+              <a:rPr lang="en-US" sz="4400" dirty="0"/>
+              <a:t>	</a:t>
+            </a:r>
+            <a:r>
+              <a:rPr lang="en-US" sz="4400" dirty="0" smtClean="0"/>
+              <a:t>return x =&gt; x + </a:t>
+            </a:r>
+            <a:r>
+              <a:rPr lang="en-US" sz="4400" dirty="0" err="1" smtClean="0"/>
+              <a:t>someValue</a:t>
+            </a:r>
+            <a:r>
+              <a:rPr lang="en-US" sz="4400" dirty="0" smtClean="0"/>
+              <a:t>;</a:t>
+            </a:r>
+          </a:p>
+          <a:p>
+            <a:r>
+              <a:rPr lang="en-US" sz="4400" dirty="0" smtClean="0"/>
+              <a:t> }</a:t>
+            </a:r>
+            <a:endParaRPr lang="en-US" sz="4400" dirty="0"/>
           </a:p>
         </p:txBody>
       </p:sp>
     </p:spTree>
     <p:extLst>
       <p:ext uri="{BB962C8B-B14F-4D97-AF65-F5344CB8AC3E}">
-        <p14:creationId xmlns:p14="http://schemas.microsoft.com/office/powerpoint/2010/main" val="4118482201"/>
+        <p14:creationId xmlns:p14="http://schemas.microsoft.com/office/powerpoint/2010/main" val="3182103622"/>
       </p:ext>
     </p:extLst>
   </p:cSld>
@@ -7766,7 +7018,7 @@
         </p:nvSpPr>
         <p:spPr>
           <a:xfrm>
-            <a:off x="2823754" y="0"/>
+            <a:off x="5828211" y="0"/>
             <a:ext cx="10515600" cy="1298802"/>
           </a:xfrm>
         </p:spPr>
@@ -7779,7 +7031,7 @@
             <a:pPr algn="ctr"/>
             <a:r>
               <a:rPr lang="en-US" sz="6000" dirty="0" smtClean="0"/>
-              <a:t>A function as a parameter</a:t>
+              <a:t>both</a:t>
             </a:r>
             <a:endParaRPr lang="en-US" sz="6000" dirty="0"/>
           </a:p>
@@ -7787,92 +7039,79 @@
       </p:sp>
       <p:sp>
         <p:nvSpPr>
-          <p:cNvPr id="3" name="TextBox 2"/>
-          <p:cNvSpPr txBox="1"/>
+          <p:cNvPr id="3" name="Rectangle 2"/>
+          <p:cNvSpPr/>
           <p:nvPr/>
         </p:nvSpPr>
         <p:spPr>
           <a:xfrm>
-            <a:off x="2194560" y="2860766"/>
-            <a:ext cx="9144001" cy="2554545"/>
+            <a:off x="1532708" y="2110378"/>
+            <a:ext cx="10014857" cy="2800767"/>
           </a:xfrm>
           <a:prstGeom prst="rect">
             <a:avLst/>
           </a:prstGeom>
-          <a:noFill/>
         </p:spPr>
         <p:txBody>
-          <a:bodyPr wrap="square" rtlCol="0">
+          <a:bodyPr wrap="square">
             <a:spAutoFit/>
           </a:bodyPr>
           <a:lstStyle/>
           <a:p>
             <a:r>
-              <a:rPr lang="en-US" sz="4000" dirty="0"/>
-              <a:t> </a:t>
-            </a:r>
-            <a:r>
-              <a:rPr lang="en-US" sz="4000" dirty="0" err="1" smtClean="0"/>
-              <a:t>int</a:t>
-            </a:r>
-            <a:r>
-              <a:rPr lang="en-US" sz="4000" dirty="0" smtClean="0"/>
-              <a:t> </a:t>
-            </a:r>
-            <a:r>
-              <a:rPr lang="en-US" sz="4000" dirty="0" err="1" smtClean="0"/>
+              <a:rPr lang="en-US" sz="4400" dirty="0" smtClean="0"/>
+              <a:t> Function </a:t>
+            </a:r>
+            <a:r>
+              <a:rPr lang="en-US" sz="4400" dirty="0" err="1" smtClean="0"/>
               <a:t>SomeFunction</a:t>
             </a:r>
             <a:r>
-              <a:rPr lang="en-US" sz="4000" dirty="0" smtClean="0"/>
+              <a:rPr lang="en-US" sz="4400" dirty="0" smtClean="0"/>
               <a:t>(Function </a:t>
             </a:r>
             <a:r>
-              <a:rPr lang="en-US" sz="4000" dirty="0" err="1" smtClean="0"/>
-              <a:t>myFunction</a:t>
-            </a:r>
-            <a:r>
-              <a:rPr lang="en-US" sz="4000" dirty="0" smtClean="0"/>
+              <a:rPr lang="en-US" sz="4400" dirty="0" err="1" smtClean="0"/>
+              <a:t>myFunc</a:t>
+            </a:r>
+            <a:r>
+              <a:rPr lang="en-US" sz="4400" dirty="0" smtClean="0"/>
               <a:t>)</a:t>
             </a:r>
           </a:p>
           <a:p>
             <a:r>
-              <a:rPr lang="en-US" sz="4000" dirty="0" smtClean="0"/>
+              <a:rPr lang="en-US" sz="4400" dirty="0" smtClean="0"/>
               <a:t> {</a:t>
             </a:r>
           </a:p>
           <a:p>
             <a:r>
-              <a:rPr lang="en-US" sz="4000" dirty="0"/>
-              <a:t>	</a:t>
-            </a:r>
-            <a:r>
-              <a:rPr lang="en-US" sz="4000" dirty="0" smtClean="0"/>
-              <a:t>return </a:t>
-            </a:r>
-            <a:r>
-              <a:rPr lang="en-US" sz="4000" dirty="0" err="1" smtClean="0"/>
-              <a:t>myFunction</a:t>
-            </a:r>
-            <a:r>
-              <a:rPr lang="en-US" sz="4000" dirty="0" smtClean="0"/>
-              <a:t>(10);</a:t>
-            </a:r>
-          </a:p>
-          <a:p>
-            <a:r>
-              <a:rPr lang="en-US" sz="4000" smtClean="0"/>
+              <a:rPr lang="en-US" sz="4400" dirty="0" smtClean="0"/>
+              <a:t>	return x =&gt; </a:t>
+            </a:r>
+            <a:r>
+              <a:rPr lang="en-US" sz="4400" dirty="0" err="1" smtClean="0"/>
+              <a:t>myFunc</a:t>
+            </a:r>
+            <a:r>
+              <a:rPr lang="en-US" sz="4400" dirty="0" smtClean="0"/>
+              <a:t>(x);</a:t>
+            </a:r>
+          </a:p>
+          <a:p>
+            <a:r>
+              <a:rPr lang="en-US" sz="4400" dirty="0" smtClean="0"/>
               <a:t> }</a:t>
             </a:r>
-            <a:endParaRPr lang="en-US" sz="4000" dirty="0"/>
+            <a:endParaRPr lang="en-US" sz="4400" dirty="0"/>
           </a:p>
         </p:txBody>
       </p:sp>
     </p:spTree>
     <p:extLst>
       <p:ext uri="{BB962C8B-B14F-4D97-AF65-F5344CB8AC3E}">
-        <p14:creationId xmlns:p14="http://schemas.microsoft.com/office/powerpoint/2010/main" val="393212390"/>
+        <p14:creationId xmlns:p14="http://schemas.microsoft.com/office/powerpoint/2010/main" val="548529451"/>
       </p:ext>
     </p:extLst>
   </p:cSld>
@@ -7918,7 +7157,7 @@
         </p:nvSpPr>
         <p:spPr>
           <a:xfrm>
-            <a:off x="2301241" y="0"/>
+            <a:off x="864326" y="2534195"/>
             <a:ext cx="10515600" cy="1298802"/>
           </a:xfrm>
         </p:spPr>
@@ -7931,99 +7170,16 @@
             <a:pPr algn="ctr"/>
             <a:r>
               <a:rPr lang="en-US" sz="6000" dirty="0" smtClean="0"/>
-              <a:t>A function as the return value</a:t>
+              <a:t>Higher Order Function Examples</a:t>
             </a:r>
             <a:endParaRPr lang="en-US" sz="6000" dirty="0"/>
-          </a:p>
-        </p:txBody>
-      </p:sp>
-      <p:sp>
-        <p:nvSpPr>
-          <p:cNvPr id="3" name="Rectangle 2"/>
-          <p:cNvSpPr/>
-          <p:nvPr/>
-        </p:nvSpPr>
-        <p:spPr>
-          <a:xfrm>
-            <a:off x="1556082" y="2460563"/>
-            <a:ext cx="9339608" cy="2800767"/>
-          </a:xfrm>
-          <a:prstGeom prst="rect">
-            <a:avLst/>
-          </a:prstGeom>
-        </p:spPr>
-        <p:txBody>
-          <a:bodyPr wrap="none">
-            <a:spAutoFit/>
-          </a:bodyPr>
-          <a:lstStyle/>
-          <a:p>
-            <a:r>
-              <a:rPr lang="en-US" sz="4400" dirty="0" smtClean="0"/>
-              <a:t> Function </a:t>
-            </a:r>
-            <a:r>
-              <a:rPr lang="en-US" sz="4400" dirty="0" err="1" smtClean="0"/>
-              <a:t>SomeFunction</a:t>
-            </a:r>
-            <a:r>
-              <a:rPr lang="en-US" sz="4400" dirty="0" smtClean="0"/>
-              <a:t>(</a:t>
-            </a:r>
-            <a:r>
-              <a:rPr lang="en-US" sz="4400" dirty="0" err="1" smtClean="0"/>
-              <a:t>int</a:t>
-            </a:r>
-            <a:r>
-              <a:rPr lang="en-US" sz="4400" dirty="0" smtClean="0"/>
-              <a:t> </a:t>
-            </a:r>
-            <a:r>
-              <a:rPr lang="en-US" sz="4400" dirty="0" err="1" smtClean="0"/>
-              <a:t>someValue</a:t>
-            </a:r>
-            <a:r>
-              <a:rPr lang="en-US" sz="4400" dirty="0" smtClean="0"/>
-              <a:t>)</a:t>
-            </a:r>
-          </a:p>
-          <a:p>
-            <a:r>
-              <a:rPr lang="en-US" sz="4400" dirty="0" smtClean="0"/>
-              <a:t> {</a:t>
-            </a:r>
-          </a:p>
-          <a:p>
-            <a:r>
-              <a:rPr lang="en-US" sz="4400" dirty="0"/>
-              <a:t>	</a:t>
-            </a:r>
-            <a:r>
-              <a:rPr lang="en-US" sz="4400" dirty="0" smtClean="0"/>
-              <a:t>return x =&gt; x + </a:t>
-            </a:r>
-            <a:r>
-              <a:rPr lang="en-US" sz="4400" dirty="0" err="1" smtClean="0"/>
-              <a:t>someValue</a:t>
-            </a:r>
-            <a:r>
-              <a:rPr lang="en-US" sz="4400" dirty="0" smtClean="0"/>
-              <a:t>;</a:t>
-            </a:r>
-          </a:p>
-          <a:p>
-            <a:r>
-              <a:rPr lang="en-US" sz="4400" dirty="0" smtClean="0"/>
-              <a:t> }</a:t>
-            </a:r>
-            <a:endParaRPr lang="en-US" sz="4400" dirty="0"/>
           </a:p>
         </p:txBody>
       </p:sp>
     </p:spTree>
     <p:extLst>
       <p:ext uri="{BB962C8B-B14F-4D97-AF65-F5344CB8AC3E}">
-        <p14:creationId xmlns:p14="http://schemas.microsoft.com/office/powerpoint/2010/main" val="3182103622"/>
+        <p14:creationId xmlns:p14="http://schemas.microsoft.com/office/powerpoint/2010/main" val="3432486287"/>
       </p:ext>
     </p:extLst>
   </p:cSld>
@@ -8069,7 +7225,7 @@
         </p:nvSpPr>
         <p:spPr>
           <a:xfrm>
-            <a:off x="5828211" y="0"/>
+            <a:off x="864326" y="2534195"/>
             <a:ext cx="10515600" cy="1298802"/>
           </a:xfrm>
         </p:spPr>
@@ -8082,87 +7238,16 @@
             <a:pPr algn="ctr"/>
             <a:r>
               <a:rPr lang="en-US" sz="6000" dirty="0" smtClean="0"/>
-              <a:t>both</a:t>
+              <a:t>Referential Transparency</a:t>
             </a:r>
             <a:endParaRPr lang="en-US" sz="6000" dirty="0"/>
-          </a:p>
-        </p:txBody>
-      </p:sp>
-      <p:sp>
-        <p:nvSpPr>
-          <p:cNvPr id="3" name="Rectangle 2"/>
-          <p:cNvSpPr/>
-          <p:nvPr/>
-        </p:nvSpPr>
-        <p:spPr>
-          <a:xfrm>
-            <a:off x="1532708" y="2110378"/>
-            <a:ext cx="10014857" cy="2800767"/>
-          </a:xfrm>
-          <a:prstGeom prst="rect">
-            <a:avLst/>
-          </a:prstGeom>
-        </p:spPr>
-        <p:txBody>
-          <a:bodyPr wrap="square">
-            <a:spAutoFit/>
-          </a:bodyPr>
-          <a:lstStyle/>
-          <a:p>
-            <a:r>
-              <a:rPr lang="en-US" sz="4400" dirty="0" smtClean="0"/>
-              <a:t> Function </a:t>
-            </a:r>
-            <a:r>
-              <a:rPr lang="en-US" sz="4400" dirty="0" err="1" smtClean="0"/>
-              <a:t>SomeFunction</a:t>
-            </a:r>
-            <a:r>
-              <a:rPr lang="en-US" sz="4400" dirty="0" smtClean="0"/>
-              <a:t>(Function </a:t>
-            </a:r>
-            <a:r>
-              <a:rPr lang="en-US" sz="4400" dirty="0" err="1" smtClean="0"/>
-              <a:t>myFunc</a:t>
-            </a:r>
-            <a:r>
-              <a:rPr lang="en-US" sz="4400" dirty="0" smtClean="0"/>
-              <a:t>)</a:t>
-            </a:r>
-          </a:p>
-          <a:p>
-            <a:r>
-              <a:rPr lang="en-US" sz="4400" dirty="0" smtClean="0"/>
-              <a:t> {</a:t>
-            </a:r>
-          </a:p>
-          <a:p>
-            <a:r>
-              <a:rPr lang="en-US" sz="4400" dirty="0" smtClean="0"/>
-              <a:t>	return x =&gt; </a:t>
-            </a:r>
-            <a:r>
-              <a:rPr lang="en-US" sz="4400" dirty="0" err="1" smtClean="0"/>
-              <a:t>myFunc</a:t>
-            </a:r>
-            <a:r>
-              <a:rPr lang="en-US" sz="4400" dirty="0" smtClean="0"/>
-              <a:t>(x);</a:t>
-            </a:r>
-          </a:p>
-          <a:p>
-            <a:r>
-              <a:rPr lang="en-US" sz="4400" dirty="0" smtClean="0"/>
-              <a:t> }</a:t>
-            </a:r>
-            <a:endParaRPr lang="en-US" sz="4400" dirty="0"/>
           </a:p>
         </p:txBody>
       </p:sp>
     </p:spTree>
     <p:extLst>
       <p:ext uri="{BB962C8B-B14F-4D97-AF65-F5344CB8AC3E}">
-        <p14:creationId xmlns:p14="http://schemas.microsoft.com/office/powerpoint/2010/main" val="548529451"/>
+        <p14:creationId xmlns:p14="http://schemas.microsoft.com/office/powerpoint/2010/main" val="1876196257"/>
       </p:ext>
     </p:extLst>
   </p:cSld>
@@ -8221,7 +7306,7 @@
             <a:pPr algn="ctr"/>
             <a:r>
               <a:rPr lang="en-US" sz="6000" dirty="0" smtClean="0"/>
-              <a:t>Higher Order Function Examples</a:t>
+              <a:t>Functions constructing functions!</a:t>
             </a:r>
             <a:endParaRPr lang="en-US" sz="6000" dirty="0"/>
           </a:p>
@@ -8230,7 +7315,7 @@
     </p:spTree>
     <p:extLst>
       <p:ext uri="{BB962C8B-B14F-4D97-AF65-F5344CB8AC3E}">
-        <p14:creationId xmlns:p14="http://schemas.microsoft.com/office/powerpoint/2010/main" val="3432486287"/>
+        <p14:creationId xmlns:p14="http://schemas.microsoft.com/office/powerpoint/2010/main" val="2780457043"/>
       </p:ext>
     </p:extLst>
   </p:cSld>

--- a/slides/FpViaCSharp.pptx
+++ b/slides/FpViaCSharp.pptx
@@ -5,7 +5,7 @@
     <p:sldMasterId id="2147483648" r:id="rId1"/>
   </p:sldMasterIdLst>
   <p:notesMasterIdLst>
-    <p:notesMasterId r:id="rId25"/>
+    <p:notesMasterId r:id="rId24"/>
   </p:notesMasterIdLst>
   <p:sldIdLst>
     <p:sldId id="256" r:id="rId2"/>
@@ -21,16 +21,15 @@
     <p:sldId id="287" r:id="rId12"/>
     <p:sldId id="294" r:id="rId13"/>
     <p:sldId id="295" r:id="rId14"/>
-    <p:sldId id="288" r:id="rId15"/>
-    <p:sldId id="289" r:id="rId16"/>
-    <p:sldId id="290" r:id="rId17"/>
-    <p:sldId id="291" r:id="rId18"/>
-    <p:sldId id="292" r:id="rId19"/>
-    <p:sldId id="293" r:id="rId20"/>
-    <p:sldId id="283" r:id="rId21"/>
-    <p:sldId id="284" r:id="rId22"/>
-    <p:sldId id="269" r:id="rId23"/>
-    <p:sldId id="271" r:id="rId24"/>
+    <p:sldId id="290" r:id="rId15"/>
+    <p:sldId id="291" r:id="rId16"/>
+    <p:sldId id="292" r:id="rId17"/>
+    <p:sldId id="296" r:id="rId18"/>
+    <p:sldId id="293" r:id="rId19"/>
+    <p:sldId id="283" r:id="rId20"/>
+    <p:sldId id="284" r:id="rId21"/>
+    <p:sldId id="269" r:id="rId22"/>
+    <p:sldId id="271" r:id="rId23"/>
   </p:sldIdLst>
   <p:sldSz cx="12192000" cy="6858000"/>
   <p:notesSz cx="6858000" cy="9144000"/>
@@ -219,7 +218,7 @@
           <a:p>
             <a:fld id="{490BF8B6-8266-4355-908A-172F9337D737}" type="datetimeFigureOut">
               <a:rPr lang="en-US" smtClean="0"/>
-              <a:t>2/4/2015</a:t>
+              <a:t>2/5/2015</a:t>
             </a:fld>
             <a:endParaRPr lang="en-US"/>
           </a:p>
@@ -1003,7 +1002,7 @@
     </p:spTree>
     <p:extLst>
       <p:ext uri="{BB962C8B-B14F-4D97-AF65-F5344CB8AC3E}">
-        <p14:creationId xmlns:p14="http://schemas.microsoft.com/office/powerpoint/2010/main" val="1996727338"/>
+        <p14:creationId xmlns:p14="http://schemas.microsoft.com/office/powerpoint/2010/main" val="2642352887"/>
       </p:ext>
     </p:extLst>
   </p:cSld>
@@ -1057,6 +1056,14 @@
           <a:bodyPr/>
           <a:lstStyle/>
           <a:p>
+            <a:r>
+              <a:rPr lang="en-US" dirty="0" smtClean="0"/>
+              <a:t>Creating </a:t>
+            </a:r>
+            <a:r>
+              <a:rPr lang="en-US" smtClean="0"/>
+              <a:t>Lists based on lists</a:t>
+            </a:r>
             <a:endParaRPr lang="en-US" dirty="0"/>
           </a:p>
         </p:txBody>
@@ -1087,7 +1094,7 @@
     </p:spTree>
     <p:extLst>
       <p:ext uri="{BB962C8B-B14F-4D97-AF65-F5344CB8AC3E}">
-        <p14:creationId xmlns:p14="http://schemas.microsoft.com/office/powerpoint/2010/main" val="1989141597"/>
+        <p14:creationId xmlns:p14="http://schemas.microsoft.com/office/powerpoint/2010/main" val="227982979"/>
       </p:ext>
     </p:extLst>
   </p:cSld>
@@ -1171,7 +1178,7 @@
     </p:spTree>
     <p:extLst>
       <p:ext uri="{BB962C8B-B14F-4D97-AF65-F5344CB8AC3E}">
-        <p14:creationId xmlns:p14="http://schemas.microsoft.com/office/powerpoint/2010/main" val="2642352887"/>
+        <p14:creationId xmlns:p14="http://schemas.microsoft.com/office/powerpoint/2010/main" val="3764772033"/>
       </p:ext>
     </p:extLst>
   </p:cSld>
@@ -1225,14 +1232,6 @@
           <a:bodyPr/>
           <a:lstStyle/>
           <a:p>
-            <a:r>
-              <a:rPr lang="en-US" dirty="0" smtClean="0"/>
-              <a:t>Creating </a:t>
-            </a:r>
-            <a:r>
-              <a:rPr lang="en-US" smtClean="0"/>
-              <a:t>Lists based on lists</a:t>
-            </a:r>
             <a:endParaRPr lang="en-US" dirty="0"/>
           </a:p>
         </p:txBody>
@@ -1263,7 +1262,7 @@
     </p:spTree>
     <p:extLst>
       <p:ext uri="{BB962C8B-B14F-4D97-AF65-F5344CB8AC3E}">
-        <p14:creationId xmlns:p14="http://schemas.microsoft.com/office/powerpoint/2010/main" val="227982979"/>
+        <p14:creationId xmlns:p14="http://schemas.microsoft.com/office/powerpoint/2010/main" val="3049065596"/>
       </p:ext>
     </p:extLst>
   </p:cSld>
@@ -1347,7 +1346,7 @@
     </p:spTree>
     <p:extLst>
       <p:ext uri="{BB962C8B-B14F-4D97-AF65-F5344CB8AC3E}">
-        <p14:creationId xmlns:p14="http://schemas.microsoft.com/office/powerpoint/2010/main" val="3764772033"/>
+        <p14:creationId xmlns:p14="http://schemas.microsoft.com/office/powerpoint/2010/main" val="1913450629"/>
       </p:ext>
     </p:extLst>
   </p:cSld>
@@ -1431,7 +1430,7 @@
     </p:spTree>
     <p:extLst>
       <p:ext uri="{BB962C8B-B14F-4D97-AF65-F5344CB8AC3E}">
-        <p14:creationId xmlns:p14="http://schemas.microsoft.com/office/powerpoint/2010/main" val="1913450629"/>
+        <p14:creationId xmlns:p14="http://schemas.microsoft.com/office/powerpoint/2010/main" val="3687930628"/>
       </p:ext>
     </p:extLst>
   </p:cSld>
@@ -1591,90 +1590,6 @@
             <a:fld id="{FF9ED82A-650D-4003-83D0-A3B5AF3C844A}" type="slidenum">
               <a:rPr lang="en-US" smtClean="0"/>
               <a:t>20</a:t>
-            </a:fld>
-            <a:endParaRPr lang="en-US"/>
-          </a:p>
-        </p:txBody>
-      </p:sp>
-    </p:spTree>
-    <p:extLst>
-      <p:ext uri="{BB962C8B-B14F-4D97-AF65-F5344CB8AC3E}">
-        <p14:creationId xmlns:p14="http://schemas.microsoft.com/office/powerpoint/2010/main" val="3687930628"/>
-      </p:ext>
-    </p:extLst>
-  </p:cSld>
-  <p:clrMapOvr>
-    <a:masterClrMapping/>
-  </p:clrMapOvr>
-</p:notes>
-</file>
-
-<file path=ppt/notesSlides/notesSlide21.xml><?xml version="1.0" encoding="utf-8"?>
-<p:notes xmlns:a="http://schemas.openxmlformats.org/drawingml/2006/main" xmlns:r="http://schemas.openxmlformats.org/officeDocument/2006/relationships" xmlns:p="http://schemas.openxmlformats.org/presentationml/2006/main">
-  <p:cSld>
-    <p:spTree>
-      <p:nvGrpSpPr>
-        <p:cNvPr id="1" name=""/>
-        <p:cNvGrpSpPr/>
-        <p:nvPr/>
-      </p:nvGrpSpPr>
-      <p:grpSpPr>
-        <a:xfrm>
-          <a:off x="0" y="0"/>
-          <a:ext cx="0" cy="0"/>
-          <a:chOff x="0" y="0"/>
-          <a:chExt cx="0" cy="0"/>
-        </a:xfrm>
-      </p:grpSpPr>
-      <p:sp>
-        <p:nvSpPr>
-          <p:cNvPr id="2" name="Slide Image Placeholder 1"/>
-          <p:cNvSpPr>
-            <a:spLocks noGrp="1" noRot="1" noChangeAspect="1"/>
-          </p:cNvSpPr>
-          <p:nvPr>
-            <p:ph type="sldImg"/>
-          </p:nvPr>
-        </p:nvSpPr>
-        <p:spPr/>
-      </p:sp>
-      <p:sp>
-        <p:nvSpPr>
-          <p:cNvPr id="3" name="Notes Placeholder 2"/>
-          <p:cNvSpPr>
-            <a:spLocks noGrp="1"/>
-          </p:cNvSpPr>
-          <p:nvPr>
-            <p:ph type="body" idx="1"/>
-          </p:nvPr>
-        </p:nvSpPr>
-        <p:spPr/>
-        <p:txBody>
-          <a:bodyPr/>
-          <a:lstStyle/>
-          <a:p>
-            <a:endParaRPr lang="en-US" dirty="0"/>
-          </a:p>
-        </p:txBody>
-      </p:sp>
-      <p:sp>
-        <p:nvSpPr>
-          <p:cNvPr id="4" name="Slide Number Placeholder 3"/>
-          <p:cNvSpPr>
-            <a:spLocks noGrp="1"/>
-          </p:cNvSpPr>
-          <p:nvPr>
-            <p:ph type="sldNum" sz="quarter" idx="10"/>
-          </p:nvPr>
-        </p:nvSpPr>
-        <p:spPr/>
-        <p:txBody>
-          <a:bodyPr/>
-          <a:lstStyle/>
-          <a:p>
-            <a:fld id="{FF9ED82A-650D-4003-83D0-A3B5AF3C844A}" type="slidenum">
-              <a:rPr lang="en-US" smtClean="0"/>
-              <a:t>21</a:t>
             </a:fld>
             <a:endParaRPr lang="en-US"/>
           </a:p>
@@ -2412,7 +2327,7 @@
           <a:p>
             <a:fld id="{0D0EC7BD-D456-4816-B9A5-DFE898B45114}" type="datetimeFigureOut">
               <a:rPr lang="en-US" smtClean="0"/>
-              <a:t>2/4/2015</a:t>
+              <a:t>2/5/2015</a:t>
             </a:fld>
             <a:endParaRPr lang="en-US"/>
           </a:p>
@@ -2582,7 +2497,7 @@
           <a:p>
             <a:fld id="{0D0EC7BD-D456-4816-B9A5-DFE898B45114}" type="datetimeFigureOut">
               <a:rPr lang="en-US" smtClean="0"/>
-              <a:t>2/4/2015</a:t>
+              <a:t>2/5/2015</a:t>
             </a:fld>
             <a:endParaRPr lang="en-US"/>
           </a:p>
@@ -2762,7 +2677,7 @@
           <a:p>
             <a:fld id="{0D0EC7BD-D456-4816-B9A5-DFE898B45114}" type="datetimeFigureOut">
               <a:rPr lang="en-US" smtClean="0"/>
-              <a:t>2/4/2015</a:t>
+              <a:t>2/5/2015</a:t>
             </a:fld>
             <a:endParaRPr lang="en-US"/>
           </a:p>
@@ -2932,7 +2847,7 @@
           <a:p>
             <a:fld id="{0D0EC7BD-D456-4816-B9A5-DFE898B45114}" type="datetimeFigureOut">
               <a:rPr lang="en-US" smtClean="0"/>
-              <a:t>2/4/2015</a:t>
+              <a:t>2/5/2015</a:t>
             </a:fld>
             <a:endParaRPr lang="en-US"/>
           </a:p>
@@ -3178,7 +3093,7 @@
           <a:p>
             <a:fld id="{0D0EC7BD-D456-4816-B9A5-DFE898B45114}" type="datetimeFigureOut">
               <a:rPr lang="en-US" smtClean="0"/>
-              <a:t>2/4/2015</a:t>
+              <a:t>2/5/2015</a:t>
             </a:fld>
             <a:endParaRPr lang="en-US"/>
           </a:p>
@@ -3410,7 +3325,7 @@
           <a:p>
             <a:fld id="{0D0EC7BD-D456-4816-B9A5-DFE898B45114}" type="datetimeFigureOut">
               <a:rPr lang="en-US" smtClean="0"/>
-              <a:t>2/4/2015</a:t>
+              <a:t>2/5/2015</a:t>
             </a:fld>
             <a:endParaRPr lang="en-US"/>
           </a:p>
@@ -3777,7 +3692,7 @@
           <a:p>
             <a:fld id="{0D0EC7BD-D456-4816-B9A5-DFE898B45114}" type="datetimeFigureOut">
               <a:rPr lang="en-US" smtClean="0"/>
-              <a:t>2/4/2015</a:t>
+              <a:t>2/5/2015</a:t>
             </a:fld>
             <a:endParaRPr lang="en-US"/>
           </a:p>
@@ -3895,7 +3810,7 @@
           <a:p>
             <a:fld id="{0D0EC7BD-D456-4816-B9A5-DFE898B45114}" type="datetimeFigureOut">
               <a:rPr lang="en-US" smtClean="0"/>
-              <a:t>2/4/2015</a:t>
+              <a:t>2/5/2015</a:t>
             </a:fld>
             <a:endParaRPr lang="en-US"/>
           </a:p>
@@ -3990,7 +3905,7 @@
           <a:p>
             <a:fld id="{0D0EC7BD-D456-4816-B9A5-DFE898B45114}" type="datetimeFigureOut">
               <a:rPr lang="en-US" smtClean="0"/>
-              <a:t>2/4/2015</a:t>
+              <a:t>2/5/2015</a:t>
             </a:fld>
             <a:endParaRPr lang="en-US"/>
           </a:p>
@@ -4267,7 +4182,7 @@
           <a:p>
             <a:fld id="{0D0EC7BD-D456-4816-B9A5-DFE898B45114}" type="datetimeFigureOut">
               <a:rPr lang="en-US" smtClean="0"/>
-              <a:t>2/4/2015</a:t>
+              <a:t>2/5/2015</a:t>
             </a:fld>
             <a:endParaRPr lang="en-US"/>
           </a:p>
@@ -4520,7 +4435,7 @@
           <a:p>
             <a:fld id="{0D0EC7BD-D456-4816-B9A5-DFE898B45114}" type="datetimeFigureOut">
               <a:rPr lang="en-US" smtClean="0"/>
-              <a:t>2/4/2015</a:t>
+              <a:t>2/5/2015</a:t>
             </a:fld>
             <a:endParaRPr lang="en-US"/>
           </a:p>
@@ -4733,7 +4648,7 @@
           <a:p>
             <a:fld id="{0D0EC7BD-D456-4816-B9A5-DFE898B45114}" type="datetimeFigureOut">
               <a:rPr lang="en-US" smtClean="0"/>
-              <a:t>2/4/2015</a:t>
+              <a:t>2/5/2015</a:t>
             </a:fld>
             <a:endParaRPr lang="en-US"/>
           </a:p>
@@ -5470,7 +5385,7 @@
             <a:pPr algn="ctr"/>
             <a:r>
               <a:rPr lang="en-US" sz="6000" dirty="0" smtClean="0"/>
-              <a:t>Fold(List, </a:t>
+              <a:t>Filter(List, </a:t>
             </a:r>
             <a:r>
               <a:rPr lang="en-US" sz="6000" dirty="0" err="1" smtClean="0"/>
@@ -5517,36 +5432,6 @@
             <a:r>
               <a:rPr lang="en-US" sz="3200" dirty="0" smtClean="0"/>
               <a:t>Returns only elements from the list that satisfies the Boolean function</a:t>
-            </a:r>
-            <a:endParaRPr lang="en-US" sz="3200" dirty="0"/>
-          </a:p>
-        </p:txBody>
-      </p:sp>
-      <p:sp>
-        <p:nvSpPr>
-          <p:cNvPr id="5" name="TextBox 4"/>
-          <p:cNvSpPr txBox="1"/>
-          <p:nvPr/>
-        </p:nvSpPr>
-        <p:spPr>
-          <a:xfrm>
-            <a:off x="4795363" y="5077099"/>
-            <a:ext cx="2731902" cy="584775"/>
-          </a:xfrm>
-          <a:prstGeom prst="rect">
-            <a:avLst/>
-          </a:prstGeom>
-          <a:noFill/>
-        </p:spPr>
-        <p:txBody>
-          <a:bodyPr wrap="none" rtlCol="0">
-            <a:spAutoFit/>
-          </a:bodyPr>
-          <a:lstStyle/>
-          <a:p>
-            <a:r>
-              <a:rPr lang="en-US" sz="3200" dirty="0" smtClean="0"/>
-              <a:t>A.K.A. - Reduce</a:t>
             </a:r>
             <a:endParaRPr lang="en-US" sz="3200" dirty="0"/>
           </a:p>
@@ -5614,7 +5499,7 @@
             <a:pPr algn="ctr"/>
             <a:r>
               <a:rPr lang="en-US" sz="6000" dirty="0" smtClean="0"/>
-              <a:t>Reduce(List&lt;T&gt;, </a:t>
+              <a:t>Fold(List&lt;T&gt;, </a:t>
             </a:r>
             <a:r>
               <a:rPr lang="en-US" sz="6000" dirty="0" err="1" smtClean="0"/>
@@ -5655,6 +5540,56 @@
               <a:t>Reduces a list of elements to a single value</a:t>
             </a:r>
             <a:endParaRPr lang="en-US" sz="3600" dirty="0"/>
+          </a:p>
+        </p:txBody>
+      </p:sp>
+      <p:sp>
+        <p:nvSpPr>
+          <p:cNvPr id="5" name="Title 1"/>
+          <p:cNvSpPr txBox="1">
+            <a:spLocks/>
+          </p:cNvSpPr>
+          <p:nvPr/>
+        </p:nvSpPr>
+        <p:spPr>
+          <a:xfrm>
+            <a:off x="1120265" y="4881154"/>
+            <a:ext cx="10515600" cy="1298802"/>
+          </a:xfrm>
+          <a:prstGeom prst="rect">
+            <a:avLst/>
+          </a:prstGeom>
+        </p:spPr>
+        <p:txBody>
+          <a:bodyPr vert="horz" lIns="91440" tIns="45720" rIns="91440" bIns="45720" rtlCol="0" anchor="ctr">
+            <a:normAutofit/>
+          </a:bodyPr>
+          <a:lstStyle>
+            <a:lvl1pPr algn="l" defTabSz="914400" rtl="0" eaLnBrk="1" latinLnBrk="0" hangingPunct="1">
+              <a:lnSpc>
+                <a:spcPct val="90000"/>
+              </a:lnSpc>
+              <a:spcBef>
+                <a:spcPct val="0"/>
+              </a:spcBef>
+              <a:buNone/>
+              <a:defRPr sz="4400" kern="1200">
+                <a:solidFill>
+                  <a:schemeClr val="tx1"/>
+                </a:solidFill>
+                <a:latin typeface="+mj-lt"/>
+                <a:ea typeface="+mj-ea"/>
+                <a:cs typeface="+mj-cs"/>
+              </a:defRPr>
+            </a:lvl1pPr>
+          </a:lstStyle>
+          <a:p>
+            <a:pPr algn="ctr"/>
+            <a:r>
+              <a:rPr lang="en-US" sz="6000" dirty="0" smtClean="0"/>
+              <a:t>AKA: Reduce</a:t>
+            </a:r>
+            <a:endParaRPr lang="en-US" sz="6000" dirty="0"/>
           </a:p>
         </p:txBody>
       </p:sp>
@@ -5720,7 +5655,7 @@
             <a:pPr algn="ctr"/>
             <a:r>
               <a:rPr lang="en-US" sz="6000" dirty="0" smtClean="0"/>
-              <a:t>Filter</a:t>
+              <a:t>Map, Filter, &amp; Fold in LINQ</a:t>
             </a:r>
             <a:endParaRPr lang="en-US" sz="6000" dirty="0"/>
           </a:p>
@@ -5729,7 +5664,7 @@
     </p:spTree>
     <p:extLst>
       <p:ext uri="{BB962C8B-B14F-4D97-AF65-F5344CB8AC3E}">
-        <p14:creationId xmlns:p14="http://schemas.microsoft.com/office/powerpoint/2010/main" val="3762244837"/>
+        <p14:creationId xmlns:p14="http://schemas.microsoft.com/office/powerpoint/2010/main" val="1366034869"/>
       </p:ext>
     </p:extLst>
   </p:cSld>
@@ -5788,16 +5723,66 @@
             <a:pPr algn="ctr"/>
             <a:r>
               <a:rPr lang="en-US" sz="6000" dirty="0" smtClean="0"/>
-              <a:t>Fold (Reduce)</a:t>
+              <a:t>List Comprehensions</a:t>
             </a:r>
             <a:endParaRPr lang="en-US" sz="6000" dirty="0"/>
+          </a:p>
+        </p:txBody>
+      </p:sp>
+      <p:sp>
+        <p:nvSpPr>
+          <p:cNvPr id="3" name="Title 1"/>
+          <p:cNvSpPr txBox="1">
+            <a:spLocks/>
+          </p:cNvSpPr>
+          <p:nvPr/>
+        </p:nvSpPr>
+        <p:spPr>
+          <a:xfrm>
+            <a:off x="1042851" y="4476206"/>
+            <a:ext cx="10515600" cy="1298802"/>
+          </a:xfrm>
+          <a:prstGeom prst="rect">
+            <a:avLst/>
+          </a:prstGeom>
+        </p:spPr>
+        <p:txBody>
+          <a:bodyPr vert="horz" lIns="91440" tIns="45720" rIns="91440" bIns="45720" rtlCol="0" anchor="ctr">
+            <a:normAutofit/>
+          </a:bodyPr>
+          <a:lstStyle>
+            <a:lvl1pPr algn="l" defTabSz="914400" rtl="0" eaLnBrk="1" latinLnBrk="0" hangingPunct="1">
+              <a:lnSpc>
+                <a:spcPct val="90000"/>
+              </a:lnSpc>
+              <a:spcBef>
+                <a:spcPct val="0"/>
+              </a:spcBef>
+              <a:buNone/>
+              <a:defRPr sz="4400" kern="1200">
+                <a:solidFill>
+                  <a:schemeClr val="tx1"/>
+                </a:solidFill>
+                <a:latin typeface="+mj-lt"/>
+                <a:ea typeface="+mj-ea"/>
+                <a:cs typeface="+mj-cs"/>
+              </a:defRPr>
+            </a:lvl1pPr>
+          </a:lstStyle>
+          <a:p>
+            <a:pPr algn="ctr"/>
+            <a:r>
+              <a:rPr lang="en-US" sz="3200" dirty="0" smtClean="0"/>
+              <a:t>Creating lists based on lists</a:t>
+            </a:r>
+            <a:endParaRPr lang="en-US" sz="3200" dirty="0"/>
           </a:p>
         </p:txBody>
       </p:sp>
     </p:spTree>
     <p:extLst>
       <p:ext uri="{BB962C8B-B14F-4D97-AF65-F5344CB8AC3E}">
-        <p14:creationId xmlns:p14="http://schemas.microsoft.com/office/powerpoint/2010/main" val="4292189268"/>
+        <p14:creationId xmlns:p14="http://schemas.microsoft.com/office/powerpoint/2010/main" val="535897130"/>
       </p:ext>
     </p:extLst>
   </p:cSld>
@@ -5856,7 +5841,7 @@
             <a:pPr algn="ctr"/>
             <a:r>
               <a:rPr lang="en-US" sz="6000" dirty="0" smtClean="0"/>
-              <a:t>Map, Filter, &amp; Fold in LINQ</a:t>
+              <a:t>Recursion</a:t>
             </a:r>
             <a:endParaRPr lang="en-US" sz="6000" dirty="0"/>
           </a:p>
@@ -5865,7 +5850,7 @@
     </p:spTree>
     <p:extLst>
       <p:ext uri="{BB962C8B-B14F-4D97-AF65-F5344CB8AC3E}">
-        <p14:creationId xmlns:p14="http://schemas.microsoft.com/office/powerpoint/2010/main" val="1366034869"/>
+        <p14:creationId xmlns:p14="http://schemas.microsoft.com/office/powerpoint/2010/main" val="179565723"/>
       </p:ext>
     </p:extLst>
   </p:cSld>
@@ -5924,7 +5909,57 @@
             <a:pPr algn="ctr"/>
             <a:r>
               <a:rPr lang="en-US" sz="6000" dirty="0" smtClean="0"/>
-              <a:t>List Comprehensions</a:t>
+              <a:t>I’m turning this car around!</a:t>
+            </a:r>
+            <a:endParaRPr lang="en-US" sz="6000" dirty="0"/>
+          </a:p>
+        </p:txBody>
+      </p:sp>
+      <p:sp>
+        <p:nvSpPr>
+          <p:cNvPr id="3" name="Title 1"/>
+          <p:cNvSpPr txBox="1">
+            <a:spLocks/>
+          </p:cNvSpPr>
+          <p:nvPr/>
+        </p:nvSpPr>
+        <p:spPr>
+          <a:xfrm>
+            <a:off x="990600" y="4188824"/>
+            <a:ext cx="10515600" cy="1298802"/>
+          </a:xfrm>
+          <a:prstGeom prst="rect">
+            <a:avLst/>
+          </a:prstGeom>
+        </p:spPr>
+        <p:txBody>
+          <a:bodyPr vert="horz" lIns="91440" tIns="45720" rIns="91440" bIns="45720" rtlCol="0" anchor="ctr">
+            <a:normAutofit/>
+          </a:bodyPr>
+          <a:lstStyle>
+            <a:lvl1pPr algn="l" defTabSz="914400" rtl="0" eaLnBrk="1" latinLnBrk="0" hangingPunct="1">
+              <a:lnSpc>
+                <a:spcPct val="90000"/>
+              </a:lnSpc>
+              <a:spcBef>
+                <a:spcPct val="0"/>
+              </a:spcBef>
+              <a:buNone/>
+              <a:defRPr sz="4400" kern="1200">
+                <a:solidFill>
+                  <a:schemeClr val="tx1"/>
+                </a:solidFill>
+                <a:latin typeface="+mj-lt"/>
+                <a:ea typeface="+mj-ea"/>
+                <a:cs typeface="+mj-cs"/>
+              </a:defRPr>
+            </a:lvl1pPr>
+          </a:lstStyle>
+          <a:p>
+            <a:pPr algn="ctr"/>
+            <a:r>
+              <a:rPr lang="en-US" sz="6000" dirty="0" err="1" smtClean="0"/>
+              <a:t>Memoizing</a:t>
             </a:r>
             <a:endParaRPr lang="en-US" sz="6000" dirty="0"/>
           </a:p>
@@ -5933,7 +5968,7 @@
     </p:spTree>
     <p:extLst>
       <p:ext uri="{BB962C8B-B14F-4D97-AF65-F5344CB8AC3E}">
-        <p14:creationId xmlns:p14="http://schemas.microsoft.com/office/powerpoint/2010/main" val="535897130"/>
+        <p14:creationId xmlns:p14="http://schemas.microsoft.com/office/powerpoint/2010/main" val="2663469346"/>
       </p:ext>
     </p:extLst>
   </p:cSld>
@@ -5992,7 +6027,57 @@
             <a:pPr algn="ctr"/>
             <a:r>
               <a:rPr lang="en-US" sz="6000" dirty="0" smtClean="0"/>
-              <a:t>Recursion</a:t>
+              <a:t>Squirrels in trees</a:t>
+            </a:r>
+            <a:endParaRPr lang="en-US" sz="6000" dirty="0"/>
+          </a:p>
+        </p:txBody>
+      </p:sp>
+      <p:sp>
+        <p:nvSpPr>
+          <p:cNvPr id="3" name="Title 1"/>
+          <p:cNvSpPr txBox="1">
+            <a:spLocks/>
+          </p:cNvSpPr>
+          <p:nvPr/>
+        </p:nvSpPr>
+        <p:spPr>
+          <a:xfrm>
+            <a:off x="864326" y="4606835"/>
+            <a:ext cx="10515600" cy="1298802"/>
+          </a:xfrm>
+          <a:prstGeom prst="rect">
+            <a:avLst/>
+          </a:prstGeom>
+        </p:spPr>
+        <p:txBody>
+          <a:bodyPr vert="horz" lIns="91440" tIns="45720" rIns="91440" bIns="45720" rtlCol="0" anchor="ctr">
+            <a:normAutofit/>
+          </a:bodyPr>
+          <a:lstStyle>
+            <a:lvl1pPr algn="l" defTabSz="914400" rtl="0" eaLnBrk="1" latinLnBrk="0" hangingPunct="1">
+              <a:lnSpc>
+                <a:spcPct val="90000"/>
+              </a:lnSpc>
+              <a:spcBef>
+                <a:spcPct val="0"/>
+              </a:spcBef>
+              <a:buNone/>
+              <a:defRPr sz="4400" kern="1200">
+                <a:solidFill>
+                  <a:schemeClr val="tx1"/>
+                </a:solidFill>
+                <a:latin typeface="+mj-lt"/>
+                <a:ea typeface="+mj-ea"/>
+                <a:cs typeface="+mj-cs"/>
+              </a:defRPr>
+            </a:lvl1pPr>
+          </a:lstStyle>
+          <a:p>
+            <a:pPr algn="ctr"/>
+            <a:r>
+              <a:rPr lang="en-US" sz="6000" dirty="0" smtClean="0"/>
+              <a:t>Expressions</a:t>
             </a:r>
             <a:endParaRPr lang="en-US" sz="6000" dirty="0"/>
           </a:p>
@@ -6001,7 +6086,7 @@
     </p:spTree>
     <p:extLst>
       <p:ext uri="{BB962C8B-B14F-4D97-AF65-F5344CB8AC3E}">
-        <p14:creationId xmlns:p14="http://schemas.microsoft.com/office/powerpoint/2010/main" val="179565723"/>
+        <p14:creationId xmlns:p14="http://schemas.microsoft.com/office/powerpoint/2010/main" val="4157123719"/>
       </p:ext>
     </p:extLst>
   </p:cSld>
@@ -6047,7 +6132,7 @@
         </p:nvSpPr>
         <p:spPr>
           <a:xfrm>
-            <a:off x="864326" y="2534195"/>
+            <a:off x="825137" y="718458"/>
             <a:ext cx="10515600" cy="1298802"/>
           </a:xfrm>
         </p:spPr>
@@ -6060,16 +6145,141 @@
             <a:pPr algn="ctr"/>
             <a:r>
               <a:rPr lang="en-US" sz="6000" dirty="0" smtClean="0"/>
-              <a:t>Activating Skynet</a:t>
+              <a:t>The more you know!</a:t>
             </a:r>
             <a:endParaRPr lang="en-US" sz="6000" dirty="0"/>
+          </a:p>
+        </p:txBody>
+      </p:sp>
+      <p:sp>
+        <p:nvSpPr>
+          <p:cNvPr id="3" name="TextBox 2"/>
+          <p:cNvSpPr txBox="1"/>
+          <p:nvPr/>
+        </p:nvSpPr>
+        <p:spPr>
+          <a:xfrm>
+            <a:off x="927463" y="2312125"/>
+            <a:ext cx="8728864" cy="5262979"/>
+          </a:xfrm>
+          <a:prstGeom prst="rect">
+            <a:avLst/>
+          </a:prstGeom>
+          <a:noFill/>
+        </p:spPr>
+        <p:txBody>
+          <a:bodyPr wrap="none" rtlCol="0">
+            <a:spAutoFit/>
+          </a:bodyPr>
+          <a:lstStyle/>
+          <a:p>
+            <a:r>
+              <a:rPr lang="en-US" sz="2800" dirty="0">
+                <a:hlinkClick r:id="rId3"/>
+              </a:rPr>
+              <a:t>http://</a:t>
+            </a:r>
+            <a:r>
+              <a:rPr lang="en-US" sz="2800" dirty="0" smtClean="0">
+                <a:hlinkClick r:id="rId3"/>
+              </a:rPr>
+              <a:t>learnyouahaskell.com/chapters</a:t>
+            </a:r>
+            <a:endParaRPr lang="en-US" sz="2800" dirty="0" smtClean="0"/>
+          </a:p>
+          <a:p>
+            <a:endParaRPr lang="en-US" sz="2800" dirty="0" smtClean="0"/>
+          </a:p>
+          <a:p>
+            <a:r>
+              <a:rPr lang="en-US" sz="2800" dirty="0">
+                <a:hlinkClick r:id="rId4"/>
+              </a:rPr>
+              <a:t>http://fsharpforfunandprofit.com</a:t>
+            </a:r>
+            <a:r>
+              <a:rPr lang="en-US" sz="2800" dirty="0" smtClean="0">
+                <a:hlinkClick r:id="rId4"/>
+              </a:rPr>
+              <a:t>/</a:t>
+            </a:r>
+            <a:endParaRPr lang="en-US" sz="2800" dirty="0" smtClean="0"/>
+          </a:p>
+          <a:p>
+            <a:endParaRPr lang="en-US" sz="2800" dirty="0"/>
+          </a:p>
+          <a:p>
+            <a:r>
+              <a:rPr lang="en-US" sz="2800" smtClean="0">
+                <a:hlinkClick r:id="rId5"/>
+              </a:rPr>
+              <a:t>http</a:t>
+            </a:r>
+            <a:r>
+              <a:rPr lang="en-US" sz="2800" dirty="0">
+                <a:hlinkClick r:id="rId5"/>
+              </a:rPr>
+              <a:t>://www.cse.chalmers.se/~</a:t>
+            </a:r>
+            <a:r>
+              <a:rPr lang="en-US" sz="2800" dirty="0" smtClean="0">
+                <a:hlinkClick r:id="rId5"/>
+              </a:rPr>
+              <a:t>rjmh/Papers/whyfp.html</a:t>
+            </a:r>
+            <a:endParaRPr lang="en-US" sz="2800" dirty="0" smtClean="0"/>
+          </a:p>
+          <a:p>
+            <a:endParaRPr lang="en-US" sz="2800" dirty="0"/>
+          </a:p>
+          <a:p>
+            <a:r>
+              <a:rPr lang="en-US" sz="2800" dirty="0">
+                <a:hlinkClick r:id="rId6"/>
+              </a:rPr>
+              <a:t>https://projecteuler.net</a:t>
+            </a:r>
+            <a:r>
+              <a:rPr lang="en-US" sz="2800" dirty="0" smtClean="0">
+                <a:hlinkClick r:id="rId6"/>
+              </a:rPr>
+              <a:t>/</a:t>
+            </a:r>
+            <a:endParaRPr lang="en-US" sz="2800" dirty="0" smtClean="0"/>
+          </a:p>
+          <a:p>
+            <a:endParaRPr lang="en-US" sz="2800" dirty="0" smtClean="0"/>
+          </a:p>
+          <a:p>
+            <a:r>
+              <a:rPr lang="en-US" sz="2800" dirty="0">
+                <a:hlinkClick r:id="rId7"/>
+              </a:rPr>
+              <a:t>http://www.meetup.com/Dallas-Functional-Programmers</a:t>
+            </a:r>
+            <a:r>
+              <a:rPr lang="en-US" sz="2800" dirty="0" smtClean="0">
+                <a:hlinkClick r:id="rId7"/>
+              </a:rPr>
+              <a:t>/</a:t>
+            </a:r>
+            <a:endParaRPr lang="en-US" sz="2800" dirty="0" smtClean="0"/>
+          </a:p>
+          <a:p>
+            <a:endParaRPr lang="en-US" sz="2800" dirty="0"/>
+          </a:p>
+          <a:p>
+            <a:endParaRPr lang="en-US" sz="2800" dirty="0"/>
+          </a:p>
+          <a:p>
+            <a:endParaRPr lang="en-US" sz="2800" dirty="0"/>
           </a:p>
         </p:txBody>
       </p:sp>
     </p:spTree>
     <p:extLst>
       <p:ext uri="{BB962C8B-B14F-4D97-AF65-F5344CB8AC3E}">
-        <p14:creationId xmlns:p14="http://schemas.microsoft.com/office/powerpoint/2010/main" val="4157123719"/>
+        <p14:creationId xmlns:p14="http://schemas.microsoft.com/office/powerpoint/2010/main" val="2800348267"/>
       </p:ext>
     </p:extLst>
   </p:cSld>
@@ -6183,197 +6393,6 @@
         </p:nvSpPr>
         <p:spPr>
           <a:xfrm>
-            <a:off x="825137" y="718458"/>
-            <a:ext cx="10515600" cy="1298802"/>
-          </a:xfrm>
-        </p:spPr>
-        <p:txBody>
-          <a:bodyPr>
-            <a:normAutofit/>
-          </a:bodyPr>
-          <a:lstStyle/>
-          <a:p>
-            <a:pPr algn="ctr"/>
-            <a:r>
-              <a:rPr lang="en-US" sz="6000" dirty="0" smtClean="0"/>
-              <a:t>The more you know!</a:t>
-            </a:r>
-            <a:endParaRPr lang="en-US" sz="6000" dirty="0"/>
-          </a:p>
-        </p:txBody>
-      </p:sp>
-      <p:sp>
-        <p:nvSpPr>
-          <p:cNvPr id="3" name="TextBox 2"/>
-          <p:cNvSpPr txBox="1"/>
-          <p:nvPr/>
-        </p:nvSpPr>
-        <p:spPr>
-          <a:xfrm>
-            <a:off x="927463" y="2312125"/>
-            <a:ext cx="10830081" cy="5262979"/>
-          </a:xfrm>
-          <a:prstGeom prst="rect">
-            <a:avLst/>
-          </a:prstGeom>
-          <a:noFill/>
-        </p:spPr>
-        <p:txBody>
-          <a:bodyPr wrap="none" rtlCol="0">
-            <a:spAutoFit/>
-          </a:bodyPr>
-          <a:lstStyle/>
-          <a:p>
-            <a:r>
-              <a:rPr lang="en-US" sz="2800" dirty="0">
-                <a:hlinkClick r:id="rId3"/>
-              </a:rPr>
-              <a:t>http://</a:t>
-            </a:r>
-            <a:r>
-              <a:rPr lang="en-US" sz="2800" dirty="0" smtClean="0">
-                <a:hlinkClick r:id="rId3"/>
-              </a:rPr>
-              <a:t>learnyouahaskell.com/chapters</a:t>
-            </a:r>
-            <a:endParaRPr lang="en-US" sz="2800" dirty="0" smtClean="0"/>
-          </a:p>
-          <a:p>
-            <a:endParaRPr lang="en-US" sz="2800" dirty="0" smtClean="0"/>
-          </a:p>
-          <a:p>
-            <a:r>
-              <a:rPr lang="en-US" sz="2800" dirty="0">
-                <a:hlinkClick r:id="rId4"/>
-              </a:rPr>
-              <a:t>http://fsharpforfunandprofit.com</a:t>
-            </a:r>
-            <a:r>
-              <a:rPr lang="en-US" sz="2800" dirty="0" smtClean="0">
-                <a:hlinkClick r:id="rId4"/>
-              </a:rPr>
-              <a:t>/</a:t>
-            </a:r>
-            <a:endParaRPr lang="en-US" sz="2800" dirty="0" smtClean="0"/>
-          </a:p>
-          <a:p>
-            <a:endParaRPr lang="en-US" sz="2800" dirty="0"/>
-          </a:p>
-          <a:p>
-            <a:r>
-              <a:rPr lang="en-US" sz="2800" dirty="0"/>
-              <a:t>Why FP Matters - </a:t>
-            </a:r>
-            <a:r>
-              <a:rPr lang="en-US" sz="2800" dirty="0">
-                <a:hlinkClick r:id="rId5"/>
-              </a:rPr>
-              <a:t>http://www.cse.chalmers.se/~</a:t>
-            </a:r>
-            <a:r>
-              <a:rPr lang="en-US" sz="2800" dirty="0" smtClean="0">
-                <a:hlinkClick r:id="rId5"/>
-              </a:rPr>
-              <a:t>rjmh/Papers/whyfp.html</a:t>
-            </a:r>
-            <a:endParaRPr lang="en-US" sz="2800" dirty="0" smtClean="0"/>
-          </a:p>
-          <a:p>
-            <a:endParaRPr lang="en-US" sz="2800" dirty="0"/>
-          </a:p>
-          <a:p>
-            <a:r>
-              <a:rPr lang="en-US" sz="2800" dirty="0">
-                <a:hlinkClick r:id="rId6"/>
-              </a:rPr>
-              <a:t>https://projecteuler.net</a:t>
-            </a:r>
-            <a:r>
-              <a:rPr lang="en-US" sz="2800" dirty="0" smtClean="0">
-                <a:hlinkClick r:id="rId6"/>
-              </a:rPr>
-              <a:t>/</a:t>
-            </a:r>
-            <a:endParaRPr lang="en-US" sz="2800" dirty="0" smtClean="0"/>
-          </a:p>
-          <a:p>
-            <a:endParaRPr lang="en-US" sz="2800" dirty="0" smtClean="0"/>
-          </a:p>
-          <a:p>
-            <a:r>
-              <a:rPr lang="en-US" sz="2800" dirty="0">
-                <a:hlinkClick r:id="rId7"/>
-              </a:rPr>
-              <a:t>http://www.meetup.com/Dallas-Functional-Programmers</a:t>
-            </a:r>
-            <a:r>
-              <a:rPr lang="en-US" sz="2800" dirty="0" smtClean="0">
-                <a:hlinkClick r:id="rId7"/>
-              </a:rPr>
-              <a:t>/</a:t>
-            </a:r>
-            <a:endParaRPr lang="en-US" sz="2800" dirty="0" smtClean="0"/>
-          </a:p>
-          <a:p>
-            <a:endParaRPr lang="en-US" sz="2800" dirty="0"/>
-          </a:p>
-          <a:p>
-            <a:endParaRPr lang="en-US" sz="2800" dirty="0"/>
-          </a:p>
-          <a:p>
-            <a:endParaRPr lang="en-US" sz="2800" dirty="0"/>
-          </a:p>
-        </p:txBody>
-      </p:sp>
-    </p:spTree>
-    <p:extLst>
-      <p:ext uri="{BB962C8B-B14F-4D97-AF65-F5344CB8AC3E}">
-        <p14:creationId xmlns:p14="http://schemas.microsoft.com/office/powerpoint/2010/main" val="2800348267"/>
-      </p:ext>
-    </p:extLst>
-  </p:cSld>
-  <p:clrMapOvr>
-    <a:masterClrMapping/>
-  </p:clrMapOvr>
-  <p:timing>
-    <p:tnLst>
-      <p:par>
-        <p:cTn id="1" dur="indefinite" restart="never" nodeType="tmRoot"/>
-      </p:par>
-    </p:tnLst>
-  </p:timing>
-</p:sld>
-</file>
-
-<file path=ppt/slides/slide21.xml><?xml version="1.0" encoding="utf-8"?>
-<p:sld xmlns:a="http://schemas.openxmlformats.org/drawingml/2006/main" xmlns:r="http://schemas.openxmlformats.org/officeDocument/2006/relationships" xmlns:p="http://schemas.openxmlformats.org/presentationml/2006/main">
-  <p:cSld>
-    <p:spTree>
-      <p:nvGrpSpPr>
-        <p:cNvPr id="1" name=""/>
-        <p:cNvGrpSpPr/>
-        <p:nvPr/>
-      </p:nvGrpSpPr>
-      <p:grpSpPr>
-        <a:xfrm>
-          <a:off x="0" y="0"/>
-          <a:ext cx="0" cy="0"/>
-          <a:chOff x="0" y="0"/>
-          <a:chExt cx="0" cy="0"/>
-        </a:xfrm>
-      </p:grpSpPr>
-      <p:sp>
-        <p:nvSpPr>
-          <p:cNvPr id="2" name="Title 1"/>
-          <p:cNvSpPr>
-            <a:spLocks noGrp="1"/>
-          </p:cNvSpPr>
-          <p:nvPr>
-            <p:ph type="title"/>
-          </p:nvPr>
-        </p:nvSpPr>
-        <p:spPr>
-          <a:xfrm>
             <a:off x="864326" y="2534195"/>
             <a:ext cx="10515600" cy="1298802"/>
           </a:xfrm>
@@ -6413,7 +6432,7 @@
 </p:sld>
 </file>
 
-<file path=ppt/slides/slide22.xml><?xml version="1.0" encoding="utf-8"?>
+<file path=ppt/slides/slide21.xml><?xml version="1.0" encoding="utf-8"?>
 <p:sld xmlns:a="http://schemas.openxmlformats.org/drawingml/2006/main" xmlns:r="http://schemas.openxmlformats.org/officeDocument/2006/relationships" xmlns:p="http://schemas.openxmlformats.org/presentationml/2006/main">
   <p:cSld>
     <p:spTree>
@@ -6504,7 +6523,7 @@
 </p:sld>
 </file>
 
-<file path=ppt/slides/slide23.xml><?xml version="1.0" encoding="utf-8"?>
+<file path=ppt/slides/slide22.xml><?xml version="1.0" encoding="utf-8"?>
 <p:sld xmlns:a="http://schemas.openxmlformats.org/drawingml/2006/main" xmlns:r="http://schemas.openxmlformats.org/officeDocument/2006/relationships" xmlns:p="http://schemas.openxmlformats.org/presentationml/2006/main">
   <p:cSld>
     <p:spTree>
